--- a/Pour_reu/reu1.pptx
+++ b/Pour_reu/reu1.pptx
@@ -10,9 +10,10 @@
     <p:sldId id="258" r:id="rId4"/>
     <p:sldId id="257" r:id="rId5"/>
     <p:sldId id="259" r:id="rId6"/>
-    <p:sldId id="262" r:id="rId7"/>
-    <p:sldId id="263" r:id="rId8"/>
-    <p:sldId id="261" r:id="rId9"/>
+    <p:sldId id="263" r:id="rId7"/>
+    <p:sldId id="261" r:id="rId8"/>
+    <p:sldId id="262" r:id="rId9"/>
+    <p:sldId id="264" r:id="rId10"/>
   </p:sldIdLst>
   <p:sldSz cx="12192000" cy="6858000"/>
   <p:notesSz cx="6858000" cy="9144000"/>
@@ -3351,7 +3352,7 @@
           <a:p>
             <a:r>
               <a:rPr lang="fr-FR" dirty="0"/>
-              <a:t>Premiers résultats LDA</a:t>
+              <a:t>Premiers résultats</a:t>
             </a:r>
           </a:p>
         </p:txBody>
@@ -3414,6 +3415,171 @@
           <a:chExt cx="0" cy="0"/>
         </a:xfrm>
       </p:grpSpPr>
+      <p:sp>
+        <p:nvSpPr>
+          <p:cNvPr id="2" name="ZoneTexte 1">
+            <a:extLst>
+              <a:ext uri="{FF2B5EF4-FFF2-40B4-BE49-F238E27FC236}">
+                <a16:creationId xmlns:a16="http://schemas.microsoft.com/office/drawing/2014/main" id="{B9ECDBEE-F389-0B4D-9FE8-8799B7CCD134}"/>
+              </a:ext>
+            </a:extLst>
+          </p:cNvPr>
+          <p:cNvSpPr txBox="1"/>
+          <p:nvPr/>
+        </p:nvSpPr>
+        <p:spPr>
+          <a:xfrm>
+            <a:off x="2946399" y="1859339"/>
+            <a:ext cx="6942667" cy="3139321"/>
+          </a:xfrm>
+          <a:prstGeom prst="rect">
+            <a:avLst/>
+          </a:prstGeom>
+          <a:noFill/>
+        </p:spPr>
+        <p:txBody>
+          <a:bodyPr wrap="square" rtlCol="0">
+            <a:spAutoFit/>
+          </a:bodyPr>
+          <a:lstStyle/>
+          <a:p>
+            <a:pPr marL="285750" indent="-285750">
+              <a:buFont typeface="Wingdings" pitchFamily="2" charset="2"/>
+              <a:buChar char="Ø"/>
+            </a:pPr>
+            <a:r>
+              <a:rPr lang="fr-FR" dirty="0" err="1"/>
+              <a:t>Scrapping</a:t>
+            </a:r>
+            <a:r>
+              <a:rPr lang="fr-FR" dirty="0"/>
+              <a:t> automatisé : exécuter le fichier __main__.</a:t>
+            </a:r>
+            <a:r>
+              <a:rPr lang="fr-FR" dirty="0" err="1"/>
+              <a:t>py</a:t>
+            </a:r>
+            <a:r>
+              <a:rPr lang="fr-FR" dirty="0"/>
+              <a:t> du dossier </a:t>
+            </a:r>
+            <a:r>
+              <a:rPr lang="fr-FR" i="1" dirty="0" err="1"/>
+              <a:t>scrapping</a:t>
+            </a:r>
+            <a:r>
+              <a:rPr lang="fr-FR" dirty="0"/>
+              <a:t> dans le terminal de commande python. </a:t>
+            </a:r>
+          </a:p>
+          <a:p>
+            <a:pPr marL="742950" lvl="1" indent="-285750">
+              <a:buFont typeface="Wingdings" pitchFamily="2" charset="2"/>
+              <a:buChar char="Ø"/>
+            </a:pPr>
+            <a:r>
+              <a:rPr lang="fr-FR" dirty="0"/>
+              <a:t>Possibilité de faire un exécutable directe avec </a:t>
+            </a:r>
+            <a:r>
+              <a:rPr lang="fr-FR" i="1" dirty="0" err="1"/>
+              <a:t>Pyinstaller</a:t>
+            </a:r>
+            <a:endParaRPr lang="fr-FR" i="1" dirty="0"/>
+          </a:p>
+          <a:p>
+            <a:pPr marL="285750" indent="-285750">
+              <a:buFont typeface="Wingdings" pitchFamily="2" charset="2"/>
+              <a:buChar char="Ø"/>
+            </a:pPr>
+            <a:endParaRPr lang="fr-FR" i="1" dirty="0"/>
+          </a:p>
+          <a:p>
+            <a:pPr marL="285750" indent="-285750">
+              <a:buFont typeface="Wingdings" pitchFamily="2" charset="2"/>
+              <a:buChar char="Ø"/>
+            </a:pPr>
+            <a:r>
+              <a:rPr lang="fr-FR" dirty="0"/>
+              <a:t>Stat </a:t>
+            </a:r>
+            <a:r>
+              <a:rPr lang="fr-FR" dirty="0" err="1"/>
+              <a:t>desc</a:t>
+            </a:r>
+            <a:r>
+              <a:rPr lang="fr-FR" dirty="0"/>
+              <a:t>, nettoyage complémentaire (voir notebook html)</a:t>
+            </a:r>
+          </a:p>
+          <a:p>
+            <a:endParaRPr lang="fr-FR" dirty="0"/>
+          </a:p>
+          <a:p>
+            <a:pPr marL="285750" indent="-285750">
+              <a:buFont typeface="Wingdings" pitchFamily="2" charset="2"/>
+              <a:buChar char="Ø"/>
+            </a:pPr>
+            <a:r>
+              <a:rPr lang="fr-FR" dirty="0" err="1"/>
+              <a:t>Réimplémentation</a:t>
+            </a:r>
+            <a:r>
+              <a:rPr lang="fr-FR" dirty="0"/>
+              <a:t> de l’approche </a:t>
+            </a:r>
+            <a:r>
+              <a:rPr lang="fr-FR" i="1" dirty="0"/>
+              <a:t>bag of </a:t>
+            </a:r>
+            <a:r>
+              <a:rPr lang="fr-FR" i="1" dirty="0" err="1"/>
+              <a:t>words</a:t>
+            </a:r>
+            <a:r>
+              <a:rPr lang="fr-FR" i="1" dirty="0"/>
+              <a:t> </a:t>
+            </a:r>
+            <a:r>
+              <a:rPr lang="fr-FR" dirty="0"/>
+              <a:t>pour la LDA avec </a:t>
+            </a:r>
+            <a:r>
+              <a:rPr lang="fr-FR" i="1" dirty="0" err="1"/>
+              <a:t>scikit-learn</a:t>
+            </a:r>
+            <a:r>
+              <a:rPr lang="fr-FR" dirty="0"/>
+              <a:t>, comparaison avec techniques NMF</a:t>
+            </a:r>
+            <a:endParaRPr lang="fr-FR" i="1" dirty="0"/>
+          </a:p>
+          <a:p>
+            <a:pPr marL="285750" indent="-285750">
+              <a:buFont typeface="Wingdings" pitchFamily="2" charset="2"/>
+              <a:buChar char="Ø"/>
+            </a:pPr>
+            <a:endParaRPr lang="fr-FR" i="1" dirty="0"/>
+          </a:p>
+          <a:p>
+            <a:pPr marL="285750" indent="-285750">
+              <a:buFont typeface="Wingdings" pitchFamily="2" charset="2"/>
+              <a:buChar char="Ø"/>
+            </a:pPr>
+            <a:r>
+              <a:rPr lang="fr-FR" dirty="0"/>
+              <a:t>Pistes bibliographiques</a:t>
+            </a:r>
+          </a:p>
+          <a:p>
+            <a:pPr marL="285750" indent="-285750">
+              <a:buFont typeface="Wingdings" pitchFamily="2" charset="2"/>
+              <a:buChar char="Ø"/>
+            </a:pPr>
+            <a:endParaRPr lang="fr-FR" dirty="0"/>
+          </a:p>
+        </p:txBody>
+      </p:sp>
     </p:spTree>
     <p:extLst>
       <p:ext uri="{BB962C8B-B14F-4D97-AF65-F5344CB8AC3E}">
@@ -3474,6 +3640,58 @@
           </a:prstGeom>
         </p:spPr>
       </p:pic>
+      <p:sp>
+        <p:nvSpPr>
+          <p:cNvPr id="3" name="ZoneTexte 2">
+            <a:extLst>
+              <a:ext uri="{FF2B5EF4-FFF2-40B4-BE49-F238E27FC236}">
+                <a16:creationId xmlns:a16="http://schemas.microsoft.com/office/drawing/2014/main" id="{792F3AE6-B8DF-794F-939C-31CBFC1585AB}"/>
+              </a:ext>
+            </a:extLst>
+          </p:cNvPr>
+          <p:cNvSpPr txBox="1"/>
+          <p:nvPr/>
+        </p:nvSpPr>
+        <p:spPr>
+          <a:xfrm>
+            <a:off x="1217083" y="831334"/>
+            <a:ext cx="6942667" cy="369332"/>
+          </a:xfrm>
+          <a:prstGeom prst="rect">
+            <a:avLst/>
+          </a:prstGeom>
+          <a:noFill/>
+        </p:spPr>
+        <p:txBody>
+          <a:bodyPr wrap="square" rtlCol="0">
+            <a:spAutoFit/>
+          </a:bodyPr>
+          <a:lstStyle/>
+          <a:p>
+            <a:r>
+              <a:rPr lang="fr-FR" dirty="0" err="1"/>
+              <a:t>Réimplémentation</a:t>
+            </a:r>
+            <a:r>
+              <a:rPr lang="fr-FR" dirty="0"/>
+              <a:t> LDA </a:t>
+            </a:r>
+            <a:r>
+              <a:rPr lang="fr-FR" i="1" dirty="0"/>
+              <a:t>bag of </a:t>
+            </a:r>
+            <a:r>
+              <a:rPr lang="fr-FR" i="1" dirty="0" err="1"/>
+              <a:t>words</a:t>
+            </a:r>
+            <a:r>
+              <a:rPr lang="fr-FR" i="1" dirty="0"/>
+              <a:t> </a:t>
+            </a:r>
+            <a:endParaRPr lang="fr-FR" dirty="0"/>
+          </a:p>
+        </p:txBody>
+      </p:sp>
     </p:spTree>
     <p:extLst>
       <p:ext uri="{BB962C8B-B14F-4D97-AF65-F5344CB8AC3E}">
@@ -3532,6 +3750,103 @@
           <a:prstGeom prst="rect">
             <a:avLst/>
           </a:prstGeom>
+        </p:spPr>
+      </p:pic>
+      <p:sp>
+        <p:nvSpPr>
+          <p:cNvPr id="10" name="Rectangle 9">
+            <a:extLst>
+              <a:ext uri="{FF2B5EF4-FFF2-40B4-BE49-F238E27FC236}">
+                <a16:creationId xmlns:a16="http://schemas.microsoft.com/office/drawing/2014/main" id="{F0D0DB8F-EFA3-6148-B6E2-524276BEC395}"/>
+              </a:ext>
+            </a:extLst>
+          </p:cNvPr>
+          <p:cNvSpPr/>
+          <p:nvPr/>
+        </p:nvSpPr>
+        <p:spPr>
+          <a:xfrm>
+            <a:off x="1390717" y="1178467"/>
+            <a:ext cx="4267963" cy="369332"/>
+          </a:xfrm>
+          <a:prstGeom prst="rect">
+            <a:avLst/>
+          </a:prstGeom>
+        </p:spPr>
+        <p:txBody>
+          <a:bodyPr wrap="none">
+            <a:spAutoFit/>
+          </a:bodyPr>
+          <a:lstStyle/>
+          <a:p>
+            <a:r>
+              <a:rPr lang="fr-FR" dirty="0"/>
+              <a:t>Non-</a:t>
+            </a:r>
+            <a:r>
+              <a:rPr lang="fr-FR" dirty="0" err="1"/>
+              <a:t>Negative</a:t>
+            </a:r>
+            <a:r>
+              <a:rPr lang="fr-FR" dirty="0"/>
+              <a:t> Matrix </a:t>
+            </a:r>
+            <a:r>
+              <a:rPr lang="fr-FR" dirty="0" err="1"/>
+              <a:t>Factorization</a:t>
+            </a:r>
+            <a:r>
+              <a:rPr lang="fr-FR" dirty="0"/>
+              <a:t> (NMF)  : </a:t>
+            </a:r>
+          </a:p>
+        </p:txBody>
+      </p:sp>
+      <p:pic>
+        <p:nvPicPr>
+          <p:cNvPr id="1026" name="Picture 2">
+            <a:extLst>
+              <a:ext uri="{FF2B5EF4-FFF2-40B4-BE49-F238E27FC236}">
+                <a16:creationId xmlns:a16="http://schemas.microsoft.com/office/drawing/2014/main" id="{408735AB-C9BB-BF41-A943-66F515786C00}"/>
+              </a:ext>
+            </a:extLst>
+          </p:cNvPr>
+          <p:cNvPicPr>
+            <a:picLocks noChangeAspect="1" noChangeArrowheads="1"/>
+          </p:cNvPicPr>
+          <p:nvPr/>
+        </p:nvPicPr>
+        <p:blipFill>
+          <a:blip r:embed="rId3">
+            <a:extLst>
+              <a:ext uri="{28A0092B-C50C-407E-A947-70E740481C1C}">
+                <a14:useLocalDpi xmlns:a14="http://schemas.microsoft.com/office/drawing/2010/main" val="0"/>
+              </a:ext>
+            </a:extLst>
+          </a:blip>
+          <a:srcRect/>
+          <a:stretch>
+            <a:fillRect/>
+          </a:stretch>
+        </p:blipFill>
+        <p:spPr bwMode="auto">
+          <a:xfrm>
+            <a:off x="6096000" y="473333"/>
+            <a:ext cx="5080000" cy="1270000"/>
+          </a:xfrm>
+          <a:prstGeom prst="rect">
+            <a:avLst/>
+          </a:prstGeom>
+          <a:noFill/>
+          <a:extLst>
+            <a:ext uri="{909E8E84-426E-40DD-AFC4-6F175D3DCCD1}">
+              <a14:hiddenFill xmlns:a14="http://schemas.microsoft.com/office/drawing/2010/main">
+                <a:solidFill>
+                  <a:srgbClr val="FFFFFF"/>
+                </a:solidFill>
+              </a14:hiddenFill>
+            </a:ext>
+          </a:extLst>
         </p:spPr>
       </p:pic>
     </p:spTree>
@@ -3594,6 +3909,103 @@
           </a:prstGeom>
         </p:spPr>
       </p:pic>
+      <p:pic>
+        <p:nvPicPr>
+          <p:cNvPr id="2050" name="Picture 2">
+            <a:extLst>
+              <a:ext uri="{FF2B5EF4-FFF2-40B4-BE49-F238E27FC236}">
+                <a16:creationId xmlns:a16="http://schemas.microsoft.com/office/drawing/2014/main" id="{56E7BF5D-D7B9-8148-8618-86D247CB8C1B}"/>
+              </a:ext>
+            </a:extLst>
+          </p:cNvPr>
+          <p:cNvPicPr>
+            <a:picLocks noChangeAspect="1" noChangeArrowheads="1"/>
+          </p:cNvPicPr>
+          <p:nvPr/>
+        </p:nvPicPr>
+        <p:blipFill>
+          <a:blip r:embed="rId3">
+            <a:extLst>
+              <a:ext uri="{28A0092B-C50C-407E-A947-70E740481C1C}">
+                <a14:useLocalDpi xmlns:a14="http://schemas.microsoft.com/office/drawing/2010/main" val="0"/>
+              </a:ext>
+            </a:extLst>
+          </a:blip>
+          <a:srcRect/>
+          <a:stretch>
+            <a:fillRect/>
+          </a:stretch>
+        </p:blipFill>
+        <p:spPr bwMode="auto">
+          <a:xfrm>
+            <a:off x="6726766" y="588434"/>
+            <a:ext cx="4699000" cy="1041400"/>
+          </a:xfrm>
+          <a:prstGeom prst="rect">
+            <a:avLst/>
+          </a:prstGeom>
+          <a:noFill/>
+          <a:extLst>
+            <a:ext uri="{909E8E84-426E-40DD-AFC4-6F175D3DCCD1}">
+              <a14:hiddenFill xmlns:a14="http://schemas.microsoft.com/office/drawing/2010/main">
+                <a:solidFill>
+                  <a:srgbClr val="FFFFFF"/>
+                </a:solidFill>
+              </a14:hiddenFill>
+            </a:ext>
+          </a:extLst>
+        </p:spPr>
+      </p:pic>
+      <p:sp>
+        <p:nvSpPr>
+          <p:cNvPr id="4" name="Rectangle 3">
+            <a:extLst>
+              <a:ext uri="{FF2B5EF4-FFF2-40B4-BE49-F238E27FC236}">
+                <a16:creationId xmlns:a16="http://schemas.microsoft.com/office/drawing/2014/main" id="{568EC3B1-AFED-424C-B129-388C670BE27A}"/>
+              </a:ext>
+            </a:extLst>
+          </p:cNvPr>
+          <p:cNvSpPr/>
+          <p:nvPr/>
+        </p:nvSpPr>
+        <p:spPr>
+          <a:xfrm>
+            <a:off x="1390717" y="1178467"/>
+            <a:ext cx="4267963" cy="369332"/>
+          </a:xfrm>
+          <a:prstGeom prst="rect">
+            <a:avLst/>
+          </a:prstGeom>
+        </p:spPr>
+        <p:txBody>
+          <a:bodyPr wrap="none">
+            <a:spAutoFit/>
+          </a:bodyPr>
+          <a:lstStyle/>
+          <a:p>
+            <a:r>
+              <a:rPr lang="fr-FR" dirty="0"/>
+              <a:t>Non-</a:t>
+            </a:r>
+            <a:r>
+              <a:rPr lang="fr-FR" dirty="0" err="1"/>
+              <a:t>Negative</a:t>
+            </a:r>
+            <a:r>
+              <a:rPr lang="fr-FR" dirty="0"/>
+              <a:t> Matrix </a:t>
+            </a:r>
+            <a:r>
+              <a:rPr lang="fr-FR" dirty="0" err="1"/>
+              <a:t>Factorization</a:t>
+            </a:r>
+            <a:r>
+              <a:rPr lang="fr-FR" dirty="0"/>
+              <a:t> (NMF)  : </a:t>
+            </a:r>
+          </a:p>
+        </p:txBody>
+      </p:sp>
     </p:spTree>
     <p:extLst>
       <p:ext uri="{BB962C8B-B14F-4D97-AF65-F5344CB8AC3E}">
@@ -3608,36 +4020,6 @@
 </file>
 
 <file path=ppt/slides/slide6.xml><?xml version="1.0" encoding="utf-8"?>
-<p:sld xmlns:a="http://schemas.openxmlformats.org/drawingml/2006/main" xmlns:r="http://schemas.openxmlformats.org/officeDocument/2006/relationships" xmlns:p="http://schemas.openxmlformats.org/presentationml/2006/main">
-  <p:cSld>
-    <p:spTree>
-      <p:nvGrpSpPr>
-        <p:cNvPr id="1" name=""/>
-        <p:cNvGrpSpPr/>
-        <p:nvPr/>
-      </p:nvGrpSpPr>
-      <p:grpSpPr>
-        <a:xfrm>
-          <a:off x="0" y="0"/>
-          <a:ext cx="0" cy="0"/>
-          <a:chOff x="0" y="0"/>
-          <a:chExt cx="0" cy="0"/>
-        </a:xfrm>
-      </p:grpSpPr>
-    </p:spTree>
-    <p:extLst>
-      <p:ext uri="{BB962C8B-B14F-4D97-AF65-F5344CB8AC3E}">
-        <p14:creationId xmlns:p14="http://schemas.microsoft.com/office/powerpoint/2010/main" val="1894231517"/>
-      </p:ext>
-    </p:extLst>
-  </p:cSld>
-  <p:clrMapOvr>
-    <a:masterClrMapping/>
-  </p:clrMapOvr>
-</p:sld>
-</file>
-
-<file path=ppt/slides/slide7.xml><?xml version="1.0" encoding="utf-8"?>
 <p:sld xmlns:a="http://schemas.openxmlformats.org/drawingml/2006/main" xmlns:r="http://schemas.openxmlformats.org/officeDocument/2006/relationships" xmlns:p="http://schemas.openxmlformats.org/presentationml/2006/main">
   <p:cSld>
     <p:spTree>
@@ -4338,7 +4720,7 @@
 </p:sld>
 </file>
 
-<file path=ppt/slides/slide8.xml><?xml version="1.0" encoding="utf-8"?>
+<file path=ppt/slides/slide7.xml><?xml version="1.0" encoding="utf-8"?>
 <p:sld xmlns:a="http://schemas.openxmlformats.org/drawingml/2006/main" xmlns:r="http://schemas.openxmlformats.org/officeDocument/2006/relationships" xmlns:p="http://schemas.openxmlformats.org/presentationml/2006/main">
   <p:cSld>
     <p:spTree>
@@ -4389,6 +4771,356 @@
     <p:extLst>
       <p:ext uri="{BB962C8B-B14F-4D97-AF65-F5344CB8AC3E}">
         <p14:creationId xmlns:p14="http://schemas.microsoft.com/office/powerpoint/2010/main" val="2286629497"/>
+      </p:ext>
+    </p:extLst>
+  </p:cSld>
+  <p:clrMapOvr>
+    <a:masterClrMapping/>
+  </p:clrMapOvr>
+</p:sld>
+</file>
+
+<file path=ppt/slides/slide8.xml><?xml version="1.0" encoding="utf-8"?>
+<p:sld xmlns:a="http://schemas.openxmlformats.org/drawingml/2006/main" xmlns:r="http://schemas.openxmlformats.org/officeDocument/2006/relationships" xmlns:p="http://schemas.openxmlformats.org/presentationml/2006/main">
+  <p:cSld>
+    <p:spTree>
+      <p:nvGrpSpPr>
+        <p:cNvPr id="1" name=""/>
+        <p:cNvGrpSpPr/>
+        <p:nvPr/>
+      </p:nvGrpSpPr>
+      <p:grpSpPr>
+        <a:xfrm>
+          <a:off x="0" y="0"/>
+          <a:ext cx="0" cy="0"/>
+          <a:chOff x="0" y="0"/>
+          <a:chExt cx="0" cy="0"/>
+        </a:xfrm>
+      </p:grpSpPr>
+      <p:pic>
+        <p:nvPicPr>
+          <p:cNvPr id="2" name="Image 1">
+            <a:extLst>
+              <a:ext uri="{FF2B5EF4-FFF2-40B4-BE49-F238E27FC236}">
+                <a16:creationId xmlns:a16="http://schemas.microsoft.com/office/drawing/2014/main" id="{66CFFCE7-A9E0-064D-8417-BF863F2FC28F}"/>
+              </a:ext>
+            </a:extLst>
+          </p:cNvPr>
+          <p:cNvPicPr>
+            <a:picLocks noChangeAspect="1"/>
+          </p:cNvPicPr>
+          <p:nvPr/>
+        </p:nvPicPr>
+        <p:blipFill>
+          <a:blip r:embed="rId2"/>
+          <a:stretch>
+            <a:fillRect/>
+          </a:stretch>
+        </p:blipFill>
+        <p:spPr>
+          <a:xfrm>
+            <a:off x="3270250" y="3058584"/>
+            <a:ext cx="6261100" cy="2501900"/>
+          </a:xfrm>
+          <a:prstGeom prst="rect">
+            <a:avLst/>
+          </a:prstGeom>
+        </p:spPr>
+      </p:pic>
+      <p:pic>
+        <p:nvPicPr>
+          <p:cNvPr id="4" name="Image 3">
+            <a:extLst>
+              <a:ext uri="{FF2B5EF4-FFF2-40B4-BE49-F238E27FC236}">
+                <a16:creationId xmlns:a16="http://schemas.microsoft.com/office/drawing/2014/main" id="{01EBD83D-07CA-9245-9A1E-B0AED99290FC}"/>
+              </a:ext>
+            </a:extLst>
+          </p:cNvPr>
+          <p:cNvPicPr>
+            <a:picLocks noChangeAspect="1"/>
+          </p:cNvPicPr>
+          <p:nvPr/>
+        </p:nvPicPr>
+        <p:blipFill>
+          <a:blip r:embed="rId3"/>
+          <a:stretch>
+            <a:fillRect/>
+          </a:stretch>
+        </p:blipFill>
+        <p:spPr>
+          <a:xfrm>
+            <a:off x="3346450" y="2498726"/>
+            <a:ext cx="5956300" cy="596900"/>
+          </a:xfrm>
+          <a:prstGeom prst="rect">
+            <a:avLst/>
+          </a:prstGeom>
+        </p:spPr>
+      </p:pic>
+      <p:pic>
+        <p:nvPicPr>
+          <p:cNvPr id="3" name="Image 2">
+            <a:extLst>
+              <a:ext uri="{FF2B5EF4-FFF2-40B4-BE49-F238E27FC236}">
+                <a16:creationId xmlns:a16="http://schemas.microsoft.com/office/drawing/2014/main" id="{A32A5915-FA5E-4B47-A8CA-0955A5F6F44D}"/>
+              </a:ext>
+            </a:extLst>
+          </p:cNvPr>
+          <p:cNvPicPr>
+            <a:picLocks noChangeAspect="1"/>
+          </p:cNvPicPr>
+          <p:nvPr/>
+        </p:nvPicPr>
+        <p:blipFill rotWithShape="1">
+          <a:blip r:embed="rId4"/>
+          <a:srcRect t="-1" b="7971"/>
+          <a:stretch/>
+        </p:blipFill>
+        <p:spPr>
+          <a:xfrm>
+            <a:off x="3346450" y="2103967"/>
+            <a:ext cx="6108700" cy="537634"/>
+          </a:xfrm>
+          <a:prstGeom prst="rect">
+            <a:avLst/>
+          </a:prstGeom>
+        </p:spPr>
+      </p:pic>
+      <p:sp>
+        <p:nvSpPr>
+          <p:cNvPr id="6" name="ZoneTexte 5">
+            <a:extLst>
+              <a:ext uri="{FF2B5EF4-FFF2-40B4-BE49-F238E27FC236}">
+                <a16:creationId xmlns:a16="http://schemas.microsoft.com/office/drawing/2014/main" id="{D958CF0F-B281-8946-B17F-4D3C3E1C3F2B}"/>
+              </a:ext>
+            </a:extLst>
+          </p:cNvPr>
+          <p:cNvSpPr txBox="1"/>
+          <p:nvPr/>
+        </p:nvSpPr>
+        <p:spPr>
+          <a:xfrm>
+            <a:off x="2032000" y="1303867"/>
+            <a:ext cx="6942667" cy="646331"/>
+          </a:xfrm>
+          <a:prstGeom prst="rect">
+            <a:avLst/>
+          </a:prstGeom>
+          <a:noFill/>
+        </p:spPr>
+        <p:txBody>
+          <a:bodyPr wrap="square" rtlCol="0">
+            <a:spAutoFit/>
+          </a:bodyPr>
+          <a:lstStyle/>
+          <a:p>
+            <a:r>
+              <a:rPr lang="fr-FR" dirty="0"/>
+              <a:t>Nouveauté</a:t>
+            </a:r>
+            <a:r>
+              <a:rPr lang="fr-FR" i="1" dirty="0"/>
+              <a:t>, </a:t>
+            </a:r>
+            <a:r>
+              <a:rPr lang="fr-FR" dirty="0" err="1"/>
+              <a:t>transcience</a:t>
+            </a:r>
+            <a:r>
+              <a:rPr lang="fr-FR" dirty="0"/>
+              <a:t> et résonance</a:t>
+            </a:r>
+          </a:p>
+          <a:p>
+            <a:endParaRPr lang="fr-FR" dirty="0"/>
+          </a:p>
+        </p:txBody>
+      </p:sp>
+    </p:spTree>
+    <p:extLst>
+      <p:ext uri="{BB962C8B-B14F-4D97-AF65-F5344CB8AC3E}">
+        <p14:creationId xmlns:p14="http://schemas.microsoft.com/office/powerpoint/2010/main" val="1894231517"/>
+      </p:ext>
+    </p:extLst>
+  </p:cSld>
+  <p:clrMapOvr>
+    <a:masterClrMapping/>
+  </p:clrMapOvr>
+</p:sld>
+</file>
+
+<file path=ppt/slides/slide9.xml><?xml version="1.0" encoding="utf-8"?>
+<p:sld xmlns:a="http://schemas.openxmlformats.org/drawingml/2006/main" xmlns:r="http://schemas.openxmlformats.org/officeDocument/2006/relationships" xmlns:p="http://schemas.openxmlformats.org/presentationml/2006/main">
+  <p:cSld>
+    <p:spTree>
+      <p:nvGrpSpPr>
+        <p:cNvPr id="1" name=""/>
+        <p:cNvGrpSpPr/>
+        <p:nvPr/>
+      </p:nvGrpSpPr>
+      <p:grpSpPr>
+        <a:xfrm>
+          <a:off x="0" y="0"/>
+          <a:ext cx="0" cy="0"/>
+          <a:chOff x="0" y="0"/>
+          <a:chExt cx="0" cy="0"/>
+        </a:xfrm>
+      </p:grpSpPr>
+      <p:sp>
+        <p:nvSpPr>
+          <p:cNvPr id="2" name="ZoneTexte 1">
+            <a:extLst>
+              <a:ext uri="{FF2B5EF4-FFF2-40B4-BE49-F238E27FC236}">
+                <a16:creationId xmlns:a16="http://schemas.microsoft.com/office/drawing/2014/main" id="{B9ECDBEE-F389-0B4D-9FE8-8799B7CCD134}"/>
+              </a:ext>
+            </a:extLst>
+          </p:cNvPr>
+          <p:cNvSpPr txBox="1"/>
+          <p:nvPr/>
+        </p:nvSpPr>
+        <p:spPr>
+          <a:xfrm>
+            <a:off x="2032000" y="1303867"/>
+            <a:ext cx="6942667" cy="3970318"/>
+          </a:xfrm>
+          <a:prstGeom prst="rect">
+            <a:avLst/>
+          </a:prstGeom>
+          <a:noFill/>
+        </p:spPr>
+        <p:txBody>
+          <a:bodyPr wrap="square" rtlCol="0">
+            <a:spAutoFit/>
+          </a:bodyPr>
+          <a:lstStyle/>
+          <a:p>
+            <a:r>
+              <a:rPr lang="fr-FR" dirty="0"/>
+              <a:t>Pistes bibliographiques</a:t>
+            </a:r>
+          </a:p>
+          <a:p>
+            <a:endParaRPr lang="fr-FR" dirty="0"/>
+          </a:p>
+          <a:p>
+            <a:endParaRPr lang="fr-FR" dirty="0"/>
+          </a:p>
+          <a:p>
+            <a:pPr marL="285750" indent="-285750">
+              <a:buFont typeface="Wingdings" pitchFamily="2" charset="2"/>
+              <a:buChar char="Ø"/>
+            </a:pPr>
+            <a:r>
+              <a:rPr lang="fr-FR" dirty="0"/>
+              <a:t>Amélioration LDA :</a:t>
+            </a:r>
+          </a:p>
+          <a:p>
+            <a:pPr marL="742950" lvl="1" indent="-285750">
+              <a:buFont typeface="Wingdings" pitchFamily="2" charset="2"/>
+              <a:buChar char="Ø"/>
+            </a:pPr>
+            <a:r>
+              <a:rPr lang="fr-FR" dirty="0"/>
+              <a:t>Méthode de LDA alternative via </a:t>
+            </a:r>
+            <a:r>
+              <a:rPr lang="fr-FR" i="1" dirty="0" err="1"/>
+              <a:t>pypi</a:t>
+            </a:r>
+            <a:r>
+              <a:rPr lang="fr-FR" dirty="0"/>
+              <a:t> utilisée dans l’article sur la RF (utilise du Gibbs </a:t>
+            </a:r>
+            <a:r>
+              <a:rPr lang="fr-FR" dirty="0" err="1"/>
+              <a:t>sampling</a:t>
+            </a:r>
+            <a:r>
+              <a:rPr lang="fr-FR" dirty="0"/>
+              <a:t> vs l’online </a:t>
+            </a:r>
+            <a:r>
+              <a:rPr lang="fr-FR" dirty="0" err="1"/>
+              <a:t>learning</a:t>
+            </a:r>
+            <a:r>
+              <a:rPr lang="fr-FR" dirty="0"/>
+              <a:t> pour </a:t>
+            </a:r>
+            <a:r>
+              <a:rPr lang="fr-FR" dirty="0" err="1"/>
+              <a:t>scikit</a:t>
+            </a:r>
+            <a:r>
+              <a:rPr lang="fr-FR" dirty="0"/>
+              <a:t> </a:t>
+            </a:r>
+            <a:r>
+              <a:rPr lang="fr-FR" dirty="0" err="1"/>
+              <a:t>learn</a:t>
+            </a:r>
+            <a:r>
+              <a:rPr lang="fr-FR" dirty="0"/>
+              <a:t>)</a:t>
+            </a:r>
+          </a:p>
+          <a:p>
+            <a:pPr marL="742950" lvl="1" indent="-285750">
+              <a:buFont typeface="Wingdings" pitchFamily="2" charset="2"/>
+              <a:buChar char="Ø"/>
+            </a:pPr>
+            <a:r>
+              <a:rPr lang="fr-FR" dirty="0"/>
+              <a:t>Visualisation T-SNE/PCA pour trouver le nombre optimal de topics </a:t>
+            </a:r>
+          </a:p>
+          <a:p>
+            <a:pPr lvl="1"/>
+            <a:endParaRPr lang="fr-FR" dirty="0"/>
+          </a:p>
+          <a:p>
+            <a:pPr marL="285750" indent="-285750">
+              <a:buFont typeface="Wingdings" pitchFamily="2" charset="2"/>
+              <a:buChar char="Ø"/>
+            </a:pPr>
+            <a:r>
+              <a:rPr lang="fr-FR" dirty="0"/>
+              <a:t>Lecture de la référence C. Moody: </a:t>
+            </a:r>
+            <a:r>
+              <a:rPr lang="fr-FR" i="1" dirty="0"/>
+              <a:t>lda2vec</a:t>
+            </a:r>
+            <a:endParaRPr lang="fr-FR" dirty="0"/>
+          </a:p>
+          <a:p>
+            <a:pPr marL="742950" lvl="1" indent="-285750">
+              <a:buFont typeface="Wingdings" pitchFamily="2" charset="2"/>
+              <a:buChar char="Ø"/>
+            </a:pPr>
+            <a:r>
+              <a:rPr lang="fr-FR" dirty="0"/>
+              <a:t>Méthode mixte avec de la vectorisation sémantique </a:t>
+            </a:r>
+            <a:r>
+              <a:rPr lang="fr-FR" i="1" dirty="0"/>
+              <a:t>word2vec/LDA</a:t>
+            </a:r>
+          </a:p>
+          <a:p>
+            <a:pPr marL="285750" indent="-285750">
+              <a:buFont typeface="Wingdings" pitchFamily="2" charset="2"/>
+              <a:buChar char="Ø"/>
+            </a:pPr>
+            <a:endParaRPr lang="fr-FR" dirty="0"/>
+          </a:p>
+        </p:txBody>
+      </p:sp>
+    </p:spTree>
+    <p:extLst>
+      <p:ext uri="{BB962C8B-B14F-4D97-AF65-F5344CB8AC3E}">
+        <p14:creationId xmlns:p14="http://schemas.microsoft.com/office/powerpoint/2010/main" val="1059437686"/>
       </p:ext>
     </p:extLst>
   </p:cSld>

--- a/Pour_reu/reu1.pptx
+++ b/Pour_reu/reu1.pptx
@@ -7,13 +7,18 @@
   <p:sldIdLst>
     <p:sldId id="256" r:id="rId2"/>
     <p:sldId id="260" r:id="rId3"/>
-    <p:sldId id="258" r:id="rId4"/>
-    <p:sldId id="257" r:id="rId5"/>
-    <p:sldId id="259" r:id="rId6"/>
-    <p:sldId id="263" r:id="rId7"/>
-    <p:sldId id="261" r:id="rId8"/>
-    <p:sldId id="262" r:id="rId9"/>
-    <p:sldId id="264" r:id="rId10"/>
+    <p:sldId id="265" r:id="rId4"/>
+    <p:sldId id="266" r:id="rId5"/>
+    <p:sldId id="267" r:id="rId6"/>
+    <p:sldId id="268" r:id="rId7"/>
+    <p:sldId id="269" r:id="rId8"/>
+    <p:sldId id="261" r:id="rId9"/>
+    <p:sldId id="270" r:id="rId10"/>
+    <p:sldId id="271" r:id="rId11"/>
+    <p:sldId id="258" r:id="rId12"/>
+    <p:sldId id="257" r:id="rId13"/>
+    <p:sldId id="259" r:id="rId14"/>
+    <p:sldId id="263" r:id="rId15"/>
   </p:sldIdLst>
   <p:sldSz cx="12192000" cy="6858000"/>
   <p:notesSz cx="6858000" cy="9144000"/>
@@ -113,6 +118,96 @@
     </a:lvl9pPr>
   </p:defaultTextStyle>
 </p:presentation>
+</file>
+
+<file path=ppt/ink/ink1.xml><?xml version="1.0" encoding="utf-8"?>
+<inkml:ink xmlns:inkml="http://www.w3.org/2003/InkML">
+  <inkml:definitions>
+    <inkml:context xml:id="ctx0">
+      <inkml:inkSource xml:id="inkSrc0">
+        <inkml:traceFormat>
+          <inkml:channel name="X" type="integer" min="-2.14748E9" max="2.14748E9" units="cm"/>
+          <inkml:channel name="Y" type="integer" min="-2.14748E9" max="2.14748E9" units="cm"/>
+          <inkml:channel name="F" type="integer" max="32767" units="dev"/>
+        </inkml:traceFormat>
+        <inkml:channelProperties>
+          <inkml:channelProperty channel="X" name="resolution" value="1000" units="1/cm"/>
+          <inkml:channelProperty channel="Y" name="resolution" value="1000" units="1/cm"/>
+          <inkml:channelProperty channel="F" name="resolution" value="0" units="1/dev"/>
+        </inkml:channelProperties>
+      </inkml:inkSource>
+      <inkml:timestamp xml:id="ts0" timeString="2021-09-10T15:49:43.493"/>
+    </inkml:context>
+    <inkml:brush xml:id="br0">
+      <inkml:brushProperty name="width" value="0.3" units="cm"/>
+      <inkml:brushProperty name="height" value="0.6" units="cm"/>
+      <inkml:brushProperty name="color" value="#FFACD5"/>
+      <inkml:brushProperty name="tip" value="rectangle"/>
+      <inkml:brushProperty name="rasterOp" value="maskPen"/>
+    </inkml:brush>
+  </inkml:definitions>
+  <inkml:trace contextRef="#ctx0" brushRef="#br0">9955 11 16383,'-63'0'0,"-14"0"0,-2 0 0,29 0 0,-3 0 0,-4 0 0,-2 0 0,-9 0 0,-2 0 0,-10 0 0,-3 0 0,-3 0 0,-3 0 0,19 0 0,-2 0 0,1 0 0,-26 1 0,0-2 0,23-1 0,-2-1 0,1 0 0,7 2 0,1 0 0,-1 1 0,-3 2 0,-2 1 0,2 0 0,-25-2 0,1 2 0,0 9 0,5-1 0,27-10 0,3 0 0,-12 6 0,3 0 0,-31-5 0,46 1 0,1 0 0,-41-3 0,19 0 0,-1 0 0,8 6 0,2-5 0,14 4 0,2-5 0,13 0 0,-5 0 0,10 0 0,-3 0 0,10 0 0,-4 0 0,5 0 0,-1 0 0,-3 0 0,8 0 0,-8 0 0,-5 0 0,6 0 0,-9 0 0,16 0 0,-3 0 0,5 0 0,0 0 0,-6 0 0,5 0 0,-5 0 0,6 0 0,0 0 0,0 0 0,0 0 0,0 0 0,-1 0 0,1 0 0,0 0 0,0 0 0,0 0 0,0 0 0,0 0 0,-6 0 0,5 0 0,-10 0 0,10 0 0,-10 0 0,5 0 0,-1 0 0,-4 0 0,10 0 0,-10 0 0,5 0 0,-6 0 0,-6 0 0,5 0 0,-11 0 0,4 0 0,-5 0 0,6 0 0,-5 0 0,4 0 0,-5 0 0,6 0 0,-5 0 0,4 0 0,-5 0 0,6 0 0,-5 0 0,5 0 0,-7 0 0,7 0 0,-5 0 0,11 0 0,-5 0 0,0 0 0,5 0 0,-5 0 0,6 0 0,5 0 0,-3 0 0,3 0 0,1 0 0,-5 0 0,4 0 0,1-4 0,0 3 0,1-3 0,3 4 0,-3-4 0,5 3 0,0-3 0,-6 0 0,5 3 0,-10-4 0,-8 5 0,-3 0 0,-10 0 0,6 0 0,1 0 0,0 0 0,-1 0 0,1 0 0,6 0 0,1 0 0,11 0 0,2 0 0,10 0 0,-9 0 0,2 0 0,-5 0 0,6 0 0,7 0 0,-4 0 0,-7 0 0,0 0 0,-9 0 0,7 0 0,-5 0 0,0 0 0,0 0 0,1 0 0,-1 0 0,0 0 0,0 0 0,0 0 0,0 0 0,0 0 0,0 0 0,-5 0 0,-3 0 0,-5 0 0,0 0 0,5 0 0,-4 0 0,11 0 0,-5 0 0,12 0 0,-5 0 0,14 4 0,-7-3 0,13 6 0,-9-6 0,2 6 0,1-6 0,-4 3 0,6-4 0,-8 0 0,2 0 0,-3 0 0,4 0 0,-6 0 0,5 0 0,-10 0 0,5 0 0,-12 0 0,5 0 0,-11 0 0,4 0 0,-5 0 0,6 0 0,-5 0 0,11 0 0,-5 0 0,6 0 0,0 0 0,0 0 0,0 0 0,6 0 0,-5 0 0,4 0 0,-4 0 0,-1 0 0,0 0 0,0 0 0,5 0 0,-9 0 0,8 0 0,-16 0 0,10 0 0,-9 0 0,3 0 0,1 0 0,1 0 0,0 4 0,5-2 0,-5 7 0,6-8 0,5 8 0,-3-8 0,3 3 0,0-4 0,-3 0 0,3 0 0,-5 0 0,0 0 0,-5 0 0,3 0 0,-10 0 0,5 0 0,-6 0 0,-1 0 0,1 0 0,0 0 0,-1 0 0,7 0 0,-5 0 0,5 0 0,-1 0 0,-3 0 0,3 0 0,1 0 0,-5 0 0,11 0 0,-5 0 0,11 0 0,-3 0 0,8 0 0,1 0 0,2 0 0,0 0 0,2 0 0,-9 0 0,14 0 0,-11 0 0,4 0 0,-2 0 0,-3 0 0,4 0 0,0 0 0,-1 0 0,1 0 0,0 0 0,4 0 0,-3 0 0,4 0 0,-9 0 0,3 0 0,1 0 0,-2 0 0,10 0 0,-10 0 0,8 0 0</inkml:trace>
+</inkml:ink>
+</file>
+
+<file path=ppt/ink/ink2.xml><?xml version="1.0" encoding="utf-8"?>
+<inkml:ink xmlns:inkml="http://www.w3.org/2003/InkML">
+  <inkml:definitions>
+    <inkml:context xml:id="ctx0">
+      <inkml:inkSource xml:id="inkSrc0">
+        <inkml:traceFormat>
+          <inkml:channel name="X" type="integer" min="-2.14748E9" max="2.14748E9" units="cm"/>
+          <inkml:channel name="Y" type="integer" min="-2.14748E9" max="2.14748E9" units="cm"/>
+          <inkml:channel name="F" type="integer" max="32767" units="dev"/>
+        </inkml:traceFormat>
+        <inkml:channelProperties>
+          <inkml:channelProperty channel="X" name="resolution" value="1000" units="1/cm"/>
+          <inkml:channelProperty channel="Y" name="resolution" value="1000" units="1/cm"/>
+          <inkml:channelProperty channel="F" name="resolution" value="0" units="1/dev"/>
+        </inkml:channelProperties>
+      </inkml:inkSource>
+      <inkml:timestamp xml:id="ts0" timeString="2021-09-10T15:57:00.178"/>
+    </inkml:context>
+    <inkml:brush xml:id="br0">
+      <inkml:brushProperty name="width" value="0.3" units="cm"/>
+      <inkml:brushProperty name="height" value="0.6" units="cm"/>
+      <inkml:brushProperty name="color" value="#FFFC00"/>
+      <inkml:brushProperty name="tip" value="rectangle"/>
+      <inkml:brushProperty name="rasterOp" value="maskPen"/>
+    </inkml:brush>
+  </inkml:definitions>
+  <inkml:trace contextRef="#ctx0" brushRef="#br0">1 0 16383,'41'4'0,"-9"0"0,-19-4 0,-5 0 0,11 0 0,-5 0 0,6 0 0,-5 0 0,-2 0 0,4 0 0,-1 0 0,2 0 0,-5 0 0,4 0 0,-4 0 0,4 0 0,0 0 0,-1 0 0,0 0 0,4 3 0,-6 2 0,2 0 0,0 6 0,-6-10 0,9 10 0,-6-10 0,-1 6 0,0-2 0</inkml:trace>
+</inkml:ink>
+</file>
+
+<file path=ppt/ink/ink3.xml><?xml version="1.0" encoding="utf-8"?>
+<inkml:ink xmlns:inkml="http://www.w3.org/2003/InkML">
+  <inkml:definitions>
+    <inkml:context xml:id="ctx0">
+      <inkml:inkSource xml:id="inkSrc0">
+        <inkml:traceFormat>
+          <inkml:channel name="X" type="integer" min="-2.14748E9" max="2.14748E9" units="cm"/>
+          <inkml:channel name="Y" type="integer" min="-2.14748E9" max="2.14748E9" units="cm"/>
+          <inkml:channel name="F" type="integer" max="32767" units="dev"/>
+        </inkml:traceFormat>
+        <inkml:channelProperties>
+          <inkml:channelProperty channel="X" name="resolution" value="1000" units="1/cm"/>
+          <inkml:channelProperty channel="Y" name="resolution" value="1000" units="1/cm"/>
+          <inkml:channelProperty channel="F" name="resolution" value="0" units="1/dev"/>
+        </inkml:channelProperties>
+      </inkml:inkSource>
+      <inkml:timestamp xml:id="ts0" timeString="2021-09-10T15:57:03.011"/>
+    </inkml:context>
+    <inkml:brush xml:id="br0">
+      <inkml:brushProperty name="width" value="0.3" units="cm"/>
+      <inkml:brushProperty name="height" value="0.6" units="cm"/>
+      <inkml:brushProperty name="color" value="#FFFC00"/>
+      <inkml:brushProperty name="tip" value="rectangle"/>
+      <inkml:brushProperty name="rasterOp" value="maskPen"/>
+    </inkml:brush>
+  </inkml:definitions>
+  <inkml:trace contextRef="#ctx0" brushRef="#br0">1 3 16383,'45'0'0,"-10"0"0,-19 0 0,-6 0 0,14 0 0,-13 0 0,9 0 0,-4 0 0,-6 0 0,12 0 0,-8 0 0,2 0 0,3 3 0,-9 2 0,5 7 0,-4 0 0,-6 1 0,6 2 0,3-10 0,0-5 0,8-9 0,-9-4 0,-1 1 0,0 4 0,1-1 0,5 1 0,-6 3 0,4 2 0,-3 3 0</inkml:trace>
+</inkml:ink>
 </file>
 
 <file path=ppt/slideLayouts/slideLayout1.xml><?xml version="1.0" encoding="utf-8"?>
@@ -3383,6 +3478,12 @@
               <a:t>Claire He</a:t>
             </a:r>
           </a:p>
+          <a:p>
+            <a:r>
+              <a:rPr lang="fr-FR" dirty="0"/>
+              <a:t>Réunion du 10/09</a:t>
+            </a:r>
+          </a:p>
         </p:txBody>
       </p:sp>
     </p:spTree>
@@ -3398,7 +3499,7 @@
 </p:sld>
 </file>
 
-<file path=ppt/slides/slide2.xml><?xml version="1.0" encoding="utf-8"?>
+<file path=ppt/slides/slide10.xml><?xml version="1.0" encoding="utf-8"?>
 <p:sld xmlns:a="http://schemas.openxmlformats.org/drawingml/2006/main" xmlns:r="http://schemas.openxmlformats.org/officeDocument/2006/relationships" xmlns:p="http://schemas.openxmlformats.org/presentationml/2006/main">
   <p:cSld>
     <p:spTree>
@@ -3417,173 +3518,64 @@
       </p:grpSpPr>
       <p:sp>
         <p:nvSpPr>
-          <p:cNvPr id="2" name="ZoneTexte 1">
-            <a:extLst>
-              <a:ext uri="{FF2B5EF4-FFF2-40B4-BE49-F238E27FC236}">
-                <a16:creationId xmlns:a16="http://schemas.microsoft.com/office/drawing/2014/main" id="{B9ECDBEE-F389-0B4D-9FE8-8799B7CCD134}"/>
-              </a:ext>
-            </a:extLst>
-          </p:cNvPr>
-          <p:cNvSpPr txBox="1"/>
-          <p:nvPr/>
-        </p:nvSpPr>
-        <p:spPr>
-          <a:xfrm>
-            <a:off x="2946399" y="1859339"/>
-            <a:ext cx="6942667" cy="3139321"/>
-          </a:xfrm>
-          <a:prstGeom prst="rect">
-            <a:avLst/>
-          </a:prstGeom>
-          <a:noFill/>
-        </p:spPr>
-        <p:txBody>
-          <a:bodyPr wrap="square" rtlCol="0">
-            <a:spAutoFit/>
-          </a:bodyPr>
-          <a:lstStyle/>
-          <a:p>
-            <a:pPr marL="285750" indent="-285750">
-              <a:buFont typeface="Wingdings" pitchFamily="2" charset="2"/>
-              <a:buChar char="Ø"/>
-            </a:pPr>
-            <a:r>
-              <a:rPr lang="fr-FR" dirty="0" err="1"/>
-              <a:t>Scrapping</a:t>
-            </a:r>
-            <a:r>
-              <a:rPr lang="fr-FR" dirty="0"/>
-              <a:t> automatisé : exécuter le fichier __main__.</a:t>
-            </a:r>
-            <a:r>
-              <a:rPr lang="fr-FR" dirty="0" err="1"/>
-              <a:t>py</a:t>
-            </a:r>
-            <a:r>
-              <a:rPr lang="fr-FR" dirty="0"/>
-              <a:t> du dossier </a:t>
-            </a:r>
-            <a:r>
-              <a:rPr lang="fr-FR" i="1" dirty="0" err="1"/>
-              <a:t>scrapping</a:t>
-            </a:r>
-            <a:r>
-              <a:rPr lang="fr-FR" dirty="0"/>
-              <a:t> dans le terminal de commande python. </a:t>
-            </a:r>
-          </a:p>
-          <a:p>
-            <a:pPr marL="742950" lvl="1" indent="-285750">
-              <a:buFont typeface="Wingdings" pitchFamily="2" charset="2"/>
-              <a:buChar char="Ø"/>
-            </a:pPr>
-            <a:r>
-              <a:rPr lang="fr-FR" dirty="0"/>
-              <a:t>Possibilité de faire un exécutable directe avec </a:t>
-            </a:r>
-            <a:r>
-              <a:rPr lang="fr-FR" i="1" dirty="0" err="1"/>
-              <a:t>Pyinstaller</a:t>
-            </a:r>
-            <a:endParaRPr lang="fr-FR" i="1" dirty="0"/>
-          </a:p>
-          <a:p>
-            <a:pPr marL="285750" indent="-285750">
-              <a:buFont typeface="Wingdings" pitchFamily="2" charset="2"/>
-              <a:buChar char="Ø"/>
-            </a:pPr>
-            <a:endParaRPr lang="fr-FR" i="1" dirty="0"/>
-          </a:p>
-          <a:p>
-            <a:pPr marL="285750" indent="-285750">
-              <a:buFont typeface="Wingdings" pitchFamily="2" charset="2"/>
-              <a:buChar char="Ø"/>
-            </a:pPr>
-            <a:r>
-              <a:rPr lang="fr-FR" dirty="0"/>
-              <a:t>Stat </a:t>
-            </a:r>
-            <a:r>
-              <a:rPr lang="fr-FR" dirty="0" err="1"/>
-              <a:t>desc</a:t>
-            </a:r>
-            <a:r>
-              <a:rPr lang="fr-FR" dirty="0"/>
-              <a:t>, nettoyage complémentaire (voir notebook html)</a:t>
-            </a:r>
-          </a:p>
-          <a:p>
-            <a:endParaRPr lang="fr-FR" dirty="0"/>
-          </a:p>
-          <a:p>
-            <a:pPr marL="285750" indent="-285750">
-              <a:buFont typeface="Wingdings" pitchFamily="2" charset="2"/>
-              <a:buChar char="Ø"/>
-            </a:pPr>
-            <a:r>
-              <a:rPr lang="fr-FR" dirty="0" err="1"/>
-              <a:t>Réimplémentation</a:t>
-            </a:r>
-            <a:r>
-              <a:rPr lang="fr-FR" dirty="0"/>
-              <a:t> de l’approche </a:t>
-            </a:r>
-            <a:r>
-              <a:rPr lang="fr-FR" i="1" dirty="0"/>
-              <a:t>bag of </a:t>
-            </a:r>
-            <a:r>
-              <a:rPr lang="fr-FR" i="1" dirty="0" err="1"/>
-              <a:t>words</a:t>
-            </a:r>
-            <a:r>
-              <a:rPr lang="fr-FR" i="1" dirty="0"/>
-              <a:t> </a:t>
-            </a:r>
-            <a:r>
-              <a:rPr lang="fr-FR" dirty="0"/>
-              <a:t>pour la LDA avec </a:t>
-            </a:r>
-            <a:r>
-              <a:rPr lang="fr-FR" i="1" dirty="0" err="1"/>
-              <a:t>scikit-learn</a:t>
-            </a:r>
-            <a:r>
-              <a:rPr lang="fr-FR" dirty="0"/>
-              <a:t>, comparaison avec techniques NMF</a:t>
-            </a:r>
-            <a:endParaRPr lang="fr-FR" i="1" dirty="0"/>
-          </a:p>
-          <a:p>
-            <a:pPr marL="285750" indent="-285750">
-              <a:buFont typeface="Wingdings" pitchFamily="2" charset="2"/>
-              <a:buChar char="Ø"/>
-            </a:pPr>
-            <a:endParaRPr lang="fr-FR" i="1" dirty="0"/>
-          </a:p>
-          <a:p>
-            <a:pPr marL="285750" indent="-285750">
-              <a:buFont typeface="Wingdings" pitchFamily="2" charset="2"/>
-              <a:buChar char="Ø"/>
-            </a:pPr>
-            <a:r>
-              <a:rPr lang="fr-FR" dirty="0"/>
-              <a:t>Pistes bibliographiques</a:t>
-            </a:r>
-          </a:p>
-          <a:p>
-            <a:pPr marL="285750" indent="-285750">
-              <a:buFont typeface="Wingdings" pitchFamily="2" charset="2"/>
-              <a:buChar char="Ø"/>
-            </a:pPr>
-            <a:endParaRPr lang="fr-FR" dirty="0"/>
+          <p:cNvPr id="2" name="Titre 1">
+            <a:extLst>
+              <a:ext uri="{FF2B5EF4-FFF2-40B4-BE49-F238E27FC236}">
+                <a16:creationId xmlns:a16="http://schemas.microsoft.com/office/drawing/2014/main" id="{2218612B-AB70-7241-9794-303C3EC5123A}"/>
+              </a:ext>
+            </a:extLst>
+          </p:cNvPr>
+          <p:cNvSpPr>
+            <a:spLocks noGrp="1"/>
+          </p:cNvSpPr>
+          <p:nvPr>
+            <p:ph type="title"/>
+          </p:nvPr>
+        </p:nvSpPr>
+        <p:spPr/>
+        <p:txBody>
+          <a:bodyPr/>
+          <a:lstStyle/>
+          <a:p>
+            <a:r>
+              <a:rPr lang="fr-FR" dirty="0"/>
+              <a:t>Résultats annexes</a:t>
+            </a:r>
+          </a:p>
+        </p:txBody>
+      </p:sp>
+      <p:sp>
+        <p:nvSpPr>
+          <p:cNvPr id="3" name="Espace réservé du texte 2">
+            <a:extLst>
+              <a:ext uri="{FF2B5EF4-FFF2-40B4-BE49-F238E27FC236}">
+                <a16:creationId xmlns:a16="http://schemas.microsoft.com/office/drawing/2014/main" id="{9F9164CC-CF58-184E-B2F9-A36FBFB6221A}"/>
+              </a:ext>
+            </a:extLst>
+          </p:cNvPr>
+          <p:cNvSpPr>
+            <a:spLocks noGrp="1"/>
+          </p:cNvSpPr>
+          <p:nvPr>
+            <p:ph type="body" idx="1"/>
+          </p:nvPr>
+        </p:nvSpPr>
+        <p:spPr/>
+        <p:txBody>
+          <a:bodyPr/>
+          <a:lstStyle/>
+          <a:p>
+            <a:r>
+              <a:rPr lang="fr-FR" dirty="0"/>
+              <a:t>Divers tests exploratoires</a:t>
+            </a:r>
           </a:p>
         </p:txBody>
       </p:sp>
     </p:spTree>
     <p:extLst>
       <p:ext uri="{BB962C8B-B14F-4D97-AF65-F5344CB8AC3E}">
-        <p14:creationId xmlns:p14="http://schemas.microsoft.com/office/powerpoint/2010/main" val="880636816"/>
+        <p14:creationId xmlns:p14="http://schemas.microsoft.com/office/powerpoint/2010/main" val="173286377"/>
       </p:ext>
     </p:extLst>
   </p:cSld>
@@ -3593,7 +3585,7 @@
 </p:sld>
 </file>
 
-<file path=ppt/slides/slide3.xml><?xml version="1.0" encoding="utf-8"?>
+<file path=ppt/slides/slide11.xml><?xml version="1.0" encoding="utf-8"?>
 <p:sld xmlns:a="http://schemas.openxmlformats.org/drawingml/2006/main" xmlns:r="http://schemas.openxmlformats.org/officeDocument/2006/relationships" xmlns:p="http://schemas.openxmlformats.org/presentationml/2006/main">
   <p:cSld>
     <p:spTree>
@@ -3654,7 +3646,7 @@
         </p:nvSpPr>
         <p:spPr>
           <a:xfrm>
-            <a:off x="1217083" y="831334"/>
+            <a:off x="1217083" y="1569535"/>
             <a:ext cx="6942667" cy="369332"/>
           </a:xfrm>
           <a:prstGeom prst="rect">
@@ -3689,6 +3681,34 @@
               <a:t> </a:t>
             </a:r>
             <a:endParaRPr lang="fr-FR" dirty="0"/>
+          </a:p>
+        </p:txBody>
+      </p:sp>
+      <p:sp>
+        <p:nvSpPr>
+          <p:cNvPr id="4" name="Titre 3">
+            <a:extLst>
+              <a:ext uri="{FF2B5EF4-FFF2-40B4-BE49-F238E27FC236}">
+                <a16:creationId xmlns:a16="http://schemas.microsoft.com/office/drawing/2014/main" id="{1942FCB7-03B6-214D-9C62-43130CF4A880}"/>
+              </a:ext>
+            </a:extLst>
+          </p:cNvPr>
+          <p:cNvSpPr>
+            <a:spLocks noGrp="1"/>
+          </p:cNvSpPr>
+          <p:nvPr>
+            <p:ph type="title"/>
+          </p:nvPr>
+        </p:nvSpPr>
+        <p:spPr/>
+        <p:txBody>
+          <a:bodyPr/>
+          <a:lstStyle/>
+          <a:p>
+            <a:r>
+              <a:rPr lang="fr-FR" dirty="0"/>
+              <a:t>Résultats : LDA à 10 topics</a:t>
+            </a:r>
           </a:p>
         </p:txBody>
       </p:sp>
@@ -3705,7 +3725,7 @@
 </p:sld>
 </file>
 
-<file path=ppt/slides/slide4.xml><?xml version="1.0" encoding="utf-8"?>
+<file path=ppt/slides/slide12.xml><?xml version="1.0" encoding="utf-8"?>
 <p:sld xmlns:a="http://schemas.openxmlformats.org/drawingml/2006/main" xmlns:r="http://schemas.openxmlformats.org/officeDocument/2006/relationships" xmlns:p="http://schemas.openxmlformats.org/presentationml/2006/main">
   <p:cSld>
     <p:spTree>
@@ -3766,7 +3786,7 @@
         </p:nvSpPr>
         <p:spPr>
           <a:xfrm>
-            <a:off x="1390717" y="1178467"/>
+            <a:off x="838200" y="1321356"/>
             <a:ext cx="4267963" cy="369332"/>
           </a:xfrm>
           <a:prstGeom prst="rect">
@@ -3849,6 +3869,34 @@
           </a:extLst>
         </p:spPr>
       </p:pic>
+      <p:sp>
+        <p:nvSpPr>
+          <p:cNvPr id="13" name="Titre 12">
+            <a:extLst>
+              <a:ext uri="{FF2B5EF4-FFF2-40B4-BE49-F238E27FC236}">
+                <a16:creationId xmlns:a16="http://schemas.microsoft.com/office/drawing/2014/main" id="{7382401D-18E7-8049-B388-E8FDB9CC0A07}"/>
+              </a:ext>
+            </a:extLst>
+          </p:cNvPr>
+          <p:cNvSpPr>
+            <a:spLocks noGrp="1"/>
+          </p:cNvSpPr>
+          <p:nvPr>
+            <p:ph type="title"/>
+          </p:nvPr>
+        </p:nvSpPr>
+        <p:spPr/>
+        <p:txBody>
+          <a:bodyPr/>
+          <a:lstStyle/>
+          <a:p>
+            <a:r>
+              <a:rPr lang="fr-FR" dirty="0"/>
+              <a:t>Résultats : NMF</a:t>
+            </a:r>
+          </a:p>
+        </p:txBody>
+      </p:sp>
     </p:spTree>
     <p:extLst>
       <p:ext uri="{BB962C8B-B14F-4D97-AF65-F5344CB8AC3E}">
@@ -3862,7 +3910,7 @@
 </p:sld>
 </file>
 
-<file path=ppt/slides/slide5.xml><?xml version="1.0" encoding="utf-8"?>
+<file path=ppt/slides/slide13.xml><?xml version="1.0" encoding="utf-8"?>
 <p:sld xmlns:a="http://schemas.openxmlformats.org/drawingml/2006/main" xmlns:r="http://schemas.openxmlformats.org/officeDocument/2006/relationships" xmlns:p="http://schemas.openxmlformats.org/presentationml/2006/main">
   <p:cSld>
     <p:spTree>
@@ -4006,6 +4054,59 @@
           </a:p>
         </p:txBody>
       </p:sp>
+      <p:sp>
+        <p:nvSpPr>
+          <p:cNvPr id="5" name="Titre 12">
+            <a:extLst>
+              <a:ext uri="{FF2B5EF4-FFF2-40B4-BE49-F238E27FC236}">
+                <a16:creationId xmlns:a16="http://schemas.microsoft.com/office/drawing/2014/main" id="{8A74C339-9D9C-554F-BCD8-F633EF1F1ECB}"/>
+              </a:ext>
+            </a:extLst>
+          </p:cNvPr>
+          <p:cNvSpPr txBox="1">
+            <a:spLocks/>
+          </p:cNvSpPr>
+          <p:nvPr/>
+        </p:nvSpPr>
+        <p:spPr>
+          <a:xfrm>
+            <a:off x="838200" y="365125"/>
+            <a:ext cx="10515600" cy="1325563"/>
+          </a:xfrm>
+          <a:prstGeom prst="rect">
+            <a:avLst/>
+          </a:prstGeom>
+        </p:spPr>
+        <p:txBody>
+          <a:bodyPr/>
+          <a:lstStyle>
+            <a:lvl1pPr algn="l" defTabSz="914400" rtl="0" eaLnBrk="1" latinLnBrk="0" hangingPunct="1">
+              <a:lnSpc>
+                <a:spcPct val="90000"/>
+              </a:lnSpc>
+              <a:spcBef>
+                <a:spcPct val="0"/>
+              </a:spcBef>
+              <a:buNone/>
+              <a:defRPr sz="4400" kern="1200">
+                <a:solidFill>
+                  <a:schemeClr val="tx1"/>
+                </a:solidFill>
+                <a:latin typeface="+mj-lt"/>
+                <a:ea typeface="+mj-ea"/>
+                <a:cs typeface="+mj-cs"/>
+              </a:defRPr>
+            </a:lvl1pPr>
+          </a:lstStyle>
+          <a:p>
+            <a:r>
+              <a:rPr lang="fr-FR"/>
+              <a:t>Résultats : NMF</a:t>
+            </a:r>
+            <a:endParaRPr lang="fr-FR" dirty="0"/>
+          </a:p>
+        </p:txBody>
+      </p:sp>
     </p:spTree>
     <p:extLst>
       <p:ext uri="{BB962C8B-B14F-4D97-AF65-F5344CB8AC3E}">
@@ -4019,7 +4120,7 @@
 </p:sld>
 </file>
 
-<file path=ppt/slides/slide6.xml><?xml version="1.0" encoding="utf-8"?>
+<file path=ppt/slides/slide14.xml><?xml version="1.0" encoding="utf-8"?>
 <p:sld xmlns:a="http://schemas.openxmlformats.org/drawingml/2006/main" xmlns:r="http://schemas.openxmlformats.org/officeDocument/2006/relationships" xmlns:p="http://schemas.openxmlformats.org/presentationml/2006/main">
   <p:cSld>
     <p:spTree>
@@ -4707,10 +4808,2574 @@
           </a:p>
         </p:txBody>
       </p:sp>
+      <p:sp>
+        <p:nvSpPr>
+          <p:cNvPr id="23" name="Titre 22">
+            <a:extLst>
+              <a:ext uri="{FF2B5EF4-FFF2-40B4-BE49-F238E27FC236}">
+                <a16:creationId xmlns:a16="http://schemas.microsoft.com/office/drawing/2014/main" id="{350FF164-FEDF-6E45-BACA-71FE86A1C637}"/>
+              </a:ext>
+            </a:extLst>
+          </p:cNvPr>
+          <p:cNvSpPr>
+            <a:spLocks noGrp="1"/>
+          </p:cNvSpPr>
+          <p:nvPr>
+            <p:ph type="title"/>
+          </p:nvPr>
+        </p:nvSpPr>
+        <p:spPr>
+          <a:xfrm>
+            <a:off x="7679266" y="365125"/>
+            <a:ext cx="3674533" cy="1325563"/>
+          </a:xfrm>
+        </p:spPr>
+        <p:txBody>
+          <a:bodyPr>
+            <a:normAutofit fontScale="90000"/>
+          </a:bodyPr>
+          <a:lstStyle/>
+          <a:p>
+            <a:r>
+              <a:rPr lang="fr-FR" dirty="0"/>
+              <a:t>Comparaison au travail d’Etienne</a:t>
+            </a:r>
+          </a:p>
+        </p:txBody>
+      </p:sp>
+      <p:sp>
+        <p:nvSpPr>
+          <p:cNvPr id="24" name="Rectangle 23">
+            <a:extLst>
+              <a:ext uri="{FF2B5EF4-FFF2-40B4-BE49-F238E27FC236}">
+                <a16:creationId xmlns:a16="http://schemas.microsoft.com/office/drawing/2014/main" id="{D242690E-D1A9-B641-8DDC-D6F948530F49}"/>
+              </a:ext>
+            </a:extLst>
+          </p:cNvPr>
+          <p:cNvSpPr/>
+          <p:nvPr/>
+        </p:nvSpPr>
+        <p:spPr>
+          <a:xfrm>
+            <a:off x="7808264" y="1681585"/>
+            <a:ext cx="3888198" cy="1477328"/>
+          </a:xfrm>
+          <a:prstGeom prst="rect">
+            <a:avLst/>
+          </a:prstGeom>
+        </p:spPr>
+        <p:txBody>
+          <a:bodyPr wrap="square">
+            <a:spAutoFit/>
+          </a:bodyPr>
+          <a:lstStyle/>
+          <a:p>
+            <a:r>
+              <a:rPr lang="fr-FR" dirty="0">
+                <a:effectLst/>
+                <a:latin typeface="Helvetica" pitchFamily="2" charset="0"/>
+              </a:rPr>
+              <a:t>Le </a:t>
+            </a:r>
+            <a:r>
+              <a:rPr lang="fr-FR" dirty="0" err="1">
+                <a:effectLst/>
+                <a:latin typeface="Helvetica" pitchFamily="2" charset="0"/>
+              </a:rPr>
+              <a:t>dataset</a:t>
+            </a:r>
+            <a:r>
+              <a:rPr lang="fr-FR" dirty="0">
+                <a:effectLst/>
+                <a:latin typeface="Helvetica" pitchFamily="2" charset="0"/>
+              </a:rPr>
+              <a:t> a été mis à jour sur l’année 2015. </a:t>
+            </a:r>
+          </a:p>
+          <a:p>
+            <a:r>
+              <a:rPr lang="fr-FR" dirty="0">
+                <a:latin typeface="Helvetica" pitchFamily="2" charset="0"/>
+              </a:rPr>
+              <a:t>Je n’ai pas réussi à exploiter les codes d’Etienne sur la LDA (pas trouvé le code correspondant).</a:t>
+            </a:r>
+            <a:endParaRPr lang="fr-FR" dirty="0">
+              <a:effectLst/>
+              <a:latin typeface="Helvetica" pitchFamily="2" charset="0"/>
+            </a:endParaRPr>
+          </a:p>
+        </p:txBody>
+      </p:sp>
     </p:spTree>
     <p:extLst>
       <p:ext uri="{BB962C8B-B14F-4D97-AF65-F5344CB8AC3E}">
         <p14:creationId xmlns:p14="http://schemas.microsoft.com/office/powerpoint/2010/main" val="3613334905"/>
+      </p:ext>
+    </p:extLst>
+  </p:cSld>
+  <p:clrMapOvr>
+    <a:masterClrMapping/>
+  </p:clrMapOvr>
+</p:sld>
+</file>
+
+<file path=ppt/slides/slide2.xml><?xml version="1.0" encoding="utf-8"?>
+<p:sld xmlns:a="http://schemas.openxmlformats.org/drawingml/2006/main" xmlns:r="http://schemas.openxmlformats.org/officeDocument/2006/relationships" xmlns:p="http://schemas.openxmlformats.org/presentationml/2006/main">
+  <p:cSld>
+    <p:spTree>
+      <p:nvGrpSpPr>
+        <p:cNvPr id="1" name=""/>
+        <p:cNvGrpSpPr/>
+        <p:nvPr/>
+      </p:nvGrpSpPr>
+      <p:grpSpPr>
+        <a:xfrm>
+          <a:off x="0" y="0"/>
+          <a:ext cx="0" cy="0"/>
+          <a:chOff x="0" y="0"/>
+          <a:chExt cx="0" cy="0"/>
+        </a:xfrm>
+      </p:grpSpPr>
+      <p:sp>
+        <p:nvSpPr>
+          <p:cNvPr id="2" name="ZoneTexte 1">
+            <a:extLst>
+              <a:ext uri="{FF2B5EF4-FFF2-40B4-BE49-F238E27FC236}">
+                <a16:creationId xmlns:a16="http://schemas.microsoft.com/office/drawing/2014/main" id="{B9ECDBEE-F389-0B4D-9FE8-8799B7CCD134}"/>
+              </a:ext>
+            </a:extLst>
+          </p:cNvPr>
+          <p:cNvSpPr txBox="1"/>
+          <p:nvPr/>
+        </p:nvSpPr>
+        <p:spPr>
+          <a:xfrm>
+            <a:off x="2861732" y="1997839"/>
+            <a:ext cx="6942667" cy="2862322"/>
+          </a:xfrm>
+          <a:prstGeom prst="rect">
+            <a:avLst/>
+          </a:prstGeom>
+          <a:noFill/>
+        </p:spPr>
+        <p:txBody>
+          <a:bodyPr wrap="square" rtlCol="0">
+            <a:spAutoFit/>
+          </a:bodyPr>
+          <a:lstStyle/>
+          <a:p>
+            <a:pPr marL="285750" indent="-285750">
+              <a:buFont typeface="Wingdings" pitchFamily="2" charset="2"/>
+              <a:buChar char="Ø"/>
+            </a:pPr>
+            <a:r>
+              <a:rPr lang="fr-FR" dirty="0" err="1"/>
+              <a:t>Scrapping</a:t>
+            </a:r>
+            <a:r>
+              <a:rPr lang="fr-FR" dirty="0"/>
+              <a:t> automatisé : exécuter le fichier </a:t>
+            </a:r>
+            <a:r>
+              <a:rPr lang="fr-FR" b="1" dirty="0" err="1"/>
+              <a:t>main.py</a:t>
+            </a:r>
+            <a:r>
+              <a:rPr lang="fr-FR" b="1" dirty="0"/>
+              <a:t> </a:t>
+            </a:r>
+            <a:r>
+              <a:rPr lang="fr-FR" dirty="0"/>
+              <a:t>du dossier </a:t>
+            </a:r>
+            <a:r>
+              <a:rPr lang="fr-FR" i="1" dirty="0" err="1"/>
+              <a:t>scrapping</a:t>
+            </a:r>
+            <a:r>
+              <a:rPr lang="fr-FR" dirty="0"/>
+              <a:t> dans le terminal de commande python. </a:t>
+            </a:r>
+          </a:p>
+          <a:p>
+            <a:endParaRPr lang="fr-FR" i="1" dirty="0"/>
+          </a:p>
+          <a:p>
+            <a:pPr marL="285750" indent="-285750">
+              <a:buFont typeface="Wingdings" pitchFamily="2" charset="2"/>
+              <a:buChar char="Ø"/>
+            </a:pPr>
+            <a:r>
+              <a:rPr lang="fr-FR" dirty="0"/>
+              <a:t>Stat </a:t>
+            </a:r>
+            <a:r>
+              <a:rPr lang="fr-FR" dirty="0" err="1"/>
+              <a:t>desc</a:t>
+            </a:r>
+            <a:r>
+              <a:rPr lang="fr-FR" dirty="0"/>
+              <a:t>, nettoyage complémentaire (voir notebook html)</a:t>
+            </a:r>
+          </a:p>
+          <a:p>
+            <a:endParaRPr lang="fr-FR" dirty="0"/>
+          </a:p>
+          <a:p>
+            <a:pPr marL="285750" indent="-285750">
+              <a:buFont typeface="Wingdings" pitchFamily="2" charset="2"/>
+              <a:buChar char="Ø"/>
+            </a:pPr>
+            <a:r>
+              <a:rPr lang="fr-FR" dirty="0" err="1"/>
+              <a:t>Réimplémentation</a:t>
+            </a:r>
+            <a:r>
+              <a:rPr lang="fr-FR" dirty="0"/>
+              <a:t> de l’approche </a:t>
+            </a:r>
+            <a:r>
+              <a:rPr lang="fr-FR" i="1" dirty="0"/>
+              <a:t>bag of </a:t>
+            </a:r>
+            <a:r>
+              <a:rPr lang="fr-FR" i="1" dirty="0" err="1"/>
+              <a:t>words</a:t>
+            </a:r>
+            <a:r>
+              <a:rPr lang="fr-FR" i="1" dirty="0"/>
+              <a:t> </a:t>
+            </a:r>
+            <a:r>
+              <a:rPr lang="fr-FR" dirty="0"/>
+              <a:t>pour la LDA avec </a:t>
+            </a:r>
+            <a:r>
+              <a:rPr lang="fr-FR" i="1" dirty="0" err="1"/>
+              <a:t>scikit-learn</a:t>
+            </a:r>
+            <a:r>
+              <a:rPr lang="fr-FR" dirty="0"/>
+              <a:t>, comparaison avec techniques NMF</a:t>
+            </a:r>
+            <a:endParaRPr lang="fr-FR" i="1" dirty="0"/>
+          </a:p>
+          <a:p>
+            <a:pPr marL="285750" indent="-285750">
+              <a:buFont typeface="Wingdings" pitchFamily="2" charset="2"/>
+              <a:buChar char="Ø"/>
+            </a:pPr>
+            <a:endParaRPr lang="fr-FR" i="1" dirty="0"/>
+          </a:p>
+          <a:p>
+            <a:pPr marL="285750" indent="-285750">
+              <a:buFont typeface="Wingdings" pitchFamily="2" charset="2"/>
+              <a:buChar char="Ø"/>
+            </a:pPr>
+            <a:r>
+              <a:rPr lang="fr-FR" dirty="0"/>
+              <a:t>Pistes bibliographiques</a:t>
+            </a:r>
+          </a:p>
+          <a:p>
+            <a:pPr marL="285750" indent="-285750">
+              <a:buFont typeface="Wingdings" pitchFamily="2" charset="2"/>
+              <a:buChar char="Ø"/>
+            </a:pPr>
+            <a:endParaRPr lang="fr-FR" dirty="0"/>
+          </a:p>
+        </p:txBody>
+      </p:sp>
+      <p:sp>
+        <p:nvSpPr>
+          <p:cNvPr id="5" name="Titre 4">
+            <a:extLst>
+              <a:ext uri="{FF2B5EF4-FFF2-40B4-BE49-F238E27FC236}">
+                <a16:creationId xmlns:a16="http://schemas.microsoft.com/office/drawing/2014/main" id="{93176C7D-52F3-7942-B6E6-D2749283C1A9}"/>
+              </a:ext>
+            </a:extLst>
+          </p:cNvPr>
+          <p:cNvSpPr>
+            <a:spLocks noGrp="1"/>
+          </p:cNvSpPr>
+          <p:nvPr>
+            <p:ph type="title"/>
+          </p:nvPr>
+        </p:nvSpPr>
+        <p:spPr/>
+        <p:txBody>
+          <a:bodyPr/>
+          <a:lstStyle/>
+          <a:p>
+            <a:r>
+              <a:rPr lang="fr-FR" dirty="0"/>
+              <a:t>Résumé</a:t>
+            </a:r>
+          </a:p>
+        </p:txBody>
+      </p:sp>
+    </p:spTree>
+    <p:extLst>
+      <p:ext uri="{BB962C8B-B14F-4D97-AF65-F5344CB8AC3E}">
+        <p14:creationId xmlns:p14="http://schemas.microsoft.com/office/powerpoint/2010/main" val="880636816"/>
+      </p:ext>
+    </p:extLst>
+  </p:cSld>
+  <p:clrMapOvr>
+    <a:masterClrMapping/>
+  </p:clrMapOvr>
+</p:sld>
+</file>
+
+<file path=ppt/slides/slide3.xml><?xml version="1.0" encoding="utf-8"?>
+<p:sld xmlns:a="http://schemas.openxmlformats.org/drawingml/2006/main" xmlns:r="http://schemas.openxmlformats.org/officeDocument/2006/relationships" xmlns:p="http://schemas.openxmlformats.org/presentationml/2006/main">
+  <p:cSld>
+    <p:spTree>
+      <p:nvGrpSpPr>
+        <p:cNvPr id="1" name=""/>
+        <p:cNvGrpSpPr/>
+        <p:nvPr/>
+      </p:nvGrpSpPr>
+      <p:grpSpPr>
+        <a:xfrm>
+          <a:off x="0" y="0"/>
+          <a:ext cx="0" cy="0"/>
+          <a:chOff x="0" y="0"/>
+          <a:chExt cx="0" cy="0"/>
+        </a:xfrm>
+      </p:grpSpPr>
+      <p:pic>
+        <p:nvPicPr>
+          <p:cNvPr id="2" name="Image 1" descr="Une image contenant table&#10;&#10;Description générée automatiquement">
+            <a:extLst>
+              <a:ext uri="{FF2B5EF4-FFF2-40B4-BE49-F238E27FC236}">
+                <a16:creationId xmlns:a16="http://schemas.microsoft.com/office/drawing/2014/main" id="{B2FA599A-16E9-584A-8051-86897EC311DE}"/>
+              </a:ext>
+            </a:extLst>
+          </p:cNvPr>
+          <p:cNvPicPr>
+            <a:picLocks noChangeAspect="1"/>
+          </p:cNvPicPr>
+          <p:nvPr/>
+        </p:nvPicPr>
+        <p:blipFill rotWithShape="1">
+          <a:blip r:embed="rId2"/>
+          <a:srcRect b="35892"/>
+          <a:stretch/>
+        </p:blipFill>
+        <p:spPr>
+          <a:xfrm>
+            <a:off x="290396" y="5147913"/>
+            <a:ext cx="5133614" cy="1384025"/>
+          </a:xfrm>
+          <a:prstGeom prst="rect">
+            <a:avLst/>
+          </a:prstGeom>
+        </p:spPr>
+      </p:pic>
+      <p:pic>
+        <p:nvPicPr>
+          <p:cNvPr id="4" name="Image 3" descr="Une image contenant texte&#10;&#10;Description générée automatiquement">
+            <a:extLst>
+              <a:ext uri="{FF2B5EF4-FFF2-40B4-BE49-F238E27FC236}">
+                <a16:creationId xmlns:a16="http://schemas.microsoft.com/office/drawing/2014/main" id="{D9F1AD0B-5C4F-6C4A-BF2B-8189C1D27F02}"/>
+              </a:ext>
+            </a:extLst>
+          </p:cNvPr>
+          <p:cNvPicPr>
+            <a:picLocks noChangeAspect="1"/>
+          </p:cNvPicPr>
+          <p:nvPr/>
+        </p:nvPicPr>
+        <p:blipFill rotWithShape="1">
+          <a:blip r:embed="rId3"/>
+          <a:srcRect t="-1" b="2737"/>
+          <a:stretch/>
+        </p:blipFill>
+        <p:spPr>
+          <a:xfrm>
+            <a:off x="5707240" y="3546890"/>
+            <a:ext cx="6502400" cy="1618177"/>
+          </a:xfrm>
+          <a:prstGeom prst="rect">
+            <a:avLst/>
+          </a:prstGeom>
+        </p:spPr>
+      </p:pic>
+      <p:sp>
+        <p:nvSpPr>
+          <p:cNvPr id="5" name="Titre 4">
+            <a:extLst>
+              <a:ext uri="{FF2B5EF4-FFF2-40B4-BE49-F238E27FC236}">
+                <a16:creationId xmlns:a16="http://schemas.microsoft.com/office/drawing/2014/main" id="{13F6638F-4A57-C242-AA38-006BDC45C236}"/>
+              </a:ext>
+            </a:extLst>
+          </p:cNvPr>
+          <p:cNvSpPr>
+            <a:spLocks noGrp="1"/>
+          </p:cNvSpPr>
+          <p:nvPr>
+            <p:ph type="title"/>
+          </p:nvPr>
+        </p:nvSpPr>
+        <p:spPr/>
+        <p:txBody>
+          <a:bodyPr/>
+          <a:lstStyle/>
+          <a:p>
+            <a:r>
+              <a:rPr lang="fr-FR" dirty="0" err="1"/>
+              <a:t>Scrapping</a:t>
+            </a:r>
+            <a:r>
+              <a:rPr lang="fr-FR" dirty="0"/>
+              <a:t> automatisé</a:t>
+            </a:r>
+            <a:br>
+              <a:rPr lang="fr-FR" dirty="0"/>
+            </a:br>
+            <a:r>
+              <a:rPr lang="fr-FR" sz="2000" dirty="0"/>
+              <a:t>Fonctionnement sur terminal/console de commandes python3</a:t>
+            </a:r>
+            <a:endParaRPr lang="fr-FR" dirty="0"/>
+          </a:p>
+        </p:txBody>
+      </p:sp>
+      <p:sp>
+        <p:nvSpPr>
+          <p:cNvPr id="6" name="ZoneTexte 5">
+            <a:extLst>
+              <a:ext uri="{FF2B5EF4-FFF2-40B4-BE49-F238E27FC236}">
+                <a16:creationId xmlns:a16="http://schemas.microsoft.com/office/drawing/2014/main" id="{1DFDA974-C364-F544-98E3-32E5EE858A49}"/>
+              </a:ext>
+            </a:extLst>
+          </p:cNvPr>
+          <p:cNvSpPr txBox="1"/>
+          <p:nvPr/>
+        </p:nvSpPr>
+        <p:spPr>
+          <a:xfrm>
+            <a:off x="329968" y="2238919"/>
+            <a:ext cx="3996267" cy="2862322"/>
+          </a:xfrm>
+          <a:prstGeom prst="rect">
+            <a:avLst/>
+          </a:prstGeom>
+          <a:noFill/>
+        </p:spPr>
+        <p:txBody>
+          <a:bodyPr wrap="square" rtlCol="0">
+            <a:spAutoFit/>
+          </a:bodyPr>
+          <a:lstStyle/>
+          <a:p>
+            <a:pPr marL="285750" indent="-285750">
+              <a:buFontTx/>
+              <a:buChar char="-"/>
+            </a:pPr>
+            <a:r>
+              <a:rPr lang="fr-FR" dirty="0"/>
+              <a:t>Installer python3 </a:t>
+            </a:r>
+          </a:p>
+          <a:p>
+            <a:pPr marL="285750" indent="-285750">
+              <a:buFontTx/>
+              <a:buChar char="-"/>
+            </a:pPr>
+            <a:r>
+              <a:rPr lang="fr-FR" dirty="0"/>
+              <a:t>Ouvrir le terminal ou la console </a:t>
+            </a:r>
+          </a:p>
+          <a:p>
+            <a:pPr marL="742950" lvl="1" indent="-285750">
+              <a:buFontTx/>
+              <a:buChar char="-"/>
+            </a:pPr>
+            <a:r>
+              <a:rPr lang="fr-FR" dirty="0" err="1"/>
+              <a:t>macOS</a:t>
+            </a:r>
+            <a:r>
+              <a:rPr lang="fr-FR" dirty="0"/>
+              <a:t> : &gt; dossier Utilitaires &gt; </a:t>
+            </a:r>
+            <a:r>
+              <a:rPr lang="fr-FR" i="1" dirty="0"/>
+              <a:t>Terminal</a:t>
+            </a:r>
+            <a:r>
+              <a:rPr lang="fr-FR" dirty="0"/>
+              <a:t> </a:t>
+            </a:r>
+          </a:p>
+          <a:p>
+            <a:pPr marL="742950" lvl="1" indent="-285750">
+              <a:buFontTx/>
+              <a:buChar char="-"/>
+            </a:pPr>
+            <a:r>
+              <a:rPr lang="fr-FR" dirty="0"/>
+              <a:t>Windows : &gt; </a:t>
+            </a:r>
+            <a:r>
+              <a:rPr lang="fr-FR" i="1" dirty="0"/>
+              <a:t>Invite de commandes</a:t>
+            </a:r>
+            <a:r>
+              <a:rPr lang="fr-FR" dirty="0"/>
+              <a:t> </a:t>
+            </a:r>
+          </a:p>
+          <a:p>
+            <a:pPr marL="742950" lvl="1" indent="-285750">
+              <a:buFontTx/>
+              <a:buChar char="-"/>
+            </a:pPr>
+            <a:r>
+              <a:rPr lang="fr-FR" dirty="0"/>
+              <a:t>Linux : &gt; </a:t>
+            </a:r>
+            <a:r>
+              <a:rPr lang="fr-FR" i="1" dirty="0"/>
+              <a:t>Terminal</a:t>
+            </a:r>
+            <a:r>
+              <a:rPr lang="fr-FR" dirty="0"/>
+              <a:t> ou </a:t>
+            </a:r>
+            <a:r>
+              <a:rPr lang="fr-FR" dirty="0" err="1"/>
+              <a:t>Ctrl+Alt+T</a:t>
+            </a:r>
+            <a:endParaRPr lang="fr-FR" dirty="0"/>
+          </a:p>
+          <a:p>
+            <a:pPr marL="285750" indent="-285750">
+              <a:buFontTx/>
+              <a:buChar char="-"/>
+            </a:pPr>
+            <a:r>
+              <a:rPr lang="fr-FR" dirty="0"/>
+              <a:t>Aller dans le dossier du package </a:t>
+            </a:r>
+            <a:r>
+              <a:rPr lang="fr-FR" i="1" dirty="0" err="1"/>
+              <a:t>scrapping</a:t>
+            </a:r>
+            <a:r>
+              <a:rPr lang="fr-FR" dirty="0"/>
+              <a:t>  (voir détail ci contre) </a:t>
+            </a:r>
+          </a:p>
+          <a:p>
+            <a:pPr marL="285750" indent="-285750">
+              <a:buFontTx/>
+              <a:buChar char="-"/>
+            </a:pPr>
+            <a:r>
+              <a:rPr lang="fr-FR" dirty="0"/>
+              <a:t>Taper </a:t>
+            </a:r>
+            <a:r>
+              <a:rPr lang="fr-FR" i="1" dirty="0"/>
+              <a:t>python3 </a:t>
+            </a:r>
+            <a:r>
+              <a:rPr lang="fr-FR" i="1" dirty="0" err="1"/>
+              <a:t>main.py</a:t>
+            </a:r>
+            <a:endParaRPr lang="fr-FR" dirty="0"/>
+          </a:p>
+        </p:txBody>
+      </p:sp>
+      <p:sp>
+        <p:nvSpPr>
+          <p:cNvPr id="7" name="ZoneTexte 6">
+            <a:extLst>
+              <a:ext uri="{FF2B5EF4-FFF2-40B4-BE49-F238E27FC236}">
+                <a16:creationId xmlns:a16="http://schemas.microsoft.com/office/drawing/2014/main" id="{D855B196-6C07-D340-A115-FA4ED06CA650}"/>
+              </a:ext>
+            </a:extLst>
+          </p:cNvPr>
+          <p:cNvSpPr txBox="1"/>
+          <p:nvPr/>
+        </p:nvSpPr>
+        <p:spPr>
+          <a:xfrm>
+            <a:off x="5709167" y="2472639"/>
+            <a:ext cx="7018868" cy="923330"/>
+          </a:xfrm>
+          <a:prstGeom prst="rect">
+            <a:avLst/>
+          </a:prstGeom>
+          <a:noFill/>
+        </p:spPr>
+        <p:txBody>
+          <a:bodyPr wrap="square" rtlCol="0">
+            <a:spAutoFit/>
+          </a:bodyPr>
+          <a:lstStyle/>
+          <a:p>
+            <a:r>
+              <a:rPr lang="fr-FR" dirty="0"/>
+              <a:t>Pour </a:t>
+            </a:r>
+            <a:r>
+              <a:rPr lang="fr-FR" dirty="0" err="1"/>
+              <a:t>macOS</a:t>
+            </a:r>
+            <a:r>
+              <a:rPr lang="fr-FR" dirty="0"/>
+              <a:t> et Linux (UNIX systèmes) : commandes en </a:t>
+            </a:r>
+            <a:r>
+              <a:rPr lang="fr-FR" dirty="0" err="1"/>
+              <a:t>bash</a:t>
+            </a:r>
+            <a:endParaRPr lang="fr-FR" dirty="0"/>
+          </a:p>
+          <a:p>
+            <a:pPr marL="285750" indent="-285750">
+              <a:buFontTx/>
+              <a:buChar char="-"/>
+            </a:pPr>
+            <a:r>
+              <a:rPr lang="fr-FR" dirty="0"/>
+              <a:t>Pour dérouler le dossier courant : </a:t>
+            </a:r>
+            <a:r>
+              <a:rPr lang="fr-FR" i="1" dirty="0" err="1"/>
+              <a:t>ls</a:t>
+            </a:r>
+            <a:endParaRPr lang="fr-FR" i="1" dirty="0"/>
+          </a:p>
+          <a:p>
+            <a:pPr marL="285750" indent="-285750">
+              <a:buFontTx/>
+              <a:buChar char="-"/>
+            </a:pPr>
+            <a:r>
+              <a:rPr lang="fr-FR" dirty="0"/>
+              <a:t>Pour </a:t>
+            </a:r>
+            <a:r>
+              <a:rPr lang="fr-FR" dirty="0" err="1"/>
+              <a:t>accèder</a:t>
+            </a:r>
+            <a:r>
+              <a:rPr lang="fr-FR" dirty="0"/>
+              <a:t> à un dossier : </a:t>
+            </a:r>
+            <a:r>
+              <a:rPr lang="fr-FR" i="1" dirty="0"/>
+              <a:t>cd</a:t>
+            </a:r>
+            <a:endParaRPr lang="fr-FR" dirty="0"/>
+          </a:p>
+        </p:txBody>
+      </p:sp>
+      <mc:AlternateContent xmlns:mc="http://schemas.openxmlformats.org/markup-compatibility/2006">
+        <mc:Choice xmlns:p14="http://schemas.microsoft.com/office/powerpoint/2010/main" Requires="p14">
+          <p:contentPart p14:bwMode="auto" r:id="rId4">
+            <p14:nvContentPartPr>
+              <p14:cNvPr id="11" name="Encre 10">
+                <a:extLst>
+                  <a:ext uri="{FF2B5EF4-FFF2-40B4-BE49-F238E27FC236}">
+                    <a16:creationId xmlns:a16="http://schemas.microsoft.com/office/drawing/2014/main" id="{0937918F-42BB-8044-A7DF-9D33F82B44AB}"/>
+                  </a:ext>
+                </a:extLst>
+              </p14:cNvPr>
+              <p14:cNvContentPartPr/>
+              <p14:nvPr/>
+            </p14:nvContentPartPr>
+            <p14:xfrm>
+              <a:off x="8372174" y="5048726"/>
+              <a:ext cx="3583800" cy="35640"/>
+            </p14:xfrm>
+          </p:contentPart>
+        </mc:Choice>
+        <mc:Fallback>
+          <p:pic>
+            <p:nvPicPr>
+              <p:cNvPr id="11" name="Encre 10">
+                <a:extLst>
+                  <a:ext uri="{FF2B5EF4-FFF2-40B4-BE49-F238E27FC236}">
+                    <a16:creationId xmlns:a16="http://schemas.microsoft.com/office/drawing/2014/main" id="{0937918F-42BB-8044-A7DF-9D33F82B44AB}"/>
+                  </a:ext>
+                </a:extLst>
+              </p:cNvPr>
+              <p:cNvPicPr/>
+              <p:nvPr/>
+            </p:nvPicPr>
+            <p:blipFill>
+              <a:blip r:embed="rId5"/>
+              <a:stretch>
+                <a:fillRect/>
+              </a:stretch>
+            </p:blipFill>
+            <p:spPr>
+              <a:xfrm>
+                <a:off x="8318174" y="4940726"/>
+                <a:ext cx="3691440" cy="251280"/>
+              </a:xfrm>
+              <a:prstGeom prst="rect">
+                <a:avLst/>
+              </a:prstGeom>
+            </p:spPr>
+          </p:pic>
+        </mc:Fallback>
+      </mc:AlternateContent>
+      <p:cxnSp>
+        <p:nvCxnSpPr>
+          <p:cNvPr id="16" name="Connecteur droit avec flèche 15">
+            <a:extLst>
+              <a:ext uri="{FF2B5EF4-FFF2-40B4-BE49-F238E27FC236}">
+                <a16:creationId xmlns:a16="http://schemas.microsoft.com/office/drawing/2014/main" id="{851B9608-0E9B-5042-922C-6A33F973A432}"/>
+              </a:ext>
+            </a:extLst>
+          </p:cNvPr>
+          <p:cNvCxnSpPr/>
+          <p:nvPr/>
+        </p:nvCxnSpPr>
+        <p:spPr>
+          <a:xfrm flipV="1">
+            <a:off x="8762435" y="5144516"/>
+            <a:ext cx="0" cy="445770"/>
+          </a:xfrm>
+          <a:prstGeom prst="straightConnector1">
+            <a:avLst/>
+          </a:prstGeom>
+          <a:ln w="28575">
+            <a:tailEnd type="triangle"/>
+          </a:ln>
+        </p:spPr>
+        <p:style>
+          <a:lnRef idx="1">
+            <a:schemeClr val="accent2"/>
+          </a:lnRef>
+          <a:fillRef idx="0">
+            <a:schemeClr val="accent2"/>
+          </a:fillRef>
+          <a:effectRef idx="0">
+            <a:schemeClr val="accent2"/>
+          </a:effectRef>
+          <a:fontRef idx="minor">
+            <a:schemeClr val="tx1"/>
+          </a:fontRef>
+        </p:style>
+      </p:cxnSp>
+      <p:cxnSp>
+        <p:nvCxnSpPr>
+          <p:cNvPr id="17" name="Connecteur droit avec flèche 16">
+            <a:extLst>
+              <a:ext uri="{FF2B5EF4-FFF2-40B4-BE49-F238E27FC236}">
+                <a16:creationId xmlns:a16="http://schemas.microsoft.com/office/drawing/2014/main" id="{245BBF6C-C5E7-5C44-855C-56B294AF25C9}"/>
+              </a:ext>
+            </a:extLst>
+          </p:cNvPr>
+          <p:cNvCxnSpPr>
+            <a:cxnSpLocks/>
+          </p:cNvCxnSpPr>
+          <p:nvPr/>
+        </p:nvCxnSpPr>
+        <p:spPr>
+          <a:xfrm flipH="1">
+            <a:off x="6653601" y="3880304"/>
+            <a:ext cx="396240" cy="300990"/>
+          </a:xfrm>
+          <a:prstGeom prst="straightConnector1">
+            <a:avLst/>
+          </a:prstGeom>
+          <a:ln w="28575">
+            <a:tailEnd type="triangle"/>
+          </a:ln>
+        </p:spPr>
+        <p:style>
+          <a:lnRef idx="1">
+            <a:schemeClr val="accent2"/>
+          </a:lnRef>
+          <a:fillRef idx="0">
+            <a:schemeClr val="accent2"/>
+          </a:fillRef>
+          <a:effectRef idx="0">
+            <a:schemeClr val="accent2"/>
+          </a:effectRef>
+          <a:fontRef idx="minor">
+            <a:schemeClr val="tx1"/>
+          </a:fontRef>
+        </p:style>
+      </p:cxnSp>
+      <p:sp>
+        <p:nvSpPr>
+          <p:cNvPr id="19" name="ZoneTexte 18">
+            <a:extLst>
+              <a:ext uri="{FF2B5EF4-FFF2-40B4-BE49-F238E27FC236}">
+                <a16:creationId xmlns:a16="http://schemas.microsoft.com/office/drawing/2014/main" id="{A1ED1561-775B-394A-8978-4DD7E8B82F10}"/>
+              </a:ext>
+            </a:extLst>
+          </p:cNvPr>
+          <p:cNvSpPr txBox="1"/>
+          <p:nvPr/>
+        </p:nvSpPr>
+        <p:spPr>
+          <a:xfrm>
+            <a:off x="8355126" y="5574560"/>
+            <a:ext cx="1350431" cy="261610"/>
+          </a:xfrm>
+          <a:prstGeom prst="rect">
+            <a:avLst/>
+          </a:prstGeom>
+          <a:noFill/>
+        </p:spPr>
+        <p:txBody>
+          <a:bodyPr wrap="square" rtlCol="0">
+            <a:spAutoFit/>
+          </a:bodyPr>
+          <a:lstStyle/>
+          <a:p>
+            <a:r>
+              <a:rPr lang="fr-FR" sz="1100" dirty="0">
+                <a:solidFill>
+                  <a:srgbClr val="FF0000"/>
+                </a:solidFill>
+              </a:rPr>
+              <a:t>Dossier parent</a:t>
+            </a:r>
+          </a:p>
+        </p:txBody>
+      </p:sp>
+      <p:sp>
+        <p:nvSpPr>
+          <p:cNvPr id="20" name="ZoneTexte 19">
+            <a:extLst>
+              <a:ext uri="{FF2B5EF4-FFF2-40B4-BE49-F238E27FC236}">
+                <a16:creationId xmlns:a16="http://schemas.microsoft.com/office/drawing/2014/main" id="{236BAC78-FDBC-154A-B2E9-D3091C935312}"/>
+              </a:ext>
+            </a:extLst>
+          </p:cNvPr>
+          <p:cNvSpPr txBox="1"/>
+          <p:nvPr/>
+        </p:nvSpPr>
+        <p:spPr>
+          <a:xfrm>
+            <a:off x="6758943" y="4084093"/>
+            <a:ext cx="1350431" cy="261610"/>
+          </a:xfrm>
+          <a:prstGeom prst="rect">
+            <a:avLst/>
+          </a:prstGeom>
+          <a:noFill/>
+        </p:spPr>
+        <p:txBody>
+          <a:bodyPr wrap="square" rtlCol="0">
+            <a:spAutoFit/>
+          </a:bodyPr>
+          <a:lstStyle/>
+          <a:p>
+            <a:r>
+              <a:rPr lang="fr-FR" sz="1100" dirty="0">
+                <a:solidFill>
+                  <a:srgbClr val="FF0000"/>
+                </a:solidFill>
+              </a:rPr>
+              <a:t>Dossier parent</a:t>
+            </a:r>
+          </a:p>
+        </p:txBody>
+      </p:sp>
+      <p:sp>
+        <p:nvSpPr>
+          <p:cNvPr id="24" name="Parenthèse ouvrante 23">
+            <a:extLst>
+              <a:ext uri="{FF2B5EF4-FFF2-40B4-BE49-F238E27FC236}">
+                <a16:creationId xmlns:a16="http://schemas.microsoft.com/office/drawing/2014/main" id="{DFE638F1-2AF2-E24C-BF4B-173FF3362A0C}"/>
+              </a:ext>
+            </a:extLst>
+          </p:cNvPr>
+          <p:cNvSpPr/>
+          <p:nvPr/>
+        </p:nvSpPr>
+        <p:spPr>
+          <a:xfrm rot="16200000">
+            <a:off x="9792961" y="3452617"/>
+            <a:ext cx="216627" cy="3786572"/>
+          </a:xfrm>
+          <a:prstGeom prst="leftBracket">
+            <a:avLst/>
+          </a:prstGeom>
+          <a:ln w="38100">
+            <a:solidFill>
+              <a:schemeClr val="accent2"/>
+            </a:solidFill>
+          </a:ln>
+        </p:spPr>
+        <p:style>
+          <a:lnRef idx="1">
+            <a:schemeClr val="accent2"/>
+          </a:lnRef>
+          <a:fillRef idx="0">
+            <a:schemeClr val="accent2"/>
+          </a:fillRef>
+          <a:effectRef idx="0">
+            <a:schemeClr val="accent2"/>
+          </a:effectRef>
+          <a:fontRef idx="minor">
+            <a:schemeClr val="tx1"/>
+          </a:fontRef>
+        </p:style>
+        <p:txBody>
+          <a:bodyPr rtlCol="0" anchor="ctr"/>
+          <a:lstStyle/>
+          <a:p>
+            <a:pPr algn="ctr"/>
+            <a:endParaRPr lang="fr-FR"/>
+          </a:p>
+        </p:txBody>
+      </p:sp>
+      <p:sp>
+        <p:nvSpPr>
+          <p:cNvPr id="25" name="ZoneTexte 24">
+            <a:extLst>
+              <a:ext uri="{FF2B5EF4-FFF2-40B4-BE49-F238E27FC236}">
+                <a16:creationId xmlns:a16="http://schemas.microsoft.com/office/drawing/2014/main" id="{ADF441EE-BEF7-BE42-959A-668CEF096E23}"/>
+              </a:ext>
+            </a:extLst>
+          </p:cNvPr>
+          <p:cNvSpPr txBox="1"/>
+          <p:nvPr/>
+        </p:nvSpPr>
+        <p:spPr>
+          <a:xfrm>
+            <a:off x="8904368" y="5433503"/>
+            <a:ext cx="3361753" cy="261610"/>
+          </a:xfrm>
+          <a:prstGeom prst="rect">
+            <a:avLst/>
+          </a:prstGeom>
+          <a:noFill/>
+        </p:spPr>
+        <p:txBody>
+          <a:bodyPr wrap="square" rtlCol="0">
+            <a:spAutoFit/>
+          </a:bodyPr>
+          <a:lstStyle/>
+          <a:p>
+            <a:r>
+              <a:rPr lang="fr-FR" sz="1100" dirty="0">
+                <a:solidFill>
+                  <a:srgbClr val="FF0000"/>
+                </a:solidFill>
+              </a:rPr>
+              <a:t>Accès au package : </a:t>
+            </a:r>
+            <a:r>
+              <a:rPr lang="fr-FR" sz="1100" i="1" dirty="0">
+                <a:solidFill>
+                  <a:srgbClr val="FF0000"/>
+                </a:solidFill>
+              </a:rPr>
+              <a:t>cd + chemin du dossier </a:t>
+            </a:r>
+            <a:r>
+              <a:rPr lang="fr-FR" sz="1100" i="1" dirty="0" err="1">
+                <a:solidFill>
+                  <a:srgbClr val="FF0000"/>
+                </a:solidFill>
+              </a:rPr>
+              <a:t>scrapping</a:t>
+            </a:r>
+            <a:endParaRPr lang="fr-FR" sz="1100" dirty="0">
+              <a:solidFill>
+                <a:srgbClr val="FF0000"/>
+              </a:solidFill>
+            </a:endParaRPr>
+          </a:p>
+        </p:txBody>
+      </p:sp>
+      <p:sp>
+        <p:nvSpPr>
+          <p:cNvPr id="26" name="ZoneTexte 25">
+            <a:extLst>
+              <a:ext uri="{FF2B5EF4-FFF2-40B4-BE49-F238E27FC236}">
+                <a16:creationId xmlns:a16="http://schemas.microsoft.com/office/drawing/2014/main" id="{CD1910CD-CA8B-8B49-B2DF-AB5B209ED713}"/>
+              </a:ext>
+            </a:extLst>
+          </p:cNvPr>
+          <p:cNvSpPr txBox="1"/>
+          <p:nvPr/>
+        </p:nvSpPr>
+        <p:spPr>
+          <a:xfrm>
+            <a:off x="5707240" y="5587457"/>
+            <a:ext cx="7018868" cy="1200329"/>
+          </a:xfrm>
+          <a:prstGeom prst="rect">
+            <a:avLst/>
+          </a:prstGeom>
+          <a:noFill/>
+        </p:spPr>
+        <p:txBody>
+          <a:bodyPr wrap="square" rtlCol="0">
+            <a:spAutoFit/>
+          </a:bodyPr>
+          <a:lstStyle/>
+          <a:p>
+            <a:r>
+              <a:rPr lang="fr-FR" dirty="0"/>
+              <a:t>Pour Windows :</a:t>
+            </a:r>
+          </a:p>
+          <a:p>
+            <a:pPr marL="285750" indent="-285750">
+              <a:buFontTx/>
+              <a:buChar char="-"/>
+            </a:pPr>
+            <a:r>
+              <a:rPr lang="fr-FR" dirty="0"/>
+              <a:t>Pour dérouler le dossier courant : </a:t>
+            </a:r>
+            <a:r>
+              <a:rPr lang="fr-FR" i="1" dirty="0" err="1"/>
+              <a:t>pwd</a:t>
+            </a:r>
+            <a:r>
+              <a:rPr lang="fr-FR" i="1" dirty="0"/>
+              <a:t> </a:t>
+            </a:r>
+            <a:r>
+              <a:rPr lang="fr-FR" dirty="0"/>
+              <a:t>ou </a:t>
+            </a:r>
+            <a:r>
+              <a:rPr lang="fr-FR" i="1" dirty="0" err="1"/>
+              <a:t>cwd</a:t>
+            </a:r>
+            <a:endParaRPr lang="fr-FR" i="1" dirty="0"/>
+          </a:p>
+          <a:p>
+            <a:pPr marL="285750" indent="-285750">
+              <a:buFontTx/>
+              <a:buChar char="-"/>
+            </a:pPr>
+            <a:r>
+              <a:rPr lang="fr-FR" dirty="0"/>
+              <a:t>Pour accéder à un dossier : </a:t>
+            </a:r>
+            <a:r>
+              <a:rPr lang="fr-FR" i="1" dirty="0"/>
+              <a:t>cd</a:t>
+            </a:r>
+          </a:p>
+          <a:p>
+            <a:endParaRPr lang="fr-FR" dirty="0"/>
+          </a:p>
+        </p:txBody>
+      </p:sp>
+      <mc:AlternateContent xmlns:mc="http://schemas.openxmlformats.org/markup-compatibility/2006">
+        <mc:Choice xmlns:p14="http://schemas.microsoft.com/office/powerpoint/2010/main" Requires="p14">
+          <p:contentPart p14:bwMode="auto" r:id="rId6">
+            <p14:nvContentPartPr>
+              <p14:cNvPr id="27" name="Encre 26">
+                <a:extLst>
+                  <a:ext uri="{FF2B5EF4-FFF2-40B4-BE49-F238E27FC236}">
+                    <a16:creationId xmlns:a16="http://schemas.microsoft.com/office/drawing/2014/main" id="{26E17F89-92E1-EC40-904F-B642EBCE9658}"/>
+                  </a:ext>
+                </a:extLst>
+              </p14:cNvPr>
+              <p14:cNvContentPartPr/>
+              <p14:nvPr/>
+            </p14:nvContentPartPr>
+            <p14:xfrm>
+              <a:off x="8150580" y="5048306"/>
+              <a:ext cx="168480" cy="20520"/>
+            </p14:xfrm>
+          </p:contentPart>
+        </mc:Choice>
+        <mc:Fallback>
+          <p:pic>
+            <p:nvPicPr>
+              <p:cNvPr id="27" name="Encre 26">
+                <a:extLst>
+                  <a:ext uri="{FF2B5EF4-FFF2-40B4-BE49-F238E27FC236}">
+                    <a16:creationId xmlns:a16="http://schemas.microsoft.com/office/drawing/2014/main" id="{26E17F89-92E1-EC40-904F-B642EBCE9658}"/>
+                  </a:ext>
+                </a:extLst>
+              </p:cNvPr>
+              <p:cNvPicPr/>
+              <p:nvPr/>
+            </p:nvPicPr>
+            <p:blipFill>
+              <a:blip r:embed="rId7"/>
+              <a:stretch>
+                <a:fillRect/>
+              </a:stretch>
+            </p:blipFill>
+            <p:spPr>
+              <a:xfrm>
+                <a:off x="8096940" y="4940306"/>
+                <a:ext cx="276120" cy="236160"/>
+              </a:xfrm>
+              <a:prstGeom prst="rect">
+                <a:avLst/>
+              </a:prstGeom>
+            </p:spPr>
+          </p:pic>
+        </mc:Fallback>
+      </mc:AlternateContent>
+      <mc:AlternateContent xmlns:mc="http://schemas.openxmlformats.org/markup-compatibility/2006">
+        <mc:Choice xmlns:p14="http://schemas.microsoft.com/office/powerpoint/2010/main" Requires="p14">
+          <p:contentPart p14:bwMode="auto" r:id="rId8">
+            <p14:nvContentPartPr>
+              <p14:cNvPr id="28" name="Encre 27">
+                <a:extLst>
+                  <a:ext uri="{FF2B5EF4-FFF2-40B4-BE49-F238E27FC236}">
+                    <a16:creationId xmlns:a16="http://schemas.microsoft.com/office/drawing/2014/main" id="{E1E42684-E481-854F-BFCB-859BE787AED6}"/>
+                  </a:ext>
+                </a:extLst>
+              </p14:cNvPr>
+              <p14:cNvContentPartPr/>
+              <p14:nvPr/>
+            </p14:nvContentPartPr>
+            <p14:xfrm>
+              <a:off x="8160300" y="3639266"/>
+              <a:ext cx="169200" cy="24480"/>
+            </p14:xfrm>
+          </p:contentPart>
+        </mc:Choice>
+        <mc:Fallback>
+          <p:pic>
+            <p:nvPicPr>
+              <p:cNvPr id="28" name="Encre 27">
+                <a:extLst>
+                  <a:ext uri="{FF2B5EF4-FFF2-40B4-BE49-F238E27FC236}">
+                    <a16:creationId xmlns:a16="http://schemas.microsoft.com/office/drawing/2014/main" id="{E1E42684-E481-854F-BFCB-859BE787AED6}"/>
+                  </a:ext>
+                </a:extLst>
+              </p:cNvPr>
+              <p:cNvPicPr/>
+              <p:nvPr/>
+            </p:nvPicPr>
+            <p:blipFill>
+              <a:blip r:embed="rId9"/>
+              <a:stretch>
+                <a:fillRect/>
+              </a:stretch>
+            </p:blipFill>
+            <p:spPr>
+              <a:xfrm>
+                <a:off x="8106660" y="3531626"/>
+                <a:ext cx="276840" cy="240120"/>
+              </a:xfrm>
+              <a:prstGeom prst="rect">
+                <a:avLst/>
+              </a:prstGeom>
+            </p:spPr>
+          </p:pic>
+        </mc:Fallback>
+      </mc:AlternateContent>
+      <p:sp>
+        <p:nvSpPr>
+          <p:cNvPr id="30" name="Flèche vers la droite 29">
+            <a:extLst>
+              <a:ext uri="{FF2B5EF4-FFF2-40B4-BE49-F238E27FC236}">
+                <a16:creationId xmlns:a16="http://schemas.microsoft.com/office/drawing/2014/main" id="{EE45407D-A3C3-E84C-8B88-224BFEA45B57}"/>
+              </a:ext>
+            </a:extLst>
+          </p:cNvPr>
+          <p:cNvSpPr/>
+          <p:nvPr/>
+        </p:nvSpPr>
+        <p:spPr>
+          <a:xfrm>
+            <a:off x="4463997" y="4355979"/>
+            <a:ext cx="822960" cy="305610"/>
+          </a:xfrm>
+          <a:prstGeom prst="rightArrow">
+            <a:avLst/>
+          </a:prstGeom>
+        </p:spPr>
+        <p:style>
+          <a:lnRef idx="2">
+            <a:schemeClr val="accent1">
+              <a:shade val="50000"/>
+            </a:schemeClr>
+          </a:lnRef>
+          <a:fillRef idx="1">
+            <a:schemeClr val="accent1"/>
+          </a:fillRef>
+          <a:effectRef idx="0">
+            <a:schemeClr val="accent1"/>
+          </a:effectRef>
+          <a:fontRef idx="minor">
+            <a:schemeClr val="lt1"/>
+          </a:fontRef>
+        </p:style>
+        <p:txBody>
+          <a:bodyPr rtlCol="0" anchor="ctr"/>
+          <a:lstStyle/>
+          <a:p>
+            <a:pPr algn="ctr"/>
+            <a:endParaRPr lang="fr-FR"/>
+          </a:p>
+        </p:txBody>
+      </p:sp>
+      <p:sp>
+        <p:nvSpPr>
+          <p:cNvPr id="32" name="ZoneTexte 31">
+            <a:extLst>
+              <a:ext uri="{FF2B5EF4-FFF2-40B4-BE49-F238E27FC236}">
+                <a16:creationId xmlns:a16="http://schemas.microsoft.com/office/drawing/2014/main" id="{E32C03F8-337C-B441-B5B4-A577DB2108B7}"/>
+              </a:ext>
+            </a:extLst>
+          </p:cNvPr>
+          <p:cNvSpPr txBox="1"/>
+          <p:nvPr/>
+        </p:nvSpPr>
+        <p:spPr>
+          <a:xfrm>
+            <a:off x="329968" y="1521023"/>
+            <a:ext cx="11626006" cy="646331"/>
+          </a:xfrm>
+          <a:prstGeom prst="rect">
+            <a:avLst/>
+          </a:prstGeom>
+          <a:solidFill>
+            <a:schemeClr val="bg1">
+              <a:lumMod val="85000"/>
+            </a:schemeClr>
+          </a:solidFill>
+        </p:spPr>
+        <p:txBody>
+          <a:bodyPr wrap="square" rtlCol="0">
+            <a:spAutoFit/>
+          </a:bodyPr>
+          <a:lstStyle/>
+          <a:p>
+            <a:r>
+              <a:rPr lang="fr-FR" dirty="0"/>
+              <a:t>Télécharger le dossier </a:t>
+            </a:r>
+            <a:r>
+              <a:rPr lang="fr-FR" i="1" dirty="0" err="1"/>
+              <a:t>scrapping</a:t>
+            </a:r>
+            <a:r>
+              <a:rPr lang="fr-FR" dirty="0"/>
+              <a:t>. Après exécution en suivant les commandes suivantes, tous les </a:t>
+            </a:r>
+            <a:r>
+              <a:rPr lang="fr-FR" dirty="0" err="1"/>
+              <a:t>transcripts</a:t>
+            </a:r>
+            <a:r>
+              <a:rPr lang="fr-FR" dirty="0"/>
+              <a:t> de la FOMC à partir de la date renseignée par l'utilisateur dans le script jusqu’aux derniers publiés. Détails dans le fichier </a:t>
+            </a:r>
+            <a:r>
+              <a:rPr lang="fr-FR" dirty="0" err="1"/>
+              <a:t>README.md</a:t>
+            </a:r>
+            <a:r>
+              <a:rPr lang="fr-FR" dirty="0"/>
+              <a:t>.</a:t>
+            </a:r>
+          </a:p>
+        </p:txBody>
+      </p:sp>
+    </p:spTree>
+    <p:extLst>
+      <p:ext uri="{BB962C8B-B14F-4D97-AF65-F5344CB8AC3E}">
+        <p14:creationId xmlns:p14="http://schemas.microsoft.com/office/powerpoint/2010/main" val="3213027875"/>
+      </p:ext>
+    </p:extLst>
+  </p:cSld>
+  <p:clrMapOvr>
+    <a:masterClrMapping/>
+  </p:clrMapOvr>
+</p:sld>
+</file>
+
+<file path=ppt/slides/slide4.xml><?xml version="1.0" encoding="utf-8"?>
+<p:sld xmlns:a="http://schemas.openxmlformats.org/drawingml/2006/main" xmlns:r="http://schemas.openxmlformats.org/officeDocument/2006/relationships" xmlns:p="http://schemas.openxmlformats.org/presentationml/2006/main">
+  <p:cSld>
+    <p:spTree>
+      <p:nvGrpSpPr>
+        <p:cNvPr id="1" name=""/>
+        <p:cNvGrpSpPr/>
+        <p:nvPr/>
+      </p:nvGrpSpPr>
+      <p:grpSpPr>
+        <a:xfrm>
+          <a:off x="0" y="0"/>
+          <a:ext cx="0" cy="0"/>
+          <a:chOff x="0" y="0"/>
+          <a:chExt cx="0" cy="0"/>
+        </a:xfrm>
+      </p:grpSpPr>
+      <p:sp>
+        <p:nvSpPr>
+          <p:cNvPr id="2" name="Titre 1">
+            <a:extLst>
+              <a:ext uri="{FF2B5EF4-FFF2-40B4-BE49-F238E27FC236}">
+                <a16:creationId xmlns:a16="http://schemas.microsoft.com/office/drawing/2014/main" id="{DD79E3F6-1AA4-4F44-83C3-B184B696107A}"/>
+              </a:ext>
+            </a:extLst>
+          </p:cNvPr>
+          <p:cNvSpPr>
+            <a:spLocks noGrp="1"/>
+          </p:cNvSpPr>
+          <p:nvPr>
+            <p:ph type="title"/>
+          </p:nvPr>
+        </p:nvSpPr>
+        <p:spPr/>
+        <p:txBody>
+          <a:bodyPr/>
+          <a:lstStyle/>
+          <a:p>
+            <a:r>
+              <a:rPr lang="fr-FR" dirty="0"/>
+              <a:t>LDA : pistes et commentaires</a:t>
+            </a:r>
+          </a:p>
+        </p:txBody>
+      </p:sp>
+      <p:sp>
+        <p:nvSpPr>
+          <p:cNvPr id="3" name="ZoneTexte 2">
+            <a:extLst>
+              <a:ext uri="{FF2B5EF4-FFF2-40B4-BE49-F238E27FC236}">
+                <a16:creationId xmlns:a16="http://schemas.microsoft.com/office/drawing/2014/main" id="{EEDC96D9-AF72-1542-B51C-DC6554D2924F}"/>
+              </a:ext>
+            </a:extLst>
+          </p:cNvPr>
+          <p:cNvSpPr txBox="1"/>
+          <p:nvPr/>
+        </p:nvSpPr>
+        <p:spPr>
+          <a:xfrm>
+            <a:off x="1600200" y="2297251"/>
+            <a:ext cx="7520940" cy="3693319"/>
+          </a:xfrm>
+          <a:prstGeom prst="rect">
+            <a:avLst/>
+          </a:prstGeom>
+          <a:noFill/>
+        </p:spPr>
+        <p:txBody>
+          <a:bodyPr wrap="square" rtlCol="0">
+            <a:spAutoFit/>
+          </a:bodyPr>
+          <a:lstStyle/>
+          <a:p>
+            <a:pPr marL="285750" indent="-285750">
+              <a:buFont typeface="Wingdings" pitchFamily="2" charset="2"/>
+              <a:buChar char="Ø"/>
+            </a:pPr>
+            <a:r>
+              <a:rPr lang="fr-FR" dirty="0"/>
+              <a:t>LDA sur tout le corpus en variant le nombre de topics </a:t>
+            </a:r>
+          </a:p>
+          <a:p>
+            <a:pPr marL="742950" lvl="1" indent="-285750">
+              <a:buFont typeface="Wingdings" pitchFamily="2" charset="2"/>
+              <a:buChar char="Ø"/>
+            </a:pPr>
+            <a:r>
+              <a:rPr lang="fr-FR" dirty="0"/>
+              <a:t>Approfondissement possible : nombre de topics optimal via </a:t>
+            </a:r>
+            <a:r>
+              <a:rPr lang="fr-FR" dirty="0" err="1"/>
+              <a:t>clustering</a:t>
+            </a:r>
+            <a:r>
+              <a:rPr lang="fr-FR" dirty="0"/>
+              <a:t> T-SNE/K-</a:t>
+            </a:r>
+            <a:r>
+              <a:rPr lang="fr-FR" dirty="0" err="1"/>
+              <a:t>means</a:t>
+            </a:r>
+            <a:r>
+              <a:rPr lang="fr-FR" dirty="0"/>
+              <a:t> après l’approche </a:t>
+            </a:r>
+            <a:r>
+              <a:rPr lang="fr-FR" i="1" dirty="0"/>
+              <a:t>bag of </a:t>
+            </a:r>
+            <a:r>
+              <a:rPr lang="fr-FR" i="1" dirty="0" err="1"/>
+              <a:t>words</a:t>
+            </a:r>
+            <a:r>
+              <a:rPr lang="fr-FR" i="1" dirty="0"/>
+              <a:t> </a:t>
+            </a:r>
+            <a:r>
+              <a:rPr lang="fr-FR" dirty="0"/>
+              <a:t>avec TF-</a:t>
+            </a:r>
+            <a:r>
+              <a:rPr lang="fr-FR" dirty="0" err="1"/>
+              <a:t>idf</a:t>
+            </a:r>
+            <a:endParaRPr lang="fr-FR" dirty="0"/>
+          </a:p>
+          <a:p>
+            <a:pPr lvl="1"/>
+            <a:endParaRPr lang="fr-FR" dirty="0"/>
+          </a:p>
+          <a:p>
+            <a:pPr marL="285750" indent="-285750">
+              <a:buFont typeface="Wingdings" pitchFamily="2" charset="2"/>
+              <a:buChar char="Ø"/>
+            </a:pPr>
+            <a:r>
+              <a:rPr lang="fr-FR" dirty="0"/>
+              <a:t>LDA par chair et sur les personnes en tandem entre deux chairs</a:t>
+            </a:r>
+          </a:p>
+          <a:p>
+            <a:pPr marL="742950" lvl="1" indent="-285750">
+              <a:buFont typeface="Wingdings" pitchFamily="2" charset="2"/>
+              <a:buChar char="Ø"/>
+            </a:pPr>
+            <a:r>
+              <a:rPr lang="fr-FR" dirty="0"/>
+              <a:t>Observation via </a:t>
+            </a:r>
+            <a:r>
+              <a:rPr lang="fr-FR" dirty="0" err="1"/>
+              <a:t>pyLDAvis</a:t>
+            </a:r>
+            <a:r>
+              <a:rPr lang="fr-FR" dirty="0"/>
+              <a:t> d’un possible impact (apparition ou disparition d’un topic conséquent)</a:t>
+            </a:r>
+          </a:p>
+          <a:p>
+            <a:pPr marL="742950" lvl="1" indent="-285750">
+              <a:buFont typeface="Wingdings" pitchFamily="2" charset="2"/>
+              <a:buChar char="Ø"/>
+            </a:pPr>
+            <a:r>
+              <a:rPr lang="fr-FR" dirty="0"/>
+              <a:t>Critique : corpus trop petit, donc résultats non statistiquement significatifs, à voir sur le point suivant</a:t>
+            </a:r>
+          </a:p>
+          <a:p>
+            <a:pPr lvl="1"/>
+            <a:endParaRPr lang="fr-FR" dirty="0"/>
+          </a:p>
+          <a:p>
+            <a:pPr marL="285750" indent="-285750">
+              <a:buFont typeface="Wingdings" pitchFamily="2" charset="2"/>
+              <a:buChar char="Ø"/>
+            </a:pPr>
+            <a:r>
+              <a:rPr lang="fr-FR" dirty="0"/>
+              <a:t>LDA sur tout le corpus, observation de la fréquence des topics par chair </a:t>
+            </a:r>
+          </a:p>
+          <a:p>
+            <a:pPr marL="742950" lvl="1" indent="-285750">
+              <a:buFont typeface="Wingdings" pitchFamily="2" charset="2"/>
+              <a:buChar char="Ø"/>
+            </a:pPr>
+            <a:r>
+              <a:rPr lang="fr-FR" dirty="0"/>
+              <a:t>Ouverture : observation des fréquences pour les personnes entre deux chairs des topics obtenus sur « tout le corpus »</a:t>
+            </a:r>
+          </a:p>
+        </p:txBody>
+      </p:sp>
+      <p:sp>
+        <p:nvSpPr>
+          <p:cNvPr id="4" name="ZoneTexte 3">
+            <a:extLst>
+              <a:ext uri="{FF2B5EF4-FFF2-40B4-BE49-F238E27FC236}">
+                <a16:creationId xmlns:a16="http://schemas.microsoft.com/office/drawing/2014/main" id="{4445AF2F-C310-0242-A20F-742DD3D102AB}"/>
+              </a:ext>
+            </a:extLst>
+          </p:cNvPr>
+          <p:cNvSpPr txBox="1"/>
+          <p:nvPr/>
+        </p:nvSpPr>
+        <p:spPr>
+          <a:xfrm>
+            <a:off x="963930" y="1523048"/>
+            <a:ext cx="10389870" cy="646331"/>
+          </a:xfrm>
+          <a:prstGeom prst="rect">
+            <a:avLst/>
+          </a:prstGeom>
+          <a:noFill/>
+        </p:spPr>
+        <p:txBody>
+          <a:bodyPr wrap="square" rtlCol="0">
+            <a:spAutoFit/>
+          </a:bodyPr>
+          <a:lstStyle/>
+          <a:p>
+            <a:r>
+              <a:rPr lang="fr-FR" dirty="0"/>
+              <a:t>Perspective : topic </a:t>
+            </a:r>
+            <a:r>
+              <a:rPr lang="fr-FR" dirty="0" err="1"/>
+              <a:t>modelling</a:t>
+            </a:r>
+            <a:r>
+              <a:rPr lang="fr-FR" dirty="0"/>
+              <a:t> et influence des chairs/chairman/audience ?</a:t>
+            </a:r>
+          </a:p>
+          <a:p>
+            <a:r>
+              <a:rPr lang="fr-FR" dirty="0"/>
+              <a:t>Ouverture : autre technique de topic </a:t>
+            </a:r>
+            <a:r>
+              <a:rPr lang="fr-FR" dirty="0" err="1"/>
+              <a:t>modelling</a:t>
+            </a:r>
+            <a:r>
+              <a:rPr lang="fr-FR" dirty="0"/>
+              <a:t> NMF en annexe dans les résultats</a:t>
+            </a:r>
+          </a:p>
+        </p:txBody>
+      </p:sp>
+    </p:spTree>
+    <p:extLst>
+      <p:ext uri="{BB962C8B-B14F-4D97-AF65-F5344CB8AC3E}">
+        <p14:creationId xmlns:p14="http://schemas.microsoft.com/office/powerpoint/2010/main" val="4281355013"/>
+      </p:ext>
+    </p:extLst>
+  </p:cSld>
+  <p:clrMapOvr>
+    <a:masterClrMapping/>
+  </p:clrMapOvr>
+</p:sld>
+</file>
+
+<file path=ppt/slides/slide5.xml><?xml version="1.0" encoding="utf-8"?>
+<p:sld xmlns:a="http://schemas.openxmlformats.org/drawingml/2006/main" xmlns:r="http://schemas.openxmlformats.org/officeDocument/2006/relationships" xmlns:p="http://schemas.openxmlformats.org/presentationml/2006/main">
+  <p:cSld>
+    <p:spTree>
+      <p:nvGrpSpPr>
+        <p:cNvPr id="1" name=""/>
+        <p:cNvGrpSpPr/>
+        <p:nvPr/>
+      </p:nvGrpSpPr>
+      <p:grpSpPr>
+        <a:xfrm>
+          <a:off x="0" y="0"/>
+          <a:ext cx="0" cy="0"/>
+          <a:chOff x="0" y="0"/>
+          <a:chExt cx="0" cy="0"/>
+        </a:xfrm>
+      </p:grpSpPr>
+      <p:sp>
+        <p:nvSpPr>
+          <p:cNvPr id="2" name="Titre 1">
+            <a:extLst>
+              <a:ext uri="{FF2B5EF4-FFF2-40B4-BE49-F238E27FC236}">
+                <a16:creationId xmlns:a16="http://schemas.microsoft.com/office/drawing/2014/main" id="{3571F014-62C6-DE4E-82AE-F9FF1BBA657B}"/>
+              </a:ext>
+            </a:extLst>
+          </p:cNvPr>
+          <p:cNvSpPr>
+            <a:spLocks noGrp="1"/>
+          </p:cNvSpPr>
+          <p:nvPr>
+            <p:ph type="title"/>
+          </p:nvPr>
+        </p:nvSpPr>
+        <p:spPr/>
+        <p:txBody>
+          <a:bodyPr/>
+          <a:lstStyle/>
+          <a:p>
+            <a:r>
+              <a:rPr lang="fr-FR" dirty="0"/>
+              <a:t>LDA : pistes et commentaires</a:t>
+            </a:r>
+          </a:p>
+        </p:txBody>
+      </p:sp>
+      <p:pic>
+        <p:nvPicPr>
+          <p:cNvPr id="3" name="Image 2">
+            <a:extLst>
+              <a:ext uri="{FF2B5EF4-FFF2-40B4-BE49-F238E27FC236}">
+                <a16:creationId xmlns:a16="http://schemas.microsoft.com/office/drawing/2014/main" id="{97E65ABC-0A87-7443-9BB0-CFB087A27CEF}"/>
+              </a:ext>
+            </a:extLst>
+          </p:cNvPr>
+          <p:cNvPicPr>
+            <a:picLocks noChangeAspect="1"/>
+          </p:cNvPicPr>
+          <p:nvPr/>
+        </p:nvPicPr>
+        <p:blipFill>
+          <a:blip r:embed="rId2"/>
+          <a:stretch>
+            <a:fillRect/>
+          </a:stretch>
+        </p:blipFill>
+        <p:spPr>
+          <a:xfrm>
+            <a:off x="2941320" y="1585137"/>
+            <a:ext cx="7713385" cy="4907738"/>
+          </a:xfrm>
+          <a:prstGeom prst="rect">
+            <a:avLst/>
+          </a:prstGeom>
+        </p:spPr>
+      </p:pic>
+      <p:sp>
+        <p:nvSpPr>
+          <p:cNvPr id="4" name="ZoneTexte 3">
+            <a:extLst>
+              <a:ext uri="{FF2B5EF4-FFF2-40B4-BE49-F238E27FC236}">
+                <a16:creationId xmlns:a16="http://schemas.microsoft.com/office/drawing/2014/main" id="{AA3777CE-5F60-1243-88A3-6441BDC0E21E}"/>
+              </a:ext>
+            </a:extLst>
+          </p:cNvPr>
+          <p:cNvSpPr txBox="1"/>
+          <p:nvPr/>
+        </p:nvSpPr>
+        <p:spPr>
+          <a:xfrm>
+            <a:off x="211414" y="1690688"/>
+            <a:ext cx="2729906" cy="4524315"/>
+          </a:xfrm>
+          <a:prstGeom prst="rect">
+            <a:avLst/>
+          </a:prstGeom>
+          <a:noFill/>
+        </p:spPr>
+        <p:txBody>
+          <a:bodyPr wrap="square" rtlCol="0">
+            <a:spAutoFit/>
+          </a:bodyPr>
+          <a:lstStyle/>
+          <a:p>
+            <a:r>
+              <a:rPr lang="fr-FR" dirty="0"/>
+              <a:t>LDA sur un extrait de corpus (5000 lignes)</a:t>
+            </a:r>
+          </a:p>
+          <a:p>
+            <a:endParaRPr lang="fr-FR" dirty="0"/>
+          </a:p>
+          <a:p>
+            <a:pPr marL="285750" indent="-285750">
+              <a:buFontTx/>
+              <a:buChar char="-"/>
+            </a:pPr>
+            <a:r>
+              <a:rPr lang="fr-FR" dirty="0"/>
+              <a:t>3 zones dédiées à la terminologie macro</a:t>
+            </a:r>
+          </a:p>
+          <a:p>
+            <a:pPr marL="285750" indent="-285750">
+              <a:buFontTx/>
+              <a:buChar char="-"/>
+            </a:pPr>
+            <a:r>
+              <a:rPr lang="fr-FR" dirty="0"/>
+              <a:t>2 zones correspondant à la structure de la réunion (tours de parole etc.)</a:t>
+            </a:r>
+          </a:p>
+          <a:p>
+            <a:pPr marL="285750" indent="-285750">
+              <a:buFontTx/>
+              <a:buChar char="-"/>
+            </a:pPr>
+            <a:endParaRPr lang="fr-FR" dirty="0"/>
+          </a:p>
+          <a:p>
+            <a:pPr marL="285750" indent="-285750">
+              <a:buFontTx/>
+              <a:buChar char="-"/>
+            </a:pPr>
+            <a:endParaRPr lang="fr-FR" dirty="0"/>
+          </a:p>
+          <a:p>
+            <a:r>
+              <a:rPr lang="fr-FR" dirty="0"/>
+              <a:t>Problème à explorer : </a:t>
+            </a:r>
+          </a:p>
+          <a:p>
+            <a:r>
+              <a:rPr lang="fr-FR" dirty="0"/>
+              <a:t>Choix de la bonne métrique pour évaluer la pertinence d’un topic </a:t>
+            </a:r>
+            <a:r>
+              <a:rPr lang="fr-FR" dirty="0" err="1"/>
+              <a:t>modelling</a:t>
+            </a:r>
+            <a:r>
+              <a:rPr lang="fr-FR" dirty="0"/>
+              <a:t> </a:t>
+            </a:r>
+          </a:p>
+        </p:txBody>
+      </p:sp>
+    </p:spTree>
+    <p:extLst>
+      <p:ext uri="{BB962C8B-B14F-4D97-AF65-F5344CB8AC3E}">
+        <p14:creationId xmlns:p14="http://schemas.microsoft.com/office/powerpoint/2010/main" val="2235630758"/>
+      </p:ext>
+    </p:extLst>
+  </p:cSld>
+  <p:clrMapOvr>
+    <a:masterClrMapping/>
+  </p:clrMapOvr>
+</p:sld>
+</file>
+
+<file path=ppt/slides/slide6.xml><?xml version="1.0" encoding="utf-8"?>
+<p:sld xmlns:a="http://schemas.openxmlformats.org/drawingml/2006/main" xmlns:r="http://schemas.openxmlformats.org/officeDocument/2006/relationships" xmlns:p="http://schemas.openxmlformats.org/presentationml/2006/main">
+  <p:cSld>
+    <p:spTree>
+      <p:nvGrpSpPr>
+        <p:cNvPr id="1" name=""/>
+        <p:cNvGrpSpPr/>
+        <p:nvPr/>
+      </p:nvGrpSpPr>
+      <p:grpSpPr>
+        <a:xfrm>
+          <a:off x="0" y="0"/>
+          <a:ext cx="0" cy="0"/>
+          <a:chOff x="0" y="0"/>
+          <a:chExt cx="0" cy="0"/>
+        </a:xfrm>
+      </p:grpSpPr>
+      <p:sp>
+        <p:nvSpPr>
+          <p:cNvPr id="2" name="Titre 1">
+            <a:extLst>
+              <a:ext uri="{FF2B5EF4-FFF2-40B4-BE49-F238E27FC236}">
+                <a16:creationId xmlns:a16="http://schemas.microsoft.com/office/drawing/2014/main" id="{3571F014-62C6-DE4E-82AE-F9FF1BBA657B}"/>
+              </a:ext>
+            </a:extLst>
+          </p:cNvPr>
+          <p:cNvSpPr>
+            <a:spLocks noGrp="1"/>
+          </p:cNvSpPr>
+          <p:nvPr>
+            <p:ph type="title"/>
+          </p:nvPr>
+        </p:nvSpPr>
+        <p:spPr/>
+        <p:txBody>
+          <a:bodyPr/>
+          <a:lstStyle/>
+          <a:p>
+            <a:r>
+              <a:rPr lang="fr-FR" dirty="0"/>
+              <a:t>LDA : pistes et commentaires</a:t>
+            </a:r>
+          </a:p>
+        </p:txBody>
+      </p:sp>
+      <p:sp>
+        <p:nvSpPr>
+          <p:cNvPr id="4" name="ZoneTexte 3">
+            <a:extLst>
+              <a:ext uri="{FF2B5EF4-FFF2-40B4-BE49-F238E27FC236}">
+                <a16:creationId xmlns:a16="http://schemas.microsoft.com/office/drawing/2014/main" id="{AA3777CE-5F60-1243-88A3-6441BDC0E21E}"/>
+              </a:ext>
+            </a:extLst>
+          </p:cNvPr>
+          <p:cNvSpPr txBox="1"/>
+          <p:nvPr/>
+        </p:nvSpPr>
+        <p:spPr>
+          <a:xfrm>
+            <a:off x="2291674" y="1413689"/>
+            <a:ext cx="7894996" cy="646331"/>
+          </a:xfrm>
+          <a:prstGeom prst="rect">
+            <a:avLst/>
+          </a:prstGeom>
+          <a:noFill/>
+        </p:spPr>
+        <p:txBody>
+          <a:bodyPr wrap="square" rtlCol="0">
+            <a:spAutoFit/>
+          </a:bodyPr>
+          <a:lstStyle/>
+          <a:p>
+            <a:r>
+              <a:rPr lang="fr-FR" dirty="0"/>
+              <a:t>De la </a:t>
+            </a:r>
+            <a:r>
+              <a:rPr lang="fr-FR" b="1" dirty="0"/>
+              <a:t>chair Greenspan : </a:t>
+            </a:r>
+            <a:r>
+              <a:rPr lang="fr-FR" dirty="0"/>
+              <a:t>évolution au passage à </a:t>
+            </a:r>
+            <a:r>
+              <a:rPr lang="fr-FR" b="1" dirty="0" err="1"/>
+              <a:t>Bernanke</a:t>
+            </a:r>
+            <a:r>
+              <a:rPr lang="fr-FR" dirty="0"/>
+              <a:t> ?</a:t>
+            </a:r>
+          </a:p>
+          <a:p>
+            <a:r>
+              <a:rPr lang="fr-FR" dirty="0"/>
+              <a:t>LDA sur  les individus à cheval sur les deux mandats. </a:t>
+            </a:r>
+          </a:p>
+        </p:txBody>
+      </p:sp>
+      <p:pic>
+        <p:nvPicPr>
+          <p:cNvPr id="6" name="Image 5">
+            <a:extLst>
+              <a:ext uri="{FF2B5EF4-FFF2-40B4-BE49-F238E27FC236}">
+                <a16:creationId xmlns:a16="http://schemas.microsoft.com/office/drawing/2014/main" id="{8980C410-4F58-D343-B4A3-DE16B4FADC55}"/>
+              </a:ext>
+            </a:extLst>
+          </p:cNvPr>
+          <p:cNvPicPr>
+            <a:picLocks noChangeAspect="1"/>
+          </p:cNvPicPr>
+          <p:nvPr/>
+        </p:nvPicPr>
+        <p:blipFill rotWithShape="1">
+          <a:blip r:embed="rId2"/>
+          <a:srcRect r="50889"/>
+          <a:stretch/>
+        </p:blipFill>
+        <p:spPr>
+          <a:xfrm>
+            <a:off x="1981201" y="2664413"/>
+            <a:ext cx="4114799" cy="3514546"/>
+          </a:xfrm>
+          <a:prstGeom prst="rect">
+            <a:avLst/>
+          </a:prstGeom>
+        </p:spPr>
+      </p:pic>
+      <p:pic>
+        <p:nvPicPr>
+          <p:cNvPr id="8" name="Image 7">
+            <a:extLst>
+              <a:ext uri="{FF2B5EF4-FFF2-40B4-BE49-F238E27FC236}">
+                <a16:creationId xmlns:a16="http://schemas.microsoft.com/office/drawing/2014/main" id="{CC3FBD37-B70B-2B44-ADF2-A64896B2DFDD}"/>
+              </a:ext>
+            </a:extLst>
+          </p:cNvPr>
+          <p:cNvPicPr>
+            <a:picLocks noChangeAspect="1"/>
+          </p:cNvPicPr>
+          <p:nvPr/>
+        </p:nvPicPr>
+        <p:blipFill rotWithShape="1">
+          <a:blip r:embed="rId3"/>
+          <a:srcRect r="52120"/>
+          <a:stretch/>
+        </p:blipFill>
+        <p:spPr>
+          <a:xfrm>
+            <a:off x="8153400" y="2607263"/>
+            <a:ext cx="4114798" cy="4193587"/>
+          </a:xfrm>
+          <a:prstGeom prst="rect">
+            <a:avLst/>
+          </a:prstGeom>
+        </p:spPr>
+      </p:pic>
+      <p:sp>
+        <p:nvSpPr>
+          <p:cNvPr id="9" name="ZoneTexte 8">
+            <a:extLst>
+              <a:ext uri="{FF2B5EF4-FFF2-40B4-BE49-F238E27FC236}">
+                <a16:creationId xmlns:a16="http://schemas.microsoft.com/office/drawing/2014/main" id="{5E38C79D-7489-5147-AFF5-1BA796CBFBFC}"/>
+              </a:ext>
+            </a:extLst>
+          </p:cNvPr>
+          <p:cNvSpPr txBox="1"/>
+          <p:nvPr/>
+        </p:nvSpPr>
+        <p:spPr>
+          <a:xfrm>
+            <a:off x="382193" y="2241829"/>
+            <a:ext cx="1909481" cy="369332"/>
+          </a:xfrm>
+          <a:prstGeom prst="rect">
+            <a:avLst/>
+          </a:prstGeom>
+          <a:noFill/>
+        </p:spPr>
+        <p:txBody>
+          <a:bodyPr wrap="square" rtlCol="0">
+            <a:spAutoFit/>
+          </a:bodyPr>
+          <a:lstStyle/>
+          <a:p>
+            <a:r>
+              <a:rPr lang="fr-FR" dirty="0"/>
+              <a:t>Greenspan</a:t>
+            </a:r>
+          </a:p>
+        </p:txBody>
+      </p:sp>
+      <p:sp>
+        <p:nvSpPr>
+          <p:cNvPr id="10" name="ZoneTexte 9">
+            <a:extLst>
+              <a:ext uri="{FF2B5EF4-FFF2-40B4-BE49-F238E27FC236}">
+                <a16:creationId xmlns:a16="http://schemas.microsoft.com/office/drawing/2014/main" id="{D8A3B391-E74E-F848-A70E-9E40535672A3}"/>
+              </a:ext>
+            </a:extLst>
+          </p:cNvPr>
+          <p:cNvSpPr txBox="1"/>
+          <p:nvPr/>
+        </p:nvSpPr>
+        <p:spPr>
+          <a:xfrm>
+            <a:off x="6589061" y="2205854"/>
+            <a:ext cx="1909481" cy="369332"/>
+          </a:xfrm>
+          <a:prstGeom prst="rect">
+            <a:avLst/>
+          </a:prstGeom>
+          <a:noFill/>
+        </p:spPr>
+        <p:txBody>
+          <a:bodyPr wrap="square" rtlCol="0">
+            <a:spAutoFit/>
+          </a:bodyPr>
+          <a:lstStyle/>
+          <a:p>
+            <a:r>
+              <a:rPr lang="fr-FR" dirty="0" err="1"/>
+              <a:t>Bernanke</a:t>
+            </a:r>
+            <a:endParaRPr lang="fr-FR" dirty="0"/>
+          </a:p>
+        </p:txBody>
+      </p:sp>
+      <p:sp>
+        <p:nvSpPr>
+          <p:cNvPr id="11" name="ZoneTexte 10">
+            <a:extLst>
+              <a:ext uri="{FF2B5EF4-FFF2-40B4-BE49-F238E27FC236}">
+                <a16:creationId xmlns:a16="http://schemas.microsoft.com/office/drawing/2014/main" id="{9C247967-EF8F-3E47-BD6A-65A3C1F71C68}"/>
+              </a:ext>
+            </a:extLst>
+          </p:cNvPr>
+          <p:cNvSpPr txBox="1"/>
+          <p:nvPr/>
+        </p:nvSpPr>
+        <p:spPr>
+          <a:xfrm>
+            <a:off x="161365" y="2796988"/>
+            <a:ext cx="1819836" cy="3970318"/>
+          </a:xfrm>
+          <a:prstGeom prst="rect">
+            <a:avLst/>
+          </a:prstGeom>
+          <a:noFill/>
+        </p:spPr>
+        <p:txBody>
+          <a:bodyPr wrap="square" rtlCol="0">
+            <a:spAutoFit/>
+          </a:bodyPr>
+          <a:lstStyle/>
+          <a:p>
+            <a:r>
+              <a:rPr lang="fr-FR" sz="1200" dirty="0"/>
+              <a:t>1 : rate </a:t>
+            </a:r>
+            <a:r>
+              <a:rPr lang="fr-FR" sz="1200" dirty="0" err="1"/>
+              <a:t>growth</a:t>
+            </a:r>
+            <a:r>
+              <a:rPr lang="fr-FR" sz="1200" dirty="0"/>
+              <a:t> percent inflation </a:t>
+            </a:r>
+            <a:r>
+              <a:rPr lang="fr-FR" sz="1200" dirty="0" err="1"/>
+              <a:t>year</a:t>
+            </a:r>
+            <a:r>
+              <a:rPr lang="fr-FR" sz="1200" dirty="0"/>
+              <a:t>  </a:t>
+            </a:r>
+            <a:r>
+              <a:rPr lang="fr-FR" sz="1200" dirty="0" err="1"/>
+              <a:t>policy</a:t>
+            </a:r>
+            <a:r>
+              <a:rPr lang="fr-FR" sz="1200" dirty="0"/>
+              <a:t> us panel </a:t>
+            </a:r>
+            <a:r>
+              <a:rPr lang="fr-FR" sz="1200" dirty="0" err="1"/>
+              <a:t>prices</a:t>
+            </a:r>
+            <a:r>
+              <a:rPr lang="fr-FR" sz="1200" dirty="0"/>
+              <a:t> </a:t>
+            </a:r>
+            <a:r>
+              <a:rPr lang="fr-FR" sz="1200" dirty="0" err="1"/>
+              <a:t>forecast</a:t>
+            </a:r>
+            <a:endParaRPr lang="fr-FR" sz="1200" dirty="0"/>
+          </a:p>
+          <a:p>
+            <a:endParaRPr lang="fr-FR" sz="1200" dirty="0"/>
+          </a:p>
+          <a:p>
+            <a:r>
+              <a:rPr lang="fr-FR" sz="1200" dirty="0"/>
+              <a:t>2 : </a:t>
+            </a:r>
+            <a:r>
+              <a:rPr lang="fr-FR" sz="1200" dirty="0" err="1"/>
+              <a:t>press</a:t>
+            </a:r>
+            <a:r>
+              <a:rPr lang="fr-FR" sz="1200" dirty="0"/>
+              <a:t> </a:t>
+            </a:r>
+            <a:r>
+              <a:rPr lang="fr-FR" sz="1200" dirty="0" err="1"/>
+              <a:t>commitee</a:t>
+            </a:r>
+            <a:r>
+              <a:rPr lang="fr-FR" sz="1200" dirty="0"/>
+              <a:t> </a:t>
+            </a:r>
+            <a:r>
+              <a:rPr lang="fr-FR" sz="1200" dirty="0" err="1"/>
+              <a:t>saving</a:t>
+            </a:r>
+            <a:r>
+              <a:rPr lang="fr-FR" sz="1200" dirty="0"/>
+              <a:t> </a:t>
+            </a:r>
+            <a:r>
+              <a:rPr lang="fr-FR" sz="1200" dirty="0" err="1"/>
+              <a:t>recall</a:t>
+            </a:r>
+            <a:r>
+              <a:rPr lang="fr-FR" sz="1200" dirty="0"/>
+              <a:t> swap </a:t>
+            </a:r>
+            <a:r>
+              <a:rPr lang="fr-FR" sz="1200" dirty="0" err="1"/>
+              <a:t>assets</a:t>
+            </a:r>
+            <a:r>
+              <a:rPr lang="fr-FR" sz="1200" dirty="0"/>
+              <a:t> figure budget break </a:t>
+            </a:r>
+            <a:r>
+              <a:rPr lang="fr-FR" sz="1200" dirty="0" err="1"/>
+              <a:t>raise</a:t>
+            </a:r>
+            <a:r>
+              <a:rPr lang="fr-FR" sz="1200" dirty="0"/>
+              <a:t> </a:t>
+            </a:r>
+            <a:r>
+              <a:rPr lang="fr-FR" sz="1200" dirty="0" err="1"/>
+              <a:t>banking</a:t>
+            </a:r>
+            <a:endParaRPr lang="fr-FR" sz="1200" dirty="0"/>
+          </a:p>
+          <a:p>
+            <a:endParaRPr lang="fr-FR" sz="1200" dirty="0"/>
+          </a:p>
+          <a:p>
+            <a:r>
+              <a:rPr lang="fr-FR" sz="1200" dirty="0"/>
+              <a:t>3: signal </a:t>
+            </a:r>
+            <a:r>
+              <a:rPr lang="fr-FR" sz="1200" dirty="0" err="1"/>
+              <a:t>recommendation</a:t>
+            </a:r>
+            <a:r>
+              <a:rPr lang="fr-FR" sz="1200" dirty="0"/>
+              <a:t> compensation </a:t>
+            </a:r>
+            <a:r>
+              <a:rPr lang="fr-FR" sz="1200" dirty="0" err="1"/>
+              <a:t>uncertainties</a:t>
+            </a:r>
+            <a:r>
+              <a:rPr lang="fr-FR" sz="1200" dirty="0"/>
+              <a:t> reports </a:t>
+            </a:r>
+            <a:r>
+              <a:rPr lang="fr-FR" sz="1200" dirty="0" err="1"/>
+              <a:t>wage</a:t>
+            </a:r>
+            <a:r>
+              <a:rPr lang="fr-FR" sz="1200" dirty="0"/>
+              <a:t> </a:t>
+            </a:r>
+            <a:r>
+              <a:rPr lang="fr-FR" sz="1200" dirty="0" err="1"/>
+              <a:t>bluebook</a:t>
+            </a:r>
+            <a:r>
+              <a:rPr lang="fr-FR" sz="1200" dirty="0"/>
+              <a:t> power </a:t>
+            </a:r>
+          </a:p>
+          <a:p>
+            <a:endParaRPr lang="fr-FR" sz="1200" dirty="0"/>
+          </a:p>
+          <a:p>
+            <a:r>
+              <a:rPr lang="fr-FR" sz="1200" dirty="0"/>
+              <a:t>4: </a:t>
+            </a:r>
+            <a:r>
+              <a:rPr lang="fr-FR" sz="1200" dirty="0" err="1"/>
+              <a:t>results</a:t>
+            </a:r>
+            <a:r>
+              <a:rPr lang="fr-FR" sz="1200" dirty="0"/>
+              <a:t> parts </a:t>
+            </a:r>
+            <a:r>
+              <a:rPr lang="fr-FR" sz="1200" dirty="0" err="1"/>
+              <a:t>series</a:t>
+            </a:r>
+            <a:r>
+              <a:rPr lang="fr-FR" sz="1200" dirty="0"/>
+              <a:t> </a:t>
+            </a:r>
+            <a:r>
+              <a:rPr lang="fr-FR" sz="1200" dirty="0" err="1"/>
+              <a:t>probability</a:t>
+            </a:r>
+            <a:r>
+              <a:rPr lang="fr-FR" sz="1200" dirty="0"/>
+              <a:t> </a:t>
+            </a:r>
+            <a:r>
+              <a:rPr lang="fr-FR" sz="1200" dirty="0" err="1"/>
+              <a:t>momentum</a:t>
+            </a:r>
+            <a:r>
+              <a:rPr lang="fr-FR" sz="1200" dirty="0"/>
+              <a:t> budget </a:t>
+            </a:r>
+            <a:r>
+              <a:rPr lang="fr-FR" sz="1200" dirty="0" err="1"/>
+              <a:t>orders</a:t>
+            </a:r>
+            <a:r>
+              <a:rPr lang="fr-FR" sz="1200" dirty="0"/>
+              <a:t> </a:t>
+            </a:r>
+          </a:p>
+          <a:p>
+            <a:br>
+              <a:rPr lang="fr-FR" sz="1200" dirty="0"/>
+            </a:br>
+            <a:r>
+              <a:rPr lang="fr-FR" sz="1200" dirty="0"/>
+              <a:t>5: </a:t>
+            </a:r>
+            <a:r>
+              <a:rPr lang="fr-FR" sz="1200" dirty="0" err="1"/>
+              <a:t>previous</a:t>
+            </a:r>
+            <a:r>
+              <a:rPr lang="fr-FR" sz="1200" dirty="0"/>
+              <a:t> </a:t>
+            </a:r>
+            <a:r>
+              <a:rPr lang="fr-FR" sz="1200" dirty="0" err="1"/>
+              <a:t>maintain</a:t>
+            </a:r>
+            <a:r>
+              <a:rPr lang="fr-FR" sz="1200" dirty="0"/>
+              <a:t> lead record </a:t>
+            </a:r>
+            <a:r>
+              <a:rPr lang="fr-FR" sz="1200" dirty="0" err="1"/>
+              <a:t>reserves</a:t>
+            </a:r>
+            <a:r>
+              <a:rPr lang="fr-FR" sz="1200" dirty="0"/>
+              <a:t> </a:t>
+            </a:r>
+            <a:r>
+              <a:rPr lang="fr-FR" sz="1200" dirty="0" err="1"/>
+              <a:t>product</a:t>
+            </a:r>
+            <a:r>
+              <a:rPr lang="fr-FR" sz="1200" dirty="0"/>
+              <a:t> export </a:t>
+            </a:r>
+            <a:r>
+              <a:rPr lang="fr-FR" sz="1200" dirty="0" err="1"/>
+              <a:t>consequence</a:t>
+            </a:r>
+            <a:r>
+              <a:rPr lang="fr-FR" sz="1200" dirty="0"/>
+              <a:t> </a:t>
+            </a:r>
+          </a:p>
+        </p:txBody>
+      </p:sp>
+      <p:sp>
+        <p:nvSpPr>
+          <p:cNvPr id="12" name="ZoneTexte 11">
+            <a:extLst>
+              <a:ext uri="{FF2B5EF4-FFF2-40B4-BE49-F238E27FC236}">
+                <a16:creationId xmlns:a16="http://schemas.microsoft.com/office/drawing/2014/main" id="{7F9B0025-100F-8A4F-A4D5-0B6837D74737}"/>
+              </a:ext>
+            </a:extLst>
+          </p:cNvPr>
+          <p:cNvSpPr txBox="1"/>
+          <p:nvPr/>
+        </p:nvSpPr>
+        <p:spPr>
+          <a:xfrm>
+            <a:off x="6096000" y="2739252"/>
+            <a:ext cx="2097741" cy="4154984"/>
+          </a:xfrm>
+          <a:prstGeom prst="rect">
+            <a:avLst/>
+          </a:prstGeom>
+          <a:noFill/>
+        </p:spPr>
+        <p:txBody>
+          <a:bodyPr wrap="square" rtlCol="0">
+            <a:spAutoFit/>
+          </a:bodyPr>
+          <a:lstStyle/>
+          <a:p>
+            <a:r>
+              <a:rPr lang="fr-FR" sz="1200" dirty="0"/>
+              <a:t>1 : rate inflation </a:t>
+            </a:r>
+            <a:r>
+              <a:rPr lang="fr-FR" sz="1200" dirty="0" err="1"/>
+              <a:t>market</a:t>
+            </a:r>
+            <a:r>
+              <a:rPr lang="fr-FR" sz="1200" dirty="0"/>
+              <a:t> </a:t>
+            </a:r>
+            <a:r>
+              <a:rPr lang="fr-FR" sz="1200" dirty="0" err="1"/>
+              <a:t>funds</a:t>
+            </a:r>
+            <a:r>
+              <a:rPr lang="fr-FR" sz="1200" dirty="0"/>
+              <a:t> </a:t>
+            </a:r>
+            <a:r>
+              <a:rPr lang="fr-FR" sz="1200" dirty="0" err="1"/>
+              <a:t>federal</a:t>
+            </a:r>
+            <a:r>
+              <a:rPr lang="fr-FR" sz="1200" dirty="0"/>
+              <a:t> </a:t>
+            </a:r>
+            <a:r>
+              <a:rPr lang="fr-FR" sz="1200" dirty="0" err="1"/>
+              <a:t>reserve</a:t>
+            </a:r>
+            <a:r>
+              <a:rPr lang="fr-FR" sz="1200" dirty="0"/>
+              <a:t> </a:t>
+            </a:r>
+            <a:r>
+              <a:rPr lang="fr-FR" sz="1200" dirty="0" err="1"/>
+              <a:t>securities</a:t>
+            </a:r>
+            <a:r>
+              <a:rPr lang="fr-FR" sz="1200" dirty="0"/>
+              <a:t> </a:t>
+            </a:r>
+            <a:r>
+              <a:rPr lang="fr-FR" sz="1200" dirty="0" err="1"/>
+              <a:t>financial</a:t>
+            </a:r>
+            <a:r>
+              <a:rPr lang="fr-FR" sz="1200" dirty="0"/>
+              <a:t> </a:t>
+            </a:r>
+            <a:r>
+              <a:rPr lang="fr-FR" sz="1200" dirty="0" err="1"/>
+              <a:t>risk</a:t>
+            </a:r>
+            <a:r>
+              <a:rPr lang="fr-FR" sz="1200" dirty="0"/>
+              <a:t> </a:t>
+            </a:r>
+            <a:r>
+              <a:rPr lang="fr-FR" sz="1200" dirty="0" err="1"/>
+              <a:t>treasury</a:t>
+            </a:r>
+            <a:r>
+              <a:rPr lang="fr-FR" sz="1200" dirty="0"/>
+              <a:t> </a:t>
+            </a:r>
+            <a:r>
+              <a:rPr lang="fr-FR" sz="1200" dirty="0" err="1"/>
+              <a:t>credit</a:t>
+            </a:r>
+            <a:endParaRPr lang="fr-FR" sz="1200" dirty="0"/>
+          </a:p>
+          <a:p>
+            <a:endParaRPr lang="fr-FR" sz="1200" dirty="0"/>
+          </a:p>
+          <a:p>
+            <a:r>
+              <a:rPr lang="fr-FR" sz="1200" dirty="0"/>
+              <a:t>2 : central projections percent </a:t>
+            </a:r>
+            <a:r>
+              <a:rPr lang="fr-FR" sz="1200" dirty="0" err="1"/>
+              <a:t>unemployment</a:t>
+            </a:r>
+            <a:r>
+              <a:rPr lang="fr-FR" sz="1200" dirty="0"/>
+              <a:t> </a:t>
+            </a:r>
+            <a:r>
+              <a:rPr lang="fr-FR" sz="1200" dirty="0" err="1"/>
+              <a:t>gdp</a:t>
+            </a:r>
+            <a:r>
+              <a:rPr lang="fr-FR" sz="1200" dirty="0"/>
+              <a:t> </a:t>
+            </a:r>
+            <a:r>
+              <a:rPr lang="fr-FR" sz="1200" dirty="0" err="1"/>
+              <a:t>growth</a:t>
+            </a:r>
+            <a:r>
+              <a:rPr lang="fr-FR" sz="1200" dirty="0"/>
+              <a:t> </a:t>
+            </a:r>
+            <a:r>
+              <a:rPr lang="fr-FR" sz="1200" dirty="0" err="1"/>
+              <a:t>forecast</a:t>
+            </a:r>
+            <a:r>
+              <a:rPr lang="fr-FR" sz="1200" dirty="0"/>
+              <a:t> panel </a:t>
+            </a:r>
+            <a:r>
+              <a:rPr lang="fr-FR" sz="1200" dirty="0" err="1"/>
+              <a:t>assessments</a:t>
+            </a:r>
+            <a:r>
+              <a:rPr lang="fr-FR" sz="1200" dirty="0"/>
+              <a:t> </a:t>
+            </a:r>
+            <a:r>
+              <a:rPr lang="fr-FR" sz="1200" dirty="0" err="1"/>
+              <a:t>greenbook</a:t>
+            </a:r>
+            <a:endParaRPr lang="fr-FR" sz="1200" dirty="0"/>
+          </a:p>
+          <a:p>
+            <a:endParaRPr lang="fr-FR" sz="1200" dirty="0"/>
+          </a:p>
+          <a:p>
+            <a:r>
+              <a:rPr lang="fr-FR" sz="1200" dirty="0"/>
+              <a:t>3: production management </a:t>
+            </a:r>
+            <a:r>
+              <a:rPr lang="fr-FR" sz="1200" dirty="0" err="1"/>
+              <a:t>materials</a:t>
+            </a:r>
+            <a:r>
+              <a:rPr lang="fr-FR" sz="1200" dirty="0"/>
+              <a:t> </a:t>
+            </a:r>
+            <a:r>
+              <a:rPr lang="fr-FR" sz="1200" dirty="0" err="1"/>
+              <a:t>reducing</a:t>
+            </a:r>
+            <a:r>
+              <a:rPr lang="fr-FR" sz="1200" dirty="0"/>
+              <a:t> </a:t>
+            </a:r>
+            <a:r>
+              <a:rPr lang="fr-FR" sz="1200" dirty="0" err="1"/>
+              <a:t>estimates</a:t>
+            </a:r>
+            <a:r>
+              <a:rPr lang="fr-FR" sz="1200" dirty="0"/>
+              <a:t> </a:t>
+            </a:r>
+            <a:r>
+              <a:rPr lang="fr-FR" sz="1200" dirty="0" err="1"/>
+              <a:t>extent</a:t>
+            </a:r>
+            <a:r>
+              <a:rPr lang="fr-FR" sz="1200" dirty="0"/>
+              <a:t> positive </a:t>
+            </a:r>
+            <a:r>
+              <a:rPr lang="fr-FR" sz="1200" dirty="0" err="1"/>
+              <a:t>side</a:t>
+            </a:r>
+            <a:r>
+              <a:rPr lang="fr-FR" sz="1200" dirty="0"/>
+              <a:t> chart </a:t>
+            </a:r>
+          </a:p>
+          <a:p>
+            <a:endParaRPr lang="fr-FR" sz="1200" dirty="0"/>
+          </a:p>
+          <a:p>
+            <a:r>
+              <a:rPr lang="fr-FR" sz="1200" dirty="0"/>
+              <a:t>4: </a:t>
+            </a:r>
+            <a:r>
+              <a:rPr lang="fr-FR" sz="1200" dirty="0" err="1"/>
+              <a:t>liftoff</a:t>
+            </a:r>
+            <a:r>
+              <a:rPr lang="fr-FR" sz="1200" dirty="0"/>
+              <a:t> premiums </a:t>
+            </a:r>
+            <a:r>
+              <a:rPr lang="fr-FR" sz="1200" dirty="0" err="1"/>
+              <a:t>overnight</a:t>
+            </a:r>
+            <a:r>
+              <a:rPr lang="fr-FR" sz="1200" dirty="0"/>
+              <a:t> </a:t>
+            </a:r>
+            <a:r>
+              <a:rPr lang="fr-FR" sz="1200" dirty="0" err="1"/>
+              <a:t>moreover</a:t>
+            </a:r>
+            <a:r>
+              <a:rPr lang="fr-FR" sz="1200" dirty="0"/>
+              <a:t> memo implication </a:t>
+            </a:r>
+            <a:r>
+              <a:rPr lang="fr-FR" sz="1200" dirty="0" err="1"/>
+              <a:t>probability</a:t>
+            </a:r>
+            <a:r>
+              <a:rPr lang="fr-FR" sz="1200" dirty="0"/>
+              <a:t> </a:t>
+            </a:r>
+            <a:r>
+              <a:rPr lang="fr-FR" sz="1200" dirty="0" err="1"/>
+              <a:t>deleveraging</a:t>
+            </a:r>
+            <a:r>
+              <a:rPr lang="fr-FR" sz="1200" dirty="0"/>
+              <a:t> </a:t>
+            </a:r>
+            <a:r>
+              <a:rPr lang="fr-FR" sz="1200" dirty="0" err="1"/>
+              <a:t>commodity</a:t>
+            </a:r>
+            <a:endParaRPr lang="fr-FR" sz="1200" dirty="0"/>
+          </a:p>
+          <a:p>
+            <a:br>
+              <a:rPr lang="fr-FR" sz="1200" dirty="0"/>
+            </a:br>
+            <a:r>
+              <a:rPr lang="fr-FR" sz="1200" dirty="0"/>
+              <a:t>5: </a:t>
+            </a:r>
+            <a:r>
+              <a:rPr lang="fr-FR" sz="1200" dirty="0" err="1"/>
+              <a:t>remittances</a:t>
+            </a:r>
+            <a:r>
+              <a:rPr lang="fr-FR" sz="1200" dirty="0"/>
+              <a:t> </a:t>
+            </a:r>
+            <a:r>
+              <a:rPr lang="fr-FR" sz="1200" dirty="0" err="1"/>
+              <a:t>sheet</a:t>
+            </a:r>
+            <a:r>
+              <a:rPr lang="fr-FR" sz="1200" dirty="0"/>
+              <a:t> </a:t>
+            </a:r>
+            <a:r>
+              <a:rPr lang="fr-FR" sz="1200" dirty="0" err="1"/>
+              <a:t>board</a:t>
+            </a:r>
+            <a:r>
+              <a:rPr lang="fr-FR" sz="1200" dirty="0"/>
+              <a:t> repo </a:t>
+            </a:r>
+            <a:r>
+              <a:rPr lang="fr-FR" sz="1200" dirty="0" err="1"/>
+              <a:t>judge</a:t>
+            </a:r>
+            <a:r>
+              <a:rPr lang="fr-FR" sz="1200" dirty="0"/>
+              <a:t> look </a:t>
+            </a:r>
+            <a:r>
+              <a:rPr lang="fr-FR" sz="1200" dirty="0" err="1"/>
+              <a:t>rather</a:t>
+            </a:r>
+            <a:r>
+              <a:rPr lang="fr-FR" sz="1200" dirty="0"/>
+              <a:t> </a:t>
+            </a:r>
+            <a:r>
+              <a:rPr lang="fr-FR" sz="1200" dirty="0" err="1"/>
+              <a:t>facility</a:t>
+            </a:r>
+            <a:r>
+              <a:rPr lang="fr-FR" sz="1200" dirty="0"/>
+              <a:t> structural stress scenario </a:t>
+            </a:r>
+            <a:r>
+              <a:rPr lang="fr-FR" sz="1200" dirty="0" err="1"/>
+              <a:t>weaker</a:t>
+            </a:r>
+            <a:endParaRPr lang="fr-FR" sz="1200" dirty="0"/>
+          </a:p>
+        </p:txBody>
+      </p:sp>
+    </p:spTree>
+    <p:extLst>
+      <p:ext uri="{BB962C8B-B14F-4D97-AF65-F5344CB8AC3E}">
+        <p14:creationId xmlns:p14="http://schemas.microsoft.com/office/powerpoint/2010/main" val="3112966563"/>
       </p:ext>
     </p:extLst>
   </p:cSld>
@@ -4737,12 +7402,116 @@
           <a:chExt cx="0" cy="0"/>
         </a:xfrm>
       </p:grpSpPr>
+      <p:sp>
+        <p:nvSpPr>
+          <p:cNvPr id="2" name="Titre 1">
+            <a:extLst>
+              <a:ext uri="{FF2B5EF4-FFF2-40B4-BE49-F238E27FC236}">
+                <a16:creationId xmlns:a16="http://schemas.microsoft.com/office/drawing/2014/main" id="{3571F014-62C6-DE4E-82AE-F9FF1BBA657B}"/>
+              </a:ext>
+            </a:extLst>
+          </p:cNvPr>
+          <p:cNvSpPr>
+            <a:spLocks noGrp="1"/>
+          </p:cNvSpPr>
+          <p:nvPr>
+            <p:ph type="title"/>
+          </p:nvPr>
+        </p:nvSpPr>
+        <p:spPr/>
+        <p:txBody>
+          <a:bodyPr/>
+          <a:lstStyle/>
+          <a:p>
+            <a:r>
+              <a:rPr lang="fr-FR" dirty="0"/>
+              <a:t>LDA : pistes et commentaires</a:t>
+            </a:r>
+          </a:p>
+        </p:txBody>
+      </p:sp>
+      <p:sp>
+        <p:nvSpPr>
+          <p:cNvPr id="4" name="ZoneTexte 3">
+            <a:extLst>
+              <a:ext uri="{FF2B5EF4-FFF2-40B4-BE49-F238E27FC236}">
+                <a16:creationId xmlns:a16="http://schemas.microsoft.com/office/drawing/2014/main" id="{AA3777CE-5F60-1243-88A3-6441BDC0E21E}"/>
+              </a:ext>
+            </a:extLst>
+          </p:cNvPr>
+          <p:cNvSpPr txBox="1"/>
+          <p:nvPr/>
+        </p:nvSpPr>
+        <p:spPr>
+          <a:xfrm>
+            <a:off x="2291674" y="1413689"/>
+            <a:ext cx="7894996" cy="923330"/>
+          </a:xfrm>
+          <a:prstGeom prst="rect">
+            <a:avLst/>
+          </a:prstGeom>
+          <a:noFill/>
+        </p:spPr>
+        <p:txBody>
+          <a:bodyPr wrap="square" rtlCol="0">
+            <a:spAutoFit/>
+          </a:bodyPr>
+          <a:lstStyle/>
+          <a:p>
+            <a:r>
+              <a:rPr lang="fr-FR" dirty="0"/>
+              <a:t>De la </a:t>
+            </a:r>
+            <a:r>
+              <a:rPr lang="fr-FR" b="1" dirty="0"/>
+              <a:t>chair Greenspan : </a:t>
+            </a:r>
+            <a:r>
+              <a:rPr lang="fr-FR" dirty="0"/>
+              <a:t>évolution au passage à </a:t>
+            </a:r>
+            <a:r>
+              <a:rPr lang="fr-FR" b="1" dirty="0" err="1"/>
+              <a:t>Bernanke</a:t>
+            </a:r>
+            <a:r>
+              <a:rPr lang="fr-FR" dirty="0"/>
+              <a:t> ?</a:t>
+            </a:r>
+          </a:p>
+          <a:p>
+            <a:r>
+              <a:rPr lang="fr-FR" dirty="0"/>
+              <a:t>LDA sur  les individus à cheval sur les deux mandats. </a:t>
+            </a:r>
+          </a:p>
+          <a:p>
+            <a:r>
+              <a:rPr lang="fr-FR" dirty="0"/>
+              <a:t>Idem pour </a:t>
+            </a:r>
+            <a:r>
+              <a:rPr lang="fr-FR" dirty="0" err="1"/>
+              <a:t>Yellen</a:t>
+            </a:r>
+            <a:r>
+              <a:rPr lang="fr-FR" dirty="0"/>
+              <a:t>/</a:t>
+            </a:r>
+            <a:r>
+              <a:rPr lang="fr-FR" dirty="0" err="1"/>
+              <a:t>Bernanke</a:t>
+            </a:r>
+            <a:endParaRPr lang="fr-FR" dirty="0"/>
+          </a:p>
+        </p:txBody>
+      </p:sp>
       <p:pic>
         <p:nvPicPr>
-          <p:cNvPr id="3" name="Image 2">
-            <a:extLst>
-              <a:ext uri="{FF2B5EF4-FFF2-40B4-BE49-F238E27FC236}">
-                <a16:creationId xmlns:a16="http://schemas.microsoft.com/office/drawing/2014/main" id="{118F407B-DB4B-5D4F-90EF-DABE4C622C2E}"/>
+          <p:cNvPr id="6" name="Image 5">
+            <a:extLst>
+              <a:ext uri="{FF2B5EF4-FFF2-40B4-BE49-F238E27FC236}">
+                <a16:creationId xmlns:a16="http://schemas.microsoft.com/office/drawing/2014/main" id="{8980C410-4F58-D343-B4A3-DE16B4FADC55}"/>
               </a:ext>
             </a:extLst>
           </p:cNvPr>
@@ -4751,26 +7520,721 @@
           </p:cNvPicPr>
           <p:nvPr/>
         </p:nvPicPr>
-        <p:blipFill>
+        <p:blipFill rotWithShape="1">
           <a:blip r:embed="rId2"/>
-          <a:stretch>
-            <a:fillRect/>
-          </a:stretch>
+          <a:srcRect r="50889"/>
+          <a:stretch/>
         </p:blipFill>
         <p:spPr>
           <a:xfrm>
-            <a:off x="677334" y="2642718"/>
-            <a:ext cx="10015256" cy="2877550"/>
+            <a:off x="1981201" y="2664413"/>
+            <a:ext cx="4114799" cy="3514546"/>
           </a:xfrm>
           <a:prstGeom prst="rect">
             <a:avLst/>
           </a:prstGeom>
         </p:spPr>
       </p:pic>
+      <p:pic>
+        <p:nvPicPr>
+          <p:cNvPr id="8" name="Image 7">
+            <a:extLst>
+              <a:ext uri="{FF2B5EF4-FFF2-40B4-BE49-F238E27FC236}">
+                <a16:creationId xmlns:a16="http://schemas.microsoft.com/office/drawing/2014/main" id="{CC3FBD37-B70B-2B44-ADF2-A64896B2DFDD}"/>
+              </a:ext>
+            </a:extLst>
+          </p:cNvPr>
+          <p:cNvPicPr>
+            <a:picLocks noChangeAspect="1"/>
+          </p:cNvPicPr>
+          <p:nvPr/>
+        </p:nvPicPr>
+        <p:blipFill rotWithShape="1">
+          <a:blip r:embed="rId3"/>
+          <a:srcRect r="52120"/>
+          <a:stretch/>
+        </p:blipFill>
+        <p:spPr>
+          <a:xfrm>
+            <a:off x="8153400" y="2607263"/>
+            <a:ext cx="4114798" cy="4193587"/>
+          </a:xfrm>
+          <a:prstGeom prst="rect">
+            <a:avLst/>
+          </a:prstGeom>
+        </p:spPr>
+      </p:pic>
+      <p:sp>
+        <p:nvSpPr>
+          <p:cNvPr id="9" name="ZoneTexte 8">
+            <a:extLst>
+              <a:ext uri="{FF2B5EF4-FFF2-40B4-BE49-F238E27FC236}">
+                <a16:creationId xmlns:a16="http://schemas.microsoft.com/office/drawing/2014/main" id="{5E38C79D-7489-5147-AFF5-1BA796CBFBFC}"/>
+              </a:ext>
+            </a:extLst>
+          </p:cNvPr>
+          <p:cNvSpPr txBox="1"/>
+          <p:nvPr/>
+        </p:nvSpPr>
+        <p:spPr>
+          <a:xfrm>
+            <a:off x="382193" y="2241829"/>
+            <a:ext cx="1909481" cy="369332"/>
+          </a:xfrm>
+          <a:prstGeom prst="rect">
+            <a:avLst/>
+          </a:prstGeom>
+          <a:noFill/>
+        </p:spPr>
+        <p:txBody>
+          <a:bodyPr wrap="square" rtlCol="0">
+            <a:spAutoFit/>
+          </a:bodyPr>
+          <a:lstStyle/>
+          <a:p>
+            <a:r>
+              <a:rPr lang="fr-FR" dirty="0"/>
+              <a:t>Greenspan</a:t>
+            </a:r>
+          </a:p>
+        </p:txBody>
+      </p:sp>
+      <p:sp>
+        <p:nvSpPr>
+          <p:cNvPr id="10" name="ZoneTexte 9">
+            <a:extLst>
+              <a:ext uri="{FF2B5EF4-FFF2-40B4-BE49-F238E27FC236}">
+                <a16:creationId xmlns:a16="http://schemas.microsoft.com/office/drawing/2014/main" id="{D8A3B391-E74E-F848-A70E-9E40535672A3}"/>
+              </a:ext>
+            </a:extLst>
+          </p:cNvPr>
+          <p:cNvSpPr txBox="1"/>
+          <p:nvPr/>
+        </p:nvSpPr>
+        <p:spPr>
+          <a:xfrm>
+            <a:off x="6589061" y="2205854"/>
+            <a:ext cx="1909481" cy="369332"/>
+          </a:xfrm>
+          <a:prstGeom prst="rect">
+            <a:avLst/>
+          </a:prstGeom>
+          <a:noFill/>
+        </p:spPr>
+        <p:txBody>
+          <a:bodyPr wrap="square" rtlCol="0">
+            <a:spAutoFit/>
+          </a:bodyPr>
+          <a:lstStyle/>
+          <a:p>
+            <a:r>
+              <a:rPr lang="fr-FR" dirty="0" err="1"/>
+              <a:t>Bernanke</a:t>
+            </a:r>
+            <a:endParaRPr lang="fr-FR" dirty="0"/>
+          </a:p>
+        </p:txBody>
+      </p:sp>
+      <p:sp>
+        <p:nvSpPr>
+          <p:cNvPr id="11" name="ZoneTexte 10">
+            <a:extLst>
+              <a:ext uri="{FF2B5EF4-FFF2-40B4-BE49-F238E27FC236}">
+                <a16:creationId xmlns:a16="http://schemas.microsoft.com/office/drawing/2014/main" id="{9C247967-EF8F-3E47-BD6A-65A3C1F71C68}"/>
+              </a:ext>
+            </a:extLst>
+          </p:cNvPr>
+          <p:cNvSpPr txBox="1"/>
+          <p:nvPr/>
+        </p:nvSpPr>
+        <p:spPr>
+          <a:xfrm>
+            <a:off x="161365" y="2796988"/>
+            <a:ext cx="1819836" cy="3970318"/>
+          </a:xfrm>
+          <a:prstGeom prst="rect">
+            <a:avLst/>
+          </a:prstGeom>
+          <a:noFill/>
+        </p:spPr>
+        <p:txBody>
+          <a:bodyPr wrap="square" rtlCol="0">
+            <a:spAutoFit/>
+          </a:bodyPr>
+          <a:lstStyle/>
+          <a:p>
+            <a:r>
+              <a:rPr lang="fr-FR" sz="1200" dirty="0"/>
+              <a:t>1 : rate </a:t>
+            </a:r>
+            <a:r>
+              <a:rPr lang="fr-FR" sz="1200" dirty="0" err="1"/>
+              <a:t>growth</a:t>
+            </a:r>
+            <a:r>
+              <a:rPr lang="fr-FR" sz="1200" dirty="0"/>
+              <a:t> percent inflation </a:t>
+            </a:r>
+            <a:r>
+              <a:rPr lang="fr-FR" sz="1200" dirty="0" err="1"/>
+              <a:t>year</a:t>
+            </a:r>
+            <a:r>
+              <a:rPr lang="fr-FR" sz="1200" dirty="0"/>
+              <a:t>  </a:t>
+            </a:r>
+            <a:r>
+              <a:rPr lang="fr-FR" sz="1200" dirty="0" err="1"/>
+              <a:t>policy</a:t>
+            </a:r>
+            <a:r>
+              <a:rPr lang="fr-FR" sz="1200" dirty="0"/>
+              <a:t> us panel </a:t>
+            </a:r>
+            <a:r>
+              <a:rPr lang="fr-FR" sz="1200" dirty="0" err="1"/>
+              <a:t>prices</a:t>
+            </a:r>
+            <a:r>
+              <a:rPr lang="fr-FR" sz="1200" dirty="0"/>
+              <a:t> </a:t>
+            </a:r>
+            <a:r>
+              <a:rPr lang="fr-FR" sz="1200" dirty="0" err="1"/>
+              <a:t>forecast</a:t>
+            </a:r>
+            <a:endParaRPr lang="fr-FR" sz="1200" dirty="0"/>
+          </a:p>
+          <a:p>
+            <a:endParaRPr lang="fr-FR" sz="1200" dirty="0"/>
+          </a:p>
+          <a:p>
+            <a:r>
+              <a:rPr lang="fr-FR" sz="1200" dirty="0"/>
+              <a:t>2 : </a:t>
+            </a:r>
+            <a:r>
+              <a:rPr lang="fr-FR" sz="1200" dirty="0" err="1"/>
+              <a:t>press</a:t>
+            </a:r>
+            <a:r>
+              <a:rPr lang="fr-FR" sz="1200" dirty="0"/>
+              <a:t> </a:t>
+            </a:r>
+            <a:r>
+              <a:rPr lang="fr-FR" sz="1200" dirty="0" err="1"/>
+              <a:t>commitee</a:t>
+            </a:r>
+            <a:r>
+              <a:rPr lang="fr-FR" sz="1200" dirty="0"/>
+              <a:t> </a:t>
+            </a:r>
+            <a:r>
+              <a:rPr lang="fr-FR" sz="1200" dirty="0" err="1"/>
+              <a:t>saving</a:t>
+            </a:r>
+            <a:r>
+              <a:rPr lang="fr-FR" sz="1200" dirty="0"/>
+              <a:t> </a:t>
+            </a:r>
+            <a:r>
+              <a:rPr lang="fr-FR" sz="1200" dirty="0" err="1"/>
+              <a:t>recall</a:t>
+            </a:r>
+            <a:r>
+              <a:rPr lang="fr-FR" sz="1200" dirty="0"/>
+              <a:t> swap </a:t>
+            </a:r>
+            <a:r>
+              <a:rPr lang="fr-FR" sz="1200" dirty="0" err="1"/>
+              <a:t>assets</a:t>
+            </a:r>
+            <a:r>
+              <a:rPr lang="fr-FR" sz="1200" dirty="0"/>
+              <a:t> figure budget break </a:t>
+            </a:r>
+            <a:r>
+              <a:rPr lang="fr-FR" sz="1200" dirty="0" err="1"/>
+              <a:t>raise</a:t>
+            </a:r>
+            <a:r>
+              <a:rPr lang="fr-FR" sz="1200" dirty="0"/>
+              <a:t> </a:t>
+            </a:r>
+            <a:r>
+              <a:rPr lang="fr-FR" sz="1200" dirty="0" err="1"/>
+              <a:t>banking</a:t>
+            </a:r>
+            <a:endParaRPr lang="fr-FR" sz="1200" dirty="0"/>
+          </a:p>
+          <a:p>
+            <a:endParaRPr lang="fr-FR" sz="1200" dirty="0"/>
+          </a:p>
+          <a:p>
+            <a:r>
+              <a:rPr lang="fr-FR" sz="1200" dirty="0"/>
+              <a:t>3: signal </a:t>
+            </a:r>
+            <a:r>
+              <a:rPr lang="fr-FR" sz="1200" dirty="0" err="1"/>
+              <a:t>recommendation</a:t>
+            </a:r>
+            <a:r>
+              <a:rPr lang="fr-FR" sz="1200" dirty="0"/>
+              <a:t> compensation </a:t>
+            </a:r>
+            <a:r>
+              <a:rPr lang="fr-FR" sz="1200" dirty="0" err="1"/>
+              <a:t>uncertainties</a:t>
+            </a:r>
+            <a:r>
+              <a:rPr lang="fr-FR" sz="1200" dirty="0"/>
+              <a:t> reports </a:t>
+            </a:r>
+            <a:r>
+              <a:rPr lang="fr-FR" sz="1200" dirty="0" err="1"/>
+              <a:t>wage</a:t>
+            </a:r>
+            <a:r>
+              <a:rPr lang="fr-FR" sz="1200" dirty="0"/>
+              <a:t> </a:t>
+            </a:r>
+            <a:r>
+              <a:rPr lang="fr-FR" sz="1200" dirty="0" err="1"/>
+              <a:t>bluebook</a:t>
+            </a:r>
+            <a:r>
+              <a:rPr lang="fr-FR" sz="1200" dirty="0"/>
+              <a:t> power </a:t>
+            </a:r>
+          </a:p>
+          <a:p>
+            <a:endParaRPr lang="fr-FR" sz="1200" dirty="0"/>
+          </a:p>
+          <a:p>
+            <a:r>
+              <a:rPr lang="fr-FR" sz="1200" dirty="0"/>
+              <a:t>4: </a:t>
+            </a:r>
+            <a:r>
+              <a:rPr lang="fr-FR" sz="1200" dirty="0" err="1"/>
+              <a:t>results</a:t>
+            </a:r>
+            <a:r>
+              <a:rPr lang="fr-FR" sz="1200" dirty="0"/>
+              <a:t> parts </a:t>
+            </a:r>
+            <a:r>
+              <a:rPr lang="fr-FR" sz="1200" dirty="0" err="1"/>
+              <a:t>series</a:t>
+            </a:r>
+            <a:r>
+              <a:rPr lang="fr-FR" sz="1200" dirty="0"/>
+              <a:t> </a:t>
+            </a:r>
+            <a:r>
+              <a:rPr lang="fr-FR" sz="1200" dirty="0" err="1"/>
+              <a:t>probability</a:t>
+            </a:r>
+            <a:r>
+              <a:rPr lang="fr-FR" sz="1200" dirty="0"/>
+              <a:t> </a:t>
+            </a:r>
+            <a:r>
+              <a:rPr lang="fr-FR" sz="1200" dirty="0" err="1"/>
+              <a:t>momentum</a:t>
+            </a:r>
+            <a:r>
+              <a:rPr lang="fr-FR" sz="1200" dirty="0"/>
+              <a:t> budget </a:t>
+            </a:r>
+            <a:r>
+              <a:rPr lang="fr-FR" sz="1200" dirty="0" err="1"/>
+              <a:t>orders</a:t>
+            </a:r>
+            <a:r>
+              <a:rPr lang="fr-FR" sz="1200" dirty="0"/>
+              <a:t> </a:t>
+            </a:r>
+          </a:p>
+          <a:p>
+            <a:br>
+              <a:rPr lang="fr-FR" sz="1200" dirty="0"/>
+            </a:br>
+            <a:r>
+              <a:rPr lang="fr-FR" sz="1200" dirty="0"/>
+              <a:t>5: </a:t>
+            </a:r>
+            <a:r>
+              <a:rPr lang="fr-FR" sz="1200" dirty="0" err="1"/>
+              <a:t>previous</a:t>
+            </a:r>
+            <a:r>
+              <a:rPr lang="fr-FR" sz="1200" dirty="0"/>
+              <a:t> </a:t>
+            </a:r>
+            <a:r>
+              <a:rPr lang="fr-FR" sz="1200" dirty="0" err="1"/>
+              <a:t>maintain</a:t>
+            </a:r>
+            <a:r>
+              <a:rPr lang="fr-FR" sz="1200" dirty="0"/>
+              <a:t> lead record </a:t>
+            </a:r>
+            <a:r>
+              <a:rPr lang="fr-FR" sz="1200" dirty="0" err="1"/>
+              <a:t>reserves</a:t>
+            </a:r>
+            <a:r>
+              <a:rPr lang="fr-FR" sz="1200" dirty="0"/>
+              <a:t> </a:t>
+            </a:r>
+            <a:r>
+              <a:rPr lang="fr-FR" sz="1200" dirty="0" err="1"/>
+              <a:t>product</a:t>
+            </a:r>
+            <a:r>
+              <a:rPr lang="fr-FR" sz="1200" dirty="0"/>
+              <a:t> export </a:t>
+            </a:r>
+            <a:r>
+              <a:rPr lang="fr-FR" sz="1200" dirty="0" err="1"/>
+              <a:t>consequence</a:t>
+            </a:r>
+            <a:r>
+              <a:rPr lang="fr-FR" sz="1200" dirty="0"/>
+              <a:t> </a:t>
+            </a:r>
+          </a:p>
+        </p:txBody>
+      </p:sp>
+      <p:sp>
+        <p:nvSpPr>
+          <p:cNvPr id="12" name="ZoneTexte 11">
+            <a:extLst>
+              <a:ext uri="{FF2B5EF4-FFF2-40B4-BE49-F238E27FC236}">
+                <a16:creationId xmlns:a16="http://schemas.microsoft.com/office/drawing/2014/main" id="{7F9B0025-100F-8A4F-A4D5-0B6837D74737}"/>
+              </a:ext>
+            </a:extLst>
+          </p:cNvPr>
+          <p:cNvSpPr txBox="1"/>
+          <p:nvPr/>
+        </p:nvSpPr>
+        <p:spPr>
+          <a:xfrm>
+            <a:off x="6096000" y="2739252"/>
+            <a:ext cx="2097741" cy="4154984"/>
+          </a:xfrm>
+          <a:prstGeom prst="rect">
+            <a:avLst/>
+          </a:prstGeom>
+          <a:noFill/>
+        </p:spPr>
+        <p:txBody>
+          <a:bodyPr wrap="square" rtlCol="0">
+            <a:spAutoFit/>
+          </a:bodyPr>
+          <a:lstStyle/>
+          <a:p>
+            <a:r>
+              <a:rPr lang="fr-FR" sz="1200" dirty="0"/>
+              <a:t>1 : rate inflation </a:t>
+            </a:r>
+            <a:r>
+              <a:rPr lang="fr-FR" sz="1200" dirty="0" err="1"/>
+              <a:t>market</a:t>
+            </a:r>
+            <a:r>
+              <a:rPr lang="fr-FR" sz="1200" dirty="0"/>
+              <a:t> </a:t>
+            </a:r>
+            <a:r>
+              <a:rPr lang="fr-FR" sz="1200" dirty="0" err="1"/>
+              <a:t>funds</a:t>
+            </a:r>
+            <a:r>
+              <a:rPr lang="fr-FR" sz="1200" dirty="0"/>
+              <a:t> </a:t>
+            </a:r>
+            <a:r>
+              <a:rPr lang="fr-FR" sz="1200" dirty="0" err="1"/>
+              <a:t>federal</a:t>
+            </a:r>
+            <a:r>
+              <a:rPr lang="fr-FR" sz="1200" dirty="0"/>
+              <a:t> </a:t>
+            </a:r>
+            <a:r>
+              <a:rPr lang="fr-FR" sz="1200" dirty="0" err="1"/>
+              <a:t>reserve</a:t>
+            </a:r>
+            <a:r>
+              <a:rPr lang="fr-FR" sz="1200" dirty="0"/>
+              <a:t> </a:t>
+            </a:r>
+            <a:r>
+              <a:rPr lang="fr-FR" sz="1200" dirty="0" err="1"/>
+              <a:t>securities</a:t>
+            </a:r>
+            <a:r>
+              <a:rPr lang="fr-FR" sz="1200" dirty="0"/>
+              <a:t> </a:t>
+            </a:r>
+            <a:r>
+              <a:rPr lang="fr-FR" sz="1200" dirty="0" err="1"/>
+              <a:t>financial</a:t>
+            </a:r>
+            <a:r>
+              <a:rPr lang="fr-FR" sz="1200" dirty="0"/>
+              <a:t> </a:t>
+            </a:r>
+            <a:r>
+              <a:rPr lang="fr-FR" sz="1200" dirty="0" err="1"/>
+              <a:t>risk</a:t>
+            </a:r>
+            <a:r>
+              <a:rPr lang="fr-FR" sz="1200" dirty="0"/>
+              <a:t> </a:t>
+            </a:r>
+            <a:r>
+              <a:rPr lang="fr-FR" sz="1200" dirty="0" err="1"/>
+              <a:t>treasury</a:t>
+            </a:r>
+            <a:r>
+              <a:rPr lang="fr-FR" sz="1200" dirty="0"/>
+              <a:t> </a:t>
+            </a:r>
+            <a:r>
+              <a:rPr lang="fr-FR" sz="1200" dirty="0" err="1"/>
+              <a:t>credit</a:t>
+            </a:r>
+            <a:endParaRPr lang="fr-FR" sz="1200" dirty="0"/>
+          </a:p>
+          <a:p>
+            <a:endParaRPr lang="fr-FR" sz="1200" dirty="0"/>
+          </a:p>
+          <a:p>
+            <a:r>
+              <a:rPr lang="fr-FR" sz="1200" dirty="0"/>
+              <a:t>2 : central projections percent </a:t>
+            </a:r>
+            <a:r>
+              <a:rPr lang="fr-FR" sz="1200" dirty="0" err="1"/>
+              <a:t>unemployment</a:t>
+            </a:r>
+            <a:r>
+              <a:rPr lang="fr-FR" sz="1200" dirty="0"/>
+              <a:t> </a:t>
+            </a:r>
+            <a:r>
+              <a:rPr lang="fr-FR" sz="1200" dirty="0" err="1"/>
+              <a:t>gdp</a:t>
+            </a:r>
+            <a:r>
+              <a:rPr lang="fr-FR" sz="1200" dirty="0"/>
+              <a:t> </a:t>
+            </a:r>
+            <a:r>
+              <a:rPr lang="fr-FR" sz="1200" dirty="0" err="1"/>
+              <a:t>growth</a:t>
+            </a:r>
+            <a:r>
+              <a:rPr lang="fr-FR" sz="1200" dirty="0"/>
+              <a:t> </a:t>
+            </a:r>
+            <a:r>
+              <a:rPr lang="fr-FR" sz="1200" dirty="0" err="1"/>
+              <a:t>forecast</a:t>
+            </a:r>
+            <a:r>
+              <a:rPr lang="fr-FR" sz="1200" dirty="0"/>
+              <a:t> panel </a:t>
+            </a:r>
+            <a:r>
+              <a:rPr lang="fr-FR" sz="1200" dirty="0" err="1"/>
+              <a:t>assessments</a:t>
+            </a:r>
+            <a:r>
+              <a:rPr lang="fr-FR" sz="1200" dirty="0"/>
+              <a:t> </a:t>
+            </a:r>
+            <a:r>
+              <a:rPr lang="fr-FR" sz="1200" dirty="0" err="1"/>
+              <a:t>greenbook</a:t>
+            </a:r>
+            <a:endParaRPr lang="fr-FR" sz="1200" dirty="0"/>
+          </a:p>
+          <a:p>
+            <a:endParaRPr lang="fr-FR" sz="1200" dirty="0"/>
+          </a:p>
+          <a:p>
+            <a:r>
+              <a:rPr lang="fr-FR" sz="1200" dirty="0"/>
+              <a:t>3: production management </a:t>
+            </a:r>
+            <a:r>
+              <a:rPr lang="fr-FR" sz="1200" dirty="0" err="1"/>
+              <a:t>materials</a:t>
+            </a:r>
+            <a:r>
+              <a:rPr lang="fr-FR" sz="1200" dirty="0"/>
+              <a:t> </a:t>
+            </a:r>
+            <a:r>
+              <a:rPr lang="fr-FR" sz="1200" dirty="0" err="1"/>
+              <a:t>reducing</a:t>
+            </a:r>
+            <a:r>
+              <a:rPr lang="fr-FR" sz="1200" dirty="0"/>
+              <a:t> </a:t>
+            </a:r>
+            <a:r>
+              <a:rPr lang="fr-FR" sz="1200" dirty="0" err="1"/>
+              <a:t>estimates</a:t>
+            </a:r>
+            <a:r>
+              <a:rPr lang="fr-FR" sz="1200" dirty="0"/>
+              <a:t> </a:t>
+            </a:r>
+            <a:r>
+              <a:rPr lang="fr-FR" sz="1200" dirty="0" err="1"/>
+              <a:t>extent</a:t>
+            </a:r>
+            <a:r>
+              <a:rPr lang="fr-FR" sz="1200" dirty="0"/>
+              <a:t> positive </a:t>
+            </a:r>
+            <a:r>
+              <a:rPr lang="fr-FR" sz="1200" dirty="0" err="1"/>
+              <a:t>side</a:t>
+            </a:r>
+            <a:r>
+              <a:rPr lang="fr-FR" sz="1200" dirty="0"/>
+              <a:t> chart </a:t>
+            </a:r>
+          </a:p>
+          <a:p>
+            <a:endParaRPr lang="fr-FR" sz="1200" dirty="0"/>
+          </a:p>
+          <a:p>
+            <a:r>
+              <a:rPr lang="fr-FR" sz="1200" dirty="0"/>
+              <a:t>4: </a:t>
+            </a:r>
+            <a:r>
+              <a:rPr lang="fr-FR" sz="1200" dirty="0" err="1"/>
+              <a:t>liftoff</a:t>
+            </a:r>
+            <a:r>
+              <a:rPr lang="fr-FR" sz="1200" dirty="0"/>
+              <a:t> premiums </a:t>
+            </a:r>
+            <a:r>
+              <a:rPr lang="fr-FR" sz="1200" dirty="0" err="1"/>
+              <a:t>overnight</a:t>
+            </a:r>
+            <a:r>
+              <a:rPr lang="fr-FR" sz="1200" dirty="0"/>
+              <a:t> </a:t>
+            </a:r>
+            <a:r>
+              <a:rPr lang="fr-FR" sz="1200" dirty="0" err="1"/>
+              <a:t>moreover</a:t>
+            </a:r>
+            <a:r>
+              <a:rPr lang="fr-FR" sz="1200" dirty="0"/>
+              <a:t> memo implication </a:t>
+            </a:r>
+            <a:r>
+              <a:rPr lang="fr-FR" sz="1200" dirty="0" err="1"/>
+              <a:t>probability</a:t>
+            </a:r>
+            <a:r>
+              <a:rPr lang="fr-FR" sz="1200" dirty="0"/>
+              <a:t> </a:t>
+            </a:r>
+            <a:r>
+              <a:rPr lang="fr-FR" sz="1200" dirty="0" err="1"/>
+              <a:t>deleveraging</a:t>
+            </a:r>
+            <a:r>
+              <a:rPr lang="fr-FR" sz="1200" dirty="0"/>
+              <a:t> </a:t>
+            </a:r>
+            <a:r>
+              <a:rPr lang="fr-FR" sz="1200" dirty="0" err="1"/>
+              <a:t>commodity</a:t>
+            </a:r>
+            <a:endParaRPr lang="fr-FR" sz="1200" dirty="0"/>
+          </a:p>
+          <a:p>
+            <a:br>
+              <a:rPr lang="fr-FR" sz="1200" dirty="0"/>
+            </a:br>
+            <a:r>
+              <a:rPr lang="fr-FR" sz="1200" dirty="0"/>
+              <a:t>5: </a:t>
+            </a:r>
+            <a:r>
+              <a:rPr lang="fr-FR" sz="1200" dirty="0" err="1"/>
+              <a:t>remittances</a:t>
+            </a:r>
+            <a:r>
+              <a:rPr lang="fr-FR" sz="1200" dirty="0"/>
+              <a:t> </a:t>
+            </a:r>
+            <a:r>
+              <a:rPr lang="fr-FR" sz="1200" dirty="0" err="1"/>
+              <a:t>sheet</a:t>
+            </a:r>
+            <a:r>
+              <a:rPr lang="fr-FR" sz="1200" dirty="0"/>
+              <a:t> </a:t>
+            </a:r>
+            <a:r>
+              <a:rPr lang="fr-FR" sz="1200" dirty="0" err="1"/>
+              <a:t>board</a:t>
+            </a:r>
+            <a:r>
+              <a:rPr lang="fr-FR" sz="1200" dirty="0"/>
+              <a:t> repo </a:t>
+            </a:r>
+            <a:r>
+              <a:rPr lang="fr-FR" sz="1200" dirty="0" err="1"/>
+              <a:t>judge</a:t>
+            </a:r>
+            <a:r>
+              <a:rPr lang="fr-FR" sz="1200" dirty="0"/>
+              <a:t> look </a:t>
+            </a:r>
+            <a:r>
+              <a:rPr lang="fr-FR" sz="1200" dirty="0" err="1"/>
+              <a:t>rather</a:t>
+            </a:r>
+            <a:r>
+              <a:rPr lang="fr-FR" sz="1200" dirty="0"/>
+              <a:t> </a:t>
+            </a:r>
+            <a:r>
+              <a:rPr lang="fr-FR" sz="1200" dirty="0" err="1"/>
+              <a:t>facility</a:t>
+            </a:r>
+            <a:r>
+              <a:rPr lang="fr-FR" sz="1200" dirty="0"/>
+              <a:t> structural stress scenario </a:t>
+            </a:r>
+            <a:r>
+              <a:rPr lang="fr-FR" sz="1200" dirty="0" err="1"/>
+              <a:t>weaker</a:t>
+            </a:r>
+            <a:endParaRPr lang="fr-FR" sz="1200" dirty="0"/>
+          </a:p>
+        </p:txBody>
+      </p:sp>
     </p:spTree>
     <p:extLst>
       <p:ext uri="{BB962C8B-B14F-4D97-AF65-F5344CB8AC3E}">
-        <p14:creationId xmlns:p14="http://schemas.microsoft.com/office/powerpoint/2010/main" val="2286629497"/>
+        <p14:creationId xmlns:p14="http://schemas.microsoft.com/office/powerpoint/2010/main" val="1618437305"/>
       </p:ext>
     </p:extLst>
   </p:cSld>
@@ -4799,10 +8263,10 @@
       </p:grpSpPr>
       <p:pic>
         <p:nvPicPr>
-          <p:cNvPr id="2" name="Image 1">
-            <a:extLst>
-              <a:ext uri="{FF2B5EF4-FFF2-40B4-BE49-F238E27FC236}">
-                <a16:creationId xmlns:a16="http://schemas.microsoft.com/office/drawing/2014/main" id="{66CFFCE7-A9E0-064D-8417-BF863F2FC28F}"/>
+          <p:cNvPr id="3" name="Image 2">
+            <a:extLst>
+              <a:ext uri="{FF2B5EF4-FFF2-40B4-BE49-F238E27FC236}">
+                <a16:creationId xmlns:a16="http://schemas.microsoft.com/office/drawing/2014/main" id="{118F407B-DB4B-5D4F-90EF-DABE4C622C2E}"/>
               </a:ext>
             </a:extLst>
           </p:cNvPr>
@@ -4819,89 +8283,83 @@
         </p:blipFill>
         <p:spPr>
           <a:xfrm>
-            <a:off x="3270250" y="3058584"/>
-            <a:ext cx="6261100" cy="2501900"/>
+            <a:off x="838200" y="3796400"/>
+            <a:ext cx="10015256" cy="2877550"/>
           </a:xfrm>
           <a:prstGeom prst="rect">
             <a:avLst/>
           </a:prstGeom>
         </p:spPr>
       </p:pic>
-      <p:pic>
-        <p:nvPicPr>
-          <p:cNvPr id="4" name="Image 3">
-            <a:extLst>
-              <a:ext uri="{FF2B5EF4-FFF2-40B4-BE49-F238E27FC236}">
-                <a16:creationId xmlns:a16="http://schemas.microsoft.com/office/drawing/2014/main" id="{01EBD83D-07CA-9245-9A1E-B0AED99290FC}"/>
-              </a:ext>
-            </a:extLst>
-          </p:cNvPr>
-          <p:cNvPicPr>
-            <a:picLocks noChangeAspect="1"/>
-          </p:cNvPicPr>
+      <p:sp>
+        <p:nvSpPr>
+          <p:cNvPr id="4" name="Titre 1">
+            <a:extLst>
+              <a:ext uri="{FF2B5EF4-FFF2-40B4-BE49-F238E27FC236}">
+                <a16:creationId xmlns:a16="http://schemas.microsoft.com/office/drawing/2014/main" id="{5F53AAB8-EF9F-BA48-AA08-B182EBCE7A3C}"/>
+              </a:ext>
+            </a:extLst>
+          </p:cNvPr>
+          <p:cNvSpPr txBox="1">
+            <a:spLocks/>
+          </p:cNvSpPr>
           <p:nvPr/>
-        </p:nvPicPr>
-        <p:blipFill>
-          <a:blip r:embed="rId3"/>
-          <a:stretch>
-            <a:fillRect/>
-          </a:stretch>
-        </p:blipFill>
+        </p:nvSpPr>
         <p:spPr>
           <a:xfrm>
-            <a:off x="3346450" y="2498726"/>
-            <a:ext cx="5956300" cy="596900"/>
+            <a:off x="838200" y="365125"/>
+            <a:ext cx="10515600" cy="1325563"/>
           </a:xfrm>
           <a:prstGeom prst="rect">
             <a:avLst/>
           </a:prstGeom>
         </p:spPr>
-      </p:pic>
-      <p:pic>
-        <p:nvPicPr>
-          <p:cNvPr id="3" name="Image 2">
-            <a:extLst>
-              <a:ext uri="{FF2B5EF4-FFF2-40B4-BE49-F238E27FC236}">
-                <a16:creationId xmlns:a16="http://schemas.microsoft.com/office/drawing/2014/main" id="{A32A5915-FA5E-4B47-A8CA-0955A5F6F44D}"/>
-              </a:ext>
-            </a:extLst>
-          </p:cNvPr>
-          <p:cNvPicPr>
-            <a:picLocks noChangeAspect="1"/>
-          </p:cNvPicPr>
+        <p:txBody>
+          <a:bodyPr/>
+          <a:lstStyle>
+            <a:lvl1pPr algn="l" defTabSz="914400" rtl="0" eaLnBrk="1" latinLnBrk="0" hangingPunct="1">
+              <a:lnSpc>
+                <a:spcPct val="90000"/>
+              </a:lnSpc>
+              <a:spcBef>
+                <a:spcPct val="0"/>
+              </a:spcBef>
+              <a:buNone/>
+              <a:defRPr sz="4400" kern="1200">
+                <a:solidFill>
+                  <a:schemeClr val="tx1"/>
+                </a:solidFill>
+                <a:latin typeface="+mj-lt"/>
+                <a:ea typeface="+mj-ea"/>
+                <a:cs typeface="+mj-cs"/>
+              </a:defRPr>
+            </a:lvl1pPr>
+          </a:lstStyle>
+          <a:p>
+            <a:r>
+              <a:rPr lang="fr-FR"/>
+              <a:t>LDA : pistes et commentaires</a:t>
+            </a:r>
+            <a:endParaRPr lang="fr-FR" dirty="0"/>
+          </a:p>
+        </p:txBody>
+      </p:sp>
+      <p:sp>
+        <p:nvSpPr>
+          <p:cNvPr id="5" name="ZoneTexte 4">
+            <a:extLst>
+              <a:ext uri="{FF2B5EF4-FFF2-40B4-BE49-F238E27FC236}">
+                <a16:creationId xmlns:a16="http://schemas.microsoft.com/office/drawing/2014/main" id="{256DB4A8-DF94-9441-9452-1236B5506CA4}"/>
+              </a:ext>
+            </a:extLst>
+          </p:cNvPr>
+          <p:cNvSpPr txBox="1"/>
           <p:nvPr/>
-        </p:nvPicPr>
-        <p:blipFill rotWithShape="1">
-          <a:blip r:embed="rId4"/>
-          <a:srcRect t="-1" b="7971"/>
-          <a:stretch/>
-        </p:blipFill>
+        </p:nvSpPr>
         <p:spPr>
           <a:xfrm>
-            <a:off x="3346450" y="2103967"/>
-            <a:ext cx="6108700" cy="537634"/>
-          </a:xfrm>
-          <a:prstGeom prst="rect">
-            <a:avLst/>
-          </a:prstGeom>
-        </p:spPr>
-      </p:pic>
-      <p:sp>
-        <p:nvSpPr>
-          <p:cNvPr id="6" name="ZoneTexte 5">
-            <a:extLst>
-              <a:ext uri="{FF2B5EF4-FFF2-40B4-BE49-F238E27FC236}">
-                <a16:creationId xmlns:a16="http://schemas.microsoft.com/office/drawing/2014/main" id="{D958CF0F-B281-8946-B17F-4D3C3E1C3F2B}"/>
-              </a:ext>
-            </a:extLst>
-          </p:cNvPr>
-          <p:cNvSpPr txBox="1"/>
-          <p:nvPr/>
-        </p:nvSpPr>
-        <p:spPr>
-          <a:xfrm>
-            <a:off x="2032000" y="1303867"/>
-            <a:ext cx="6942667" cy="646331"/>
+            <a:off x="1047750" y="1085123"/>
+            <a:ext cx="10096500" cy="2523768"/>
           </a:xfrm>
           <a:prstGeom prst="rect">
             <a:avLst/>
@@ -4916,30 +8374,416 @@
           <a:p>
             <a:r>
               <a:rPr lang="fr-FR" dirty="0"/>
-              <a:t>Nouveauté</a:t>
-            </a:r>
-            <a:r>
-              <a:rPr lang="fr-FR" i="1" dirty="0"/>
+              <a:t>LDA sur tout le corpus. Observation des topics dominant selon les chair :</a:t>
+            </a:r>
+          </a:p>
+          <a:p>
+            <a:r>
+              <a:rPr lang="fr-FR" sz="1400" dirty="0"/>
+              <a:t>Topic 1:  Inflation et conjoncture économique </a:t>
+            </a:r>
+          </a:p>
+          <a:p>
+            <a:r>
+              <a:rPr lang="fr-FR" sz="1400" dirty="0"/>
+              <a:t>ex. mots clés : </a:t>
+            </a:r>
+            <a:r>
+              <a:rPr lang="fr-FR" sz="1400" i="1" dirty="0" err="1"/>
+              <a:t>growth</a:t>
+            </a:r>
+            <a:r>
+              <a:rPr lang="fr-FR" sz="1400" i="1" dirty="0"/>
+              <a:t>, percent, inflation, </a:t>
+            </a:r>
+            <a:r>
+              <a:rPr lang="fr-FR" sz="1400" i="1" dirty="0" err="1"/>
+              <a:t>year</a:t>
+            </a:r>
+            <a:r>
+              <a:rPr lang="fr-FR" sz="1400" i="1" dirty="0"/>
+              <a:t>, rate, </a:t>
+            </a:r>
+            <a:r>
+              <a:rPr lang="fr-FR" sz="1400" i="1" dirty="0" err="1"/>
+              <a:t>prices</a:t>
+            </a:r>
+            <a:r>
+              <a:rPr lang="fr-FR" sz="1400" i="1" dirty="0"/>
               <a:t>, </a:t>
             </a:r>
             <a:r>
-              <a:rPr lang="fr-FR" dirty="0" err="1"/>
-              <a:t>transcience</a:t>
-            </a:r>
-            <a:r>
-              <a:rPr lang="fr-FR" dirty="0"/>
-              <a:t> et résonance</a:t>
-            </a:r>
-          </a:p>
-          <a:p>
-            <a:endParaRPr lang="fr-FR" dirty="0"/>
+              <a:rPr lang="fr-FR" sz="1400" i="1" dirty="0" err="1"/>
+              <a:t>forecast</a:t>
+            </a:r>
+            <a:r>
+              <a:rPr lang="fr-FR" sz="1400" i="1" dirty="0"/>
+              <a:t>, </a:t>
+            </a:r>
+            <a:r>
+              <a:rPr lang="fr-FR" sz="1400" i="1" dirty="0" err="1"/>
+              <a:t>unemployment</a:t>
+            </a:r>
+            <a:r>
+              <a:rPr lang="fr-FR" sz="1400" i="1" dirty="0"/>
+              <a:t>, </a:t>
+            </a:r>
+            <a:r>
+              <a:rPr lang="fr-FR" sz="1400" i="1" dirty="0" err="1"/>
+              <a:t>labor</a:t>
+            </a:r>
+            <a:r>
+              <a:rPr lang="fr-FR" sz="1400" i="1" dirty="0"/>
+              <a:t>, </a:t>
+            </a:r>
+            <a:r>
+              <a:rPr lang="fr-FR" sz="1400" i="1" dirty="0" err="1"/>
+              <a:t>economy</a:t>
+            </a:r>
+            <a:endParaRPr lang="fr-FR" sz="1400" dirty="0"/>
+          </a:p>
+          <a:p>
+            <a:r>
+              <a:rPr lang="fr-FR" sz="1400" b="1" dirty="0">
+                <a:solidFill>
+                  <a:schemeClr val="accent6"/>
+                </a:solidFill>
+              </a:rPr>
+              <a:t>Topic 2: Aspects financiers et régulation </a:t>
+            </a:r>
+          </a:p>
+          <a:p>
+            <a:r>
+              <a:rPr lang="fr-FR" sz="1400" dirty="0"/>
+              <a:t>ex mots clés : </a:t>
+            </a:r>
+            <a:r>
+              <a:rPr lang="fr-FR" sz="1400" i="1" dirty="0" err="1"/>
+              <a:t>president</a:t>
+            </a:r>
+            <a:r>
+              <a:rPr lang="fr-FR" sz="1400" i="1" dirty="0"/>
+              <a:t>, </a:t>
+            </a:r>
+            <a:r>
+              <a:rPr lang="fr-FR" sz="1400" i="1" dirty="0" err="1"/>
+              <a:t>market</a:t>
+            </a:r>
+            <a:r>
+              <a:rPr lang="fr-FR" sz="1400" i="1" dirty="0"/>
+              <a:t>, </a:t>
+            </a:r>
+            <a:r>
+              <a:rPr lang="fr-FR" sz="1400" i="1" dirty="0" err="1"/>
+              <a:t>governor</a:t>
+            </a:r>
+            <a:r>
+              <a:rPr lang="fr-FR" sz="1400" i="1" dirty="0"/>
+              <a:t>, </a:t>
+            </a:r>
+            <a:r>
+              <a:rPr lang="fr-FR" sz="1400" i="1" dirty="0" err="1"/>
+              <a:t>purchases</a:t>
+            </a:r>
+            <a:r>
+              <a:rPr lang="fr-FR" sz="1400" i="1" dirty="0"/>
+              <a:t>, chairman, billion, </a:t>
+            </a:r>
+            <a:r>
+              <a:rPr lang="fr-FR" sz="1400" i="1" dirty="0" err="1"/>
+              <a:t>asset</a:t>
+            </a:r>
+            <a:r>
+              <a:rPr lang="fr-FR" sz="1400" i="1" dirty="0"/>
+              <a:t>, meeting, </a:t>
+            </a:r>
+            <a:r>
+              <a:rPr lang="fr-FR" sz="1400" i="1" dirty="0" err="1"/>
+              <a:t>december</a:t>
+            </a:r>
+            <a:r>
+              <a:rPr lang="fr-FR" sz="1400" i="1" dirty="0"/>
+              <a:t>, </a:t>
+            </a:r>
+            <a:r>
+              <a:rPr lang="fr-FR" sz="1400" i="1" dirty="0" err="1"/>
+              <a:t>bank</a:t>
+            </a:r>
+            <a:endParaRPr lang="fr-FR" sz="1400" dirty="0"/>
+          </a:p>
+          <a:p>
+            <a:r>
+              <a:rPr lang="fr-FR" sz="1400" dirty="0"/>
+              <a:t>Topic 3:  Anticipation de la réponse d’une politique monétaire  (?)</a:t>
+            </a:r>
+          </a:p>
+          <a:p>
+            <a:r>
+              <a:rPr lang="fr-FR" sz="1400" dirty="0"/>
+              <a:t>Ex mots clés : </a:t>
+            </a:r>
+            <a:r>
+              <a:rPr lang="fr-FR" sz="1400" i="1" dirty="0" err="1"/>
+              <a:t>policy</a:t>
+            </a:r>
+            <a:r>
+              <a:rPr lang="fr-FR" sz="1400" i="1" dirty="0"/>
+              <a:t>, inflation, rates, </a:t>
+            </a:r>
+            <a:r>
+              <a:rPr lang="fr-FR" sz="1400" i="1" dirty="0" err="1"/>
+              <a:t>monetary</a:t>
+            </a:r>
+            <a:r>
+              <a:rPr lang="fr-FR" sz="1400" i="1" dirty="0"/>
+              <a:t>, right time, </a:t>
+            </a:r>
+            <a:r>
+              <a:rPr lang="fr-FR" sz="1400" i="1" dirty="0" err="1"/>
+              <a:t>economy</a:t>
+            </a:r>
+            <a:r>
+              <a:rPr lang="fr-FR" sz="1400" i="1" dirty="0"/>
+              <a:t>, expectations, </a:t>
+            </a:r>
+            <a:r>
+              <a:rPr lang="fr-FR" sz="1400" i="1" dirty="0" err="1"/>
+              <a:t>going</a:t>
+            </a:r>
+            <a:endParaRPr lang="fr-FR" sz="1400" dirty="0"/>
+          </a:p>
+          <a:p>
+            <a:r>
+              <a:rPr lang="fr-FR" sz="1400" b="1" dirty="0">
+                <a:solidFill>
+                  <a:schemeClr val="accent1"/>
+                </a:solidFill>
+              </a:rPr>
+              <a:t>Topic 4:  Opposition des points de vue/apport d’idée</a:t>
+            </a:r>
+          </a:p>
+          <a:p>
+            <a:r>
+              <a:rPr lang="fr-FR" sz="1400" dirty="0"/>
+              <a:t>Ex mots clés : </a:t>
+            </a:r>
+            <a:r>
+              <a:rPr lang="fr-FR" sz="1400" i="1" dirty="0"/>
+              <a:t>alternative, percent, </a:t>
+            </a:r>
+            <a:r>
+              <a:rPr lang="fr-FR" sz="1400" i="1" dirty="0" err="1"/>
+              <a:t>statement</a:t>
+            </a:r>
+            <a:r>
+              <a:rPr lang="fr-FR" sz="1400" i="1" dirty="0"/>
+              <a:t>, </a:t>
+            </a:r>
+            <a:r>
+              <a:rPr lang="fr-FR" sz="1400" i="1" dirty="0" err="1"/>
+              <a:t>committee</a:t>
+            </a:r>
+            <a:r>
+              <a:rPr lang="fr-FR" sz="1400" i="1" dirty="0"/>
+              <a:t>, rate, </a:t>
+            </a:r>
+            <a:r>
+              <a:rPr lang="fr-FR" sz="1400" i="1" dirty="0" err="1"/>
+              <a:t>funds</a:t>
+            </a:r>
+            <a:r>
+              <a:rPr lang="fr-FR" sz="1400" i="1" dirty="0"/>
+              <a:t>, </a:t>
+            </a:r>
+            <a:r>
+              <a:rPr lang="fr-FR" sz="1400" i="1" dirty="0" err="1"/>
+              <a:t>language</a:t>
+            </a:r>
+            <a:r>
+              <a:rPr lang="fr-FR" sz="1400" i="1" dirty="0"/>
+              <a:t>, point, </a:t>
+            </a:r>
+            <a:r>
+              <a:rPr lang="fr-FR" sz="1400" i="1" dirty="0" err="1"/>
+              <a:t>want</a:t>
+            </a:r>
+            <a:endParaRPr lang="fr-FR" sz="1400" dirty="0"/>
+          </a:p>
+          <a:p>
+            <a:r>
+              <a:rPr lang="fr-FR" sz="1400" dirty="0"/>
+              <a:t>Topic 5:  Marchés financiers et consommateurs</a:t>
+            </a:r>
+          </a:p>
+          <a:p>
+            <a:r>
+              <a:rPr lang="fr-FR" sz="1400" dirty="0"/>
+              <a:t>Ex mots clés : </a:t>
+            </a:r>
+            <a:r>
+              <a:rPr lang="fr-FR" sz="1400" i="1" dirty="0" err="1"/>
+              <a:t>market</a:t>
+            </a:r>
+            <a:r>
+              <a:rPr lang="fr-FR" sz="1400" i="1" dirty="0"/>
+              <a:t>, </a:t>
+            </a:r>
+            <a:r>
+              <a:rPr lang="fr-FR" sz="1400" i="1" dirty="0" err="1"/>
+              <a:t>going</a:t>
+            </a:r>
+            <a:r>
+              <a:rPr lang="fr-FR" sz="1400" i="1" dirty="0"/>
+              <a:t>, </a:t>
+            </a:r>
+            <a:r>
+              <a:rPr lang="fr-FR" sz="1400" i="1" dirty="0" err="1"/>
+              <a:t>financial</a:t>
+            </a:r>
+            <a:r>
+              <a:rPr lang="fr-FR" sz="1400" i="1" dirty="0"/>
+              <a:t>, people, lot, </a:t>
+            </a:r>
+            <a:r>
+              <a:rPr lang="fr-FR" sz="1400" i="1" dirty="0" err="1"/>
+              <a:t>little</a:t>
+            </a:r>
+            <a:r>
+              <a:rPr lang="fr-FR" sz="1400" i="1" dirty="0"/>
+              <a:t>, </a:t>
+            </a:r>
+            <a:r>
+              <a:rPr lang="fr-FR" sz="1400" i="1" dirty="0" err="1"/>
+              <a:t>credit</a:t>
+            </a:r>
+            <a:r>
+              <a:rPr lang="fr-FR" sz="1400" i="1" dirty="0"/>
+              <a:t>, </a:t>
+            </a:r>
+            <a:r>
+              <a:rPr lang="fr-FR" sz="1400" i="1" dirty="0" err="1"/>
+              <a:t>number</a:t>
+            </a:r>
+            <a:r>
+              <a:rPr lang="fr-FR" sz="1400" i="1" dirty="0"/>
+              <a:t>, </a:t>
+            </a:r>
+            <a:r>
+              <a:rPr lang="fr-FR" sz="1400" i="1" dirty="0" err="1"/>
+              <a:t>markets</a:t>
+            </a:r>
+            <a:endParaRPr lang="fr-FR" sz="1400" dirty="0"/>
+          </a:p>
+        </p:txBody>
+      </p:sp>
+      <p:sp>
+        <p:nvSpPr>
+          <p:cNvPr id="9" name="Rectangle 8">
+            <a:extLst>
+              <a:ext uri="{FF2B5EF4-FFF2-40B4-BE49-F238E27FC236}">
+                <a16:creationId xmlns:a16="http://schemas.microsoft.com/office/drawing/2014/main" id="{CA2136E4-F86D-D34B-ABF4-25D44E24D64B}"/>
+              </a:ext>
+            </a:extLst>
+          </p:cNvPr>
+          <p:cNvSpPr/>
+          <p:nvPr/>
+        </p:nvSpPr>
+        <p:spPr>
+          <a:xfrm>
+            <a:off x="5886450" y="3616965"/>
+            <a:ext cx="5257800" cy="2877550"/>
+          </a:xfrm>
+          <a:prstGeom prst="rect">
+            <a:avLst/>
+          </a:prstGeom>
+          <a:noFill/>
+          <a:ln w="38100">
+            <a:solidFill>
+              <a:schemeClr val="accent6"/>
+            </a:solidFill>
+          </a:ln>
+        </p:spPr>
+        <p:style>
+          <a:lnRef idx="2">
+            <a:schemeClr val="accent1">
+              <a:shade val="50000"/>
+            </a:schemeClr>
+          </a:lnRef>
+          <a:fillRef idx="1">
+            <a:schemeClr val="accent1"/>
+          </a:fillRef>
+          <a:effectRef idx="0">
+            <a:schemeClr val="accent1"/>
+          </a:effectRef>
+          <a:fontRef idx="minor">
+            <a:schemeClr val="lt1"/>
+          </a:fontRef>
+        </p:style>
+        <p:txBody>
+          <a:bodyPr rtlCol="0" anchor="ctr"/>
+          <a:lstStyle/>
+          <a:p>
+            <a:pPr algn="ctr"/>
+            <a:endParaRPr lang="fr-FR"/>
+          </a:p>
+        </p:txBody>
+      </p:sp>
+      <p:sp>
+        <p:nvSpPr>
+          <p:cNvPr id="10" name="Rectangle 9">
+            <a:extLst>
+              <a:ext uri="{FF2B5EF4-FFF2-40B4-BE49-F238E27FC236}">
+                <a16:creationId xmlns:a16="http://schemas.microsoft.com/office/drawing/2014/main" id="{3D98C4B0-E01D-3544-B5E8-F7F44F3BEC37}"/>
+              </a:ext>
+            </a:extLst>
+          </p:cNvPr>
+          <p:cNvSpPr/>
+          <p:nvPr/>
+        </p:nvSpPr>
+        <p:spPr>
+          <a:xfrm>
+            <a:off x="733425" y="3706683"/>
+            <a:ext cx="5257800" cy="2877550"/>
+          </a:xfrm>
+          <a:prstGeom prst="rect">
+            <a:avLst/>
+          </a:prstGeom>
+          <a:noFill/>
+          <a:ln w="38100">
+            <a:solidFill>
+              <a:schemeClr val="accent1"/>
+            </a:solidFill>
+          </a:ln>
+        </p:spPr>
+        <p:style>
+          <a:lnRef idx="2">
+            <a:schemeClr val="accent1">
+              <a:shade val="50000"/>
+            </a:schemeClr>
+          </a:lnRef>
+          <a:fillRef idx="1">
+            <a:schemeClr val="accent1"/>
+          </a:fillRef>
+          <a:effectRef idx="0">
+            <a:schemeClr val="accent1"/>
+          </a:effectRef>
+          <a:fontRef idx="minor">
+            <a:schemeClr val="lt1"/>
+          </a:fontRef>
+        </p:style>
+        <p:txBody>
+          <a:bodyPr rtlCol="0" anchor="ctr"/>
+          <a:lstStyle/>
+          <a:p>
+            <a:pPr algn="ctr"/>
+            <a:endParaRPr lang="fr-FR"/>
           </a:p>
         </p:txBody>
       </p:sp>
     </p:spTree>
     <p:extLst>
       <p:ext uri="{BB962C8B-B14F-4D97-AF65-F5344CB8AC3E}">
-        <p14:creationId xmlns:p14="http://schemas.microsoft.com/office/powerpoint/2010/main" val="1894231517"/>
+        <p14:creationId xmlns:p14="http://schemas.microsoft.com/office/powerpoint/2010/main" val="2286629497"/>
       </p:ext>
     </p:extLst>
   </p:cSld>
@@ -4971,7 +8815,7 @@
           <p:cNvPr id="2" name="ZoneTexte 1">
             <a:extLst>
               <a:ext uri="{FF2B5EF4-FFF2-40B4-BE49-F238E27FC236}">
-                <a16:creationId xmlns:a16="http://schemas.microsoft.com/office/drawing/2014/main" id="{B9ECDBEE-F389-0B4D-9FE8-8799B7CCD134}"/>
+                <a16:creationId xmlns:a16="http://schemas.microsoft.com/office/drawing/2014/main" id="{81812652-CCDA-CE4D-A9D9-E0E69BCFBB17}"/>
               </a:ext>
             </a:extLst>
           </p:cNvPr>
@@ -4980,8 +8824,8 @@
         </p:nvSpPr>
         <p:spPr>
           <a:xfrm>
-            <a:off x="2032000" y="1303867"/>
-            <a:ext cx="6942667" cy="3970318"/>
+            <a:off x="376518" y="268941"/>
+            <a:ext cx="11456894" cy="4739759"/>
           </a:xfrm>
           <a:prstGeom prst="rect">
             <a:avLst/>
@@ -4995,50 +8839,105 @@
           <a:lstStyle/>
           <a:p>
             <a:r>
-              <a:rPr lang="fr-FR" dirty="0"/>
-              <a:t>Pistes bibliographiques</a:t>
+              <a:rPr lang="fr-FR" sz="3200" b="1" dirty="0"/>
+              <a:t>Pistes et bibliographie :</a:t>
             </a:r>
           </a:p>
           <a:p>
             <a:endParaRPr lang="fr-FR" dirty="0"/>
           </a:p>
           <a:p>
-            <a:endParaRPr lang="fr-FR" dirty="0"/>
-          </a:p>
-          <a:p>
             <a:pPr marL="285750" indent="-285750">
-              <a:buFont typeface="Wingdings" pitchFamily="2" charset="2"/>
-              <a:buChar char="Ø"/>
+              <a:buFontTx/>
+              <a:buChar char="-"/>
             </a:pPr>
             <a:r>
               <a:rPr lang="fr-FR" dirty="0"/>
-              <a:t>Amélioration LDA :</a:t>
-            </a:r>
-          </a:p>
-          <a:p>
-            <a:pPr marL="742950" lvl="1" indent="-285750">
-              <a:buFont typeface="Wingdings" pitchFamily="2" charset="2"/>
-              <a:buChar char="Ø"/>
+              <a:t>Perspectives complémentaires sur l’article sur la Révolution Française : avec détail de la modélisation de la </a:t>
+            </a:r>
+            <a:r>
+              <a:rPr lang="fr-FR" dirty="0" err="1"/>
+              <a:t>novelty</a:t>
+            </a:r>
+            <a:r>
+              <a:rPr lang="fr-FR" dirty="0"/>
+              <a:t>, </a:t>
+            </a:r>
+            <a:r>
+              <a:rPr lang="fr-FR" dirty="0" err="1"/>
+              <a:t>transience</a:t>
+            </a:r>
+            <a:r>
+              <a:rPr lang="fr-FR" dirty="0"/>
+              <a:t> and </a:t>
+            </a:r>
+            <a:r>
+              <a:rPr lang="fr-FR" dirty="0" err="1"/>
+              <a:t>resonance</a:t>
+            </a:r>
+            <a:r>
+              <a:rPr lang="fr-FR" dirty="0"/>
+              <a:t> et LDA </a:t>
+            </a:r>
+            <a:r>
+              <a:rPr lang="fr-FR" dirty="0">
+                <a:hlinkClick r:id="rId2"/>
+              </a:rPr>
+              <a:t>https://www.pnas.org/content/pnas/suppl/2018/04/16/1717729115.DCSupplemental/pnas.1717729115.sapp.pdf</a:t>
+            </a:r>
+            <a:r>
+              <a:rPr lang="fr-FR" dirty="0"/>
+              <a:t> </a:t>
+            </a:r>
+          </a:p>
+          <a:p>
+            <a:pPr marL="285750" indent="-285750">
+              <a:buFontTx/>
+              <a:buChar char="-"/>
             </a:pPr>
             <a:r>
-              <a:rPr lang="fr-FR" dirty="0"/>
-              <a:t>Méthode de LDA alternative via </a:t>
-            </a:r>
-            <a:r>
-              <a:rPr lang="fr-FR" i="1" dirty="0" err="1"/>
-              <a:t>pypi</a:t>
-            </a:r>
-            <a:r>
-              <a:rPr lang="fr-FR" dirty="0"/>
-              <a:t> utilisée dans l’article sur la RF (utilise du Gibbs </a:t>
-            </a:r>
-            <a:r>
               <a:rPr lang="fr-FR" dirty="0" err="1"/>
-              <a:t>sampling</a:t>
-            </a:r>
-            <a:r>
-              <a:rPr lang="fr-FR" dirty="0"/>
-              <a:t> vs l’online </a:t>
+              <a:t>LDAvis</a:t>
+            </a:r>
+            <a:r>
+              <a:rPr lang="fr-FR" dirty="0"/>
+              <a:t> : </a:t>
+            </a:r>
+            <a:r>
+              <a:rPr lang="fr-FR" dirty="0">
+                <a:hlinkClick r:id="rId3"/>
+              </a:rPr>
+              <a:t>https://nlp.stanford.edu/events/illvi2014/papers/sievert-illvi2014.pdf</a:t>
+            </a:r>
+            <a:r>
+              <a:rPr lang="fr-FR" dirty="0"/>
+              <a:t> (intègre du </a:t>
+            </a:r>
+            <a:r>
+              <a:rPr lang="fr-FR" dirty="0" err="1"/>
+              <a:t>clustering</a:t>
+            </a:r>
+            <a:r>
+              <a:rPr lang="fr-FR" dirty="0"/>
+              <a:t> pour </a:t>
+            </a:r>
+            <a:r>
+              <a:rPr lang="fr-FR" dirty="0" err="1"/>
+              <a:t>paramètrer</a:t>
+            </a:r>
+            <a:r>
+              <a:rPr lang="fr-FR" dirty="0"/>
+              <a:t> le modèle) </a:t>
+            </a:r>
+          </a:p>
+          <a:p>
+            <a:pPr marL="285750" indent="-285750">
+              <a:buFontTx/>
+              <a:buChar char="-"/>
+            </a:pPr>
+            <a:r>
+              <a:rPr lang="fr-FR" dirty="0"/>
+              <a:t>LDA avec online </a:t>
             </a:r>
             <a:r>
               <a:rPr lang="fr-FR" dirty="0" err="1"/>
@@ -5046,81 +8945,121 @@
             </a:r>
             <a:r>
               <a:rPr lang="fr-FR" dirty="0"/>
-              <a:t> pour </a:t>
+              <a:t> (pour le paramétrage) </a:t>
+            </a:r>
+            <a:r>
+              <a:rPr lang="fr-FR" dirty="0">
+                <a:hlinkClick r:id="rId4"/>
+              </a:rPr>
+              <a:t>https://papers.nips.cc/paper/2010/file/71f6278d140af599e06ad9bf1ba03cb0-Paper.pdf</a:t>
+            </a:r>
+            <a:r>
+              <a:rPr lang="fr-FR" dirty="0"/>
+              <a:t>  (pour l’implémentation) </a:t>
+            </a:r>
+            <a:r>
+              <a:rPr lang="fr-FR" dirty="0">
+                <a:hlinkClick r:id="rId5"/>
+              </a:rPr>
+              <a:t>https://scikit-learn.org/stable/modules/generated/sklearn.decomposition.LatentDirichletAllocation.html</a:t>
+            </a:r>
+            <a:r>
+              <a:rPr lang="fr-FR" dirty="0"/>
+              <a:t> </a:t>
+            </a:r>
+          </a:p>
+          <a:p>
+            <a:pPr marL="285750" indent="-285750">
+              <a:buFontTx/>
+              <a:buChar char="-"/>
+            </a:pPr>
+            <a:r>
+              <a:rPr lang="fr-FR" dirty="0"/>
+              <a:t>ouverture sur autre modèle de topic </a:t>
             </a:r>
             <a:r>
               <a:rPr lang="fr-FR" dirty="0" err="1"/>
-              <a:t>scikit</a:t>
+              <a:t>modelling</a:t>
+            </a:r>
+            <a:r>
+              <a:rPr lang="fr-FR" dirty="0"/>
+              <a:t> non supervisé : </a:t>
+            </a:r>
+            <a:r>
+              <a:rPr lang="fr-FR" dirty="0">
+                <a:hlinkClick r:id="rId6"/>
+              </a:rPr>
+              <a:t>https://medium.com/voice-tech-podcast/topic-modelling-using-nmf-2f510d962b6e</a:t>
             </a:r>
             <a:r>
               <a:rPr lang="fr-FR" dirty="0"/>
               <a:t> </a:t>
             </a:r>
+          </a:p>
+          <a:p>
+            <a:pPr marL="285750" indent="-285750">
+              <a:buFontTx/>
+              <a:buChar char="-"/>
+            </a:pPr>
+            <a:r>
+              <a:rPr lang="fr-FR" dirty="0"/>
+              <a:t>Ouverture: </a:t>
+            </a:r>
             <a:r>
               <a:rPr lang="fr-FR" dirty="0" err="1"/>
-              <a:t>learn</a:t>
-            </a:r>
-            <a:r>
-              <a:rPr lang="fr-FR" dirty="0"/>
-              <a:t>)</a:t>
-            </a:r>
-          </a:p>
-          <a:p>
-            <a:pPr marL="742950" lvl="1" indent="-285750">
-              <a:buFont typeface="Wingdings" pitchFamily="2" charset="2"/>
-              <a:buChar char="Ø"/>
+              <a:t>clustering</a:t>
+            </a:r>
+            <a:r>
+              <a:rPr lang="fr-FR" dirty="0"/>
+              <a:t> pré-LDA pour définir le nombre de topics : </a:t>
+            </a:r>
+            <a:r>
+              <a:rPr lang="fr-FR" dirty="0">
+                <a:hlinkClick r:id="rId7"/>
+              </a:rPr>
+              <a:t>https://towardsdatascience.com/visualizing-word-embedding-with-pca-and-t-sne-961a692509f5</a:t>
+            </a:r>
+            <a:r>
+              <a:rPr lang="fr-FR" dirty="0"/>
+              <a:t> </a:t>
+            </a:r>
+          </a:p>
+          <a:p>
+            <a:pPr marL="285750" indent="-285750">
+              <a:buFontTx/>
+              <a:buChar char="-"/>
             </a:pPr>
             <a:r>
               <a:rPr lang="fr-FR" dirty="0"/>
-              <a:t>Visualisation T-SNE/PCA pour trouver le nombre optimal de topics </a:t>
-            </a:r>
-          </a:p>
-          <a:p>
-            <a:pPr lvl="1"/>
-            <a:endParaRPr lang="fr-FR" dirty="0"/>
-          </a:p>
-          <a:p>
-            <a:pPr marL="285750" indent="-285750">
-              <a:buFont typeface="Wingdings" pitchFamily="2" charset="2"/>
-              <a:buChar char="Ø"/>
-            </a:pPr>
-            <a:r>
-              <a:rPr lang="fr-FR" dirty="0"/>
-              <a:t>Lecture de la référence C. Moody: </a:t>
-            </a:r>
-            <a:r>
-              <a:rPr lang="fr-FR" i="1" dirty="0"/>
-              <a:t>lda2vec</a:t>
-            </a:r>
-            <a:endParaRPr lang="fr-FR" dirty="0"/>
-          </a:p>
-          <a:p>
-            <a:pPr marL="742950" lvl="1" indent="-285750">
-              <a:buFont typeface="Wingdings" pitchFamily="2" charset="2"/>
-              <a:buChar char="Ø"/>
-            </a:pPr>
-            <a:r>
-              <a:rPr lang="fr-FR" dirty="0"/>
-              <a:t>Méthode mixte avec de la vectorisation sémantique </a:t>
-            </a:r>
-            <a:r>
-              <a:rPr lang="fr-FR" i="1" dirty="0"/>
-              <a:t>word2vec/LDA</a:t>
-            </a:r>
-          </a:p>
-          <a:p>
-            <a:pPr marL="285750" indent="-285750">
-              <a:buFont typeface="Wingdings" pitchFamily="2" charset="2"/>
-              <a:buChar char="Ø"/>
-            </a:pPr>
-            <a:endParaRPr lang="fr-FR" dirty="0"/>
+              <a:t>LDA2VEC : modèle mixte : </a:t>
+            </a:r>
+            <a:r>
+              <a:rPr lang="fr-FR" dirty="0">
+                <a:hlinkClick r:id="rId8"/>
+              </a:rPr>
+              <a:t>https://github.com/meereeum/lda2vec-tf</a:t>
+            </a:r>
+            <a:r>
+              <a:rPr lang="fr-FR" dirty="0"/>
+              <a:t> implémentation </a:t>
+            </a:r>
+            <a:r>
+              <a:rPr lang="fr-FR" dirty="0">
+                <a:hlinkClick r:id="rId9"/>
+              </a:rPr>
+              <a:t>https://arxiv.org/abs/1605.02019</a:t>
+            </a:r>
+            <a:r>
+              <a:rPr lang="fr-FR" dirty="0"/>
+              <a:t> papier </a:t>
+            </a:r>
           </a:p>
         </p:txBody>
       </p:sp>
     </p:spTree>
     <p:extLst>
       <p:ext uri="{BB962C8B-B14F-4D97-AF65-F5344CB8AC3E}">
-        <p14:creationId xmlns:p14="http://schemas.microsoft.com/office/powerpoint/2010/main" val="1059437686"/>
+        <p14:creationId xmlns:p14="http://schemas.microsoft.com/office/powerpoint/2010/main" val="3020586770"/>
       </p:ext>
     </p:extLst>
   </p:cSld>

--- a/Pour_reu/reu1.pptx
+++ b/Pour_reu/reu1.pptx
@@ -8,17 +8,18 @@
     <p:sldId id="256" r:id="rId2"/>
     <p:sldId id="260" r:id="rId3"/>
     <p:sldId id="265" r:id="rId4"/>
-    <p:sldId id="266" r:id="rId5"/>
-    <p:sldId id="267" r:id="rId6"/>
-    <p:sldId id="268" r:id="rId7"/>
-    <p:sldId id="269" r:id="rId8"/>
-    <p:sldId id="261" r:id="rId9"/>
-    <p:sldId id="270" r:id="rId10"/>
-    <p:sldId id="271" r:id="rId11"/>
-    <p:sldId id="258" r:id="rId12"/>
-    <p:sldId id="257" r:id="rId13"/>
-    <p:sldId id="259" r:id="rId14"/>
-    <p:sldId id="263" r:id="rId15"/>
+    <p:sldId id="272" r:id="rId5"/>
+    <p:sldId id="266" r:id="rId6"/>
+    <p:sldId id="267" r:id="rId7"/>
+    <p:sldId id="268" r:id="rId8"/>
+    <p:sldId id="269" r:id="rId9"/>
+    <p:sldId id="261" r:id="rId10"/>
+    <p:sldId id="270" r:id="rId11"/>
+    <p:sldId id="271" r:id="rId12"/>
+    <p:sldId id="258" r:id="rId13"/>
+    <p:sldId id="257" r:id="rId14"/>
+    <p:sldId id="259" r:id="rId15"/>
+    <p:sldId id="263" r:id="rId16"/>
   </p:sldIdLst>
   <p:sldSz cx="12192000" cy="6858000"/>
   <p:notesSz cx="6858000" cy="9144000"/>
@@ -117,6 +118,11 @@
       </a:defRPr>
     </a:lvl9pPr>
   </p:defaultTextStyle>
+  <p:extLst>
+    <p:ext uri="{EFAFB233-063F-42B5-8137-9DF3F51BA10A}">
+      <p15:sldGuideLst xmlns:p15="http://schemas.microsoft.com/office/powerpoint/2012/main"/>
+    </p:ext>
+  </p:extLst>
 </p:presentation>
 </file>
 
@@ -210,6 +216,96 @@
 </inkml:ink>
 </file>
 
+<file path=ppt/ink/ink4.xml><?xml version="1.0" encoding="utf-8"?>
+<inkml:ink xmlns:inkml="http://www.w3.org/2003/InkML">
+  <inkml:definitions>
+    <inkml:context xml:id="ctx0">
+      <inkml:inkSource xml:id="inkSrc0">
+        <inkml:traceFormat>
+          <inkml:channel name="X" type="integer" min="-2.14748E9" max="2.14748E9" units="cm"/>
+          <inkml:channel name="Y" type="integer" min="-2.14748E9" max="2.14748E9" units="cm"/>
+          <inkml:channel name="F" type="integer" max="32767" units="dev"/>
+        </inkml:traceFormat>
+        <inkml:channelProperties>
+          <inkml:channelProperty channel="X" name="resolution" value="1000" units="1/cm"/>
+          <inkml:channelProperty channel="Y" name="resolution" value="1000" units="1/cm"/>
+          <inkml:channelProperty channel="F" name="resolution" value="0" units="1/dev"/>
+        </inkml:channelProperties>
+      </inkml:inkSource>
+      <inkml:timestamp xml:id="ts0" timeString="2021-09-10T15:57:00.178"/>
+    </inkml:context>
+    <inkml:brush xml:id="br0">
+      <inkml:brushProperty name="width" value="0.3" units="cm"/>
+      <inkml:brushProperty name="height" value="0.6" units="cm"/>
+      <inkml:brushProperty name="color" value="#FFFC00"/>
+      <inkml:brushProperty name="tip" value="rectangle"/>
+      <inkml:brushProperty name="rasterOp" value="maskPen"/>
+    </inkml:brush>
+  </inkml:definitions>
+  <inkml:trace contextRef="#ctx0" brushRef="#br0">1 0 16383,'41'4'0,"-9"0"0,-19-4 0,-5 0 0,11 0 0,-5 0 0,6 0 0,-5 0 0,-2 0 0,4 0 0,-1 0 0,2 0 0,-5 0 0,4 0 0,-4 0 0,4 0 0,0 0 0,-1 0 0,0 0 0,4 3 0,-6 2 0,2 0 0,0 6 0,-6-10 0,9 10 0,-6-10 0,-1 6 0,0-2 0</inkml:trace>
+</inkml:ink>
+</file>
+
+<file path=ppt/ink/ink5.xml><?xml version="1.0" encoding="utf-8"?>
+<inkml:ink xmlns:inkml="http://www.w3.org/2003/InkML">
+  <inkml:definitions>
+    <inkml:context xml:id="ctx0">
+      <inkml:inkSource xml:id="inkSrc0">
+        <inkml:traceFormat>
+          <inkml:channel name="X" type="integer" min="-2.14748E9" max="2.14748E9" units="cm"/>
+          <inkml:channel name="Y" type="integer" min="-2.14748E9" max="2.14748E9" units="cm"/>
+          <inkml:channel name="F" type="integer" max="32767" units="dev"/>
+        </inkml:traceFormat>
+        <inkml:channelProperties>
+          <inkml:channelProperty channel="X" name="resolution" value="1000" units="1/cm"/>
+          <inkml:channelProperty channel="Y" name="resolution" value="1000" units="1/cm"/>
+          <inkml:channelProperty channel="F" name="resolution" value="0" units="1/dev"/>
+        </inkml:channelProperties>
+      </inkml:inkSource>
+      <inkml:timestamp xml:id="ts0" timeString="2021-09-10T15:57:03.011"/>
+    </inkml:context>
+    <inkml:brush xml:id="br0">
+      <inkml:brushProperty name="width" value="0.3" units="cm"/>
+      <inkml:brushProperty name="height" value="0.6" units="cm"/>
+      <inkml:brushProperty name="color" value="#FFFC00"/>
+      <inkml:brushProperty name="tip" value="rectangle"/>
+      <inkml:brushProperty name="rasterOp" value="maskPen"/>
+    </inkml:brush>
+  </inkml:definitions>
+  <inkml:trace contextRef="#ctx0" brushRef="#br0">1 3 16383,'45'0'0,"-10"0"0,-19 0 0,-6 0 0,14 0 0,-13 0 0,9 0 0,-4 0 0,-6 0 0,12 0 0,-8 0 0,2 0 0,3 3 0,-9 2 0,5 7 0,-4 0 0,-6 1 0,6 2 0,3-10 0,0-5 0,8-9 0,-9-4 0,-1 1 0,0 4 0,1-1 0,5 1 0,-6 3 0,4 2 0,-3 3 0</inkml:trace>
+</inkml:ink>
+</file>
+
+<file path=ppt/ink/ink6.xml><?xml version="1.0" encoding="utf-8"?>
+<inkml:ink xmlns:inkml="http://www.w3.org/2003/InkML">
+  <inkml:definitions>
+    <inkml:context xml:id="ctx0">
+      <inkml:inkSource xml:id="inkSrc0">
+        <inkml:traceFormat>
+          <inkml:channel name="X" type="integer" min="-2.14748E9" max="2.14748E9" units="cm"/>
+          <inkml:channel name="Y" type="integer" min="-2.14748E9" max="2.14748E9" units="cm"/>
+          <inkml:channel name="F" type="integer" max="32767" units="dev"/>
+        </inkml:traceFormat>
+        <inkml:channelProperties>
+          <inkml:channelProperty channel="X" name="resolution" value="1000" units="1/cm"/>
+          <inkml:channelProperty channel="Y" name="resolution" value="1000" units="1/cm"/>
+          <inkml:channelProperty channel="F" name="resolution" value="0" units="1/dev"/>
+        </inkml:channelProperties>
+      </inkml:inkSource>
+      <inkml:timestamp xml:id="ts0" timeString="2021-09-10T15:49:43.493"/>
+    </inkml:context>
+    <inkml:brush xml:id="br0">
+      <inkml:brushProperty name="width" value="0.3" units="cm"/>
+      <inkml:brushProperty name="height" value="0.6" units="cm"/>
+      <inkml:brushProperty name="color" value="#FFACD5"/>
+      <inkml:brushProperty name="tip" value="rectangle"/>
+      <inkml:brushProperty name="rasterOp" value="maskPen"/>
+    </inkml:brush>
+  </inkml:definitions>
+  <inkml:trace contextRef="#ctx0" brushRef="#br0">9955 11 16383,'-63'0'0,"-14"0"0,-2 0 0,29 0 0,-3 0 0,-4 0 0,-2 0 0,-9 0 0,-2 0 0,-10 0 0,-3 0 0,-3 0 0,-3 0 0,19 0 0,-2 0 0,1 0 0,-26 1 0,0-2 0,23-1 0,-2-1 0,1 0 0,7 2 0,1 0 0,-1 1 0,-3 2 0,-2 1 0,2 0 0,-25-2 0,1 2 0,0 9 0,5-1 0,27-10 0,3 0 0,-12 6 0,3 0 0,-31-5 0,46 1 0,1 0 0,-41-3 0,19 0 0,-1 0 0,8 6 0,2-5 0,14 4 0,2-5 0,13 0 0,-5 0 0,10 0 0,-3 0 0,10 0 0,-4 0 0,5 0 0,-1 0 0,-3 0 0,8 0 0,-8 0 0,-5 0 0,6 0 0,-9 0 0,16 0 0,-3 0 0,5 0 0,0 0 0,-6 0 0,5 0 0,-5 0 0,6 0 0,0 0 0,0 0 0,0 0 0,0 0 0,-1 0 0,1 0 0,0 0 0,0 0 0,0 0 0,0 0 0,0 0 0,-6 0 0,5 0 0,-10 0 0,10 0 0,-10 0 0,5 0 0,-1 0 0,-4 0 0,10 0 0,-10 0 0,5 0 0,-6 0 0,-6 0 0,5 0 0,-11 0 0,4 0 0,-5 0 0,6 0 0,-5 0 0,4 0 0,-5 0 0,6 0 0,-5 0 0,4 0 0,-5 0 0,6 0 0,-5 0 0,5 0 0,-7 0 0,7 0 0,-5 0 0,11 0 0,-5 0 0,0 0 0,5 0 0,-5 0 0,6 0 0,5 0 0,-3 0 0,3 0 0,1 0 0,-5 0 0,4 0 0,1-4 0,0 3 0,1-3 0,3 4 0,-3-4 0,5 3 0,0-3 0,-6 0 0,5 3 0,-10-4 0,-8 5 0,-3 0 0,-10 0 0,6 0 0,1 0 0,0 0 0,-1 0 0,1 0 0,6 0 0,1 0 0,11 0 0,2 0 0,10 0 0,-9 0 0,2 0 0,-5 0 0,6 0 0,7 0 0,-4 0 0,-7 0 0,0 0 0,-9 0 0,7 0 0,-5 0 0,0 0 0,0 0 0,1 0 0,-1 0 0,0 0 0,0 0 0,0 0 0,0 0 0,0 0 0,0 0 0,-5 0 0,-3 0 0,-5 0 0,0 0 0,5 0 0,-4 0 0,11 0 0,-5 0 0,12 0 0,-5 0 0,14 4 0,-7-3 0,13 6 0,-9-6 0,2 6 0,1-6 0,-4 3 0,6-4 0,-8 0 0,2 0 0,-3 0 0,4 0 0,-6 0 0,5 0 0,-10 0 0,5 0 0,-12 0 0,5 0 0,-11 0 0,4 0 0,-5 0 0,6 0 0,-5 0 0,11 0 0,-5 0 0,6 0 0,0 0 0,0 0 0,0 0 0,6 0 0,-5 0 0,4 0 0,-4 0 0,-1 0 0,0 0 0,0 0 0,5 0 0,-9 0 0,8 0 0,-16 0 0,10 0 0,-9 0 0,3 0 0,1 0 0,1 0 0,0 4 0,5-2 0,-5 7 0,6-8 0,5 8 0,-3-8 0,3 3 0,0-4 0,-3 0 0,3 0 0,-5 0 0,0 0 0,-5 0 0,3 0 0,-10 0 0,5 0 0,-6 0 0,-1 0 0,1 0 0,0 0 0,-1 0 0,7 0 0,-5 0 0,5 0 0,-1 0 0,-3 0 0,3 0 0,1 0 0,-5 0 0,11 0 0,-5 0 0,11 0 0,-3 0 0,8 0 0,1 0 0,2 0 0,0 0 0,2 0 0,-9 0 0,14 0 0,-11 0 0,4 0 0,-2 0 0,-3 0 0,4 0 0,0 0 0,-1 0 0,1 0 0,0 0 0,4 0 0,-3 0 0,4 0 0,-9 0 0,3 0 0,1 0 0,-2 0 0,10 0 0,-10 0 0,8 0 0</inkml:trace>
+</inkml:ink>
+</file>
+
 <file path=ppt/slideLayouts/slideLayout1.xml><?xml version="1.0" encoding="utf-8"?>
 <p:sldLayout xmlns:a="http://schemas.openxmlformats.org/drawingml/2006/main" xmlns:r="http://schemas.openxmlformats.org/officeDocument/2006/relationships" xmlns:p="http://schemas.openxmlformats.org/presentationml/2006/main" type="title" preserve="1">
   <p:cSld name="Diapositive de titre">
@@ -357,7 +453,7 @@
           <a:p>
             <a:fld id="{D5A3C2AE-B3F7-6A46-8869-B2B9AFA28090}" type="datetimeFigureOut">
               <a:rPr lang="fr-FR" smtClean="0"/>
-              <a:t>09/09/2021</a:t>
+              <a:t>10/12/2021</a:t>
             </a:fld>
             <a:endParaRPr lang="fr-FR"/>
           </a:p>
@@ -555,7 +651,7 @@
           <a:p>
             <a:fld id="{D5A3C2AE-B3F7-6A46-8869-B2B9AFA28090}" type="datetimeFigureOut">
               <a:rPr lang="fr-FR" smtClean="0"/>
-              <a:t>09/09/2021</a:t>
+              <a:t>10/12/2021</a:t>
             </a:fld>
             <a:endParaRPr lang="fr-FR"/>
           </a:p>
@@ -763,7 +859,7 @@
           <a:p>
             <a:fld id="{D5A3C2AE-B3F7-6A46-8869-B2B9AFA28090}" type="datetimeFigureOut">
               <a:rPr lang="fr-FR" smtClean="0"/>
-              <a:t>09/09/2021</a:t>
+              <a:t>10/12/2021</a:t>
             </a:fld>
             <a:endParaRPr lang="fr-FR"/>
           </a:p>
@@ -961,7 +1057,7 @@
           <a:p>
             <a:fld id="{D5A3C2AE-B3F7-6A46-8869-B2B9AFA28090}" type="datetimeFigureOut">
               <a:rPr lang="fr-FR" smtClean="0"/>
-              <a:t>09/09/2021</a:t>
+              <a:t>10/12/2021</a:t>
             </a:fld>
             <a:endParaRPr lang="fr-FR"/>
           </a:p>
@@ -1236,7 +1332,7 @@
           <a:p>
             <a:fld id="{D5A3C2AE-B3F7-6A46-8869-B2B9AFA28090}" type="datetimeFigureOut">
               <a:rPr lang="fr-FR" smtClean="0"/>
-              <a:t>09/09/2021</a:t>
+              <a:t>10/12/2021</a:t>
             </a:fld>
             <a:endParaRPr lang="fr-FR"/>
           </a:p>
@@ -1501,7 +1597,7 @@
           <a:p>
             <a:fld id="{D5A3C2AE-B3F7-6A46-8869-B2B9AFA28090}" type="datetimeFigureOut">
               <a:rPr lang="fr-FR" smtClean="0"/>
-              <a:t>09/09/2021</a:t>
+              <a:t>10/12/2021</a:t>
             </a:fld>
             <a:endParaRPr lang="fr-FR"/>
           </a:p>
@@ -1913,7 +2009,7 @@
           <a:p>
             <a:fld id="{D5A3C2AE-B3F7-6A46-8869-B2B9AFA28090}" type="datetimeFigureOut">
               <a:rPr lang="fr-FR" smtClean="0"/>
-              <a:t>09/09/2021</a:t>
+              <a:t>10/12/2021</a:t>
             </a:fld>
             <a:endParaRPr lang="fr-FR"/>
           </a:p>
@@ -2054,7 +2150,7 @@
           <a:p>
             <a:fld id="{D5A3C2AE-B3F7-6A46-8869-B2B9AFA28090}" type="datetimeFigureOut">
               <a:rPr lang="fr-FR" smtClean="0"/>
-              <a:t>09/09/2021</a:t>
+              <a:t>10/12/2021</a:t>
             </a:fld>
             <a:endParaRPr lang="fr-FR"/>
           </a:p>
@@ -2167,7 +2263,7 @@
           <a:p>
             <a:fld id="{D5A3C2AE-B3F7-6A46-8869-B2B9AFA28090}" type="datetimeFigureOut">
               <a:rPr lang="fr-FR" smtClean="0"/>
-              <a:t>09/09/2021</a:t>
+              <a:t>10/12/2021</a:t>
             </a:fld>
             <a:endParaRPr lang="fr-FR"/>
           </a:p>
@@ -2478,7 +2574,7 @@
           <a:p>
             <a:fld id="{D5A3C2AE-B3F7-6A46-8869-B2B9AFA28090}" type="datetimeFigureOut">
               <a:rPr lang="fr-FR" smtClean="0"/>
-              <a:t>09/09/2021</a:t>
+              <a:t>10/12/2021</a:t>
             </a:fld>
             <a:endParaRPr lang="fr-FR"/>
           </a:p>
@@ -2766,7 +2862,7 @@
           <a:p>
             <a:fld id="{D5A3C2AE-B3F7-6A46-8869-B2B9AFA28090}" type="datetimeFigureOut">
               <a:rPr lang="fr-FR" smtClean="0"/>
-              <a:t>09/09/2021</a:t>
+              <a:t>10/12/2021</a:t>
             </a:fld>
             <a:endParaRPr lang="fr-FR"/>
           </a:p>
@@ -3007,7 +3103,7 @@
           <a:p>
             <a:fld id="{D5A3C2AE-B3F7-6A46-8869-B2B9AFA28090}" type="datetimeFigureOut">
               <a:rPr lang="fr-FR" smtClean="0"/>
-              <a:t>09/09/2021</a:t>
+              <a:t>10/12/2021</a:t>
             </a:fld>
             <a:endParaRPr lang="fr-FR"/>
           </a:p>
@@ -3518,56 +3614,246 @@
       </p:grpSpPr>
       <p:sp>
         <p:nvSpPr>
-          <p:cNvPr id="2" name="Titre 1">
-            <a:extLst>
-              <a:ext uri="{FF2B5EF4-FFF2-40B4-BE49-F238E27FC236}">
-                <a16:creationId xmlns:a16="http://schemas.microsoft.com/office/drawing/2014/main" id="{2218612B-AB70-7241-9794-303C3EC5123A}"/>
-              </a:ext>
-            </a:extLst>
-          </p:cNvPr>
-          <p:cNvSpPr>
-            <a:spLocks noGrp="1"/>
-          </p:cNvSpPr>
-          <p:nvPr>
-            <p:ph type="title"/>
-          </p:nvPr>
-        </p:nvSpPr>
-        <p:spPr/>
-        <p:txBody>
-          <a:bodyPr/>
+          <p:cNvPr id="2" name="ZoneTexte 1">
+            <a:extLst>
+              <a:ext uri="{FF2B5EF4-FFF2-40B4-BE49-F238E27FC236}">
+                <a16:creationId xmlns:a16="http://schemas.microsoft.com/office/drawing/2014/main" id="{81812652-CCDA-CE4D-A9D9-E0E69BCFBB17}"/>
+              </a:ext>
+            </a:extLst>
+          </p:cNvPr>
+          <p:cNvSpPr txBox="1"/>
+          <p:nvPr/>
+        </p:nvSpPr>
+        <p:spPr>
+          <a:xfrm>
+            <a:off x="376518" y="268941"/>
+            <a:ext cx="11456894" cy="4739759"/>
+          </a:xfrm>
+          <a:prstGeom prst="rect">
+            <a:avLst/>
+          </a:prstGeom>
+          <a:noFill/>
+        </p:spPr>
+        <p:txBody>
+          <a:bodyPr wrap="square" rtlCol="0">
+            <a:spAutoFit/>
+          </a:bodyPr>
           <a:lstStyle/>
           <a:p>
             <a:r>
-              <a:rPr lang="fr-FR" dirty="0"/>
-              <a:t>Résultats annexes</a:t>
-            </a:r>
-          </a:p>
-        </p:txBody>
-      </p:sp>
-      <p:sp>
-        <p:nvSpPr>
-          <p:cNvPr id="3" name="Espace réservé du texte 2">
-            <a:extLst>
-              <a:ext uri="{FF2B5EF4-FFF2-40B4-BE49-F238E27FC236}">
-                <a16:creationId xmlns:a16="http://schemas.microsoft.com/office/drawing/2014/main" id="{9F9164CC-CF58-184E-B2F9-A36FBFB6221A}"/>
-              </a:ext>
-            </a:extLst>
-          </p:cNvPr>
-          <p:cNvSpPr>
-            <a:spLocks noGrp="1"/>
-          </p:cNvSpPr>
-          <p:nvPr>
-            <p:ph type="body" idx="1"/>
-          </p:nvPr>
-        </p:nvSpPr>
-        <p:spPr/>
-        <p:txBody>
-          <a:bodyPr/>
-          <a:lstStyle/>
-          <a:p>
-            <a:r>
-              <a:rPr lang="fr-FR" dirty="0"/>
-              <a:t>Divers tests exploratoires</a:t>
+              <a:rPr lang="fr-FR" sz="3200" b="1" dirty="0"/>
+              <a:t>Pistes et bibliographie :</a:t>
+            </a:r>
+          </a:p>
+          <a:p>
+            <a:endParaRPr lang="fr-FR" dirty="0"/>
+          </a:p>
+          <a:p>
+            <a:pPr marL="285750" indent="-285750">
+              <a:buFontTx/>
+              <a:buChar char="-"/>
+            </a:pPr>
+            <a:r>
+              <a:rPr lang="fr-FR" dirty="0"/>
+              <a:t>Perspectives complémentaires sur l’article sur la Révolution Française : avec détail de la modélisation de la </a:t>
+            </a:r>
+            <a:r>
+              <a:rPr lang="fr-FR" dirty="0" err="1"/>
+              <a:t>novelty</a:t>
+            </a:r>
+            <a:r>
+              <a:rPr lang="fr-FR" dirty="0"/>
+              <a:t>, </a:t>
+            </a:r>
+            <a:r>
+              <a:rPr lang="fr-FR" dirty="0" err="1"/>
+              <a:t>transience</a:t>
+            </a:r>
+            <a:r>
+              <a:rPr lang="fr-FR" dirty="0"/>
+              <a:t> and </a:t>
+            </a:r>
+            <a:r>
+              <a:rPr lang="fr-FR" dirty="0" err="1"/>
+              <a:t>resonance</a:t>
+            </a:r>
+            <a:r>
+              <a:rPr lang="fr-FR" dirty="0"/>
+              <a:t> et LDA </a:t>
+            </a:r>
+            <a:r>
+              <a:rPr lang="fr-FR" dirty="0">
+                <a:hlinkClick r:id="rId2"/>
+              </a:rPr>
+              <a:t>https://www.pnas.org/content/pnas/suppl/2018/04/16/1717729115.DCSupplemental/pnas.1717729115.sapp.pdf</a:t>
+            </a:r>
+            <a:r>
+              <a:rPr lang="fr-FR" dirty="0"/>
+              <a:t> </a:t>
+            </a:r>
+          </a:p>
+          <a:p>
+            <a:pPr marL="285750" indent="-285750">
+              <a:buFontTx/>
+              <a:buChar char="-"/>
+            </a:pPr>
+            <a:r>
+              <a:rPr lang="fr-FR" dirty="0" err="1"/>
+              <a:t>LDAvis</a:t>
+            </a:r>
+            <a:r>
+              <a:rPr lang="fr-FR" dirty="0"/>
+              <a:t> : </a:t>
+            </a:r>
+            <a:r>
+              <a:rPr lang="fr-FR" dirty="0">
+                <a:hlinkClick r:id="rId3"/>
+              </a:rPr>
+              <a:t>https://nlp.stanford.edu/events/illvi2014/papers/sievert-illvi2014.pdf</a:t>
+            </a:r>
+            <a:r>
+              <a:rPr lang="fr-FR" dirty="0"/>
+              <a:t> (intègre du </a:t>
+            </a:r>
+            <a:r>
+              <a:rPr lang="fr-FR" dirty="0" err="1"/>
+              <a:t>clustering</a:t>
+            </a:r>
+            <a:r>
+              <a:rPr lang="fr-FR" dirty="0"/>
+              <a:t> pour </a:t>
+            </a:r>
+            <a:r>
+              <a:rPr lang="fr-FR" dirty="0" err="1"/>
+              <a:t>paramètrer</a:t>
+            </a:r>
+            <a:r>
+              <a:rPr lang="fr-FR" dirty="0"/>
+              <a:t> le modèle) </a:t>
+            </a:r>
+          </a:p>
+          <a:p>
+            <a:pPr marL="285750" indent="-285750">
+              <a:buFontTx/>
+              <a:buChar char="-"/>
+            </a:pPr>
+            <a:r>
+              <a:rPr lang="fr-FR" dirty="0"/>
+              <a:t>LDA avec online </a:t>
+            </a:r>
+            <a:r>
+              <a:rPr lang="fr-FR" dirty="0" err="1"/>
+              <a:t>learning</a:t>
+            </a:r>
+            <a:r>
+              <a:rPr lang="fr-FR" dirty="0"/>
+              <a:t> (pour le paramétrage) </a:t>
+            </a:r>
+            <a:r>
+              <a:rPr lang="fr-FR" dirty="0">
+                <a:hlinkClick r:id="rId4"/>
+              </a:rPr>
+              <a:t>https://papers.nips.cc/paper/2010/file/71f6278d140af599e06ad9bf1ba03cb0-Paper.pdf</a:t>
+            </a:r>
+            <a:r>
+              <a:rPr lang="fr-FR" dirty="0"/>
+              <a:t>  (pour l’implémentation) </a:t>
+            </a:r>
+            <a:r>
+              <a:rPr lang="fr-FR" dirty="0">
+                <a:hlinkClick r:id="rId5"/>
+              </a:rPr>
+              <a:t>https://scikit-learn.org/stable/modules/generated/sklearn.decomposition.LatentDirichletAllocation.html</a:t>
+            </a:r>
+            <a:r>
+              <a:rPr lang="fr-FR" dirty="0"/>
+              <a:t> </a:t>
+            </a:r>
+          </a:p>
+          <a:p>
+            <a:pPr marL="285750" indent="-285750">
+              <a:buFontTx/>
+              <a:buChar char="-"/>
+            </a:pPr>
+            <a:r>
+              <a:rPr lang="fr-FR" dirty="0"/>
+              <a:t>ouverture sur autre modèle de topic </a:t>
+            </a:r>
+            <a:r>
+              <a:rPr lang="fr-FR" dirty="0" err="1"/>
+              <a:t>modelling</a:t>
+            </a:r>
+            <a:r>
+              <a:rPr lang="fr-FR" dirty="0"/>
+              <a:t> non supervisé : </a:t>
+            </a:r>
+            <a:r>
+              <a:rPr lang="fr-FR" dirty="0">
+                <a:hlinkClick r:id="rId6"/>
+              </a:rPr>
+              <a:t>https://medium.com/voice-tech-podcast/topic-modelling-using-nmf-2f510d962b6e</a:t>
+            </a:r>
+            <a:r>
+              <a:rPr lang="fr-FR" dirty="0"/>
+              <a:t> </a:t>
+            </a:r>
+          </a:p>
+          <a:p>
+            <a:pPr marL="285750" indent="-285750">
+              <a:buFontTx/>
+              <a:buChar char="-"/>
+            </a:pPr>
+            <a:r>
+              <a:rPr lang="fr-FR" dirty="0"/>
+              <a:t>Ouverture: </a:t>
+            </a:r>
+            <a:r>
+              <a:rPr lang="fr-FR" dirty="0" err="1"/>
+              <a:t>clustering</a:t>
+            </a:r>
+            <a:r>
+              <a:rPr lang="fr-FR" dirty="0"/>
+              <a:t> pré-LDA pour définir le nombre de topics : </a:t>
+            </a:r>
+            <a:r>
+              <a:rPr lang="fr-FR" dirty="0">
+                <a:hlinkClick r:id="rId7"/>
+              </a:rPr>
+              <a:t>https://towardsdatascience.com/visualizing-word-embedding-with-pca-and-t-sne-961a692509f5</a:t>
+            </a:r>
+            <a:r>
+              <a:rPr lang="fr-FR" dirty="0"/>
+              <a:t> </a:t>
+            </a:r>
+          </a:p>
+          <a:p>
+            <a:pPr marL="285750" indent="-285750">
+              <a:buFontTx/>
+              <a:buChar char="-"/>
+            </a:pPr>
+            <a:r>
+              <a:rPr lang="fr-FR" dirty="0"/>
+              <a:t>LDA2VEC : modèle mixte : </a:t>
+            </a:r>
+            <a:r>
+              <a:rPr lang="fr-FR" dirty="0">
+                <a:hlinkClick r:id="rId8"/>
+              </a:rPr>
+              <a:t>https://github.com/meereeum/lda2vec-tf</a:t>
+            </a:r>
+            <a:r>
+              <a:rPr lang="fr-FR" dirty="0"/>
+              <a:t> implémentation </a:t>
+            </a:r>
+            <a:r>
+              <a:rPr lang="fr-FR" dirty="0">
+                <a:hlinkClick r:id="rId9"/>
+              </a:rPr>
+              <a:t>https://arxiv.org/abs/1605.02019</a:t>
+            </a:r>
+            <a:r>
+              <a:rPr lang="fr-FR" dirty="0"/>
+              <a:t> papier </a:t>
             </a:r>
           </a:p>
         </p:txBody>
@@ -3575,7 +3861,7 @@
     </p:spTree>
     <p:extLst>
       <p:ext uri="{BB962C8B-B14F-4D97-AF65-F5344CB8AC3E}">
-        <p14:creationId xmlns:p14="http://schemas.microsoft.com/office/powerpoint/2010/main" val="173286377"/>
+        <p14:creationId xmlns:p14="http://schemas.microsoft.com/office/powerpoint/2010/main" val="3020586770"/>
       </p:ext>
     </p:extLst>
   </p:cSld>
@@ -3602,94 +3888,12 @@
           <a:chExt cx="0" cy="0"/>
         </a:xfrm>
       </p:grpSpPr>
-      <p:pic>
-        <p:nvPicPr>
-          <p:cNvPr id="2" name="Image 1" descr="Une image contenant table&#10;&#10;Description générée automatiquement">
-            <a:extLst>
-              <a:ext uri="{FF2B5EF4-FFF2-40B4-BE49-F238E27FC236}">
-                <a16:creationId xmlns:a16="http://schemas.microsoft.com/office/drawing/2014/main" id="{C94E1574-A481-CF4F-A047-CEAAA0FDAC5D}"/>
-              </a:ext>
-            </a:extLst>
-          </p:cNvPr>
-          <p:cNvPicPr>
-            <a:picLocks noChangeAspect="1"/>
-          </p:cNvPicPr>
-          <p:nvPr/>
-        </p:nvPicPr>
-        <p:blipFill>
-          <a:blip r:embed="rId2"/>
-          <a:stretch>
-            <a:fillRect/>
-          </a:stretch>
-        </p:blipFill>
-        <p:spPr>
-          <a:xfrm>
-            <a:off x="1217083" y="1938867"/>
-            <a:ext cx="9757833" cy="3903133"/>
-          </a:xfrm>
-          <a:prstGeom prst="rect">
-            <a:avLst/>
-          </a:prstGeom>
-        </p:spPr>
-      </p:pic>
-      <p:sp>
-        <p:nvSpPr>
-          <p:cNvPr id="3" name="ZoneTexte 2">
-            <a:extLst>
-              <a:ext uri="{FF2B5EF4-FFF2-40B4-BE49-F238E27FC236}">
-                <a16:creationId xmlns:a16="http://schemas.microsoft.com/office/drawing/2014/main" id="{792F3AE6-B8DF-794F-939C-31CBFC1585AB}"/>
-              </a:ext>
-            </a:extLst>
-          </p:cNvPr>
-          <p:cNvSpPr txBox="1"/>
-          <p:nvPr/>
-        </p:nvSpPr>
-        <p:spPr>
-          <a:xfrm>
-            <a:off x="1217083" y="1569535"/>
-            <a:ext cx="6942667" cy="369332"/>
-          </a:xfrm>
-          <a:prstGeom prst="rect">
-            <a:avLst/>
-          </a:prstGeom>
-          <a:noFill/>
-        </p:spPr>
-        <p:txBody>
-          <a:bodyPr wrap="square" rtlCol="0">
-            <a:spAutoFit/>
-          </a:bodyPr>
-          <a:lstStyle/>
-          <a:p>
-            <a:r>
-              <a:rPr lang="fr-FR" dirty="0" err="1"/>
-              <a:t>Réimplémentation</a:t>
-            </a:r>
-            <a:r>
-              <a:rPr lang="fr-FR" dirty="0"/>
-              <a:t> LDA </a:t>
-            </a:r>
-            <a:r>
-              <a:rPr lang="fr-FR" i="1" dirty="0"/>
-              <a:t>bag of </a:t>
-            </a:r>
-            <a:r>
-              <a:rPr lang="fr-FR" i="1" dirty="0" err="1"/>
-              <a:t>words</a:t>
-            </a:r>
-            <a:r>
-              <a:rPr lang="fr-FR" i="1" dirty="0"/>
-              <a:t> </a:t>
-            </a:r>
-            <a:endParaRPr lang="fr-FR" dirty="0"/>
-          </a:p>
-        </p:txBody>
-      </p:sp>
-      <p:sp>
-        <p:nvSpPr>
-          <p:cNvPr id="4" name="Titre 3">
-            <a:extLst>
-              <a:ext uri="{FF2B5EF4-FFF2-40B4-BE49-F238E27FC236}">
-                <a16:creationId xmlns:a16="http://schemas.microsoft.com/office/drawing/2014/main" id="{1942FCB7-03B6-214D-9C62-43130CF4A880}"/>
+      <p:sp>
+        <p:nvSpPr>
+          <p:cNvPr id="2" name="Titre 1">
+            <a:extLst>
+              <a:ext uri="{FF2B5EF4-FFF2-40B4-BE49-F238E27FC236}">
+                <a16:creationId xmlns:a16="http://schemas.microsoft.com/office/drawing/2014/main" id="{2218612B-AB70-7241-9794-303C3EC5123A}"/>
               </a:ext>
             </a:extLst>
           </p:cNvPr>
@@ -3707,7 +3911,35 @@
           <a:p>
             <a:r>
               <a:rPr lang="fr-FR" dirty="0"/>
-              <a:t>Résultats : LDA à 10 topics</a:t>
+              <a:t>Résultats annexes</a:t>
+            </a:r>
+          </a:p>
+        </p:txBody>
+      </p:sp>
+      <p:sp>
+        <p:nvSpPr>
+          <p:cNvPr id="3" name="Espace réservé du texte 2">
+            <a:extLst>
+              <a:ext uri="{FF2B5EF4-FFF2-40B4-BE49-F238E27FC236}">
+                <a16:creationId xmlns:a16="http://schemas.microsoft.com/office/drawing/2014/main" id="{9F9164CC-CF58-184E-B2F9-A36FBFB6221A}"/>
+              </a:ext>
+            </a:extLst>
+          </p:cNvPr>
+          <p:cNvSpPr>
+            <a:spLocks noGrp="1"/>
+          </p:cNvSpPr>
+          <p:nvPr>
+            <p:ph type="body" idx="1"/>
+          </p:nvPr>
+        </p:nvSpPr>
+        <p:spPr/>
+        <p:txBody>
+          <a:bodyPr/>
+          <a:lstStyle/>
+          <a:p>
+            <a:r>
+              <a:rPr lang="fr-FR" dirty="0"/>
+              <a:t>Divers tests exploratoires</a:t>
             </a:r>
           </a:p>
         </p:txBody>
@@ -3715,7 +3947,7 @@
     </p:spTree>
     <p:extLst>
       <p:ext uri="{BB962C8B-B14F-4D97-AF65-F5344CB8AC3E}">
-        <p14:creationId xmlns:p14="http://schemas.microsoft.com/office/powerpoint/2010/main" val="2721712302"/>
+        <p14:creationId xmlns:p14="http://schemas.microsoft.com/office/powerpoint/2010/main" val="173286377"/>
       </p:ext>
     </p:extLst>
   </p:cSld>
@@ -3744,10 +3976,10 @@
       </p:grpSpPr>
       <p:pic>
         <p:nvPicPr>
-          <p:cNvPr id="5" name="Image 4">
-            <a:extLst>
-              <a:ext uri="{FF2B5EF4-FFF2-40B4-BE49-F238E27FC236}">
-                <a16:creationId xmlns:a16="http://schemas.microsoft.com/office/drawing/2014/main" id="{69D108DE-DA70-C743-808B-B437A899D2CE}"/>
+          <p:cNvPr id="2" name="Image 1" descr="Une image contenant table&#10;&#10;Description générée automatiquement">
+            <a:extLst>
+              <a:ext uri="{FF2B5EF4-FFF2-40B4-BE49-F238E27FC236}">
+                <a16:creationId xmlns:a16="http://schemas.microsoft.com/office/drawing/2014/main" id="{C94E1574-A481-CF4F-A047-CEAAA0FDAC5D}"/>
               </a:ext>
             </a:extLst>
           </p:cNvPr>
@@ -3764,8 +3996,8 @@
         </p:blipFill>
         <p:spPr>
           <a:xfrm>
-            <a:off x="1174750" y="1938866"/>
-            <a:ext cx="9842500" cy="3937000"/>
+            <a:off x="1217083" y="1938867"/>
+            <a:ext cx="9757833" cy="3903133"/>
           </a:xfrm>
           <a:prstGeom prst="rect">
             <a:avLst/>
@@ -3774,107 +4006,62 @@
       </p:pic>
       <p:sp>
         <p:nvSpPr>
-          <p:cNvPr id="10" name="Rectangle 9">
-            <a:extLst>
-              <a:ext uri="{FF2B5EF4-FFF2-40B4-BE49-F238E27FC236}">
-                <a16:creationId xmlns:a16="http://schemas.microsoft.com/office/drawing/2014/main" id="{F0D0DB8F-EFA3-6148-B6E2-524276BEC395}"/>
-              </a:ext>
-            </a:extLst>
-          </p:cNvPr>
-          <p:cNvSpPr/>
+          <p:cNvPr id="3" name="ZoneTexte 2">
+            <a:extLst>
+              <a:ext uri="{FF2B5EF4-FFF2-40B4-BE49-F238E27FC236}">
+                <a16:creationId xmlns:a16="http://schemas.microsoft.com/office/drawing/2014/main" id="{792F3AE6-B8DF-794F-939C-31CBFC1585AB}"/>
+              </a:ext>
+            </a:extLst>
+          </p:cNvPr>
+          <p:cNvSpPr txBox="1"/>
           <p:nvPr/>
         </p:nvSpPr>
         <p:spPr>
           <a:xfrm>
-            <a:off x="838200" y="1321356"/>
-            <a:ext cx="4267963" cy="369332"/>
-          </a:xfrm>
-          <a:prstGeom prst="rect">
-            <a:avLst/>
-          </a:prstGeom>
-        </p:spPr>
-        <p:txBody>
-          <a:bodyPr wrap="none">
-            <a:spAutoFit/>
-          </a:bodyPr>
-          <a:lstStyle/>
-          <a:p>
-            <a:r>
-              <a:rPr lang="fr-FR" dirty="0"/>
-              <a:t>Non-</a:t>
-            </a:r>
-            <a:r>
-              <a:rPr lang="fr-FR" dirty="0" err="1"/>
-              <a:t>Negative</a:t>
-            </a:r>
-            <a:r>
-              <a:rPr lang="fr-FR" dirty="0"/>
-              <a:t> Matrix </a:t>
-            </a:r>
-            <a:r>
-              <a:rPr lang="fr-FR" dirty="0" err="1"/>
-              <a:t>Factorization</a:t>
-            </a:r>
-            <a:r>
-              <a:rPr lang="fr-FR" dirty="0"/>
-              <a:t> (NMF)  : </a:t>
-            </a:r>
-          </a:p>
-        </p:txBody>
-      </p:sp>
-      <p:pic>
-        <p:nvPicPr>
-          <p:cNvPr id="1026" name="Picture 2">
-            <a:extLst>
-              <a:ext uri="{FF2B5EF4-FFF2-40B4-BE49-F238E27FC236}">
-                <a16:creationId xmlns:a16="http://schemas.microsoft.com/office/drawing/2014/main" id="{408735AB-C9BB-BF41-A943-66F515786C00}"/>
-              </a:ext>
-            </a:extLst>
-          </p:cNvPr>
-          <p:cNvPicPr>
-            <a:picLocks noChangeAspect="1" noChangeArrowheads="1"/>
-          </p:cNvPicPr>
-          <p:nvPr/>
-        </p:nvPicPr>
-        <p:blipFill>
-          <a:blip r:embed="rId3">
-            <a:extLst>
-              <a:ext uri="{28A0092B-C50C-407E-A947-70E740481C1C}">
-                <a14:useLocalDpi xmlns:a14="http://schemas.microsoft.com/office/drawing/2010/main" val="0"/>
-              </a:ext>
-            </a:extLst>
-          </a:blip>
-          <a:srcRect/>
-          <a:stretch>
-            <a:fillRect/>
-          </a:stretch>
-        </p:blipFill>
-        <p:spPr bwMode="auto">
-          <a:xfrm>
-            <a:off x="6096000" y="473333"/>
-            <a:ext cx="5080000" cy="1270000"/>
+            <a:off x="1217083" y="1569535"/>
+            <a:ext cx="6942667" cy="369332"/>
           </a:xfrm>
           <a:prstGeom prst="rect">
             <a:avLst/>
           </a:prstGeom>
           <a:noFill/>
-          <a:extLst>
-            <a:ext uri="{909E8E84-426E-40DD-AFC4-6F175D3DCCD1}">
-              <a14:hiddenFill xmlns:a14="http://schemas.microsoft.com/office/drawing/2010/main">
-                <a:solidFill>
-                  <a:srgbClr val="FFFFFF"/>
-                </a:solidFill>
-              </a14:hiddenFill>
-            </a:ext>
-          </a:extLst>
         </p:spPr>
-      </p:pic>
-      <p:sp>
-        <p:nvSpPr>
-          <p:cNvPr id="13" name="Titre 12">
-            <a:extLst>
-              <a:ext uri="{FF2B5EF4-FFF2-40B4-BE49-F238E27FC236}">
-                <a16:creationId xmlns:a16="http://schemas.microsoft.com/office/drawing/2014/main" id="{7382401D-18E7-8049-B388-E8FDB9CC0A07}"/>
+        <p:txBody>
+          <a:bodyPr wrap="square" rtlCol="0">
+            <a:spAutoFit/>
+          </a:bodyPr>
+          <a:lstStyle/>
+          <a:p>
+            <a:r>
+              <a:rPr lang="fr-FR" dirty="0" err="1"/>
+              <a:t>Réimplémentation</a:t>
+            </a:r>
+            <a:r>
+              <a:rPr lang="fr-FR" dirty="0"/>
+              <a:t> LDA </a:t>
+            </a:r>
+            <a:r>
+              <a:rPr lang="fr-FR" i="1" dirty="0"/>
+              <a:t>bag of </a:t>
+            </a:r>
+            <a:r>
+              <a:rPr lang="fr-FR" i="1" dirty="0" err="1"/>
+              <a:t>words</a:t>
+            </a:r>
+            <a:r>
+              <a:rPr lang="fr-FR" i="1" dirty="0"/>
+              <a:t> </a:t>
+            </a:r>
+            <a:endParaRPr lang="fr-FR" dirty="0"/>
+          </a:p>
+        </p:txBody>
+      </p:sp>
+      <p:sp>
+        <p:nvSpPr>
+          <p:cNvPr id="4" name="Titre 3">
+            <a:extLst>
+              <a:ext uri="{FF2B5EF4-FFF2-40B4-BE49-F238E27FC236}">
+                <a16:creationId xmlns:a16="http://schemas.microsoft.com/office/drawing/2014/main" id="{1942FCB7-03B6-214D-9C62-43130CF4A880}"/>
               </a:ext>
             </a:extLst>
           </p:cNvPr>
@@ -3892,7 +4079,7 @@
           <a:p>
             <a:r>
               <a:rPr lang="fr-FR" dirty="0"/>
-              <a:t>Résultats : NMF</a:t>
+              <a:t>Résultats : LDA à 10 topics</a:t>
             </a:r>
           </a:p>
         </p:txBody>
@@ -3900,7 +4087,7 @@
     </p:spTree>
     <p:extLst>
       <p:ext uri="{BB962C8B-B14F-4D97-AF65-F5344CB8AC3E}">
-        <p14:creationId xmlns:p14="http://schemas.microsoft.com/office/powerpoint/2010/main" val="1053896050"/>
+        <p14:creationId xmlns:p14="http://schemas.microsoft.com/office/powerpoint/2010/main" val="2721712302"/>
       </p:ext>
     </p:extLst>
   </p:cSld>
@@ -3929,6 +4116,191 @@
       </p:grpSpPr>
       <p:pic>
         <p:nvPicPr>
+          <p:cNvPr id="5" name="Image 4">
+            <a:extLst>
+              <a:ext uri="{FF2B5EF4-FFF2-40B4-BE49-F238E27FC236}">
+                <a16:creationId xmlns:a16="http://schemas.microsoft.com/office/drawing/2014/main" id="{69D108DE-DA70-C743-808B-B437A899D2CE}"/>
+              </a:ext>
+            </a:extLst>
+          </p:cNvPr>
+          <p:cNvPicPr>
+            <a:picLocks noChangeAspect="1"/>
+          </p:cNvPicPr>
+          <p:nvPr/>
+        </p:nvPicPr>
+        <p:blipFill>
+          <a:blip r:embed="rId2"/>
+          <a:stretch>
+            <a:fillRect/>
+          </a:stretch>
+        </p:blipFill>
+        <p:spPr>
+          <a:xfrm>
+            <a:off x="1174750" y="1938866"/>
+            <a:ext cx="9842500" cy="3937000"/>
+          </a:xfrm>
+          <a:prstGeom prst="rect">
+            <a:avLst/>
+          </a:prstGeom>
+        </p:spPr>
+      </p:pic>
+      <p:sp>
+        <p:nvSpPr>
+          <p:cNvPr id="10" name="Rectangle 9">
+            <a:extLst>
+              <a:ext uri="{FF2B5EF4-FFF2-40B4-BE49-F238E27FC236}">
+                <a16:creationId xmlns:a16="http://schemas.microsoft.com/office/drawing/2014/main" id="{F0D0DB8F-EFA3-6148-B6E2-524276BEC395}"/>
+              </a:ext>
+            </a:extLst>
+          </p:cNvPr>
+          <p:cNvSpPr/>
+          <p:nvPr/>
+        </p:nvSpPr>
+        <p:spPr>
+          <a:xfrm>
+            <a:off x="838200" y="1321356"/>
+            <a:ext cx="4267963" cy="369332"/>
+          </a:xfrm>
+          <a:prstGeom prst="rect">
+            <a:avLst/>
+          </a:prstGeom>
+        </p:spPr>
+        <p:txBody>
+          <a:bodyPr wrap="none">
+            <a:spAutoFit/>
+          </a:bodyPr>
+          <a:lstStyle/>
+          <a:p>
+            <a:r>
+              <a:rPr lang="fr-FR" dirty="0"/>
+              <a:t>Non-</a:t>
+            </a:r>
+            <a:r>
+              <a:rPr lang="fr-FR" dirty="0" err="1"/>
+              <a:t>Negative</a:t>
+            </a:r>
+            <a:r>
+              <a:rPr lang="fr-FR" dirty="0"/>
+              <a:t> Matrix </a:t>
+            </a:r>
+            <a:r>
+              <a:rPr lang="fr-FR" dirty="0" err="1"/>
+              <a:t>Factorization</a:t>
+            </a:r>
+            <a:r>
+              <a:rPr lang="fr-FR" dirty="0"/>
+              <a:t> (NMF)  : </a:t>
+            </a:r>
+          </a:p>
+        </p:txBody>
+      </p:sp>
+      <p:pic>
+        <p:nvPicPr>
+          <p:cNvPr id="1026" name="Picture 2">
+            <a:extLst>
+              <a:ext uri="{FF2B5EF4-FFF2-40B4-BE49-F238E27FC236}">
+                <a16:creationId xmlns:a16="http://schemas.microsoft.com/office/drawing/2014/main" id="{408735AB-C9BB-BF41-A943-66F515786C00}"/>
+              </a:ext>
+            </a:extLst>
+          </p:cNvPr>
+          <p:cNvPicPr>
+            <a:picLocks noChangeAspect="1" noChangeArrowheads="1"/>
+          </p:cNvPicPr>
+          <p:nvPr/>
+        </p:nvPicPr>
+        <p:blipFill>
+          <a:blip r:embed="rId3">
+            <a:extLst>
+              <a:ext uri="{28A0092B-C50C-407E-A947-70E740481C1C}">
+                <a14:useLocalDpi xmlns:a14="http://schemas.microsoft.com/office/drawing/2010/main" val="0"/>
+              </a:ext>
+            </a:extLst>
+          </a:blip>
+          <a:srcRect/>
+          <a:stretch>
+            <a:fillRect/>
+          </a:stretch>
+        </p:blipFill>
+        <p:spPr bwMode="auto">
+          <a:xfrm>
+            <a:off x="6096000" y="473333"/>
+            <a:ext cx="5080000" cy="1270000"/>
+          </a:xfrm>
+          <a:prstGeom prst="rect">
+            <a:avLst/>
+          </a:prstGeom>
+          <a:noFill/>
+          <a:extLst>
+            <a:ext uri="{909E8E84-426E-40DD-AFC4-6F175D3DCCD1}">
+              <a14:hiddenFill xmlns:a14="http://schemas.microsoft.com/office/drawing/2010/main">
+                <a:solidFill>
+                  <a:srgbClr val="FFFFFF"/>
+                </a:solidFill>
+              </a14:hiddenFill>
+            </a:ext>
+          </a:extLst>
+        </p:spPr>
+      </p:pic>
+      <p:sp>
+        <p:nvSpPr>
+          <p:cNvPr id="13" name="Titre 12">
+            <a:extLst>
+              <a:ext uri="{FF2B5EF4-FFF2-40B4-BE49-F238E27FC236}">
+                <a16:creationId xmlns:a16="http://schemas.microsoft.com/office/drawing/2014/main" id="{7382401D-18E7-8049-B388-E8FDB9CC0A07}"/>
+              </a:ext>
+            </a:extLst>
+          </p:cNvPr>
+          <p:cNvSpPr>
+            <a:spLocks noGrp="1"/>
+          </p:cNvSpPr>
+          <p:nvPr>
+            <p:ph type="title"/>
+          </p:nvPr>
+        </p:nvSpPr>
+        <p:spPr/>
+        <p:txBody>
+          <a:bodyPr/>
+          <a:lstStyle/>
+          <a:p>
+            <a:r>
+              <a:rPr lang="fr-FR" dirty="0"/>
+              <a:t>Résultats : NMF</a:t>
+            </a:r>
+          </a:p>
+        </p:txBody>
+      </p:sp>
+    </p:spTree>
+    <p:extLst>
+      <p:ext uri="{BB962C8B-B14F-4D97-AF65-F5344CB8AC3E}">
+        <p14:creationId xmlns:p14="http://schemas.microsoft.com/office/powerpoint/2010/main" val="1053896050"/>
+      </p:ext>
+    </p:extLst>
+  </p:cSld>
+  <p:clrMapOvr>
+    <a:masterClrMapping/>
+  </p:clrMapOvr>
+</p:sld>
+</file>
+
+<file path=ppt/slides/slide14.xml><?xml version="1.0" encoding="utf-8"?>
+<p:sld xmlns:a="http://schemas.openxmlformats.org/drawingml/2006/main" xmlns:r="http://schemas.openxmlformats.org/officeDocument/2006/relationships" xmlns:p="http://schemas.openxmlformats.org/presentationml/2006/main">
+  <p:cSld>
+    <p:spTree>
+      <p:nvGrpSpPr>
+        <p:cNvPr id="1" name=""/>
+        <p:cNvGrpSpPr/>
+        <p:nvPr/>
+      </p:nvGrpSpPr>
+      <p:grpSpPr>
+        <a:xfrm>
+          <a:off x="0" y="0"/>
+          <a:ext cx="0" cy="0"/>
+          <a:chOff x="0" y="0"/>
+          <a:chExt cx="0" cy="0"/>
+        </a:xfrm>
+      </p:grpSpPr>
+      <p:pic>
+        <p:nvPicPr>
           <p:cNvPr id="2" name="Image 1">
             <a:extLst>
               <a:ext uri="{FF2B5EF4-FFF2-40B4-BE49-F238E27FC236}">
@@ -4120,7 +4492,7 @@
 </p:sld>
 </file>
 
-<file path=ppt/slides/slide14.xml><?xml version="1.0" encoding="utf-8"?>
+<file path=ppt/slides/slide15.xml><?xml version="1.0" encoding="utf-8"?>
 <p:sld xmlns:a="http://schemas.openxmlformats.org/drawingml/2006/main" xmlns:r="http://schemas.openxmlformats.org/officeDocument/2006/relationships" xmlns:p="http://schemas.openxmlformats.org/presentationml/2006/main">
   <p:cSld>
     <p:spTree>
@@ -5477,8 +5849,8 @@
           </a:p>
         </p:txBody>
       </p:sp>
-      <mc:AlternateContent xmlns:mc="http://schemas.openxmlformats.org/markup-compatibility/2006">
-        <mc:Choice xmlns:p14="http://schemas.microsoft.com/office/powerpoint/2010/main" Requires="p14">
+      <mc:AlternateContent xmlns:mc="http://schemas.openxmlformats.org/markup-compatibility/2006" xmlns:p14="http://schemas.microsoft.com/office/powerpoint/2010/main">
+        <mc:Choice Requires="p14">
           <p:contentPart p14:bwMode="auto" r:id="rId4">
             <p14:nvContentPartPr>
               <p14:cNvPr id="11" name="Encre 10">
@@ -5497,7 +5869,7 @@
             </p14:xfrm>
           </p:contentPart>
         </mc:Choice>
-        <mc:Fallback>
+        <mc:Fallback xmlns="">
           <p:pic>
             <p:nvPicPr>
               <p:cNvPr id="11" name="Encre 10">
@@ -5874,9 +6246,735 @@
           </a:p>
         </p:txBody>
       </p:sp>
+      <mc:AlternateContent xmlns:mc="http://schemas.openxmlformats.org/markup-compatibility/2006" xmlns:p14="http://schemas.microsoft.com/office/powerpoint/2010/main">
+        <mc:Choice Requires="p14">
+          <p:contentPart p14:bwMode="auto" r:id="rId6">
+            <p14:nvContentPartPr>
+              <p14:cNvPr id="27" name="Encre 26">
+                <a:extLst>
+                  <a:ext uri="{FF2B5EF4-FFF2-40B4-BE49-F238E27FC236}">
+                    <a16:creationId xmlns:a16="http://schemas.microsoft.com/office/drawing/2014/main" id="{26E17F89-92E1-EC40-904F-B642EBCE9658}"/>
+                  </a:ext>
+                </a:extLst>
+              </p14:cNvPr>
+              <p14:cNvContentPartPr/>
+              <p14:nvPr/>
+            </p14:nvContentPartPr>
+            <p14:xfrm>
+              <a:off x="8150580" y="5048306"/>
+              <a:ext cx="168480" cy="20520"/>
+            </p14:xfrm>
+          </p:contentPart>
+        </mc:Choice>
+        <mc:Fallback xmlns="">
+          <p:pic>
+            <p:nvPicPr>
+              <p:cNvPr id="27" name="Encre 26">
+                <a:extLst>
+                  <a:ext uri="{FF2B5EF4-FFF2-40B4-BE49-F238E27FC236}">
+                    <a16:creationId xmlns:a16="http://schemas.microsoft.com/office/drawing/2014/main" id="{26E17F89-92E1-EC40-904F-B642EBCE9658}"/>
+                  </a:ext>
+                </a:extLst>
+              </p:cNvPr>
+              <p:cNvPicPr/>
+              <p:nvPr/>
+            </p:nvPicPr>
+            <p:blipFill>
+              <a:blip r:embed="rId7"/>
+              <a:stretch>
+                <a:fillRect/>
+              </a:stretch>
+            </p:blipFill>
+            <p:spPr>
+              <a:xfrm>
+                <a:off x="8096940" y="4940306"/>
+                <a:ext cx="276120" cy="236160"/>
+              </a:xfrm>
+              <a:prstGeom prst="rect">
+                <a:avLst/>
+              </a:prstGeom>
+            </p:spPr>
+          </p:pic>
+        </mc:Fallback>
+      </mc:AlternateContent>
+      <mc:AlternateContent xmlns:mc="http://schemas.openxmlformats.org/markup-compatibility/2006" xmlns:p14="http://schemas.microsoft.com/office/powerpoint/2010/main">
+        <mc:Choice Requires="p14">
+          <p:contentPart p14:bwMode="auto" r:id="rId8">
+            <p14:nvContentPartPr>
+              <p14:cNvPr id="28" name="Encre 27">
+                <a:extLst>
+                  <a:ext uri="{FF2B5EF4-FFF2-40B4-BE49-F238E27FC236}">
+                    <a16:creationId xmlns:a16="http://schemas.microsoft.com/office/drawing/2014/main" id="{E1E42684-E481-854F-BFCB-859BE787AED6}"/>
+                  </a:ext>
+                </a:extLst>
+              </p14:cNvPr>
+              <p14:cNvContentPartPr/>
+              <p14:nvPr/>
+            </p14:nvContentPartPr>
+            <p14:xfrm>
+              <a:off x="8160300" y="3639266"/>
+              <a:ext cx="169200" cy="24480"/>
+            </p14:xfrm>
+          </p:contentPart>
+        </mc:Choice>
+        <mc:Fallback xmlns="">
+          <p:pic>
+            <p:nvPicPr>
+              <p:cNvPr id="28" name="Encre 27">
+                <a:extLst>
+                  <a:ext uri="{FF2B5EF4-FFF2-40B4-BE49-F238E27FC236}">
+                    <a16:creationId xmlns:a16="http://schemas.microsoft.com/office/drawing/2014/main" id="{E1E42684-E481-854F-BFCB-859BE787AED6}"/>
+                  </a:ext>
+                </a:extLst>
+              </p:cNvPr>
+              <p:cNvPicPr/>
+              <p:nvPr/>
+            </p:nvPicPr>
+            <p:blipFill>
+              <a:blip r:embed="rId9"/>
+              <a:stretch>
+                <a:fillRect/>
+              </a:stretch>
+            </p:blipFill>
+            <p:spPr>
+              <a:xfrm>
+                <a:off x="8106660" y="3531626"/>
+                <a:ext cx="276840" cy="240120"/>
+              </a:xfrm>
+              <a:prstGeom prst="rect">
+                <a:avLst/>
+              </a:prstGeom>
+            </p:spPr>
+          </p:pic>
+        </mc:Fallback>
+      </mc:AlternateContent>
+      <p:sp>
+        <p:nvSpPr>
+          <p:cNvPr id="30" name="Flèche vers la droite 29">
+            <a:extLst>
+              <a:ext uri="{FF2B5EF4-FFF2-40B4-BE49-F238E27FC236}">
+                <a16:creationId xmlns:a16="http://schemas.microsoft.com/office/drawing/2014/main" id="{EE45407D-A3C3-E84C-8B88-224BFEA45B57}"/>
+              </a:ext>
+            </a:extLst>
+          </p:cNvPr>
+          <p:cNvSpPr/>
+          <p:nvPr/>
+        </p:nvSpPr>
+        <p:spPr>
+          <a:xfrm>
+            <a:off x="4463997" y="4355979"/>
+            <a:ext cx="822960" cy="305610"/>
+          </a:xfrm>
+          <a:prstGeom prst="rightArrow">
+            <a:avLst/>
+          </a:prstGeom>
+        </p:spPr>
+        <p:style>
+          <a:lnRef idx="2">
+            <a:schemeClr val="accent1">
+              <a:shade val="50000"/>
+            </a:schemeClr>
+          </a:lnRef>
+          <a:fillRef idx="1">
+            <a:schemeClr val="accent1"/>
+          </a:fillRef>
+          <a:effectRef idx="0">
+            <a:schemeClr val="accent1"/>
+          </a:effectRef>
+          <a:fontRef idx="minor">
+            <a:schemeClr val="lt1"/>
+          </a:fontRef>
+        </p:style>
+        <p:txBody>
+          <a:bodyPr rtlCol="0" anchor="ctr"/>
+          <a:lstStyle/>
+          <a:p>
+            <a:pPr algn="ctr"/>
+            <a:endParaRPr lang="fr-FR"/>
+          </a:p>
+        </p:txBody>
+      </p:sp>
+      <p:sp>
+        <p:nvSpPr>
+          <p:cNvPr id="32" name="ZoneTexte 31">
+            <a:extLst>
+              <a:ext uri="{FF2B5EF4-FFF2-40B4-BE49-F238E27FC236}">
+                <a16:creationId xmlns:a16="http://schemas.microsoft.com/office/drawing/2014/main" id="{E32C03F8-337C-B441-B5B4-A577DB2108B7}"/>
+              </a:ext>
+            </a:extLst>
+          </p:cNvPr>
+          <p:cNvSpPr txBox="1"/>
+          <p:nvPr/>
+        </p:nvSpPr>
+        <p:spPr>
+          <a:xfrm>
+            <a:off x="329968" y="1521023"/>
+            <a:ext cx="11626006" cy="646331"/>
+          </a:xfrm>
+          <a:prstGeom prst="rect">
+            <a:avLst/>
+          </a:prstGeom>
+          <a:solidFill>
+            <a:schemeClr val="bg1">
+              <a:lumMod val="85000"/>
+            </a:schemeClr>
+          </a:solidFill>
+        </p:spPr>
+        <p:txBody>
+          <a:bodyPr wrap="square" rtlCol="0">
+            <a:spAutoFit/>
+          </a:bodyPr>
+          <a:lstStyle/>
+          <a:p>
+            <a:r>
+              <a:rPr lang="fr-FR" dirty="0"/>
+              <a:t>Télécharger le dossier </a:t>
+            </a:r>
+            <a:r>
+              <a:rPr lang="fr-FR" i="1" dirty="0" err="1"/>
+              <a:t>scrapping</a:t>
+            </a:r>
+            <a:r>
+              <a:rPr lang="fr-FR" dirty="0"/>
+              <a:t>. Après exécution en suivant les commandes suivantes, tous les </a:t>
+            </a:r>
+            <a:r>
+              <a:rPr lang="fr-FR" dirty="0" err="1"/>
+              <a:t>transcripts</a:t>
+            </a:r>
+            <a:r>
+              <a:rPr lang="fr-FR" dirty="0"/>
+              <a:t> de la FOMC à partir de la date renseignée par l'utilisateur dans le script jusqu’aux derniers publiés. Détails dans le fichier </a:t>
+            </a:r>
+            <a:r>
+              <a:rPr lang="fr-FR" dirty="0" err="1"/>
+              <a:t>README.md</a:t>
+            </a:r>
+            <a:r>
+              <a:rPr lang="fr-FR" dirty="0"/>
+              <a:t>.</a:t>
+            </a:r>
+          </a:p>
+        </p:txBody>
+      </p:sp>
+    </p:spTree>
+    <p:extLst>
+      <p:ext uri="{BB962C8B-B14F-4D97-AF65-F5344CB8AC3E}">
+        <p14:creationId xmlns:p14="http://schemas.microsoft.com/office/powerpoint/2010/main" val="3213027875"/>
+      </p:ext>
+    </p:extLst>
+  </p:cSld>
+  <p:clrMapOvr>
+    <a:masterClrMapping/>
+  </p:clrMapOvr>
+</p:sld>
+</file>
+
+<file path=ppt/slides/slide4.xml><?xml version="1.0" encoding="utf-8"?>
+<p:sld xmlns:a="http://schemas.openxmlformats.org/drawingml/2006/main" xmlns:r="http://schemas.openxmlformats.org/officeDocument/2006/relationships" xmlns:p="http://schemas.openxmlformats.org/presentationml/2006/main">
+  <p:cSld>
+    <p:spTree>
+      <p:nvGrpSpPr>
+        <p:cNvPr id="1" name=""/>
+        <p:cNvGrpSpPr/>
+        <p:nvPr/>
+      </p:nvGrpSpPr>
+      <p:grpSpPr>
+        <a:xfrm>
+          <a:off x="0" y="0"/>
+          <a:ext cx="0" cy="0"/>
+          <a:chOff x="0" y="0"/>
+          <a:chExt cx="0" cy="0"/>
+        </a:xfrm>
+      </p:grpSpPr>
+      <p:pic>
+        <p:nvPicPr>
+          <p:cNvPr id="4" name="Image 3" descr="Une image contenant texte&#10;&#10;Description générée automatiquement">
+            <a:extLst>
+              <a:ext uri="{FF2B5EF4-FFF2-40B4-BE49-F238E27FC236}">
+                <a16:creationId xmlns:a16="http://schemas.microsoft.com/office/drawing/2014/main" id="{D9F1AD0B-5C4F-6C4A-BF2B-8189C1D27F02}"/>
+              </a:ext>
+            </a:extLst>
+          </p:cNvPr>
+          <p:cNvPicPr>
+            <a:picLocks noChangeAspect="1"/>
+          </p:cNvPicPr>
+          <p:nvPr/>
+        </p:nvPicPr>
+        <p:blipFill rotWithShape="1">
+          <a:blip r:embed="rId2"/>
+          <a:srcRect t="-1" b="2737"/>
+          <a:stretch/>
+        </p:blipFill>
+        <p:spPr>
+          <a:xfrm>
+            <a:off x="5707240" y="3546890"/>
+            <a:ext cx="6502400" cy="1618177"/>
+          </a:xfrm>
+          <a:prstGeom prst="rect">
+            <a:avLst/>
+          </a:prstGeom>
+        </p:spPr>
+      </p:pic>
+      <p:sp>
+        <p:nvSpPr>
+          <p:cNvPr id="5" name="Titre 4">
+            <a:extLst>
+              <a:ext uri="{FF2B5EF4-FFF2-40B4-BE49-F238E27FC236}">
+                <a16:creationId xmlns:a16="http://schemas.microsoft.com/office/drawing/2014/main" id="{13F6638F-4A57-C242-AA38-006BDC45C236}"/>
+              </a:ext>
+            </a:extLst>
+          </p:cNvPr>
+          <p:cNvSpPr>
+            <a:spLocks noGrp="1"/>
+          </p:cNvSpPr>
+          <p:nvPr>
+            <p:ph type="title"/>
+          </p:nvPr>
+        </p:nvSpPr>
+        <p:spPr/>
+        <p:txBody>
+          <a:bodyPr/>
+          <a:lstStyle/>
+          <a:p>
+            <a:r>
+              <a:rPr lang="fr-FR" dirty="0"/>
+              <a:t>Ajout des scores automatisé</a:t>
+            </a:r>
+            <a:br>
+              <a:rPr lang="fr-FR" dirty="0"/>
+            </a:br>
+            <a:r>
+              <a:rPr lang="fr-FR" sz="2000" dirty="0"/>
+              <a:t>Fonctionnement sur terminal/console de commandes python3</a:t>
+            </a:r>
+            <a:endParaRPr lang="fr-FR" dirty="0"/>
+          </a:p>
+        </p:txBody>
+      </p:sp>
+      <p:sp>
+        <p:nvSpPr>
+          <p:cNvPr id="6" name="ZoneTexte 5">
+            <a:extLst>
+              <a:ext uri="{FF2B5EF4-FFF2-40B4-BE49-F238E27FC236}">
+                <a16:creationId xmlns:a16="http://schemas.microsoft.com/office/drawing/2014/main" id="{1DFDA974-C364-F544-98E3-32E5EE858A49}"/>
+              </a:ext>
+            </a:extLst>
+          </p:cNvPr>
+          <p:cNvSpPr txBox="1"/>
+          <p:nvPr/>
+        </p:nvSpPr>
+        <p:spPr>
+          <a:xfrm>
+            <a:off x="329968" y="2238919"/>
+            <a:ext cx="4134029" cy="2862322"/>
+          </a:xfrm>
+          <a:prstGeom prst="rect">
+            <a:avLst/>
+          </a:prstGeom>
+          <a:noFill/>
+        </p:spPr>
+        <p:txBody>
+          <a:bodyPr wrap="square" rtlCol="0">
+            <a:spAutoFit/>
+          </a:bodyPr>
+          <a:lstStyle/>
+          <a:p>
+            <a:r>
+              <a:rPr lang="fr-FR" dirty="0"/>
+              <a:t>Comme précédemment, à l’aide des mêmes </a:t>
+            </a:r>
+            <a:r>
+              <a:rPr lang="fr-FR" dirty="0" err="1"/>
+              <a:t>commandres</a:t>
+            </a:r>
+            <a:r>
+              <a:rPr lang="fr-FR" dirty="0"/>
+              <a:t> :</a:t>
+            </a:r>
+          </a:p>
+          <a:p>
+            <a:pPr marL="285750" indent="-285750">
+              <a:buFontTx/>
+              <a:buChar char="-"/>
+            </a:pPr>
+            <a:r>
+              <a:rPr lang="fr-FR" dirty="0"/>
+              <a:t>Ouvrir le terminal ou la console </a:t>
+            </a:r>
+          </a:p>
+          <a:p>
+            <a:pPr marL="742950" lvl="1" indent="-285750">
+              <a:buFontTx/>
+              <a:buChar char="-"/>
+            </a:pPr>
+            <a:r>
+              <a:rPr lang="fr-FR" dirty="0" err="1"/>
+              <a:t>macOS</a:t>
+            </a:r>
+            <a:r>
+              <a:rPr lang="fr-FR" dirty="0"/>
+              <a:t> : &gt; dossier Utilitaires &gt; </a:t>
+            </a:r>
+            <a:r>
+              <a:rPr lang="fr-FR" i="1" dirty="0"/>
+              <a:t>Terminal</a:t>
+            </a:r>
+            <a:r>
+              <a:rPr lang="fr-FR" dirty="0"/>
+              <a:t> </a:t>
+            </a:r>
+          </a:p>
+          <a:p>
+            <a:pPr marL="742950" lvl="1" indent="-285750">
+              <a:buFontTx/>
+              <a:buChar char="-"/>
+            </a:pPr>
+            <a:r>
+              <a:rPr lang="fr-FR" dirty="0"/>
+              <a:t>Windows : &gt; </a:t>
+            </a:r>
+            <a:r>
+              <a:rPr lang="fr-FR" i="1" dirty="0"/>
+              <a:t>Invite de commandes</a:t>
+            </a:r>
+            <a:r>
+              <a:rPr lang="fr-FR" dirty="0"/>
+              <a:t> </a:t>
+            </a:r>
+          </a:p>
+          <a:p>
+            <a:pPr marL="742950" lvl="1" indent="-285750">
+              <a:buFontTx/>
+              <a:buChar char="-"/>
+            </a:pPr>
+            <a:r>
+              <a:rPr lang="fr-FR" dirty="0"/>
+              <a:t>Linux : &gt; </a:t>
+            </a:r>
+            <a:r>
+              <a:rPr lang="fr-FR" i="1" dirty="0"/>
+              <a:t>Terminal</a:t>
+            </a:r>
+            <a:r>
+              <a:rPr lang="fr-FR" dirty="0"/>
+              <a:t> ou </a:t>
+            </a:r>
+            <a:r>
+              <a:rPr lang="fr-FR" dirty="0" err="1"/>
+              <a:t>Ctrl+Alt+T</a:t>
+            </a:r>
+            <a:endParaRPr lang="fr-FR" dirty="0"/>
+          </a:p>
+          <a:p>
+            <a:pPr marL="285750" indent="-285750">
+              <a:buFontTx/>
+              <a:buChar char="-"/>
+            </a:pPr>
+            <a:r>
+              <a:rPr lang="fr-FR" dirty="0"/>
+              <a:t>Aller dans le dossier du package </a:t>
+            </a:r>
+            <a:r>
+              <a:rPr lang="fr-FR" i="1" dirty="0" err="1"/>
+              <a:t>score_computing</a:t>
+            </a:r>
+            <a:r>
+              <a:rPr lang="fr-FR" dirty="0"/>
+              <a:t>  (voir détail ci contre) </a:t>
+            </a:r>
+          </a:p>
+          <a:p>
+            <a:pPr marL="285750" indent="-285750">
+              <a:buFontTx/>
+              <a:buChar char="-"/>
+            </a:pPr>
+            <a:r>
+              <a:rPr lang="fr-FR" dirty="0"/>
+              <a:t>Taper </a:t>
+            </a:r>
+            <a:r>
+              <a:rPr lang="fr-FR" i="1" dirty="0"/>
+              <a:t>python3 </a:t>
+            </a:r>
+            <a:r>
+              <a:rPr lang="fr-FR" i="1" dirty="0" err="1"/>
+              <a:t>main_scores.py</a:t>
+            </a:r>
+            <a:endParaRPr lang="fr-FR" dirty="0"/>
+          </a:p>
+        </p:txBody>
+      </p:sp>
+      <p:cxnSp>
+        <p:nvCxnSpPr>
+          <p:cNvPr id="16" name="Connecteur droit avec flèche 15">
+            <a:extLst>
+              <a:ext uri="{FF2B5EF4-FFF2-40B4-BE49-F238E27FC236}">
+                <a16:creationId xmlns:a16="http://schemas.microsoft.com/office/drawing/2014/main" id="{851B9608-0E9B-5042-922C-6A33F973A432}"/>
+              </a:ext>
+            </a:extLst>
+          </p:cNvPr>
+          <p:cNvCxnSpPr/>
+          <p:nvPr/>
+        </p:nvCxnSpPr>
+        <p:spPr>
+          <a:xfrm flipV="1">
+            <a:off x="8762435" y="5144516"/>
+            <a:ext cx="0" cy="445770"/>
+          </a:xfrm>
+          <a:prstGeom prst="straightConnector1">
+            <a:avLst/>
+          </a:prstGeom>
+          <a:ln w="28575">
+            <a:tailEnd type="triangle"/>
+          </a:ln>
+        </p:spPr>
+        <p:style>
+          <a:lnRef idx="1">
+            <a:schemeClr val="accent2"/>
+          </a:lnRef>
+          <a:fillRef idx="0">
+            <a:schemeClr val="accent2"/>
+          </a:fillRef>
+          <a:effectRef idx="0">
+            <a:schemeClr val="accent2"/>
+          </a:effectRef>
+          <a:fontRef idx="minor">
+            <a:schemeClr val="tx1"/>
+          </a:fontRef>
+        </p:style>
+      </p:cxnSp>
+      <p:cxnSp>
+        <p:nvCxnSpPr>
+          <p:cNvPr id="17" name="Connecteur droit avec flèche 16">
+            <a:extLst>
+              <a:ext uri="{FF2B5EF4-FFF2-40B4-BE49-F238E27FC236}">
+                <a16:creationId xmlns:a16="http://schemas.microsoft.com/office/drawing/2014/main" id="{245BBF6C-C5E7-5C44-855C-56B294AF25C9}"/>
+              </a:ext>
+            </a:extLst>
+          </p:cNvPr>
+          <p:cNvCxnSpPr>
+            <a:cxnSpLocks/>
+          </p:cNvCxnSpPr>
+          <p:nvPr/>
+        </p:nvCxnSpPr>
+        <p:spPr>
+          <a:xfrm flipH="1">
+            <a:off x="6653601" y="3880304"/>
+            <a:ext cx="396240" cy="300990"/>
+          </a:xfrm>
+          <a:prstGeom prst="straightConnector1">
+            <a:avLst/>
+          </a:prstGeom>
+          <a:ln w="28575">
+            <a:tailEnd type="triangle"/>
+          </a:ln>
+        </p:spPr>
+        <p:style>
+          <a:lnRef idx="1">
+            <a:schemeClr val="accent2"/>
+          </a:lnRef>
+          <a:fillRef idx="0">
+            <a:schemeClr val="accent2"/>
+          </a:fillRef>
+          <a:effectRef idx="0">
+            <a:schemeClr val="accent2"/>
+          </a:effectRef>
+          <a:fontRef idx="minor">
+            <a:schemeClr val="tx1"/>
+          </a:fontRef>
+        </p:style>
+      </p:cxnSp>
+      <p:sp>
+        <p:nvSpPr>
+          <p:cNvPr id="19" name="ZoneTexte 18">
+            <a:extLst>
+              <a:ext uri="{FF2B5EF4-FFF2-40B4-BE49-F238E27FC236}">
+                <a16:creationId xmlns:a16="http://schemas.microsoft.com/office/drawing/2014/main" id="{A1ED1561-775B-394A-8978-4DD7E8B82F10}"/>
+              </a:ext>
+            </a:extLst>
+          </p:cNvPr>
+          <p:cNvSpPr txBox="1"/>
+          <p:nvPr/>
+        </p:nvSpPr>
+        <p:spPr>
+          <a:xfrm>
+            <a:off x="8007988" y="5571465"/>
+            <a:ext cx="1350431" cy="261610"/>
+          </a:xfrm>
+          <a:prstGeom prst="rect">
+            <a:avLst/>
+          </a:prstGeom>
+          <a:noFill/>
+        </p:spPr>
+        <p:txBody>
+          <a:bodyPr wrap="square" rtlCol="0">
+            <a:spAutoFit/>
+          </a:bodyPr>
+          <a:lstStyle/>
+          <a:p>
+            <a:r>
+              <a:rPr lang="fr-FR" sz="1100" dirty="0">
+                <a:solidFill>
+                  <a:srgbClr val="FF0000"/>
+                </a:solidFill>
+              </a:rPr>
+              <a:t>Dossier parent</a:t>
+            </a:r>
+          </a:p>
+        </p:txBody>
+      </p:sp>
+      <p:sp>
+        <p:nvSpPr>
+          <p:cNvPr id="20" name="ZoneTexte 19">
+            <a:extLst>
+              <a:ext uri="{FF2B5EF4-FFF2-40B4-BE49-F238E27FC236}">
+                <a16:creationId xmlns:a16="http://schemas.microsoft.com/office/drawing/2014/main" id="{236BAC78-FDBC-154A-B2E9-D3091C935312}"/>
+              </a:ext>
+            </a:extLst>
+          </p:cNvPr>
+          <p:cNvSpPr txBox="1"/>
+          <p:nvPr/>
+        </p:nvSpPr>
+        <p:spPr>
+          <a:xfrm>
+            <a:off x="6758943" y="4084093"/>
+            <a:ext cx="1350431" cy="261610"/>
+          </a:xfrm>
+          <a:prstGeom prst="rect">
+            <a:avLst/>
+          </a:prstGeom>
+          <a:noFill/>
+        </p:spPr>
+        <p:txBody>
+          <a:bodyPr wrap="square" rtlCol="0">
+            <a:spAutoFit/>
+          </a:bodyPr>
+          <a:lstStyle/>
+          <a:p>
+            <a:r>
+              <a:rPr lang="fr-FR" sz="1100" dirty="0">
+                <a:solidFill>
+                  <a:srgbClr val="FF0000"/>
+                </a:solidFill>
+              </a:rPr>
+              <a:t>Dossier parent</a:t>
+            </a:r>
+          </a:p>
+        </p:txBody>
+      </p:sp>
+      <p:sp>
+        <p:nvSpPr>
+          <p:cNvPr id="24" name="Parenthèse ouvrante 23">
+            <a:extLst>
+              <a:ext uri="{FF2B5EF4-FFF2-40B4-BE49-F238E27FC236}">
+                <a16:creationId xmlns:a16="http://schemas.microsoft.com/office/drawing/2014/main" id="{DFE638F1-2AF2-E24C-BF4B-173FF3362A0C}"/>
+              </a:ext>
+            </a:extLst>
+          </p:cNvPr>
+          <p:cNvSpPr/>
+          <p:nvPr/>
+        </p:nvSpPr>
+        <p:spPr>
+          <a:xfrm rot="16200000">
+            <a:off x="9792961" y="3452617"/>
+            <a:ext cx="216627" cy="3786572"/>
+          </a:xfrm>
+          <a:prstGeom prst="leftBracket">
+            <a:avLst/>
+          </a:prstGeom>
+          <a:ln w="38100">
+            <a:solidFill>
+              <a:schemeClr val="accent2"/>
+            </a:solidFill>
+          </a:ln>
+        </p:spPr>
+        <p:style>
+          <a:lnRef idx="1">
+            <a:schemeClr val="accent2"/>
+          </a:lnRef>
+          <a:fillRef idx="0">
+            <a:schemeClr val="accent2"/>
+          </a:fillRef>
+          <a:effectRef idx="0">
+            <a:schemeClr val="accent2"/>
+          </a:effectRef>
+          <a:fontRef idx="minor">
+            <a:schemeClr val="tx1"/>
+          </a:fontRef>
+        </p:style>
+        <p:txBody>
+          <a:bodyPr rtlCol="0" anchor="ctr"/>
+          <a:lstStyle/>
+          <a:p>
+            <a:pPr algn="ctr"/>
+            <a:endParaRPr lang="fr-FR"/>
+          </a:p>
+        </p:txBody>
+      </p:sp>
+      <p:sp>
+        <p:nvSpPr>
+          <p:cNvPr id="25" name="ZoneTexte 24">
+            <a:extLst>
+              <a:ext uri="{FF2B5EF4-FFF2-40B4-BE49-F238E27FC236}">
+                <a16:creationId xmlns:a16="http://schemas.microsoft.com/office/drawing/2014/main" id="{ADF441EE-BEF7-BE42-959A-668CEF096E23}"/>
+              </a:ext>
+            </a:extLst>
+          </p:cNvPr>
+          <p:cNvSpPr txBox="1"/>
+          <p:nvPr/>
+        </p:nvSpPr>
+        <p:spPr>
+          <a:xfrm>
+            <a:off x="8904368" y="5433503"/>
+            <a:ext cx="3525267" cy="430887"/>
+          </a:xfrm>
+          <a:prstGeom prst="rect">
+            <a:avLst/>
+          </a:prstGeom>
+          <a:noFill/>
+        </p:spPr>
+        <p:txBody>
+          <a:bodyPr wrap="square" rtlCol="0">
+            <a:spAutoFit/>
+          </a:bodyPr>
+          <a:lstStyle/>
+          <a:p>
+            <a:r>
+              <a:rPr lang="fr-FR" sz="1100" dirty="0">
+                <a:solidFill>
+                  <a:srgbClr val="FF0000"/>
+                </a:solidFill>
+              </a:rPr>
+              <a:t>Accès au package : </a:t>
+            </a:r>
+            <a:r>
+              <a:rPr lang="fr-FR" sz="1100" i="1" dirty="0">
+                <a:solidFill>
+                  <a:srgbClr val="FF0000"/>
+                </a:solidFill>
+              </a:rPr>
+              <a:t>cd + chemin du dossier </a:t>
+            </a:r>
+            <a:r>
+              <a:rPr lang="fr-FR" sz="1100" i="1" dirty="0" err="1">
+                <a:solidFill>
+                  <a:srgbClr val="FF0000"/>
+                </a:solidFill>
+              </a:rPr>
+              <a:t>score_computing</a:t>
+            </a:r>
+            <a:endParaRPr lang="fr-FR" sz="1100" dirty="0">
+              <a:solidFill>
+                <a:srgbClr val="FF0000"/>
+              </a:solidFill>
+            </a:endParaRPr>
+          </a:p>
+        </p:txBody>
+      </p:sp>
       <mc:AlternateContent xmlns:mc="http://schemas.openxmlformats.org/markup-compatibility/2006">
         <mc:Choice xmlns:p14="http://schemas.microsoft.com/office/powerpoint/2010/main" Requires="p14">
-          <p:contentPart p14:bwMode="auto" r:id="rId6">
+          <p:contentPart p14:bwMode="auto" r:id="rId3">
             <p14:nvContentPartPr>
               <p14:cNvPr id="27" name="Encre 26">
                 <a:extLst>
@@ -5908,15 +7006,15 @@
               <p:nvPr/>
             </p:nvPicPr>
             <p:blipFill>
-              <a:blip r:embed="rId7"/>
+              <a:blip r:embed="rId4"/>
               <a:stretch>
                 <a:fillRect/>
               </a:stretch>
             </p:blipFill>
             <p:spPr>
               <a:xfrm>
-                <a:off x="8096940" y="4940306"/>
-                <a:ext cx="276120" cy="236160"/>
+                <a:off x="8096580" y="4942168"/>
+                <a:ext cx="276120" cy="232442"/>
               </a:xfrm>
               <a:prstGeom prst="rect">
                 <a:avLst/>
@@ -5927,7 +7025,7 @@
       </mc:AlternateContent>
       <mc:AlternateContent xmlns:mc="http://schemas.openxmlformats.org/markup-compatibility/2006">
         <mc:Choice xmlns:p14="http://schemas.microsoft.com/office/powerpoint/2010/main" Requires="p14">
-          <p:contentPart p14:bwMode="auto" r:id="rId8">
+          <p:contentPart p14:bwMode="auto" r:id="rId5">
             <p14:nvContentPartPr>
               <p14:cNvPr id="28" name="Encre 27">
                 <a:extLst>
@@ -5959,14 +7057,14 @@
               <p:nvPr/>
             </p:nvPicPr>
             <p:blipFill>
-              <a:blip r:embed="rId9"/>
+              <a:blip r:embed="rId6"/>
               <a:stretch>
                 <a:fillRect/>
               </a:stretch>
             </p:blipFill>
             <p:spPr>
               <a:xfrm>
-                <a:off x="8106660" y="3531626"/>
+                <a:off x="8106300" y="3531266"/>
                 <a:ext cx="276840" cy="240120"/>
               </a:xfrm>
               <a:prstGeom prst="rect">
@@ -6060,11 +7158,11 @@
             </a:r>
             <a:r>
               <a:rPr lang="fr-FR" i="1" dirty="0" err="1"/>
-              <a:t>scrapping</a:t>
-            </a:r>
-            <a:r>
-              <a:rPr lang="fr-FR" dirty="0"/>
-              <a:t>. Après exécution en suivant les commandes suivantes, tous les </a:t>
+              <a:t>score_computing</a:t>
+            </a:r>
+            <a:r>
+              <a:rPr lang="fr-FR" dirty="0"/>
+              <a:t>. Ce code doit être lancé après avoir récupéré les </a:t>
             </a:r>
             <a:r>
               <a:rPr lang="fr-FR" dirty="0" err="1"/>
@@ -6072,73 +7170,31 @@
             </a:r>
             <a:r>
               <a:rPr lang="fr-FR" dirty="0"/>
-              <a:t> de la FOMC à partir de la date renseignée par l'utilisateur dans le script jusqu’aux derniers publiés. Détails dans le fichier </a:t>
+              <a:t> dans la phase précédente sous un fichier csv. Le </a:t>
             </a:r>
             <a:r>
               <a:rPr lang="fr-FR" dirty="0" err="1"/>
-              <a:t>README.md</a:t>
-            </a:r>
-            <a:r>
-              <a:rPr lang="fr-FR" dirty="0"/>
-              <a:t>.</a:t>
-            </a:r>
-          </a:p>
-        </p:txBody>
-      </p:sp>
-    </p:spTree>
-    <p:extLst>
-      <p:ext uri="{BB962C8B-B14F-4D97-AF65-F5344CB8AC3E}">
-        <p14:creationId xmlns:p14="http://schemas.microsoft.com/office/powerpoint/2010/main" val="3213027875"/>
-      </p:ext>
-    </p:extLst>
-  </p:cSld>
-  <p:clrMapOvr>
-    <a:masterClrMapping/>
-  </p:clrMapOvr>
-</p:sld>
-</file>
-
-<file path=ppt/slides/slide4.xml><?xml version="1.0" encoding="utf-8"?>
-<p:sld xmlns:a="http://schemas.openxmlformats.org/drawingml/2006/main" xmlns:r="http://schemas.openxmlformats.org/officeDocument/2006/relationships" xmlns:p="http://schemas.openxmlformats.org/presentationml/2006/main">
-  <p:cSld>
-    <p:spTree>
-      <p:nvGrpSpPr>
-        <p:cNvPr id="1" name=""/>
-        <p:cNvGrpSpPr/>
-        <p:nvPr/>
-      </p:nvGrpSpPr>
-      <p:grpSpPr>
-        <a:xfrm>
-          <a:off x="0" y="0"/>
-          <a:ext cx="0" cy="0"/>
-          <a:chOff x="0" y="0"/>
-          <a:chExt cx="0" cy="0"/>
-        </a:xfrm>
-      </p:grpSpPr>
-      <p:sp>
-        <p:nvSpPr>
-          <p:cNvPr id="2" name="Titre 1">
-            <a:extLst>
-              <a:ext uri="{FF2B5EF4-FFF2-40B4-BE49-F238E27FC236}">
-                <a16:creationId xmlns:a16="http://schemas.microsoft.com/office/drawing/2014/main" id="{DD79E3F6-1AA4-4F44-83C3-B184B696107A}"/>
-              </a:ext>
-            </a:extLst>
-          </p:cNvPr>
-          <p:cNvSpPr>
-            <a:spLocks noGrp="1"/>
-          </p:cNvSpPr>
-          <p:nvPr>
-            <p:ph type="title"/>
-          </p:nvPr>
-        </p:nvSpPr>
-        <p:spPr/>
-        <p:txBody>
-          <a:bodyPr/>
-          <a:lstStyle/>
-          <a:p>
-            <a:r>
-              <a:rPr lang="fr-FR" dirty="0"/>
-              <a:t>LDA : pistes et commentaires</a:t>
+              <a:t>dataset</a:t>
+            </a:r>
+            <a:r>
+              <a:rPr lang="fr-FR" dirty="0"/>
+              <a:t> final est celui des </a:t>
+            </a:r>
+            <a:r>
+              <a:rPr lang="fr-FR" dirty="0" err="1"/>
+              <a:t>transcripts</a:t>
+            </a:r>
+            <a:r>
+              <a:rPr lang="fr-FR" dirty="0"/>
+              <a:t> complétés par leurs scores pour chaque </a:t>
+            </a:r>
+            <a:r>
+              <a:rPr lang="fr-FR" dirty="0" err="1"/>
+              <a:t>statement</a:t>
+            </a:r>
+            <a:r>
+              <a:rPr lang="fr-FR" dirty="0"/>
+              <a:t>. </a:t>
             </a:r>
           </a:p>
         </p:txBody>
@@ -6148,7 +7204,7 @@
           <p:cNvPr id="3" name="ZoneTexte 2">
             <a:extLst>
               <a:ext uri="{FF2B5EF4-FFF2-40B4-BE49-F238E27FC236}">
-                <a16:creationId xmlns:a16="http://schemas.microsoft.com/office/drawing/2014/main" id="{EEDC96D9-AF72-1542-B51C-DC6554D2924F}"/>
+                <a16:creationId xmlns:a16="http://schemas.microsoft.com/office/drawing/2014/main" id="{1F313C38-8FCF-6C40-88CC-61DA7EF17826}"/>
               </a:ext>
             </a:extLst>
           </p:cNvPr>
@@ -6157,8 +7213,8 @@
         </p:nvSpPr>
         <p:spPr>
           <a:xfrm>
-            <a:off x="1600200" y="2297251"/>
-            <a:ext cx="7520940" cy="3693319"/>
+            <a:off x="10647980" y="4928046"/>
+            <a:ext cx="2339301" cy="276999"/>
           </a:xfrm>
           <a:prstGeom prst="rect">
             <a:avLst/>
@@ -6171,136 +7227,101 @@
           </a:bodyPr>
           <a:lstStyle/>
           <a:p>
-            <a:pPr marL="285750" indent="-285750">
-              <a:buFont typeface="Wingdings" pitchFamily="2" charset="2"/>
-              <a:buChar char="Ø"/>
-            </a:pPr>
-            <a:r>
-              <a:rPr lang="fr-FR" dirty="0"/>
-              <a:t>LDA sur tout le corpus en variant le nombre de topics </a:t>
-            </a:r>
-          </a:p>
-          <a:p>
-            <a:pPr marL="742950" lvl="1" indent="-285750">
-              <a:buFont typeface="Wingdings" pitchFamily="2" charset="2"/>
-              <a:buChar char="Ø"/>
-            </a:pPr>
-            <a:r>
-              <a:rPr lang="fr-FR" dirty="0"/>
-              <a:t>Approfondissement possible : nombre de topics optimal via </a:t>
-            </a:r>
-            <a:r>
-              <a:rPr lang="fr-FR" dirty="0" err="1"/>
-              <a:t>clustering</a:t>
-            </a:r>
-            <a:r>
-              <a:rPr lang="fr-FR" dirty="0"/>
-              <a:t> T-SNE/K-</a:t>
-            </a:r>
-            <a:r>
-              <a:rPr lang="fr-FR" dirty="0" err="1"/>
-              <a:t>means</a:t>
-            </a:r>
-            <a:r>
-              <a:rPr lang="fr-FR" dirty="0"/>
-              <a:t> après l’approche </a:t>
-            </a:r>
-            <a:r>
-              <a:rPr lang="fr-FR" i="1" dirty="0"/>
-              <a:t>bag of </a:t>
-            </a:r>
-            <a:r>
-              <a:rPr lang="fr-FR" i="1" dirty="0" err="1"/>
-              <a:t>words</a:t>
-            </a:r>
-            <a:r>
-              <a:rPr lang="fr-FR" i="1" dirty="0"/>
-              <a:t> </a:t>
-            </a:r>
-            <a:r>
-              <a:rPr lang="fr-FR" dirty="0"/>
-              <a:t>avec TF-</a:t>
-            </a:r>
-            <a:r>
-              <a:rPr lang="fr-FR" dirty="0" err="1"/>
-              <a:t>idf</a:t>
-            </a:r>
-            <a:endParaRPr lang="fr-FR" dirty="0"/>
-          </a:p>
-          <a:p>
-            <a:pPr lvl="1"/>
-            <a:endParaRPr lang="fr-FR" dirty="0"/>
-          </a:p>
-          <a:p>
-            <a:pPr marL="285750" indent="-285750">
-              <a:buFont typeface="Wingdings" pitchFamily="2" charset="2"/>
-              <a:buChar char="Ø"/>
-            </a:pPr>
-            <a:r>
-              <a:rPr lang="fr-FR" dirty="0"/>
-              <a:t>LDA par chair et sur les personnes en tandem entre deux chairs</a:t>
-            </a:r>
-          </a:p>
-          <a:p>
-            <a:pPr marL="742950" lvl="1" indent="-285750">
-              <a:buFont typeface="Wingdings" pitchFamily="2" charset="2"/>
-              <a:buChar char="Ø"/>
-            </a:pPr>
-            <a:r>
-              <a:rPr lang="fr-FR" dirty="0"/>
-              <a:t>Observation via </a:t>
-            </a:r>
-            <a:r>
-              <a:rPr lang="fr-FR" dirty="0" err="1"/>
-              <a:t>pyLDAvis</a:t>
-            </a:r>
-            <a:r>
-              <a:rPr lang="fr-FR" dirty="0"/>
-              <a:t> d’un possible impact (apparition ou disparition d’un topic conséquent)</a:t>
-            </a:r>
-          </a:p>
-          <a:p>
-            <a:pPr marL="742950" lvl="1" indent="-285750">
-              <a:buFont typeface="Wingdings" pitchFamily="2" charset="2"/>
-              <a:buChar char="Ø"/>
-            </a:pPr>
-            <a:r>
-              <a:rPr lang="fr-FR" dirty="0"/>
-              <a:t>Critique : corpus trop petit, donc résultats non statistiquement significatifs, à voir sur le point suivant</a:t>
-            </a:r>
-          </a:p>
-          <a:p>
-            <a:pPr lvl="1"/>
-            <a:endParaRPr lang="fr-FR" dirty="0"/>
-          </a:p>
-          <a:p>
-            <a:pPr marL="285750" indent="-285750">
-              <a:buFont typeface="Wingdings" pitchFamily="2" charset="2"/>
-              <a:buChar char="Ø"/>
-            </a:pPr>
-            <a:r>
-              <a:rPr lang="fr-FR" dirty="0"/>
-              <a:t>LDA sur tout le corpus, observation de la fréquence des topics par chair </a:t>
-            </a:r>
-          </a:p>
-          <a:p>
-            <a:pPr marL="742950" lvl="1" indent="-285750">
-              <a:buFont typeface="Wingdings" pitchFamily="2" charset="2"/>
-              <a:buChar char="Ø"/>
-            </a:pPr>
-            <a:r>
-              <a:rPr lang="fr-FR" dirty="0"/>
-              <a:t>Ouverture : observation des fréquences pour les personnes entre deux chairs des topics obtenus sur « tout le corpus »</a:t>
-            </a:r>
-          </a:p>
-        </p:txBody>
-      </p:sp>
-      <p:sp>
-        <p:nvSpPr>
-          <p:cNvPr id="4" name="ZoneTexte 3">
-            <a:extLst>
-              <a:ext uri="{FF2B5EF4-FFF2-40B4-BE49-F238E27FC236}">
-                <a16:creationId xmlns:a16="http://schemas.microsoft.com/office/drawing/2014/main" id="{4445AF2F-C310-0242-A20F-742DD3D102AB}"/>
+            <a:r>
+              <a:rPr lang="fr-FR" sz="1200" i="1" dirty="0" err="1"/>
+              <a:t>score_computing</a:t>
+            </a:r>
+            <a:endParaRPr lang="fr-FR" sz="1200" i="1" dirty="0"/>
+          </a:p>
+        </p:txBody>
+      </p:sp>
+      <mc:AlternateContent xmlns:mc="http://schemas.openxmlformats.org/markup-compatibility/2006">
+        <mc:Choice xmlns:p14="http://schemas.microsoft.com/office/powerpoint/2010/main" Requires="p14">
+          <p:contentPart p14:bwMode="auto" r:id="rId7">
+            <p14:nvContentPartPr>
+              <p14:cNvPr id="11" name="Encre 10">
+                <a:extLst>
+                  <a:ext uri="{FF2B5EF4-FFF2-40B4-BE49-F238E27FC236}">
+                    <a16:creationId xmlns:a16="http://schemas.microsoft.com/office/drawing/2014/main" id="{0937918F-42BB-8044-A7DF-9D33F82B44AB}"/>
+                  </a:ext>
+                </a:extLst>
+              </p14:cNvPr>
+              <p14:cNvContentPartPr/>
+              <p14:nvPr/>
+            </p14:nvContentPartPr>
+            <p14:xfrm>
+              <a:off x="8372174" y="5048726"/>
+              <a:ext cx="3583800" cy="35640"/>
+            </p14:xfrm>
+          </p:contentPart>
+        </mc:Choice>
+        <mc:Fallback>
+          <p:pic>
+            <p:nvPicPr>
+              <p:cNvPr id="11" name="Encre 10">
+                <a:extLst>
+                  <a:ext uri="{FF2B5EF4-FFF2-40B4-BE49-F238E27FC236}">
+                    <a16:creationId xmlns:a16="http://schemas.microsoft.com/office/drawing/2014/main" id="{0937918F-42BB-8044-A7DF-9D33F82B44AB}"/>
+                  </a:ext>
+                </a:extLst>
+              </p:cNvPr>
+              <p:cNvPicPr/>
+              <p:nvPr/>
+            </p:nvPicPr>
+            <p:blipFill>
+              <a:blip r:embed="rId8"/>
+              <a:stretch>
+                <a:fillRect/>
+              </a:stretch>
+            </p:blipFill>
+            <p:spPr>
+              <a:xfrm>
+                <a:off x="8318174" y="4940726"/>
+                <a:ext cx="3691440" cy="251280"/>
+              </a:xfrm>
+              <a:prstGeom prst="rect">
+                <a:avLst/>
+              </a:prstGeom>
+            </p:spPr>
+          </p:pic>
+        </mc:Fallback>
+      </mc:AlternateContent>
+      <p:pic>
+        <p:nvPicPr>
+          <p:cNvPr id="9" name="Image 8" descr="Une image contenant texte&#10;&#10;Description générée automatiquement">
+            <a:extLst>
+              <a:ext uri="{FF2B5EF4-FFF2-40B4-BE49-F238E27FC236}">
+                <a16:creationId xmlns:a16="http://schemas.microsoft.com/office/drawing/2014/main" id="{0ADEA8E3-3C43-A446-A27E-C3A83BDC9134}"/>
+              </a:ext>
+            </a:extLst>
+          </p:cNvPr>
+          <p:cNvPicPr>
+            <a:picLocks noChangeAspect="1"/>
+          </p:cNvPicPr>
+          <p:nvPr/>
+        </p:nvPicPr>
+        <p:blipFill>
+          <a:blip r:embed="rId9"/>
+          <a:stretch>
+            <a:fillRect/>
+          </a:stretch>
+        </p:blipFill>
+        <p:spPr>
+          <a:xfrm>
+            <a:off x="564609" y="5144516"/>
+            <a:ext cx="4446819" cy="1558372"/>
+          </a:xfrm>
+          <a:prstGeom prst="rect">
+            <a:avLst/>
+          </a:prstGeom>
+        </p:spPr>
+      </p:pic>
+      <p:sp>
+        <p:nvSpPr>
+          <p:cNvPr id="22" name="ZoneTexte 21">
+            <a:extLst>
+              <a:ext uri="{FF2B5EF4-FFF2-40B4-BE49-F238E27FC236}">
+                <a16:creationId xmlns:a16="http://schemas.microsoft.com/office/drawing/2014/main" id="{975EE5FB-5D88-8541-9FB1-1D3A2F013539}"/>
               </a:ext>
             </a:extLst>
           </p:cNvPr>
@@ -6309,8 +7330,8 @@
         </p:nvSpPr>
         <p:spPr>
           <a:xfrm>
-            <a:off x="963930" y="1523048"/>
-            <a:ext cx="10389870" cy="646331"/>
+            <a:off x="5113559" y="2412677"/>
+            <a:ext cx="6240241" cy="646331"/>
           </a:xfrm>
           <a:prstGeom prst="rect">
             <a:avLst/>
@@ -6325,37 +7346,76 @@
           <a:p>
             <a:r>
               <a:rPr lang="fr-FR" dirty="0"/>
-              <a:t>Perspective : topic </a:t>
+              <a:t>Scores implémentés : </a:t>
             </a:r>
             <a:r>
               <a:rPr lang="fr-FR" dirty="0" err="1"/>
-              <a:t>modelling</a:t>
-            </a:r>
-            <a:r>
-              <a:rPr lang="fr-FR" dirty="0"/>
-              <a:t> et influence des chairs/chairman/audience ?</a:t>
-            </a:r>
-          </a:p>
-          <a:p>
-            <a:r>
-              <a:rPr lang="fr-FR" dirty="0"/>
-              <a:t>Ouverture : autre technique de topic </a:t>
+              <a:t>positivity</a:t>
+            </a:r>
+            <a:r>
+              <a:rPr lang="fr-FR" dirty="0"/>
+              <a:t>, </a:t>
             </a:r>
             <a:r>
               <a:rPr lang="fr-FR" dirty="0" err="1"/>
-              <a:t>modelling</a:t>
-            </a:r>
-            <a:r>
-              <a:rPr lang="fr-FR" dirty="0"/>
-              <a:t> NMF en annexe dans les résultats</a:t>
-            </a:r>
+              <a:t>uncertainty</a:t>
+            </a:r>
+            <a:r>
+              <a:rPr lang="fr-FR" dirty="0"/>
+              <a:t>, </a:t>
+            </a:r>
+            <a:r>
+              <a:rPr lang="fr-FR" dirty="0" err="1"/>
+              <a:t>econo</a:t>
+            </a:r>
+            <a:r>
+              <a:rPr lang="fr-FR" dirty="0"/>
+              <a:t>, </a:t>
+            </a:r>
+            <a:r>
+              <a:rPr lang="fr-FR" dirty="0" err="1"/>
+              <a:t>hostility</a:t>
+            </a:r>
+            <a:r>
+              <a:rPr lang="fr-FR" dirty="0"/>
+              <a:t>, </a:t>
+            </a:r>
+            <a:r>
+              <a:rPr lang="fr-FR" dirty="0" err="1"/>
+              <a:t>academic</a:t>
+            </a:r>
+            <a:r>
+              <a:rPr lang="fr-FR" dirty="0"/>
+              <a:t>, </a:t>
+            </a:r>
+            <a:r>
+              <a:rPr lang="fr-FR" dirty="0" err="1"/>
+              <a:t>virtue</a:t>
+            </a:r>
+            <a:r>
+              <a:rPr lang="fr-FR" dirty="0"/>
+              <a:t> and vice, </a:t>
+            </a:r>
+            <a:r>
+              <a:rPr lang="fr-FR" dirty="0" err="1"/>
+              <a:t>hawkish</a:t>
+            </a:r>
+            <a:r>
+              <a:rPr lang="fr-FR" dirty="0"/>
+              <a:t>/</a:t>
+            </a:r>
+            <a:r>
+              <a:rPr lang="fr-FR" dirty="0" err="1"/>
+              <a:t>dovish</a:t>
+            </a:r>
+            <a:endParaRPr lang="fr-FR" dirty="0"/>
           </a:p>
         </p:txBody>
       </p:sp>
     </p:spTree>
     <p:extLst>
       <p:ext uri="{BB962C8B-B14F-4D97-AF65-F5344CB8AC3E}">
-        <p14:creationId xmlns:p14="http://schemas.microsoft.com/office/powerpoint/2010/main" val="4281355013"/>
+        <p14:creationId xmlns:p14="http://schemas.microsoft.com/office/powerpoint/2010/main" val="1341256157"/>
       </p:ext>
     </p:extLst>
   </p:cSld>
@@ -6387,7 +7447,7 @@
           <p:cNvPr id="2" name="Titre 1">
             <a:extLst>
               <a:ext uri="{FF2B5EF4-FFF2-40B4-BE49-F238E27FC236}">
-                <a16:creationId xmlns:a16="http://schemas.microsoft.com/office/drawing/2014/main" id="{3571F014-62C6-DE4E-82AE-F9FF1BBA657B}"/>
+                <a16:creationId xmlns:a16="http://schemas.microsoft.com/office/drawing/2014/main" id="{DD79E3F6-1AA4-4F44-83C3-B184B696107A}"/>
               </a:ext>
             </a:extLst>
           </p:cNvPr>
@@ -6410,52 +7470,22 @@
           </a:p>
         </p:txBody>
       </p:sp>
-      <p:pic>
-        <p:nvPicPr>
-          <p:cNvPr id="3" name="Image 2">
-            <a:extLst>
-              <a:ext uri="{FF2B5EF4-FFF2-40B4-BE49-F238E27FC236}">
-                <a16:creationId xmlns:a16="http://schemas.microsoft.com/office/drawing/2014/main" id="{97E65ABC-0A87-7443-9BB0-CFB087A27CEF}"/>
-              </a:ext>
-            </a:extLst>
-          </p:cNvPr>
-          <p:cNvPicPr>
-            <a:picLocks noChangeAspect="1"/>
-          </p:cNvPicPr>
+      <p:sp>
+        <p:nvSpPr>
+          <p:cNvPr id="3" name="ZoneTexte 2">
+            <a:extLst>
+              <a:ext uri="{FF2B5EF4-FFF2-40B4-BE49-F238E27FC236}">
+                <a16:creationId xmlns:a16="http://schemas.microsoft.com/office/drawing/2014/main" id="{EEDC96D9-AF72-1542-B51C-DC6554D2924F}"/>
+              </a:ext>
+            </a:extLst>
+          </p:cNvPr>
+          <p:cNvSpPr txBox="1"/>
           <p:nvPr/>
-        </p:nvPicPr>
-        <p:blipFill>
-          <a:blip r:embed="rId2"/>
-          <a:stretch>
-            <a:fillRect/>
-          </a:stretch>
-        </p:blipFill>
+        </p:nvSpPr>
         <p:spPr>
           <a:xfrm>
-            <a:off x="2941320" y="1585137"/>
-            <a:ext cx="7713385" cy="4907738"/>
-          </a:xfrm>
-          <a:prstGeom prst="rect">
-            <a:avLst/>
-          </a:prstGeom>
-        </p:spPr>
-      </p:pic>
-      <p:sp>
-        <p:nvSpPr>
-          <p:cNvPr id="4" name="ZoneTexte 3">
-            <a:extLst>
-              <a:ext uri="{FF2B5EF4-FFF2-40B4-BE49-F238E27FC236}">
-                <a16:creationId xmlns:a16="http://schemas.microsoft.com/office/drawing/2014/main" id="{AA3777CE-5F60-1243-88A3-6441BDC0E21E}"/>
-              </a:ext>
-            </a:extLst>
-          </p:cNvPr>
-          <p:cNvSpPr txBox="1"/>
-          <p:nvPr/>
-        </p:nvSpPr>
-        <p:spPr>
-          <a:xfrm>
-            <a:off x="211414" y="1690688"/>
-            <a:ext cx="2729906" cy="4524315"/>
+            <a:off x="1600200" y="2297251"/>
+            <a:ext cx="7520940" cy="3693319"/>
           </a:xfrm>
           <a:prstGeom prst="rect">
             <a:avLst/>
@@ -6468,58 +7498,161 @@
           </a:bodyPr>
           <a:lstStyle/>
           <a:p>
-            <a:r>
-              <a:rPr lang="fr-FR" dirty="0"/>
-              <a:t>LDA sur un extrait de corpus (5000 lignes)</a:t>
-            </a:r>
-          </a:p>
-          <a:p>
+            <a:pPr marL="285750" indent="-285750">
+              <a:buFont typeface="Wingdings" pitchFamily="2" charset="2"/>
+              <a:buChar char="Ø"/>
+            </a:pPr>
+            <a:r>
+              <a:rPr lang="fr-FR" dirty="0"/>
+              <a:t>LDA sur tout le corpus en variant le nombre de topics </a:t>
+            </a:r>
+          </a:p>
+          <a:p>
+            <a:pPr marL="742950" lvl="1" indent="-285750">
+              <a:buFont typeface="Wingdings" pitchFamily="2" charset="2"/>
+              <a:buChar char="Ø"/>
+            </a:pPr>
+            <a:r>
+              <a:rPr lang="fr-FR" dirty="0"/>
+              <a:t>Approfondissement possible : nombre de topics optimal via </a:t>
+            </a:r>
+            <a:r>
+              <a:rPr lang="fr-FR" dirty="0" err="1"/>
+              <a:t>clustering</a:t>
+            </a:r>
+            <a:r>
+              <a:rPr lang="fr-FR" dirty="0"/>
+              <a:t> T-SNE/K-</a:t>
+            </a:r>
+            <a:r>
+              <a:rPr lang="fr-FR" dirty="0" err="1"/>
+              <a:t>means</a:t>
+            </a:r>
+            <a:r>
+              <a:rPr lang="fr-FR" dirty="0"/>
+              <a:t> après l’approche </a:t>
+            </a:r>
+            <a:r>
+              <a:rPr lang="fr-FR" i="1" dirty="0"/>
+              <a:t>bag of </a:t>
+            </a:r>
+            <a:r>
+              <a:rPr lang="fr-FR" i="1" dirty="0" err="1"/>
+              <a:t>words</a:t>
+            </a:r>
+            <a:r>
+              <a:rPr lang="fr-FR" i="1" dirty="0"/>
+              <a:t> </a:t>
+            </a:r>
+            <a:r>
+              <a:rPr lang="fr-FR" dirty="0"/>
+              <a:t>avec TF-</a:t>
+            </a:r>
+            <a:r>
+              <a:rPr lang="fr-FR" dirty="0" err="1"/>
+              <a:t>idf</a:t>
+            </a:r>
             <a:endParaRPr lang="fr-FR" dirty="0"/>
           </a:p>
           <a:p>
+            <a:pPr lvl="1"/>
+            <a:endParaRPr lang="fr-FR" dirty="0"/>
+          </a:p>
+          <a:p>
             <a:pPr marL="285750" indent="-285750">
-              <a:buFontTx/>
-              <a:buChar char="-"/>
+              <a:buFont typeface="Wingdings" pitchFamily="2" charset="2"/>
+              <a:buChar char="Ø"/>
             </a:pPr>
             <a:r>
               <a:rPr lang="fr-FR" dirty="0"/>
-              <a:t>3 zones dédiées à la terminologie macro</a:t>
-            </a:r>
+              <a:t>LDA par chair et sur les personnes en tandem entre deux chairs</a:t>
+            </a:r>
+          </a:p>
+          <a:p>
+            <a:pPr marL="742950" lvl="1" indent="-285750">
+              <a:buFont typeface="Wingdings" pitchFamily="2" charset="2"/>
+              <a:buChar char="Ø"/>
+            </a:pPr>
+            <a:r>
+              <a:rPr lang="fr-FR" dirty="0"/>
+              <a:t>Observation via </a:t>
+            </a:r>
+            <a:r>
+              <a:rPr lang="fr-FR" dirty="0" err="1"/>
+              <a:t>pyLDAvis</a:t>
+            </a:r>
+            <a:r>
+              <a:rPr lang="fr-FR" dirty="0"/>
+              <a:t> d’un possible impact (apparition ou disparition d’un topic conséquent)</a:t>
+            </a:r>
+          </a:p>
+          <a:p>
+            <a:pPr marL="742950" lvl="1" indent="-285750">
+              <a:buFont typeface="Wingdings" pitchFamily="2" charset="2"/>
+              <a:buChar char="Ø"/>
+            </a:pPr>
+            <a:r>
+              <a:rPr lang="fr-FR" dirty="0"/>
+              <a:t>Critique : corpus trop petit, donc résultats non statistiquement significatifs, à voir sur le point suivant</a:t>
+            </a:r>
+          </a:p>
+          <a:p>
+            <a:pPr lvl="1"/>
+            <a:endParaRPr lang="fr-FR" dirty="0"/>
           </a:p>
           <a:p>
             <a:pPr marL="285750" indent="-285750">
-              <a:buFontTx/>
-              <a:buChar char="-"/>
+              <a:buFont typeface="Wingdings" pitchFamily="2" charset="2"/>
+              <a:buChar char="Ø"/>
             </a:pPr>
             <a:r>
               <a:rPr lang="fr-FR" dirty="0"/>
-              <a:t>2 zones correspondant à la structure de la réunion (tours de parole etc.)</a:t>
-            </a:r>
-          </a:p>
-          <a:p>
-            <a:pPr marL="285750" indent="-285750">
-              <a:buFontTx/>
-              <a:buChar char="-"/>
+              <a:t>LDA sur tout le corpus, observation de la fréquence des topics par chair </a:t>
+            </a:r>
+          </a:p>
+          <a:p>
+            <a:pPr marL="742950" lvl="1" indent="-285750">
+              <a:buFont typeface="Wingdings" pitchFamily="2" charset="2"/>
+              <a:buChar char="Ø"/>
             </a:pPr>
-            <a:endParaRPr lang="fr-FR" dirty="0"/>
-          </a:p>
-          <a:p>
-            <a:pPr marL="285750" indent="-285750">
-              <a:buFontTx/>
-              <a:buChar char="-"/>
-            </a:pPr>
-            <a:endParaRPr lang="fr-FR" dirty="0"/>
-          </a:p>
-          <a:p>
-            <a:r>
-              <a:rPr lang="fr-FR" dirty="0"/>
-              <a:t>Problème à explorer : </a:t>
-            </a:r>
-          </a:p>
-          <a:p>
-            <a:r>
-              <a:rPr lang="fr-FR" dirty="0"/>
-              <a:t>Choix de la bonne métrique pour évaluer la pertinence d’un topic </a:t>
+            <a:r>
+              <a:rPr lang="fr-FR" dirty="0"/>
+              <a:t>Ouverture : observation des fréquences pour les personnes entre deux chairs des topics obtenus sur « tout le corpus »</a:t>
+            </a:r>
+          </a:p>
+        </p:txBody>
+      </p:sp>
+      <p:sp>
+        <p:nvSpPr>
+          <p:cNvPr id="4" name="ZoneTexte 3">
+            <a:extLst>
+              <a:ext uri="{FF2B5EF4-FFF2-40B4-BE49-F238E27FC236}">
+                <a16:creationId xmlns:a16="http://schemas.microsoft.com/office/drawing/2014/main" id="{4445AF2F-C310-0242-A20F-742DD3D102AB}"/>
+              </a:ext>
+            </a:extLst>
+          </p:cNvPr>
+          <p:cNvSpPr txBox="1"/>
+          <p:nvPr/>
+        </p:nvSpPr>
+        <p:spPr>
+          <a:xfrm>
+            <a:off x="963930" y="1523048"/>
+            <a:ext cx="10389870" cy="646331"/>
+          </a:xfrm>
+          <a:prstGeom prst="rect">
+            <a:avLst/>
+          </a:prstGeom>
+          <a:noFill/>
+        </p:spPr>
+        <p:txBody>
+          <a:bodyPr wrap="square" rtlCol="0">
+            <a:spAutoFit/>
+          </a:bodyPr>
+          <a:lstStyle/>
+          <a:p>
+            <a:r>
+              <a:rPr lang="fr-FR" dirty="0"/>
+              <a:t>Perspective : topic </a:t>
             </a:r>
             <a:r>
               <a:rPr lang="fr-FR" dirty="0" err="1"/>
@@ -6527,7 +7660,21 @@
             </a:r>
             <a:r>
               <a:rPr lang="fr-FR" dirty="0"/>
-              <a:t> </a:t>
+              <a:t> et influence des chairs/chairman/audience ?</a:t>
+            </a:r>
+          </a:p>
+          <a:p>
+            <a:r>
+              <a:rPr lang="fr-FR" dirty="0"/>
+              <a:t>Ouverture : autre technique de topic </a:t>
+            </a:r>
+            <a:r>
+              <a:rPr lang="fr-FR" dirty="0" err="1"/>
+              <a:t>modelling</a:t>
+            </a:r>
+            <a:r>
+              <a:rPr lang="fr-FR" dirty="0"/>
+              <a:t> NMF en annexe dans les résultats</a:t>
             </a:r>
           </a:p>
         </p:txBody>
@@ -6535,7 +7682,7 @@
     </p:spTree>
     <p:extLst>
       <p:ext uri="{BB962C8B-B14F-4D97-AF65-F5344CB8AC3E}">
-        <p14:creationId xmlns:p14="http://schemas.microsoft.com/office/powerpoint/2010/main" val="2235630758"/>
+        <p14:creationId xmlns:p14="http://schemas.microsoft.com/office/powerpoint/2010/main" val="4281355013"/>
       </p:ext>
     </p:extLst>
   </p:cSld>
@@ -6590,6 +7737,36 @@
           </a:p>
         </p:txBody>
       </p:sp>
+      <p:pic>
+        <p:nvPicPr>
+          <p:cNvPr id="3" name="Image 2">
+            <a:extLst>
+              <a:ext uri="{FF2B5EF4-FFF2-40B4-BE49-F238E27FC236}">
+                <a16:creationId xmlns:a16="http://schemas.microsoft.com/office/drawing/2014/main" id="{97E65ABC-0A87-7443-9BB0-CFB087A27CEF}"/>
+              </a:ext>
+            </a:extLst>
+          </p:cNvPr>
+          <p:cNvPicPr>
+            <a:picLocks noChangeAspect="1"/>
+          </p:cNvPicPr>
+          <p:nvPr/>
+        </p:nvPicPr>
+        <p:blipFill>
+          <a:blip r:embed="rId2"/>
+          <a:stretch>
+            <a:fillRect/>
+          </a:stretch>
+        </p:blipFill>
+        <p:spPr>
+          <a:xfrm>
+            <a:off x="2941320" y="1585137"/>
+            <a:ext cx="7713385" cy="4907738"/>
+          </a:xfrm>
+          <a:prstGeom prst="rect">
+            <a:avLst/>
+          </a:prstGeom>
+        </p:spPr>
+      </p:pic>
       <p:sp>
         <p:nvSpPr>
           <p:cNvPr id="4" name="ZoneTexte 3">
@@ -6604,8 +7781,8 @@
         </p:nvSpPr>
         <p:spPr>
           <a:xfrm>
-            <a:off x="2291674" y="1413689"/>
-            <a:ext cx="7894996" cy="646331"/>
+            <a:off x="211414" y="1690688"/>
+            <a:ext cx="2729906" cy="4524315"/>
           </a:xfrm>
           <a:prstGeom prst="rect">
             <a:avLst/>
@@ -6620,762 +7797,72 @@
           <a:p>
             <a:r>
               <a:rPr lang="fr-FR" dirty="0"/>
-              <a:t>De la </a:t>
-            </a:r>
-            <a:r>
-              <a:rPr lang="fr-FR" b="1" dirty="0"/>
-              <a:t>chair Greenspan : </a:t>
-            </a:r>
-            <a:r>
-              <a:rPr lang="fr-FR" dirty="0"/>
-              <a:t>évolution au passage à </a:t>
-            </a:r>
-            <a:r>
-              <a:rPr lang="fr-FR" b="1" dirty="0" err="1"/>
-              <a:t>Bernanke</a:t>
-            </a:r>
-            <a:r>
-              <a:rPr lang="fr-FR" dirty="0"/>
-              <a:t> ?</a:t>
-            </a:r>
-          </a:p>
-          <a:p>
-            <a:r>
-              <a:rPr lang="fr-FR" dirty="0"/>
-              <a:t>LDA sur  les individus à cheval sur les deux mandats. </a:t>
-            </a:r>
-          </a:p>
-        </p:txBody>
-      </p:sp>
-      <p:pic>
-        <p:nvPicPr>
-          <p:cNvPr id="6" name="Image 5">
-            <a:extLst>
-              <a:ext uri="{FF2B5EF4-FFF2-40B4-BE49-F238E27FC236}">
-                <a16:creationId xmlns:a16="http://schemas.microsoft.com/office/drawing/2014/main" id="{8980C410-4F58-D343-B4A3-DE16B4FADC55}"/>
-              </a:ext>
-            </a:extLst>
-          </p:cNvPr>
-          <p:cNvPicPr>
-            <a:picLocks noChangeAspect="1"/>
-          </p:cNvPicPr>
-          <p:nvPr/>
-        </p:nvPicPr>
-        <p:blipFill rotWithShape="1">
-          <a:blip r:embed="rId2"/>
-          <a:srcRect r="50889"/>
-          <a:stretch/>
-        </p:blipFill>
-        <p:spPr>
-          <a:xfrm>
-            <a:off x="1981201" y="2664413"/>
-            <a:ext cx="4114799" cy="3514546"/>
-          </a:xfrm>
-          <a:prstGeom prst="rect">
-            <a:avLst/>
-          </a:prstGeom>
-        </p:spPr>
-      </p:pic>
-      <p:pic>
-        <p:nvPicPr>
-          <p:cNvPr id="8" name="Image 7">
-            <a:extLst>
-              <a:ext uri="{FF2B5EF4-FFF2-40B4-BE49-F238E27FC236}">
-                <a16:creationId xmlns:a16="http://schemas.microsoft.com/office/drawing/2014/main" id="{CC3FBD37-B70B-2B44-ADF2-A64896B2DFDD}"/>
-              </a:ext>
-            </a:extLst>
-          </p:cNvPr>
-          <p:cNvPicPr>
-            <a:picLocks noChangeAspect="1"/>
-          </p:cNvPicPr>
-          <p:nvPr/>
-        </p:nvPicPr>
-        <p:blipFill rotWithShape="1">
-          <a:blip r:embed="rId3"/>
-          <a:srcRect r="52120"/>
-          <a:stretch/>
-        </p:blipFill>
-        <p:spPr>
-          <a:xfrm>
-            <a:off x="8153400" y="2607263"/>
-            <a:ext cx="4114798" cy="4193587"/>
-          </a:xfrm>
-          <a:prstGeom prst="rect">
-            <a:avLst/>
-          </a:prstGeom>
-        </p:spPr>
-      </p:pic>
-      <p:sp>
-        <p:nvSpPr>
-          <p:cNvPr id="9" name="ZoneTexte 8">
-            <a:extLst>
-              <a:ext uri="{FF2B5EF4-FFF2-40B4-BE49-F238E27FC236}">
-                <a16:creationId xmlns:a16="http://schemas.microsoft.com/office/drawing/2014/main" id="{5E38C79D-7489-5147-AFF5-1BA796CBFBFC}"/>
-              </a:ext>
-            </a:extLst>
-          </p:cNvPr>
-          <p:cNvSpPr txBox="1"/>
-          <p:nvPr/>
-        </p:nvSpPr>
-        <p:spPr>
-          <a:xfrm>
-            <a:off x="382193" y="2241829"/>
-            <a:ext cx="1909481" cy="369332"/>
-          </a:xfrm>
-          <a:prstGeom prst="rect">
-            <a:avLst/>
-          </a:prstGeom>
-          <a:noFill/>
-        </p:spPr>
-        <p:txBody>
-          <a:bodyPr wrap="square" rtlCol="0">
-            <a:spAutoFit/>
-          </a:bodyPr>
-          <a:lstStyle/>
-          <a:p>
-            <a:r>
-              <a:rPr lang="fr-FR" dirty="0"/>
-              <a:t>Greenspan</a:t>
-            </a:r>
-          </a:p>
-        </p:txBody>
-      </p:sp>
-      <p:sp>
-        <p:nvSpPr>
-          <p:cNvPr id="10" name="ZoneTexte 9">
-            <a:extLst>
-              <a:ext uri="{FF2B5EF4-FFF2-40B4-BE49-F238E27FC236}">
-                <a16:creationId xmlns:a16="http://schemas.microsoft.com/office/drawing/2014/main" id="{D8A3B391-E74E-F848-A70E-9E40535672A3}"/>
-              </a:ext>
-            </a:extLst>
-          </p:cNvPr>
-          <p:cNvSpPr txBox="1"/>
-          <p:nvPr/>
-        </p:nvSpPr>
-        <p:spPr>
-          <a:xfrm>
-            <a:off x="6589061" y="2205854"/>
-            <a:ext cx="1909481" cy="369332"/>
-          </a:xfrm>
-          <a:prstGeom prst="rect">
-            <a:avLst/>
-          </a:prstGeom>
-          <a:noFill/>
-        </p:spPr>
-        <p:txBody>
-          <a:bodyPr wrap="square" rtlCol="0">
-            <a:spAutoFit/>
-          </a:bodyPr>
-          <a:lstStyle/>
-          <a:p>
+              <a:t>LDA sur un extrait de corpus (5000 lignes)</a:t>
+            </a:r>
+          </a:p>
+          <a:p>
+            <a:endParaRPr lang="fr-FR" dirty="0"/>
+          </a:p>
+          <a:p>
+            <a:pPr marL="285750" indent="-285750">
+              <a:buFontTx/>
+              <a:buChar char="-"/>
+            </a:pPr>
+            <a:r>
+              <a:rPr lang="fr-FR" dirty="0"/>
+              <a:t>3 zones dédiées à la terminologie macro</a:t>
+            </a:r>
+          </a:p>
+          <a:p>
+            <a:pPr marL="285750" indent="-285750">
+              <a:buFontTx/>
+              <a:buChar char="-"/>
+            </a:pPr>
+            <a:r>
+              <a:rPr lang="fr-FR" dirty="0"/>
+              <a:t>2 zones correspondant à la structure de la réunion (tours de parole etc.)</a:t>
+            </a:r>
+          </a:p>
+          <a:p>
+            <a:pPr marL="285750" indent="-285750">
+              <a:buFontTx/>
+              <a:buChar char="-"/>
+            </a:pPr>
+            <a:endParaRPr lang="fr-FR" dirty="0"/>
+          </a:p>
+          <a:p>
+            <a:pPr marL="285750" indent="-285750">
+              <a:buFontTx/>
+              <a:buChar char="-"/>
+            </a:pPr>
+            <a:endParaRPr lang="fr-FR" dirty="0"/>
+          </a:p>
+          <a:p>
+            <a:r>
+              <a:rPr lang="fr-FR" dirty="0"/>
+              <a:t>Problème à explorer : </a:t>
+            </a:r>
+          </a:p>
+          <a:p>
+            <a:r>
+              <a:rPr lang="fr-FR" dirty="0"/>
+              <a:t>Choix de la bonne métrique pour évaluer la pertinence d’un topic </a:t>
+            </a:r>
             <a:r>
               <a:rPr lang="fr-FR" dirty="0" err="1"/>
-              <a:t>Bernanke</a:t>
-            </a:r>
-            <a:endParaRPr lang="fr-FR" dirty="0"/>
-          </a:p>
-        </p:txBody>
-      </p:sp>
-      <p:sp>
-        <p:nvSpPr>
-          <p:cNvPr id="11" name="ZoneTexte 10">
-            <a:extLst>
-              <a:ext uri="{FF2B5EF4-FFF2-40B4-BE49-F238E27FC236}">
-                <a16:creationId xmlns:a16="http://schemas.microsoft.com/office/drawing/2014/main" id="{9C247967-EF8F-3E47-BD6A-65A3C1F71C68}"/>
-              </a:ext>
-            </a:extLst>
-          </p:cNvPr>
-          <p:cNvSpPr txBox="1"/>
-          <p:nvPr/>
-        </p:nvSpPr>
-        <p:spPr>
-          <a:xfrm>
-            <a:off x="161365" y="2796988"/>
-            <a:ext cx="1819836" cy="3970318"/>
-          </a:xfrm>
-          <a:prstGeom prst="rect">
-            <a:avLst/>
-          </a:prstGeom>
-          <a:noFill/>
-        </p:spPr>
-        <p:txBody>
-          <a:bodyPr wrap="square" rtlCol="0">
-            <a:spAutoFit/>
-          </a:bodyPr>
-          <a:lstStyle/>
-          <a:p>
-            <a:r>
-              <a:rPr lang="fr-FR" sz="1200" dirty="0"/>
-              <a:t>1 : rate </a:t>
-            </a:r>
-            <a:r>
-              <a:rPr lang="fr-FR" sz="1200" dirty="0" err="1"/>
-              <a:t>growth</a:t>
-            </a:r>
-            <a:r>
-              <a:rPr lang="fr-FR" sz="1200" dirty="0"/>
-              <a:t> percent inflation </a:t>
-            </a:r>
-            <a:r>
-              <a:rPr lang="fr-FR" sz="1200" dirty="0" err="1"/>
-              <a:t>year</a:t>
-            </a:r>
-            <a:r>
-              <a:rPr lang="fr-FR" sz="1200" dirty="0"/>
-              <a:t>  </a:t>
-            </a:r>
-            <a:r>
-              <a:rPr lang="fr-FR" sz="1200" dirty="0" err="1"/>
-              <a:t>policy</a:t>
-            </a:r>
-            <a:r>
-              <a:rPr lang="fr-FR" sz="1200" dirty="0"/>
-              <a:t> us panel </a:t>
-            </a:r>
-            <a:r>
-              <a:rPr lang="fr-FR" sz="1200" dirty="0" err="1"/>
-              <a:t>prices</a:t>
-            </a:r>
-            <a:r>
-              <a:rPr lang="fr-FR" sz="1200" dirty="0"/>
+              <a:t>modelling</a:t>
+            </a:r>
+            <a:r>
+              <a:rPr lang="fr-FR" dirty="0"/>
               <a:t> </a:t>
             </a:r>
-            <a:r>
-              <a:rPr lang="fr-FR" sz="1200" dirty="0" err="1"/>
-              <a:t>forecast</a:t>
-            </a:r>
-            <a:endParaRPr lang="fr-FR" sz="1200" dirty="0"/>
-          </a:p>
-          <a:p>
-            <a:endParaRPr lang="fr-FR" sz="1200" dirty="0"/>
-          </a:p>
-          <a:p>
-            <a:r>
-              <a:rPr lang="fr-FR" sz="1200" dirty="0"/>
-              <a:t>2 : </a:t>
-            </a:r>
-            <a:r>
-              <a:rPr lang="fr-FR" sz="1200" dirty="0" err="1"/>
-              <a:t>press</a:t>
-            </a:r>
-            <a:r>
-              <a:rPr lang="fr-FR" sz="1200" dirty="0"/>
-              <a:t> </a:t>
-            </a:r>
-            <a:r>
-              <a:rPr lang="fr-FR" sz="1200" dirty="0" err="1"/>
-              <a:t>commitee</a:t>
-            </a:r>
-            <a:r>
-              <a:rPr lang="fr-FR" sz="1200" dirty="0"/>
-              <a:t> </a:t>
-            </a:r>
-            <a:r>
-              <a:rPr lang="fr-FR" sz="1200" dirty="0" err="1"/>
-              <a:t>saving</a:t>
-            </a:r>
-            <a:r>
-              <a:rPr lang="fr-FR" sz="1200" dirty="0"/>
-              <a:t> </a:t>
-            </a:r>
-            <a:r>
-              <a:rPr lang="fr-FR" sz="1200" dirty="0" err="1"/>
-              <a:t>recall</a:t>
-            </a:r>
-            <a:r>
-              <a:rPr lang="fr-FR" sz="1200" dirty="0"/>
-              <a:t> swap </a:t>
-            </a:r>
-            <a:r>
-              <a:rPr lang="fr-FR" sz="1200" dirty="0" err="1"/>
-              <a:t>assets</a:t>
-            </a:r>
-            <a:r>
-              <a:rPr lang="fr-FR" sz="1200" dirty="0"/>
-              <a:t> figure budget break </a:t>
-            </a:r>
-            <a:r>
-              <a:rPr lang="fr-FR" sz="1200" dirty="0" err="1"/>
-              <a:t>raise</a:t>
-            </a:r>
-            <a:r>
-              <a:rPr lang="fr-FR" sz="1200" dirty="0"/>
-              <a:t> </a:t>
-            </a:r>
-            <a:r>
-              <a:rPr lang="fr-FR" sz="1200" dirty="0" err="1"/>
-              <a:t>banking</a:t>
-            </a:r>
-            <a:endParaRPr lang="fr-FR" sz="1200" dirty="0"/>
-          </a:p>
-          <a:p>
-            <a:endParaRPr lang="fr-FR" sz="1200" dirty="0"/>
-          </a:p>
-          <a:p>
-            <a:r>
-              <a:rPr lang="fr-FR" sz="1200" dirty="0"/>
-              <a:t>3: signal </a:t>
-            </a:r>
-            <a:r>
-              <a:rPr lang="fr-FR" sz="1200" dirty="0" err="1"/>
-              <a:t>recommendation</a:t>
-            </a:r>
-            <a:r>
-              <a:rPr lang="fr-FR" sz="1200" dirty="0"/>
-              <a:t> compensation </a:t>
-            </a:r>
-            <a:r>
-              <a:rPr lang="fr-FR" sz="1200" dirty="0" err="1"/>
-              <a:t>uncertainties</a:t>
-            </a:r>
-            <a:r>
-              <a:rPr lang="fr-FR" sz="1200" dirty="0"/>
-              <a:t> reports </a:t>
-            </a:r>
-            <a:r>
-              <a:rPr lang="fr-FR" sz="1200" dirty="0" err="1"/>
-              <a:t>wage</a:t>
-            </a:r>
-            <a:r>
-              <a:rPr lang="fr-FR" sz="1200" dirty="0"/>
-              <a:t> </a:t>
-            </a:r>
-            <a:r>
-              <a:rPr lang="fr-FR" sz="1200" dirty="0" err="1"/>
-              <a:t>bluebook</a:t>
-            </a:r>
-            <a:r>
-              <a:rPr lang="fr-FR" sz="1200" dirty="0"/>
-              <a:t> power </a:t>
-            </a:r>
-          </a:p>
-          <a:p>
-            <a:endParaRPr lang="fr-FR" sz="1200" dirty="0"/>
-          </a:p>
-          <a:p>
-            <a:r>
-              <a:rPr lang="fr-FR" sz="1200" dirty="0"/>
-              <a:t>4: </a:t>
-            </a:r>
-            <a:r>
-              <a:rPr lang="fr-FR" sz="1200" dirty="0" err="1"/>
-              <a:t>results</a:t>
-            </a:r>
-            <a:r>
-              <a:rPr lang="fr-FR" sz="1200" dirty="0"/>
-              <a:t> parts </a:t>
-            </a:r>
-            <a:r>
-              <a:rPr lang="fr-FR" sz="1200" dirty="0" err="1"/>
-              <a:t>series</a:t>
-            </a:r>
-            <a:r>
-              <a:rPr lang="fr-FR" sz="1200" dirty="0"/>
-              <a:t> </a:t>
-            </a:r>
-            <a:r>
-              <a:rPr lang="fr-FR" sz="1200" dirty="0" err="1"/>
-              <a:t>probability</a:t>
-            </a:r>
-            <a:r>
-              <a:rPr lang="fr-FR" sz="1200" dirty="0"/>
-              <a:t> </a:t>
-            </a:r>
-            <a:r>
-              <a:rPr lang="fr-FR" sz="1200" dirty="0" err="1"/>
-              <a:t>momentum</a:t>
-            </a:r>
-            <a:r>
-              <a:rPr lang="fr-FR" sz="1200" dirty="0"/>
-              <a:t> budget </a:t>
-            </a:r>
-            <a:r>
-              <a:rPr lang="fr-FR" sz="1200" dirty="0" err="1"/>
-              <a:t>orders</a:t>
-            </a:r>
-            <a:r>
-              <a:rPr lang="fr-FR" sz="1200" dirty="0"/>
-              <a:t> </a:t>
-            </a:r>
-          </a:p>
-          <a:p>
-            <a:br>
-              <a:rPr lang="fr-FR" sz="1200" dirty="0"/>
-            </a:br>
-            <a:r>
-              <a:rPr lang="fr-FR" sz="1200" dirty="0"/>
-              <a:t>5: </a:t>
-            </a:r>
-            <a:r>
-              <a:rPr lang="fr-FR" sz="1200" dirty="0" err="1"/>
-              <a:t>previous</a:t>
-            </a:r>
-            <a:r>
-              <a:rPr lang="fr-FR" sz="1200" dirty="0"/>
-              <a:t> </a:t>
-            </a:r>
-            <a:r>
-              <a:rPr lang="fr-FR" sz="1200" dirty="0" err="1"/>
-              <a:t>maintain</a:t>
-            </a:r>
-            <a:r>
-              <a:rPr lang="fr-FR" sz="1200" dirty="0"/>
-              <a:t> lead record </a:t>
-            </a:r>
-            <a:r>
-              <a:rPr lang="fr-FR" sz="1200" dirty="0" err="1"/>
-              <a:t>reserves</a:t>
-            </a:r>
-            <a:r>
-              <a:rPr lang="fr-FR" sz="1200" dirty="0"/>
-              <a:t> </a:t>
-            </a:r>
-            <a:r>
-              <a:rPr lang="fr-FR" sz="1200" dirty="0" err="1"/>
-              <a:t>product</a:t>
-            </a:r>
-            <a:r>
-              <a:rPr lang="fr-FR" sz="1200" dirty="0"/>
-              <a:t> export </a:t>
-            </a:r>
-            <a:r>
-              <a:rPr lang="fr-FR" sz="1200" dirty="0" err="1"/>
-              <a:t>consequence</a:t>
-            </a:r>
-            <a:r>
-              <a:rPr lang="fr-FR" sz="1200" dirty="0"/>
-              <a:t> </a:t>
-            </a:r>
-          </a:p>
-        </p:txBody>
-      </p:sp>
-      <p:sp>
-        <p:nvSpPr>
-          <p:cNvPr id="12" name="ZoneTexte 11">
-            <a:extLst>
-              <a:ext uri="{FF2B5EF4-FFF2-40B4-BE49-F238E27FC236}">
-                <a16:creationId xmlns:a16="http://schemas.microsoft.com/office/drawing/2014/main" id="{7F9B0025-100F-8A4F-A4D5-0B6837D74737}"/>
-              </a:ext>
-            </a:extLst>
-          </p:cNvPr>
-          <p:cNvSpPr txBox="1"/>
-          <p:nvPr/>
-        </p:nvSpPr>
-        <p:spPr>
-          <a:xfrm>
-            <a:off x="6096000" y="2739252"/>
-            <a:ext cx="2097741" cy="4154984"/>
-          </a:xfrm>
-          <a:prstGeom prst="rect">
-            <a:avLst/>
-          </a:prstGeom>
-          <a:noFill/>
-        </p:spPr>
-        <p:txBody>
-          <a:bodyPr wrap="square" rtlCol="0">
-            <a:spAutoFit/>
-          </a:bodyPr>
-          <a:lstStyle/>
-          <a:p>
-            <a:r>
-              <a:rPr lang="fr-FR" sz="1200" dirty="0"/>
-              <a:t>1 : rate inflation </a:t>
-            </a:r>
-            <a:r>
-              <a:rPr lang="fr-FR" sz="1200" dirty="0" err="1"/>
-              <a:t>market</a:t>
-            </a:r>
-            <a:r>
-              <a:rPr lang="fr-FR" sz="1200" dirty="0"/>
-              <a:t> </a:t>
-            </a:r>
-            <a:r>
-              <a:rPr lang="fr-FR" sz="1200" dirty="0" err="1"/>
-              <a:t>funds</a:t>
-            </a:r>
-            <a:r>
-              <a:rPr lang="fr-FR" sz="1200" dirty="0"/>
-              <a:t> </a:t>
-            </a:r>
-            <a:r>
-              <a:rPr lang="fr-FR" sz="1200" dirty="0" err="1"/>
-              <a:t>federal</a:t>
-            </a:r>
-            <a:r>
-              <a:rPr lang="fr-FR" sz="1200" dirty="0"/>
-              <a:t> </a:t>
-            </a:r>
-            <a:r>
-              <a:rPr lang="fr-FR" sz="1200" dirty="0" err="1"/>
-              <a:t>reserve</a:t>
-            </a:r>
-            <a:r>
-              <a:rPr lang="fr-FR" sz="1200" dirty="0"/>
-              <a:t> </a:t>
-            </a:r>
-            <a:r>
-              <a:rPr lang="fr-FR" sz="1200" dirty="0" err="1"/>
-              <a:t>securities</a:t>
-            </a:r>
-            <a:r>
-              <a:rPr lang="fr-FR" sz="1200" dirty="0"/>
-              <a:t> </a:t>
-            </a:r>
-            <a:r>
-              <a:rPr lang="fr-FR" sz="1200" dirty="0" err="1"/>
-              <a:t>financial</a:t>
-            </a:r>
-            <a:r>
-              <a:rPr lang="fr-FR" sz="1200" dirty="0"/>
-              <a:t> </a:t>
-            </a:r>
-            <a:r>
-              <a:rPr lang="fr-FR" sz="1200" dirty="0" err="1"/>
-              <a:t>risk</a:t>
-            </a:r>
-            <a:r>
-              <a:rPr lang="fr-FR" sz="1200" dirty="0"/>
-              <a:t> </a:t>
-            </a:r>
-            <a:r>
-              <a:rPr lang="fr-FR" sz="1200" dirty="0" err="1"/>
-              <a:t>treasury</a:t>
-            </a:r>
-            <a:r>
-              <a:rPr lang="fr-FR" sz="1200" dirty="0"/>
-              <a:t> </a:t>
-            </a:r>
-            <a:r>
-              <a:rPr lang="fr-FR" sz="1200" dirty="0" err="1"/>
-              <a:t>credit</a:t>
-            </a:r>
-            <a:endParaRPr lang="fr-FR" sz="1200" dirty="0"/>
-          </a:p>
-          <a:p>
-            <a:endParaRPr lang="fr-FR" sz="1200" dirty="0"/>
-          </a:p>
-          <a:p>
-            <a:r>
-              <a:rPr lang="fr-FR" sz="1200" dirty="0"/>
-              <a:t>2 : central projections percent </a:t>
-            </a:r>
-            <a:r>
-              <a:rPr lang="fr-FR" sz="1200" dirty="0" err="1"/>
-              <a:t>unemployment</a:t>
-            </a:r>
-            <a:r>
-              <a:rPr lang="fr-FR" sz="1200" dirty="0"/>
-              <a:t> </a:t>
-            </a:r>
-            <a:r>
-              <a:rPr lang="fr-FR" sz="1200" dirty="0" err="1"/>
-              <a:t>gdp</a:t>
-            </a:r>
-            <a:r>
-              <a:rPr lang="fr-FR" sz="1200" dirty="0"/>
-              <a:t> </a:t>
-            </a:r>
-            <a:r>
-              <a:rPr lang="fr-FR" sz="1200" dirty="0" err="1"/>
-              <a:t>growth</a:t>
-            </a:r>
-            <a:r>
-              <a:rPr lang="fr-FR" sz="1200" dirty="0"/>
-              <a:t> </a:t>
-            </a:r>
-            <a:r>
-              <a:rPr lang="fr-FR" sz="1200" dirty="0" err="1"/>
-              <a:t>forecast</a:t>
-            </a:r>
-            <a:r>
-              <a:rPr lang="fr-FR" sz="1200" dirty="0"/>
-              <a:t> panel </a:t>
-            </a:r>
-            <a:r>
-              <a:rPr lang="fr-FR" sz="1200" dirty="0" err="1"/>
-              <a:t>assessments</a:t>
-            </a:r>
-            <a:r>
-              <a:rPr lang="fr-FR" sz="1200" dirty="0"/>
-              <a:t> </a:t>
-            </a:r>
-            <a:r>
-              <a:rPr lang="fr-FR" sz="1200" dirty="0" err="1"/>
-              <a:t>greenbook</a:t>
-            </a:r>
-            <a:endParaRPr lang="fr-FR" sz="1200" dirty="0"/>
-          </a:p>
-          <a:p>
-            <a:endParaRPr lang="fr-FR" sz="1200" dirty="0"/>
-          </a:p>
-          <a:p>
-            <a:r>
-              <a:rPr lang="fr-FR" sz="1200" dirty="0"/>
-              <a:t>3: production management </a:t>
-            </a:r>
-            <a:r>
-              <a:rPr lang="fr-FR" sz="1200" dirty="0" err="1"/>
-              <a:t>materials</a:t>
-            </a:r>
-            <a:r>
-              <a:rPr lang="fr-FR" sz="1200" dirty="0"/>
-              <a:t> </a:t>
-            </a:r>
-            <a:r>
-              <a:rPr lang="fr-FR" sz="1200" dirty="0" err="1"/>
-              <a:t>reducing</a:t>
-            </a:r>
-            <a:r>
-              <a:rPr lang="fr-FR" sz="1200" dirty="0"/>
-              <a:t> </a:t>
-            </a:r>
-            <a:r>
-              <a:rPr lang="fr-FR" sz="1200" dirty="0" err="1"/>
-              <a:t>estimates</a:t>
-            </a:r>
-            <a:r>
-              <a:rPr lang="fr-FR" sz="1200" dirty="0"/>
-              <a:t> </a:t>
-            </a:r>
-            <a:r>
-              <a:rPr lang="fr-FR" sz="1200" dirty="0" err="1"/>
-              <a:t>extent</a:t>
-            </a:r>
-            <a:r>
-              <a:rPr lang="fr-FR" sz="1200" dirty="0"/>
-              <a:t> positive </a:t>
-            </a:r>
-            <a:r>
-              <a:rPr lang="fr-FR" sz="1200" dirty="0" err="1"/>
-              <a:t>side</a:t>
-            </a:r>
-            <a:r>
-              <a:rPr lang="fr-FR" sz="1200" dirty="0"/>
-              <a:t> chart </a:t>
-            </a:r>
-          </a:p>
-          <a:p>
-            <a:endParaRPr lang="fr-FR" sz="1200" dirty="0"/>
-          </a:p>
-          <a:p>
-            <a:r>
-              <a:rPr lang="fr-FR" sz="1200" dirty="0"/>
-              <a:t>4: </a:t>
-            </a:r>
-            <a:r>
-              <a:rPr lang="fr-FR" sz="1200" dirty="0" err="1"/>
-              <a:t>liftoff</a:t>
-            </a:r>
-            <a:r>
-              <a:rPr lang="fr-FR" sz="1200" dirty="0"/>
-              <a:t> premiums </a:t>
-            </a:r>
-            <a:r>
-              <a:rPr lang="fr-FR" sz="1200" dirty="0" err="1"/>
-              <a:t>overnight</a:t>
-            </a:r>
-            <a:r>
-              <a:rPr lang="fr-FR" sz="1200" dirty="0"/>
-              <a:t> </a:t>
-            </a:r>
-            <a:r>
-              <a:rPr lang="fr-FR" sz="1200" dirty="0" err="1"/>
-              <a:t>moreover</a:t>
-            </a:r>
-            <a:r>
-              <a:rPr lang="fr-FR" sz="1200" dirty="0"/>
-              <a:t> memo implication </a:t>
-            </a:r>
-            <a:r>
-              <a:rPr lang="fr-FR" sz="1200" dirty="0" err="1"/>
-              <a:t>probability</a:t>
-            </a:r>
-            <a:r>
-              <a:rPr lang="fr-FR" sz="1200" dirty="0"/>
-              <a:t> </a:t>
-            </a:r>
-            <a:r>
-              <a:rPr lang="fr-FR" sz="1200" dirty="0" err="1"/>
-              <a:t>deleveraging</a:t>
-            </a:r>
-            <a:r>
-              <a:rPr lang="fr-FR" sz="1200" dirty="0"/>
-              <a:t> </a:t>
-            </a:r>
-            <a:r>
-              <a:rPr lang="fr-FR" sz="1200" dirty="0" err="1"/>
-              <a:t>commodity</a:t>
-            </a:r>
-            <a:endParaRPr lang="fr-FR" sz="1200" dirty="0"/>
-          </a:p>
-          <a:p>
-            <a:br>
-              <a:rPr lang="fr-FR" sz="1200" dirty="0"/>
-            </a:br>
-            <a:r>
-              <a:rPr lang="fr-FR" sz="1200" dirty="0"/>
-              <a:t>5: </a:t>
-            </a:r>
-            <a:r>
-              <a:rPr lang="fr-FR" sz="1200" dirty="0" err="1"/>
-              <a:t>remittances</a:t>
-            </a:r>
-            <a:r>
-              <a:rPr lang="fr-FR" sz="1200" dirty="0"/>
-              <a:t> </a:t>
-            </a:r>
-            <a:r>
-              <a:rPr lang="fr-FR" sz="1200" dirty="0" err="1"/>
-              <a:t>sheet</a:t>
-            </a:r>
-            <a:r>
-              <a:rPr lang="fr-FR" sz="1200" dirty="0"/>
-              <a:t> </a:t>
-            </a:r>
-            <a:r>
-              <a:rPr lang="fr-FR" sz="1200" dirty="0" err="1"/>
-              <a:t>board</a:t>
-            </a:r>
-            <a:r>
-              <a:rPr lang="fr-FR" sz="1200" dirty="0"/>
-              <a:t> repo </a:t>
-            </a:r>
-            <a:r>
-              <a:rPr lang="fr-FR" sz="1200" dirty="0" err="1"/>
-              <a:t>judge</a:t>
-            </a:r>
-            <a:r>
-              <a:rPr lang="fr-FR" sz="1200" dirty="0"/>
-              <a:t> look </a:t>
-            </a:r>
-            <a:r>
-              <a:rPr lang="fr-FR" sz="1200" dirty="0" err="1"/>
-              <a:t>rather</a:t>
-            </a:r>
-            <a:r>
-              <a:rPr lang="fr-FR" sz="1200" dirty="0"/>
-              <a:t> </a:t>
-            </a:r>
-            <a:r>
-              <a:rPr lang="fr-FR" sz="1200" dirty="0" err="1"/>
-              <a:t>facility</a:t>
-            </a:r>
-            <a:r>
-              <a:rPr lang="fr-FR" sz="1200" dirty="0"/>
-              <a:t> structural stress scenario </a:t>
-            </a:r>
-            <a:r>
-              <a:rPr lang="fr-FR" sz="1200" dirty="0" err="1"/>
-              <a:t>weaker</a:t>
-            </a:r>
-            <a:endParaRPr lang="fr-FR" sz="1200" dirty="0"/>
           </a:p>
         </p:txBody>
       </p:sp>
     </p:spTree>
     <p:extLst>
       <p:ext uri="{BB962C8B-B14F-4D97-AF65-F5344CB8AC3E}">
-        <p14:creationId xmlns:p14="http://schemas.microsoft.com/office/powerpoint/2010/main" val="3112966563"/>
+        <p14:creationId xmlns:p14="http://schemas.microsoft.com/office/powerpoint/2010/main" val="2235630758"/>
       </p:ext>
     </p:extLst>
   </p:cSld>
@@ -7445,7 +7932,7 @@
         <p:spPr>
           <a:xfrm>
             <a:off x="2291674" y="1413689"/>
-            <a:ext cx="7894996" cy="923330"/>
+            <a:ext cx="7894996" cy="646331"/>
           </a:xfrm>
           <a:prstGeom prst="rect">
             <a:avLst/>
@@ -7484,25 +7971,6 @@
               <a:rPr lang="fr-FR" dirty="0"/>
               <a:t>LDA sur  les individus à cheval sur les deux mandats. </a:t>
             </a:r>
-          </a:p>
-          <a:p>
-            <a:r>
-              <a:rPr lang="fr-FR" dirty="0"/>
-              <a:t>Idem pour </a:t>
-            </a:r>
-            <a:r>
-              <a:rPr lang="fr-FR" dirty="0" err="1"/>
-              <a:t>Yellen</a:t>
-            </a:r>
-            <a:r>
-              <a:rPr lang="fr-FR" dirty="0"/>
-              <a:t>/</a:t>
-            </a:r>
-            <a:r>
-              <a:rPr lang="fr-FR" dirty="0" err="1"/>
-              <a:t>Bernanke</a:t>
-            </a:r>
-            <a:endParaRPr lang="fr-FR" dirty="0"/>
           </a:p>
         </p:txBody>
       </p:sp>
@@ -8234,6 +8702,865 @@
     </p:spTree>
     <p:extLst>
       <p:ext uri="{BB962C8B-B14F-4D97-AF65-F5344CB8AC3E}">
+        <p14:creationId xmlns:p14="http://schemas.microsoft.com/office/powerpoint/2010/main" val="3112966563"/>
+      </p:ext>
+    </p:extLst>
+  </p:cSld>
+  <p:clrMapOvr>
+    <a:masterClrMapping/>
+  </p:clrMapOvr>
+</p:sld>
+</file>
+
+<file path=ppt/slides/slide8.xml><?xml version="1.0" encoding="utf-8"?>
+<p:sld xmlns:a="http://schemas.openxmlformats.org/drawingml/2006/main" xmlns:r="http://schemas.openxmlformats.org/officeDocument/2006/relationships" xmlns:p="http://schemas.openxmlformats.org/presentationml/2006/main">
+  <p:cSld>
+    <p:spTree>
+      <p:nvGrpSpPr>
+        <p:cNvPr id="1" name=""/>
+        <p:cNvGrpSpPr/>
+        <p:nvPr/>
+      </p:nvGrpSpPr>
+      <p:grpSpPr>
+        <a:xfrm>
+          <a:off x="0" y="0"/>
+          <a:ext cx="0" cy="0"/>
+          <a:chOff x="0" y="0"/>
+          <a:chExt cx="0" cy="0"/>
+        </a:xfrm>
+      </p:grpSpPr>
+      <p:sp>
+        <p:nvSpPr>
+          <p:cNvPr id="2" name="Titre 1">
+            <a:extLst>
+              <a:ext uri="{FF2B5EF4-FFF2-40B4-BE49-F238E27FC236}">
+                <a16:creationId xmlns:a16="http://schemas.microsoft.com/office/drawing/2014/main" id="{3571F014-62C6-DE4E-82AE-F9FF1BBA657B}"/>
+              </a:ext>
+            </a:extLst>
+          </p:cNvPr>
+          <p:cNvSpPr>
+            <a:spLocks noGrp="1"/>
+          </p:cNvSpPr>
+          <p:nvPr>
+            <p:ph type="title"/>
+          </p:nvPr>
+        </p:nvSpPr>
+        <p:spPr/>
+        <p:txBody>
+          <a:bodyPr/>
+          <a:lstStyle/>
+          <a:p>
+            <a:r>
+              <a:rPr lang="fr-FR" dirty="0"/>
+              <a:t>LDA : pistes et commentaires</a:t>
+            </a:r>
+          </a:p>
+        </p:txBody>
+      </p:sp>
+      <p:sp>
+        <p:nvSpPr>
+          <p:cNvPr id="4" name="ZoneTexte 3">
+            <a:extLst>
+              <a:ext uri="{FF2B5EF4-FFF2-40B4-BE49-F238E27FC236}">
+                <a16:creationId xmlns:a16="http://schemas.microsoft.com/office/drawing/2014/main" id="{AA3777CE-5F60-1243-88A3-6441BDC0E21E}"/>
+              </a:ext>
+            </a:extLst>
+          </p:cNvPr>
+          <p:cNvSpPr txBox="1"/>
+          <p:nvPr/>
+        </p:nvSpPr>
+        <p:spPr>
+          <a:xfrm>
+            <a:off x="2291674" y="1413689"/>
+            <a:ext cx="7894996" cy="923330"/>
+          </a:xfrm>
+          <a:prstGeom prst="rect">
+            <a:avLst/>
+          </a:prstGeom>
+          <a:noFill/>
+        </p:spPr>
+        <p:txBody>
+          <a:bodyPr wrap="square" rtlCol="0">
+            <a:spAutoFit/>
+          </a:bodyPr>
+          <a:lstStyle/>
+          <a:p>
+            <a:r>
+              <a:rPr lang="fr-FR" dirty="0"/>
+              <a:t>De la </a:t>
+            </a:r>
+            <a:r>
+              <a:rPr lang="fr-FR" b="1" dirty="0"/>
+              <a:t>chair Greenspan : </a:t>
+            </a:r>
+            <a:r>
+              <a:rPr lang="fr-FR" dirty="0"/>
+              <a:t>évolution au passage à </a:t>
+            </a:r>
+            <a:r>
+              <a:rPr lang="fr-FR" b="1" dirty="0" err="1"/>
+              <a:t>Bernanke</a:t>
+            </a:r>
+            <a:r>
+              <a:rPr lang="fr-FR" dirty="0"/>
+              <a:t> ?</a:t>
+            </a:r>
+          </a:p>
+          <a:p>
+            <a:r>
+              <a:rPr lang="fr-FR" dirty="0"/>
+              <a:t>LDA sur  les individus à cheval sur les deux mandats. </a:t>
+            </a:r>
+          </a:p>
+          <a:p>
+            <a:r>
+              <a:rPr lang="fr-FR" dirty="0"/>
+              <a:t>Idem pour </a:t>
+            </a:r>
+            <a:r>
+              <a:rPr lang="fr-FR" dirty="0" err="1"/>
+              <a:t>Yellen</a:t>
+            </a:r>
+            <a:r>
+              <a:rPr lang="fr-FR" dirty="0"/>
+              <a:t>/</a:t>
+            </a:r>
+            <a:r>
+              <a:rPr lang="fr-FR" dirty="0" err="1"/>
+              <a:t>Bernanke</a:t>
+            </a:r>
+            <a:endParaRPr lang="fr-FR" dirty="0"/>
+          </a:p>
+        </p:txBody>
+      </p:sp>
+      <p:pic>
+        <p:nvPicPr>
+          <p:cNvPr id="6" name="Image 5">
+            <a:extLst>
+              <a:ext uri="{FF2B5EF4-FFF2-40B4-BE49-F238E27FC236}">
+                <a16:creationId xmlns:a16="http://schemas.microsoft.com/office/drawing/2014/main" id="{8980C410-4F58-D343-B4A3-DE16B4FADC55}"/>
+              </a:ext>
+            </a:extLst>
+          </p:cNvPr>
+          <p:cNvPicPr>
+            <a:picLocks noChangeAspect="1"/>
+          </p:cNvPicPr>
+          <p:nvPr/>
+        </p:nvPicPr>
+        <p:blipFill rotWithShape="1">
+          <a:blip r:embed="rId2"/>
+          <a:srcRect r="50889"/>
+          <a:stretch/>
+        </p:blipFill>
+        <p:spPr>
+          <a:xfrm>
+            <a:off x="1981201" y="2664413"/>
+            <a:ext cx="4114799" cy="3514546"/>
+          </a:xfrm>
+          <a:prstGeom prst="rect">
+            <a:avLst/>
+          </a:prstGeom>
+        </p:spPr>
+      </p:pic>
+      <p:pic>
+        <p:nvPicPr>
+          <p:cNvPr id="8" name="Image 7">
+            <a:extLst>
+              <a:ext uri="{FF2B5EF4-FFF2-40B4-BE49-F238E27FC236}">
+                <a16:creationId xmlns:a16="http://schemas.microsoft.com/office/drawing/2014/main" id="{CC3FBD37-B70B-2B44-ADF2-A64896B2DFDD}"/>
+              </a:ext>
+            </a:extLst>
+          </p:cNvPr>
+          <p:cNvPicPr>
+            <a:picLocks noChangeAspect="1"/>
+          </p:cNvPicPr>
+          <p:nvPr/>
+        </p:nvPicPr>
+        <p:blipFill rotWithShape="1">
+          <a:blip r:embed="rId3"/>
+          <a:srcRect r="52120"/>
+          <a:stretch/>
+        </p:blipFill>
+        <p:spPr>
+          <a:xfrm>
+            <a:off x="8153400" y="2607263"/>
+            <a:ext cx="4114798" cy="4193587"/>
+          </a:xfrm>
+          <a:prstGeom prst="rect">
+            <a:avLst/>
+          </a:prstGeom>
+        </p:spPr>
+      </p:pic>
+      <p:sp>
+        <p:nvSpPr>
+          <p:cNvPr id="9" name="ZoneTexte 8">
+            <a:extLst>
+              <a:ext uri="{FF2B5EF4-FFF2-40B4-BE49-F238E27FC236}">
+                <a16:creationId xmlns:a16="http://schemas.microsoft.com/office/drawing/2014/main" id="{5E38C79D-7489-5147-AFF5-1BA796CBFBFC}"/>
+              </a:ext>
+            </a:extLst>
+          </p:cNvPr>
+          <p:cNvSpPr txBox="1"/>
+          <p:nvPr/>
+        </p:nvSpPr>
+        <p:spPr>
+          <a:xfrm>
+            <a:off x="382193" y="2241829"/>
+            <a:ext cx="1909481" cy="369332"/>
+          </a:xfrm>
+          <a:prstGeom prst="rect">
+            <a:avLst/>
+          </a:prstGeom>
+          <a:noFill/>
+        </p:spPr>
+        <p:txBody>
+          <a:bodyPr wrap="square" rtlCol="0">
+            <a:spAutoFit/>
+          </a:bodyPr>
+          <a:lstStyle/>
+          <a:p>
+            <a:r>
+              <a:rPr lang="fr-FR" dirty="0"/>
+              <a:t>Greenspan</a:t>
+            </a:r>
+          </a:p>
+        </p:txBody>
+      </p:sp>
+      <p:sp>
+        <p:nvSpPr>
+          <p:cNvPr id="10" name="ZoneTexte 9">
+            <a:extLst>
+              <a:ext uri="{FF2B5EF4-FFF2-40B4-BE49-F238E27FC236}">
+                <a16:creationId xmlns:a16="http://schemas.microsoft.com/office/drawing/2014/main" id="{D8A3B391-E74E-F848-A70E-9E40535672A3}"/>
+              </a:ext>
+            </a:extLst>
+          </p:cNvPr>
+          <p:cNvSpPr txBox="1"/>
+          <p:nvPr/>
+        </p:nvSpPr>
+        <p:spPr>
+          <a:xfrm>
+            <a:off x="6589061" y="2205854"/>
+            <a:ext cx="1909481" cy="369332"/>
+          </a:xfrm>
+          <a:prstGeom prst="rect">
+            <a:avLst/>
+          </a:prstGeom>
+          <a:noFill/>
+        </p:spPr>
+        <p:txBody>
+          <a:bodyPr wrap="square" rtlCol="0">
+            <a:spAutoFit/>
+          </a:bodyPr>
+          <a:lstStyle/>
+          <a:p>
+            <a:r>
+              <a:rPr lang="fr-FR" dirty="0" err="1"/>
+              <a:t>Bernanke</a:t>
+            </a:r>
+            <a:endParaRPr lang="fr-FR" dirty="0"/>
+          </a:p>
+        </p:txBody>
+      </p:sp>
+      <p:sp>
+        <p:nvSpPr>
+          <p:cNvPr id="11" name="ZoneTexte 10">
+            <a:extLst>
+              <a:ext uri="{FF2B5EF4-FFF2-40B4-BE49-F238E27FC236}">
+                <a16:creationId xmlns:a16="http://schemas.microsoft.com/office/drawing/2014/main" id="{9C247967-EF8F-3E47-BD6A-65A3C1F71C68}"/>
+              </a:ext>
+            </a:extLst>
+          </p:cNvPr>
+          <p:cNvSpPr txBox="1"/>
+          <p:nvPr/>
+        </p:nvSpPr>
+        <p:spPr>
+          <a:xfrm>
+            <a:off x="161365" y="2796988"/>
+            <a:ext cx="1819836" cy="3970318"/>
+          </a:xfrm>
+          <a:prstGeom prst="rect">
+            <a:avLst/>
+          </a:prstGeom>
+          <a:noFill/>
+        </p:spPr>
+        <p:txBody>
+          <a:bodyPr wrap="square" rtlCol="0">
+            <a:spAutoFit/>
+          </a:bodyPr>
+          <a:lstStyle/>
+          <a:p>
+            <a:r>
+              <a:rPr lang="fr-FR" sz="1200" dirty="0"/>
+              <a:t>1 : rate </a:t>
+            </a:r>
+            <a:r>
+              <a:rPr lang="fr-FR" sz="1200" dirty="0" err="1"/>
+              <a:t>growth</a:t>
+            </a:r>
+            <a:r>
+              <a:rPr lang="fr-FR" sz="1200" dirty="0"/>
+              <a:t> percent inflation </a:t>
+            </a:r>
+            <a:r>
+              <a:rPr lang="fr-FR" sz="1200" dirty="0" err="1"/>
+              <a:t>year</a:t>
+            </a:r>
+            <a:r>
+              <a:rPr lang="fr-FR" sz="1200" dirty="0"/>
+              <a:t>  </a:t>
+            </a:r>
+            <a:r>
+              <a:rPr lang="fr-FR" sz="1200" dirty="0" err="1"/>
+              <a:t>policy</a:t>
+            </a:r>
+            <a:r>
+              <a:rPr lang="fr-FR" sz="1200" dirty="0"/>
+              <a:t> us panel </a:t>
+            </a:r>
+            <a:r>
+              <a:rPr lang="fr-FR" sz="1200" dirty="0" err="1"/>
+              <a:t>prices</a:t>
+            </a:r>
+            <a:r>
+              <a:rPr lang="fr-FR" sz="1200" dirty="0"/>
+              <a:t> </a:t>
+            </a:r>
+            <a:r>
+              <a:rPr lang="fr-FR" sz="1200" dirty="0" err="1"/>
+              <a:t>forecast</a:t>
+            </a:r>
+            <a:endParaRPr lang="fr-FR" sz="1200" dirty="0"/>
+          </a:p>
+          <a:p>
+            <a:endParaRPr lang="fr-FR" sz="1200" dirty="0"/>
+          </a:p>
+          <a:p>
+            <a:r>
+              <a:rPr lang="fr-FR" sz="1200" dirty="0"/>
+              <a:t>2 : </a:t>
+            </a:r>
+            <a:r>
+              <a:rPr lang="fr-FR" sz="1200" dirty="0" err="1"/>
+              <a:t>press</a:t>
+            </a:r>
+            <a:r>
+              <a:rPr lang="fr-FR" sz="1200" dirty="0"/>
+              <a:t> </a:t>
+            </a:r>
+            <a:r>
+              <a:rPr lang="fr-FR" sz="1200" dirty="0" err="1"/>
+              <a:t>commitee</a:t>
+            </a:r>
+            <a:r>
+              <a:rPr lang="fr-FR" sz="1200" dirty="0"/>
+              <a:t> </a:t>
+            </a:r>
+            <a:r>
+              <a:rPr lang="fr-FR" sz="1200" dirty="0" err="1"/>
+              <a:t>saving</a:t>
+            </a:r>
+            <a:r>
+              <a:rPr lang="fr-FR" sz="1200" dirty="0"/>
+              <a:t> </a:t>
+            </a:r>
+            <a:r>
+              <a:rPr lang="fr-FR" sz="1200" dirty="0" err="1"/>
+              <a:t>recall</a:t>
+            </a:r>
+            <a:r>
+              <a:rPr lang="fr-FR" sz="1200" dirty="0"/>
+              <a:t> swap </a:t>
+            </a:r>
+            <a:r>
+              <a:rPr lang="fr-FR" sz="1200" dirty="0" err="1"/>
+              <a:t>assets</a:t>
+            </a:r>
+            <a:r>
+              <a:rPr lang="fr-FR" sz="1200" dirty="0"/>
+              <a:t> figure budget break </a:t>
+            </a:r>
+            <a:r>
+              <a:rPr lang="fr-FR" sz="1200" dirty="0" err="1"/>
+              <a:t>raise</a:t>
+            </a:r>
+            <a:r>
+              <a:rPr lang="fr-FR" sz="1200" dirty="0"/>
+              <a:t> </a:t>
+            </a:r>
+            <a:r>
+              <a:rPr lang="fr-FR" sz="1200" dirty="0" err="1"/>
+              <a:t>banking</a:t>
+            </a:r>
+            <a:endParaRPr lang="fr-FR" sz="1200" dirty="0"/>
+          </a:p>
+          <a:p>
+            <a:endParaRPr lang="fr-FR" sz="1200" dirty="0"/>
+          </a:p>
+          <a:p>
+            <a:r>
+              <a:rPr lang="fr-FR" sz="1200" dirty="0"/>
+              <a:t>3: signal </a:t>
+            </a:r>
+            <a:r>
+              <a:rPr lang="fr-FR" sz="1200" dirty="0" err="1"/>
+              <a:t>recommendation</a:t>
+            </a:r>
+            <a:r>
+              <a:rPr lang="fr-FR" sz="1200" dirty="0"/>
+              <a:t> compensation </a:t>
+            </a:r>
+            <a:r>
+              <a:rPr lang="fr-FR" sz="1200" dirty="0" err="1"/>
+              <a:t>uncertainties</a:t>
+            </a:r>
+            <a:r>
+              <a:rPr lang="fr-FR" sz="1200" dirty="0"/>
+              <a:t> reports </a:t>
+            </a:r>
+            <a:r>
+              <a:rPr lang="fr-FR" sz="1200" dirty="0" err="1"/>
+              <a:t>wage</a:t>
+            </a:r>
+            <a:r>
+              <a:rPr lang="fr-FR" sz="1200" dirty="0"/>
+              <a:t> </a:t>
+            </a:r>
+            <a:r>
+              <a:rPr lang="fr-FR" sz="1200" dirty="0" err="1"/>
+              <a:t>bluebook</a:t>
+            </a:r>
+            <a:r>
+              <a:rPr lang="fr-FR" sz="1200" dirty="0"/>
+              <a:t> power </a:t>
+            </a:r>
+          </a:p>
+          <a:p>
+            <a:endParaRPr lang="fr-FR" sz="1200" dirty="0"/>
+          </a:p>
+          <a:p>
+            <a:r>
+              <a:rPr lang="fr-FR" sz="1200" dirty="0"/>
+              <a:t>4: </a:t>
+            </a:r>
+            <a:r>
+              <a:rPr lang="fr-FR" sz="1200" dirty="0" err="1"/>
+              <a:t>results</a:t>
+            </a:r>
+            <a:r>
+              <a:rPr lang="fr-FR" sz="1200" dirty="0"/>
+              <a:t> parts </a:t>
+            </a:r>
+            <a:r>
+              <a:rPr lang="fr-FR" sz="1200" dirty="0" err="1"/>
+              <a:t>series</a:t>
+            </a:r>
+            <a:r>
+              <a:rPr lang="fr-FR" sz="1200" dirty="0"/>
+              <a:t> </a:t>
+            </a:r>
+            <a:r>
+              <a:rPr lang="fr-FR" sz="1200" dirty="0" err="1"/>
+              <a:t>probability</a:t>
+            </a:r>
+            <a:r>
+              <a:rPr lang="fr-FR" sz="1200" dirty="0"/>
+              <a:t> </a:t>
+            </a:r>
+            <a:r>
+              <a:rPr lang="fr-FR" sz="1200" dirty="0" err="1"/>
+              <a:t>momentum</a:t>
+            </a:r>
+            <a:r>
+              <a:rPr lang="fr-FR" sz="1200" dirty="0"/>
+              <a:t> budget </a:t>
+            </a:r>
+            <a:r>
+              <a:rPr lang="fr-FR" sz="1200" dirty="0" err="1"/>
+              <a:t>orders</a:t>
+            </a:r>
+            <a:r>
+              <a:rPr lang="fr-FR" sz="1200" dirty="0"/>
+              <a:t> </a:t>
+            </a:r>
+          </a:p>
+          <a:p>
+            <a:br>
+              <a:rPr lang="fr-FR" sz="1200" dirty="0"/>
+            </a:br>
+            <a:r>
+              <a:rPr lang="fr-FR" sz="1200" dirty="0"/>
+              <a:t>5: </a:t>
+            </a:r>
+            <a:r>
+              <a:rPr lang="fr-FR" sz="1200" dirty="0" err="1"/>
+              <a:t>previous</a:t>
+            </a:r>
+            <a:r>
+              <a:rPr lang="fr-FR" sz="1200" dirty="0"/>
+              <a:t> </a:t>
+            </a:r>
+            <a:r>
+              <a:rPr lang="fr-FR" sz="1200" dirty="0" err="1"/>
+              <a:t>maintain</a:t>
+            </a:r>
+            <a:r>
+              <a:rPr lang="fr-FR" sz="1200" dirty="0"/>
+              <a:t> lead record </a:t>
+            </a:r>
+            <a:r>
+              <a:rPr lang="fr-FR" sz="1200" dirty="0" err="1"/>
+              <a:t>reserves</a:t>
+            </a:r>
+            <a:r>
+              <a:rPr lang="fr-FR" sz="1200" dirty="0"/>
+              <a:t> </a:t>
+            </a:r>
+            <a:r>
+              <a:rPr lang="fr-FR" sz="1200" dirty="0" err="1"/>
+              <a:t>product</a:t>
+            </a:r>
+            <a:r>
+              <a:rPr lang="fr-FR" sz="1200" dirty="0"/>
+              <a:t> export </a:t>
+            </a:r>
+            <a:r>
+              <a:rPr lang="fr-FR" sz="1200" dirty="0" err="1"/>
+              <a:t>consequence</a:t>
+            </a:r>
+            <a:r>
+              <a:rPr lang="fr-FR" sz="1200" dirty="0"/>
+              <a:t> </a:t>
+            </a:r>
+          </a:p>
+        </p:txBody>
+      </p:sp>
+      <p:sp>
+        <p:nvSpPr>
+          <p:cNvPr id="12" name="ZoneTexte 11">
+            <a:extLst>
+              <a:ext uri="{FF2B5EF4-FFF2-40B4-BE49-F238E27FC236}">
+                <a16:creationId xmlns:a16="http://schemas.microsoft.com/office/drawing/2014/main" id="{7F9B0025-100F-8A4F-A4D5-0B6837D74737}"/>
+              </a:ext>
+            </a:extLst>
+          </p:cNvPr>
+          <p:cNvSpPr txBox="1"/>
+          <p:nvPr/>
+        </p:nvSpPr>
+        <p:spPr>
+          <a:xfrm>
+            <a:off x="6096000" y="2739252"/>
+            <a:ext cx="2097741" cy="4154984"/>
+          </a:xfrm>
+          <a:prstGeom prst="rect">
+            <a:avLst/>
+          </a:prstGeom>
+          <a:noFill/>
+        </p:spPr>
+        <p:txBody>
+          <a:bodyPr wrap="square" rtlCol="0">
+            <a:spAutoFit/>
+          </a:bodyPr>
+          <a:lstStyle/>
+          <a:p>
+            <a:r>
+              <a:rPr lang="fr-FR" sz="1200" dirty="0"/>
+              <a:t>1 : rate inflation </a:t>
+            </a:r>
+            <a:r>
+              <a:rPr lang="fr-FR" sz="1200" dirty="0" err="1"/>
+              <a:t>market</a:t>
+            </a:r>
+            <a:r>
+              <a:rPr lang="fr-FR" sz="1200" dirty="0"/>
+              <a:t> </a:t>
+            </a:r>
+            <a:r>
+              <a:rPr lang="fr-FR" sz="1200" dirty="0" err="1"/>
+              <a:t>funds</a:t>
+            </a:r>
+            <a:r>
+              <a:rPr lang="fr-FR" sz="1200" dirty="0"/>
+              <a:t> </a:t>
+            </a:r>
+            <a:r>
+              <a:rPr lang="fr-FR" sz="1200" dirty="0" err="1"/>
+              <a:t>federal</a:t>
+            </a:r>
+            <a:r>
+              <a:rPr lang="fr-FR" sz="1200" dirty="0"/>
+              <a:t> </a:t>
+            </a:r>
+            <a:r>
+              <a:rPr lang="fr-FR" sz="1200" dirty="0" err="1"/>
+              <a:t>reserve</a:t>
+            </a:r>
+            <a:r>
+              <a:rPr lang="fr-FR" sz="1200" dirty="0"/>
+              <a:t> </a:t>
+            </a:r>
+            <a:r>
+              <a:rPr lang="fr-FR" sz="1200" dirty="0" err="1"/>
+              <a:t>securities</a:t>
+            </a:r>
+            <a:r>
+              <a:rPr lang="fr-FR" sz="1200" dirty="0"/>
+              <a:t> </a:t>
+            </a:r>
+            <a:r>
+              <a:rPr lang="fr-FR" sz="1200" dirty="0" err="1"/>
+              <a:t>financial</a:t>
+            </a:r>
+            <a:r>
+              <a:rPr lang="fr-FR" sz="1200" dirty="0"/>
+              <a:t> </a:t>
+            </a:r>
+            <a:r>
+              <a:rPr lang="fr-FR" sz="1200" dirty="0" err="1"/>
+              <a:t>risk</a:t>
+            </a:r>
+            <a:r>
+              <a:rPr lang="fr-FR" sz="1200" dirty="0"/>
+              <a:t> </a:t>
+            </a:r>
+            <a:r>
+              <a:rPr lang="fr-FR" sz="1200" dirty="0" err="1"/>
+              <a:t>treasury</a:t>
+            </a:r>
+            <a:r>
+              <a:rPr lang="fr-FR" sz="1200" dirty="0"/>
+              <a:t> </a:t>
+            </a:r>
+            <a:r>
+              <a:rPr lang="fr-FR" sz="1200" dirty="0" err="1"/>
+              <a:t>credit</a:t>
+            </a:r>
+            <a:endParaRPr lang="fr-FR" sz="1200" dirty="0"/>
+          </a:p>
+          <a:p>
+            <a:endParaRPr lang="fr-FR" sz="1200" dirty="0"/>
+          </a:p>
+          <a:p>
+            <a:r>
+              <a:rPr lang="fr-FR" sz="1200" dirty="0"/>
+              <a:t>2 : central projections percent </a:t>
+            </a:r>
+            <a:r>
+              <a:rPr lang="fr-FR" sz="1200" dirty="0" err="1"/>
+              <a:t>unemployment</a:t>
+            </a:r>
+            <a:r>
+              <a:rPr lang="fr-FR" sz="1200" dirty="0"/>
+              <a:t> </a:t>
+            </a:r>
+            <a:r>
+              <a:rPr lang="fr-FR" sz="1200" dirty="0" err="1"/>
+              <a:t>gdp</a:t>
+            </a:r>
+            <a:r>
+              <a:rPr lang="fr-FR" sz="1200" dirty="0"/>
+              <a:t> </a:t>
+            </a:r>
+            <a:r>
+              <a:rPr lang="fr-FR" sz="1200" dirty="0" err="1"/>
+              <a:t>growth</a:t>
+            </a:r>
+            <a:r>
+              <a:rPr lang="fr-FR" sz="1200" dirty="0"/>
+              <a:t> </a:t>
+            </a:r>
+            <a:r>
+              <a:rPr lang="fr-FR" sz="1200" dirty="0" err="1"/>
+              <a:t>forecast</a:t>
+            </a:r>
+            <a:r>
+              <a:rPr lang="fr-FR" sz="1200" dirty="0"/>
+              <a:t> panel </a:t>
+            </a:r>
+            <a:r>
+              <a:rPr lang="fr-FR" sz="1200" dirty="0" err="1"/>
+              <a:t>assessments</a:t>
+            </a:r>
+            <a:r>
+              <a:rPr lang="fr-FR" sz="1200" dirty="0"/>
+              <a:t> </a:t>
+            </a:r>
+            <a:r>
+              <a:rPr lang="fr-FR" sz="1200" dirty="0" err="1"/>
+              <a:t>greenbook</a:t>
+            </a:r>
+            <a:endParaRPr lang="fr-FR" sz="1200" dirty="0"/>
+          </a:p>
+          <a:p>
+            <a:endParaRPr lang="fr-FR" sz="1200" dirty="0"/>
+          </a:p>
+          <a:p>
+            <a:r>
+              <a:rPr lang="fr-FR" sz="1200" dirty="0"/>
+              <a:t>3: production management </a:t>
+            </a:r>
+            <a:r>
+              <a:rPr lang="fr-FR" sz="1200" dirty="0" err="1"/>
+              <a:t>materials</a:t>
+            </a:r>
+            <a:r>
+              <a:rPr lang="fr-FR" sz="1200" dirty="0"/>
+              <a:t> </a:t>
+            </a:r>
+            <a:r>
+              <a:rPr lang="fr-FR" sz="1200" dirty="0" err="1"/>
+              <a:t>reducing</a:t>
+            </a:r>
+            <a:r>
+              <a:rPr lang="fr-FR" sz="1200" dirty="0"/>
+              <a:t> </a:t>
+            </a:r>
+            <a:r>
+              <a:rPr lang="fr-FR" sz="1200" dirty="0" err="1"/>
+              <a:t>estimates</a:t>
+            </a:r>
+            <a:r>
+              <a:rPr lang="fr-FR" sz="1200" dirty="0"/>
+              <a:t> </a:t>
+            </a:r>
+            <a:r>
+              <a:rPr lang="fr-FR" sz="1200" dirty="0" err="1"/>
+              <a:t>extent</a:t>
+            </a:r>
+            <a:r>
+              <a:rPr lang="fr-FR" sz="1200" dirty="0"/>
+              <a:t> positive </a:t>
+            </a:r>
+            <a:r>
+              <a:rPr lang="fr-FR" sz="1200" dirty="0" err="1"/>
+              <a:t>side</a:t>
+            </a:r>
+            <a:r>
+              <a:rPr lang="fr-FR" sz="1200" dirty="0"/>
+              <a:t> chart </a:t>
+            </a:r>
+          </a:p>
+          <a:p>
+            <a:endParaRPr lang="fr-FR" sz="1200" dirty="0"/>
+          </a:p>
+          <a:p>
+            <a:r>
+              <a:rPr lang="fr-FR" sz="1200" dirty="0"/>
+              <a:t>4: </a:t>
+            </a:r>
+            <a:r>
+              <a:rPr lang="fr-FR" sz="1200" dirty="0" err="1"/>
+              <a:t>liftoff</a:t>
+            </a:r>
+            <a:r>
+              <a:rPr lang="fr-FR" sz="1200" dirty="0"/>
+              <a:t> premiums </a:t>
+            </a:r>
+            <a:r>
+              <a:rPr lang="fr-FR" sz="1200" dirty="0" err="1"/>
+              <a:t>overnight</a:t>
+            </a:r>
+            <a:r>
+              <a:rPr lang="fr-FR" sz="1200" dirty="0"/>
+              <a:t> </a:t>
+            </a:r>
+            <a:r>
+              <a:rPr lang="fr-FR" sz="1200" dirty="0" err="1"/>
+              <a:t>moreover</a:t>
+            </a:r>
+            <a:r>
+              <a:rPr lang="fr-FR" sz="1200" dirty="0"/>
+              <a:t> memo implication </a:t>
+            </a:r>
+            <a:r>
+              <a:rPr lang="fr-FR" sz="1200" dirty="0" err="1"/>
+              <a:t>probability</a:t>
+            </a:r>
+            <a:r>
+              <a:rPr lang="fr-FR" sz="1200" dirty="0"/>
+              <a:t> </a:t>
+            </a:r>
+            <a:r>
+              <a:rPr lang="fr-FR" sz="1200" dirty="0" err="1"/>
+              <a:t>deleveraging</a:t>
+            </a:r>
+            <a:r>
+              <a:rPr lang="fr-FR" sz="1200" dirty="0"/>
+              <a:t> </a:t>
+            </a:r>
+            <a:r>
+              <a:rPr lang="fr-FR" sz="1200" dirty="0" err="1"/>
+              <a:t>commodity</a:t>
+            </a:r>
+            <a:endParaRPr lang="fr-FR" sz="1200" dirty="0"/>
+          </a:p>
+          <a:p>
+            <a:br>
+              <a:rPr lang="fr-FR" sz="1200" dirty="0"/>
+            </a:br>
+            <a:r>
+              <a:rPr lang="fr-FR" sz="1200" dirty="0"/>
+              <a:t>5: </a:t>
+            </a:r>
+            <a:r>
+              <a:rPr lang="fr-FR" sz="1200" dirty="0" err="1"/>
+              <a:t>remittances</a:t>
+            </a:r>
+            <a:r>
+              <a:rPr lang="fr-FR" sz="1200" dirty="0"/>
+              <a:t> </a:t>
+            </a:r>
+            <a:r>
+              <a:rPr lang="fr-FR" sz="1200" dirty="0" err="1"/>
+              <a:t>sheet</a:t>
+            </a:r>
+            <a:r>
+              <a:rPr lang="fr-FR" sz="1200" dirty="0"/>
+              <a:t> </a:t>
+            </a:r>
+            <a:r>
+              <a:rPr lang="fr-FR" sz="1200" dirty="0" err="1"/>
+              <a:t>board</a:t>
+            </a:r>
+            <a:r>
+              <a:rPr lang="fr-FR" sz="1200" dirty="0"/>
+              <a:t> repo </a:t>
+            </a:r>
+            <a:r>
+              <a:rPr lang="fr-FR" sz="1200" dirty="0" err="1"/>
+              <a:t>judge</a:t>
+            </a:r>
+            <a:r>
+              <a:rPr lang="fr-FR" sz="1200" dirty="0"/>
+              <a:t> look </a:t>
+            </a:r>
+            <a:r>
+              <a:rPr lang="fr-FR" sz="1200" dirty="0" err="1"/>
+              <a:t>rather</a:t>
+            </a:r>
+            <a:r>
+              <a:rPr lang="fr-FR" sz="1200" dirty="0"/>
+              <a:t> </a:t>
+            </a:r>
+            <a:r>
+              <a:rPr lang="fr-FR" sz="1200" dirty="0" err="1"/>
+              <a:t>facility</a:t>
+            </a:r>
+            <a:r>
+              <a:rPr lang="fr-FR" sz="1200" dirty="0"/>
+              <a:t> structural stress scenario </a:t>
+            </a:r>
+            <a:r>
+              <a:rPr lang="fr-FR" sz="1200" dirty="0" err="1"/>
+              <a:t>weaker</a:t>
+            </a:r>
+            <a:endParaRPr lang="fr-FR" sz="1200" dirty="0"/>
+          </a:p>
+        </p:txBody>
+      </p:sp>
+    </p:spTree>
+    <p:extLst>
+      <p:ext uri="{BB962C8B-B14F-4D97-AF65-F5344CB8AC3E}">
         <p14:creationId xmlns:p14="http://schemas.microsoft.com/office/powerpoint/2010/main" val="1618437305"/>
       </p:ext>
     </p:extLst>
@@ -8244,7 +9571,7 @@
 </p:sld>
 </file>
 
-<file path=ppt/slides/slide8.xml><?xml version="1.0" encoding="utf-8"?>
+<file path=ppt/slides/slide9.xml><?xml version="1.0" encoding="utf-8"?>
 <p:sld xmlns:a="http://schemas.openxmlformats.org/drawingml/2006/main" xmlns:r="http://schemas.openxmlformats.org/officeDocument/2006/relationships" xmlns:p="http://schemas.openxmlformats.org/presentationml/2006/main">
   <p:cSld>
     <p:spTree>
@@ -8784,282 +10111,6 @@
     <p:extLst>
       <p:ext uri="{BB962C8B-B14F-4D97-AF65-F5344CB8AC3E}">
         <p14:creationId xmlns:p14="http://schemas.microsoft.com/office/powerpoint/2010/main" val="2286629497"/>
-      </p:ext>
-    </p:extLst>
-  </p:cSld>
-  <p:clrMapOvr>
-    <a:masterClrMapping/>
-  </p:clrMapOvr>
-</p:sld>
-</file>
-
-<file path=ppt/slides/slide9.xml><?xml version="1.0" encoding="utf-8"?>
-<p:sld xmlns:a="http://schemas.openxmlformats.org/drawingml/2006/main" xmlns:r="http://schemas.openxmlformats.org/officeDocument/2006/relationships" xmlns:p="http://schemas.openxmlformats.org/presentationml/2006/main">
-  <p:cSld>
-    <p:spTree>
-      <p:nvGrpSpPr>
-        <p:cNvPr id="1" name=""/>
-        <p:cNvGrpSpPr/>
-        <p:nvPr/>
-      </p:nvGrpSpPr>
-      <p:grpSpPr>
-        <a:xfrm>
-          <a:off x="0" y="0"/>
-          <a:ext cx="0" cy="0"/>
-          <a:chOff x="0" y="0"/>
-          <a:chExt cx="0" cy="0"/>
-        </a:xfrm>
-      </p:grpSpPr>
-      <p:sp>
-        <p:nvSpPr>
-          <p:cNvPr id="2" name="ZoneTexte 1">
-            <a:extLst>
-              <a:ext uri="{FF2B5EF4-FFF2-40B4-BE49-F238E27FC236}">
-                <a16:creationId xmlns:a16="http://schemas.microsoft.com/office/drawing/2014/main" id="{81812652-CCDA-CE4D-A9D9-E0E69BCFBB17}"/>
-              </a:ext>
-            </a:extLst>
-          </p:cNvPr>
-          <p:cNvSpPr txBox="1"/>
-          <p:nvPr/>
-        </p:nvSpPr>
-        <p:spPr>
-          <a:xfrm>
-            <a:off x="376518" y="268941"/>
-            <a:ext cx="11456894" cy="4739759"/>
-          </a:xfrm>
-          <a:prstGeom prst="rect">
-            <a:avLst/>
-          </a:prstGeom>
-          <a:noFill/>
-        </p:spPr>
-        <p:txBody>
-          <a:bodyPr wrap="square" rtlCol="0">
-            <a:spAutoFit/>
-          </a:bodyPr>
-          <a:lstStyle/>
-          <a:p>
-            <a:r>
-              <a:rPr lang="fr-FR" sz="3200" b="1" dirty="0"/>
-              <a:t>Pistes et bibliographie :</a:t>
-            </a:r>
-          </a:p>
-          <a:p>
-            <a:endParaRPr lang="fr-FR" dirty="0"/>
-          </a:p>
-          <a:p>
-            <a:pPr marL="285750" indent="-285750">
-              <a:buFontTx/>
-              <a:buChar char="-"/>
-            </a:pPr>
-            <a:r>
-              <a:rPr lang="fr-FR" dirty="0"/>
-              <a:t>Perspectives complémentaires sur l’article sur la Révolution Française : avec détail de la modélisation de la </a:t>
-            </a:r>
-            <a:r>
-              <a:rPr lang="fr-FR" dirty="0" err="1"/>
-              <a:t>novelty</a:t>
-            </a:r>
-            <a:r>
-              <a:rPr lang="fr-FR" dirty="0"/>
-              <a:t>, </a:t>
-            </a:r>
-            <a:r>
-              <a:rPr lang="fr-FR" dirty="0" err="1"/>
-              <a:t>transience</a:t>
-            </a:r>
-            <a:r>
-              <a:rPr lang="fr-FR" dirty="0"/>
-              <a:t> and </a:t>
-            </a:r>
-            <a:r>
-              <a:rPr lang="fr-FR" dirty="0" err="1"/>
-              <a:t>resonance</a:t>
-            </a:r>
-            <a:r>
-              <a:rPr lang="fr-FR" dirty="0"/>
-              <a:t> et LDA </a:t>
-            </a:r>
-            <a:r>
-              <a:rPr lang="fr-FR" dirty="0">
-                <a:hlinkClick r:id="rId2"/>
-              </a:rPr>
-              <a:t>https://www.pnas.org/content/pnas/suppl/2018/04/16/1717729115.DCSupplemental/pnas.1717729115.sapp.pdf</a:t>
-            </a:r>
-            <a:r>
-              <a:rPr lang="fr-FR" dirty="0"/>
-              <a:t> </a:t>
-            </a:r>
-          </a:p>
-          <a:p>
-            <a:pPr marL="285750" indent="-285750">
-              <a:buFontTx/>
-              <a:buChar char="-"/>
-            </a:pPr>
-            <a:r>
-              <a:rPr lang="fr-FR" dirty="0" err="1"/>
-              <a:t>LDAvis</a:t>
-            </a:r>
-            <a:r>
-              <a:rPr lang="fr-FR" dirty="0"/>
-              <a:t> : </a:t>
-            </a:r>
-            <a:r>
-              <a:rPr lang="fr-FR" dirty="0">
-                <a:hlinkClick r:id="rId3"/>
-              </a:rPr>
-              <a:t>https://nlp.stanford.edu/events/illvi2014/papers/sievert-illvi2014.pdf</a:t>
-            </a:r>
-            <a:r>
-              <a:rPr lang="fr-FR" dirty="0"/>
-              <a:t> (intègre du </a:t>
-            </a:r>
-            <a:r>
-              <a:rPr lang="fr-FR" dirty="0" err="1"/>
-              <a:t>clustering</a:t>
-            </a:r>
-            <a:r>
-              <a:rPr lang="fr-FR" dirty="0"/>
-              <a:t> pour </a:t>
-            </a:r>
-            <a:r>
-              <a:rPr lang="fr-FR" dirty="0" err="1"/>
-              <a:t>paramètrer</a:t>
-            </a:r>
-            <a:r>
-              <a:rPr lang="fr-FR" dirty="0"/>
-              <a:t> le modèle) </a:t>
-            </a:r>
-          </a:p>
-          <a:p>
-            <a:pPr marL="285750" indent="-285750">
-              <a:buFontTx/>
-              <a:buChar char="-"/>
-            </a:pPr>
-            <a:r>
-              <a:rPr lang="fr-FR" dirty="0"/>
-              <a:t>LDA avec online </a:t>
-            </a:r>
-            <a:r>
-              <a:rPr lang="fr-FR" dirty="0" err="1"/>
-              <a:t>learning</a:t>
-            </a:r>
-            <a:r>
-              <a:rPr lang="fr-FR" dirty="0"/>
-              <a:t> (pour le paramétrage) </a:t>
-            </a:r>
-            <a:r>
-              <a:rPr lang="fr-FR" dirty="0">
-                <a:hlinkClick r:id="rId4"/>
-              </a:rPr>
-              <a:t>https://papers.nips.cc/paper/2010/file/71f6278d140af599e06ad9bf1ba03cb0-Paper.pdf</a:t>
-            </a:r>
-            <a:r>
-              <a:rPr lang="fr-FR" dirty="0"/>
-              <a:t>  (pour l’implémentation) </a:t>
-            </a:r>
-            <a:r>
-              <a:rPr lang="fr-FR" dirty="0">
-                <a:hlinkClick r:id="rId5"/>
-              </a:rPr>
-              <a:t>https://scikit-learn.org/stable/modules/generated/sklearn.decomposition.LatentDirichletAllocation.html</a:t>
-            </a:r>
-            <a:r>
-              <a:rPr lang="fr-FR" dirty="0"/>
-              <a:t> </a:t>
-            </a:r>
-          </a:p>
-          <a:p>
-            <a:pPr marL="285750" indent="-285750">
-              <a:buFontTx/>
-              <a:buChar char="-"/>
-            </a:pPr>
-            <a:r>
-              <a:rPr lang="fr-FR" dirty="0"/>
-              <a:t>ouverture sur autre modèle de topic </a:t>
-            </a:r>
-            <a:r>
-              <a:rPr lang="fr-FR" dirty="0" err="1"/>
-              <a:t>modelling</a:t>
-            </a:r>
-            <a:r>
-              <a:rPr lang="fr-FR" dirty="0"/>
-              <a:t> non supervisé : </a:t>
-            </a:r>
-            <a:r>
-              <a:rPr lang="fr-FR" dirty="0">
-                <a:hlinkClick r:id="rId6"/>
-              </a:rPr>
-              <a:t>https://medium.com/voice-tech-podcast/topic-modelling-using-nmf-2f510d962b6e</a:t>
-            </a:r>
-            <a:r>
-              <a:rPr lang="fr-FR" dirty="0"/>
-              <a:t> </a:t>
-            </a:r>
-          </a:p>
-          <a:p>
-            <a:pPr marL="285750" indent="-285750">
-              <a:buFontTx/>
-              <a:buChar char="-"/>
-            </a:pPr>
-            <a:r>
-              <a:rPr lang="fr-FR" dirty="0"/>
-              <a:t>Ouverture: </a:t>
-            </a:r>
-            <a:r>
-              <a:rPr lang="fr-FR" dirty="0" err="1"/>
-              <a:t>clustering</a:t>
-            </a:r>
-            <a:r>
-              <a:rPr lang="fr-FR" dirty="0"/>
-              <a:t> pré-LDA pour définir le nombre de topics : </a:t>
-            </a:r>
-            <a:r>
-              <a:rPr lang="fr-FR" dirty="0">
-                <a:hlinkClick r:id="rId7"/>
-              </a:rPr>
-              <a:t>https://towardsdatascience.com/visualizing-word-embedding-with-pca-and-t-sne-961a692509f5</a:t>
-            </a:r>
-            <a:r>
-              <a:rPr lang="fr-FR" dirty="0"/>
-              <a:t> </a:t>
-            </a:r>
-          </a:p>
-          <a:p>
-            <a:pPr marL="285750" indent="-285750">
-              <a:buFontTx/>
-              <a:buChar char="-"/>
-            </a:pPr>
-            <a:r>
-              <a:rPr lang="fr-FR" dirty="0"/>
-              <a:t>LDA2VEC : modèle mixte : </a:t>
-            </a:r>
-            <a:r>
-              <a:rPr lang="fr-FR" dirty="0">
-                <a:hlinkClick r:id="rId8"/>
-              </a:rPr>
-              <a:t>https://github.com/meereeum/lda2vec-tf</a:t>
-            </a:r>
-            <a:r>
-              <a:rPr lang="fr-FR" dirty="0"/>
-              <a:t> implémentation </a:t>
-            </a:r>
-            <a:r>
-              <a:rPr lang="fr-FR" dirty="0">
-                <a:hlinkClick r:id="rId9"/>
-              </a:rPr>
-              <a:t>https://arxiv.org/abs/1605.02019</a:t>
-            </a:r>
-            <a:r>
-              <a:rPr lang="fr-FR" dirty="0"/>
-              <a:t> papier </a:t>
-            </a:r>
-          </a:p>
-        </p:txBody>
-      </p:sp>
-    </p:spTree>
-    <p:extLst>
-      <p:ext uri="{BB962C8B-B14F-4D97-AF65-F5344CB8AC3E}">
-        <p14:creationId xmlns:p14="http://schemas.microsoft.com/office/powerpoint/2010/main" val="3020586770"/>
       </p:ext>
     </p:extLst>
   </p:cSld>
